--- a/presentations/slides-114-BRSKI-AE.pptx
+++ b/presentations/slides-114-BRSKI-AE.pptx
@@ -1,26 +1,451 @@
 
 <file path=ppt/presentation.xml><?xml version="1.0" encoding="utf-8"?>
-<p:presentation xmlns:a="http://schemas.openxmlformats.org/drawingml/2006/main" xmlns:p="http://schemas.openxmlformats.org/presentationml/2006/main" xmlns:r="http://schemas.openxmlformats.org/officeDocument/2006/relationships" xmlns:p14="http://schemas.microsoft.com/office/powerpoint/2010/main" xmlns:p15="http://schemas.microsoft.com/office/powerpoint/2012/main" xmlns:mc="http://schemas.openxmlformats.org/markup-compatibility/2006">
+<p:presentation xmlns:a="http://schemas.openxmlformats.org/drawingml/2006/main" xmlns:r="http://schemas.openxmlformats.org/officeDocument/2006/relationships" xmlns:p="http://schemas.openxmlformats.org/presentationml/2006/main">
   <p:sldMasterIdLst>
-    <p:sldMasterId id="2147483648" r:id="rId2"/>
-    <p:sldMasterId id="2147483661" r:id="rId3"/>
+    <p:sldMasterId id="2147483648" r:id="rId1"/>
+    <p:sldMasterId id="2147483661" r:id="rId2"/>
   </p:sldMasterIdLst>
   <p:notesMasterIdLst>
-    <p:notesMasterId r:id="rId4"/>
+    <p:notesMasterId r:id="rId7"/>
   </p:notesMasterIdLst>
   <p:sldIdLst>
-    <p:sldId id="256" r:id="rId5"/>
-    <p:sldId id="257" r:id="rId6"/>
-    <p:sldId id="258" r:id="rId7"/>
-    <p:sldId id="259" r:id="rId8"/>
+    <p:sldId id="256" r:id="rId3"/>
+    <p:sldId id="257" r:id="rId4"/>
+    <p:sldId id="258" r:id="rId5"/>
+    <p:sldId id="259" r:id="rId6"/>
   </p:sldIdLst>
   <p:sldSz cx="12192000" cy="6858000"/>
   <p:notesSz cx="6858000" cy="9144000"/>
+  <p:defaultTextStyle>
+    <a:defPPr>
+      <a:defRPr lang="en-US"/>
+    </a:defPPr>
+    <a:lvl1pPr marL="0" algn="l" defTabSz="914400" rtl="0" eaLnBrk="1" latinLnBrk="0" hangingPunct="1">
+      <a:defRPr sz="1800" kern="1200">
+        <a:solidFill>
+          <a:schemeClr val="tx1"/>
+        </a:solidFill>
+        <a:latin typeface="+mn-lt"/>
+        <a:ea typeface="+mn-ea"/>
+        <a:cs typeface="+mn-cs"/>
+      </a:defRPr>
+    </a:lvl1pPr>
+    <a:lvl2pPr marL="457200" algn="l" defTabSz="914400" rtl="0" eaLnBrk="1" latinLnBrk="0" hangingPunct="1">
+      <a:defRPr sz="1800" kern="1200">
+        <a:solidFill>
+          <a:schemeClr val="tx1"/>
+        </a:solidFill>
+        <a:latin typeface="+mn-lt"/>
+        <a:ea typeface="+mn-ea"/>
+        <a:cs typeface="+mn-cs"/>
+      </a:defRPr>
+    </a:lvl2pPr>
+    <a:lvl3pPr marL="914400" algn="l" defTabSz="914400" rtl="0" eaLnBrk="1" latinLnBrk="0" hangingPunct="1">
+      <a:defRPr sz="1800" kern="1200">
+        <a:solidFill>
+          <a:schemeClr val="tx1"/>
+        </a:solidFill>
+        <a:latin typeface="+mn-lt"/>
+        <a:ea typeface="+mn-ea"/>
+        <a:cs typeface="+mn-cs"/>
+      </a:defRPr>
+    </a:lvl3pPr>
+    <a:lvl4pPr marL="1371600" algn="l" defTabSz="914400" rtl="0" eaLnBrk="1" latinLnBrk="0" hangingPunct="1">
+      <a:defRPr sz="1800" kern="1200">
+        <a:solidFill>
+          <a:schemeClr val="tx1"/>
+        </a:solidFill>
+        <a:latin typeface="+mn-lt"/>
+        <a:ea typeface="+mn-ea"/>
+        <a:cs typeface="+mn-cs"/>
+      </a:defRPr>
+    </a:lvl4pPr>
+    <a:lvl5pPr marL="1828800" algn="l" defTabSz="914400" rtl="0" eaLnBrk="1" latinLnBrk="0" hangingPunct="1">
+      <a:defRPr sz="1800" kern="1200">
+        <a:solidFill>
+          <a:schemeClr val="tx1"/>
+        </a:solidFill>
+        <a:latin typeface="+mn-lt"/>
+        <a:ea typeface="+mn-ea"/>
+        <a:cs typeface="+mn-cs"/>
+      </a:defRPr>
+    </a:lvl5pPr>
+    <a:lvl6pPr marL="2286000" algn="l" defTabSz="914400" rtl="0" eaLnBrk="1" latinLnBrk="0" hangingPunct="1">
+      <a:defRPr sz="1800" kern="1200">
+        <a:solidFill>
+          <a:schemeClr val="tx1"/>
+        </a:solidFill>
+        <a:latin typeface="+mn-lt"/>
+        <a:ea typeface="+mn-ea"/>
+        <a:cs typeface="+mn-cs"/>
+      </a:defRPr>
+    </a:lvl6pPr>
+    <a:lvl7pPr marL="2743200" algn="l" defTabSz="914400" rtl="0" eaLnBrk="1" latinLnBrk="0" hangingPunct="1">
+      <a:defRPr sz="1800" kern="1200">
+        <a:solidFill>
+          <a:schemeClr val="tx1"/>
+        </a:solidFill>
+        <a:latin typeface="+mn-lt"/>
+        <a:ea typeface="+mn-ea"/>
+        <a:cs typeface="+mn-cs"/>
+      </a:defRPr>
+    </a:lvl7pPr>
+    <a:lvl8pPr marL="3200400" algn="l" defTabSz="914400" rtl="0" eaLnBrk="1" latinLnBrk="0" hangingPunct="1">
+      <a:defRPr sz="1800" kern="1200">
+        <a:solidFill>
+          <a:schemeClr val="tx1"/>
+        </a:solidFill>
+        <a:latin typeface="+mn-lt"/>
+        <a:ea typeface="+mn-ea"/>
+        <a:cs typeface="+mn-cs"/>
+      </a:defRPr>
+    </a:lvl8pPr>
+    <a:lvl9pPr marL="3657600" algn="l" defTabSz="914400" rtl="0" eaLnBrk="1" latinLnBrk="0" hangingPunct="1">
+      <a:defRPr sz="1800" kern="1200">
+        <a:solidFill>
+          <a:schemeClr val="tx1"/>
+        </a:solidFill>
+        <a:latin typeface="+mn-lt"/>
+        <a:ea typeface="+mn-ea"/>
+        <a:cs typeface="+mn-cs"/>
+      </a:defRPr>
+    </a:lvl9pPr>
+  </p:defaultTextStyle>
 </p:presentation>
 </file>
 
 <file path=ppt/notesMasters/notesMaster1.xml><?xml version="1.0" encoding="utf-8"?>
-<p:notesMaster xmlns:a="http://schemas.openxmlformats.org/drawingml/2006/main" xmlns:p="http://schemas.openxmlformats.org/presentationml/2006/main" xmlns:r="http://schemas.openxmlformats.org/officeDocument/2006/relationships" xmlns:p14="http://schemas.microsoft.com/office/powerpoint/2010/main" xmlns:p15="http://schemas.microsoft.com/office/powerpoint/2012/main" xmlns:mc="http://schemas.openxmlformats.org/markup-compatibility/2006">
+<p:notesMaster xmlns:a="http://schemas.openxmlformats.org/drawingml/2006/main" xmlns:r="http://schemas.openxmlformats.org/officeDocument/2006/relationships" xmlns:p="http://schemas.openxmlformats.org/presentationml/2006/main">
+  <p:cSld>
+    <p:bg>
+      <p:bgRef idx="1001">
+        <a:schemeClr val="bg1"/>
+      </p:bgRef>
+    </p:bg>
+    <p:spTree>
+      <p:nvGrpSpPr>
+        <p:cNvPr id="1" name=""/>
+        <p:cNvGrpSpPr/>
+        <p:nvPr/>
+      </p:nvGrpSpPr>
+      <p:grpSpPr>
+        <a:xfrm>
+          <a:off x="0" y="0"/>
+          <a:ext cx="0" cy="0"/>
+          <a:chOff x="0" y="0"/>
+          <a:chExt cx="0" cy="0"/>
+        </a:xfrm>
+      </p:grpSpPr>
+      <p:sp>
+        <p:nvSpPr>
+          <p:cNvPr id="80" name="PlaceHolder 1"/>
+          <p:cNvSpPr>
+            <a:spLocks noGrp="1" noRot="1" noChangeAspect="1"/>
+          </p:cNvSpPr>
+          <p:nvPr>
+            <p:ph type="sldImg"/>
+          </p:nvPr>
+        </p:nvSpPr>
+        <p:spPr>
+          <a:xfrm>
+            <a:off x="216000" y="812520"/>
+            <a:ext cx="7127280" cy="4008960"/>
+          </a:xfrm>
+          <a:prstGeom prst="rect">
+            <a:avLst/>
+          </a:prstGeom>
+        </p:spPr>
+        <p:txBody>
+          <a:bodyPr lIns="0" tIns="0" rIns="0" bIns="0" anchor="ctr">
+            <a:noAutofit/>
+          </a:bodyPr>
+          <a:lstStyle/>
+          <a:p>
+            <a:pPr algn="ctr"/>
+            <a:r>
+              <a:rPr lang="en-US" sz="4400" b="0" strike="noStrike" spc="-1">
+                <a:latin typeface="Arial"/>
+              </a:rPr>
+              <a:t>Click to move the slide</a:t>
+            </a:r>
+          </a:p>
+        </p:txBody>
+      </p:sp>
+      <p:sp>
+        <p:nvSpPr>
+          <p:cNvPr id="81" name="PlaceHolder 2"/>
+          <p:cNvSpPr>
+            <a:spLocks noGrp="1"/>
+          </p:cNvSpPr>
+          <p:nvPr>
+            <p:ph type="body"/>
+          </p:nvPr>
+        </p:nvSpPr>
+        <p:spPr>
+          <a:xfrm>
+            <a:off x="756000" y="5078520"/>
+            <a:ext cx="6047640" cy="4811040"/>
+          </a:xfrm>
+          <a:prstGeom prst="rect">
+            <a:avLst/>
+          </a:prstGeom>
+        </p:spPr>
+        <p:txBody>
+          <a:bodyPr lIns="0" tIns="0" rIns="0" bIns="0">
+            <a:noAutofit/>
+          </a:bodyPr>
+          <a:lstStyle/>
+          <a:p>
+            <a:r>
+              <a:rPr lang="en-US" sz="2000" b="0" strike="noStrike" spc="-1">
+                <a:latin typeface="Arial"/>
+              </a:rPr>
+              <a:t>Click to edit the notes format</a:t>
+            </a:r>
+          </a:p>
+        </p:txBody>
+      </p:sp>
+      <p:sp>
+        <p:nvSpPr>
+          <p:cNvPr id="82" name="PlaceHolder 3"/>
+          <p:cNvSpPr>
+            <a:spLocks noGrp="1"/>
+          </p:cNvSpPr>
+          <p:nvPr>
+            <p:ph type="hdr"/>
+          </p:nvPr>
+        </p:nvSpPr>
+        <p:spPr>
+          <a:xfrm>
+            <a:off x="0" y="0"/>
+            <a:ext cx="3280680" cy="534240"/>
+          </a:xfrm>
+          <a:prstGeom prst="rect">
+            <a:avLst/>
+          </a:prstGeom>
+        </p:spPr>
+        <p:txBody>
+          <a:bodyPr lIns="0" tIns="0" rIns="0" bIns="0">
+            <a:noAutofit/>
+          </a:bodyPr>
+          <a:lstStyle/>
+          <a:p>
+            <a:r>
+              <a:rPr lang="en-US" sz="1400" b="0" strike="noStrike" spc="-1">
+                <a:latin typeface="Times New Roman"/>
+              </a:rPr>
+              <a:t>&lt;header&gt;</a:t>
+            </a:r>
+          </a:p>
+        </p:txBody>
+      </p:sp>
+      <p:sp>
+        <p:nvSpPr>
+          <p:cNvPr id="83" name="PlaceHolder 4"/>
+          <p:cNvSpPr>
+            <a:spLocks noGrp="1"/>
+          </p:cNvSpPr>
+          <p:nvPr>
+            <p:ph type="dt"/>
+          </p:nvPr>
+        </p:nvSpPr>
+        <p:spPr>
+          <a:xfrm>
+            <a:off x="4278960" y="0"/>
+            <a:ext cx="3280680" cy="534240"/>
+          </a:xfrm>
+          <a:prstGeom prst="rect">
+            <a:avLst/>
+          </a:prstGeom>
+        </p:spPr>
+        <p:txBody>
+          <a:bodyPr lIns="0" tIns="0" rIns="0" bIns="0">
+            <a:noAutofit/>
+          </a:bodyPr>
+          <a:lstStyle/>
+          <a:p>
+            <a:pPr algn="r"/>
+            <a:r>
+              <a:rPr lang="en-US" sz="1400" b="0" strike="noStrike" spc="-1">
+                <a:latin typeface="Times New Roman"/>
+              </a:rPr>
+              <a:t>&lt;date/time&gt;</a:t>
+            </a:r>
+          </a:p>
+        </p:txBody>
+      </p:sp>
+      <p:sp>
+        <p:nvSpPr>
+          <p:cNvPr id="84" name="PlaceHolder 5"/>
+          <p:cNvSpPr>
+            <a:spLocks noGrp="1"/>
+          </p:cNvSpPr>
+          <p:nvPr>
+            <p:ph type="ftr"/>
+          </p:nvPr>
+        </p:nvSpPr>
+        <p:spPr>
+          <a:xfrm>
+            <a:off x="0" y="10157400"/>
+            <a:ext cx="3280680" cy="534240"/>
+          </a:xfrm>
+          <a:prstGeom prst="rect">
+            <a:avLst/>
+          </a:prstGeom>
+        </p:spPr>
+        <p:txBody>
+          <a:bodyPr lIns="0" tIns="0" rIns="0" bIns="0" anchor="b">
+            <a:noAutofit/>
+          </a:bodyPr>
+          <a:lstStyle/>
+          <a:p>
+            <a:r>
+              <a:rPr lang="en-US" sz="1400" b="0" strike="noStrike" spc="-1">
+                <a:latin typeface="Times New Roman"/>
+              </a:rPr>
+              <a:t>&lt;footer&gt;</a:t>
+            </a:r>
+          </a:p>
+        </p:txBody>
+      </p:sp>
+      <p:sp>
+        <p:nvSpPr>
+          <p:cNvPr id="85" name="PlaceHolder 6"/>
+          <p:cNvSpPr>
+            <a:spLocks noGrp="1"/>
+          </p:cNvSpPr>
+          <p:nvPr>
+            <p:ph type="sldNum"/>
+          </p:nvPr>
+        </p:nvSpPr>
+        <p:spPr>
+          <a:xfrm>
+            <a:off x="4278960" y="10157400"/>
+            <a:ext cx="3280680" cy="534240"/>
+          </a:xfrm>
+          <a:prstGeom prst="rect">
+            <a:avLst/>
+          </a:prstGeom>
+        </p:spPr>
+        <p:txBody>
+          <a:bodyPr lIns="0" tIns="0" rIns="0" bIns="0" anchor="b">
+            <a:noAutofit/>
+          </a:bodyPr>
+          <a:lstStyle/>
+          <a:p>
+            <a:pPr algn="r"/>
+            <a:fld id="{C6AC8F15-DB8F-42BD-8868-CB342D2A420C}" type="slidenum">
+              <a:rPr lang="en-US" sz="1400" b="0" strike="noStrike" spc="-1">
+                <a:latin typeface="Times New Roman"/>
+              </a:rPr>
+              <a:t>‹#›</a:t>
+            </a:fld>
+            <a:endParaRPr lang="en-US" sz="1400" b="0" strike="noStrike" spc="-1">
+              <a:latin typeface="Times New Roman"/>
+            </a:endParaRPr>
+          </a:p>
+        </p:txBody>
+      </p:sp>
+    </p:spTree>
+  </p:cSld>
+  <p:clrMap bg1="lt1" tx1="dk1" bg2="lt2" tx2="dk2" accent1="accent1" accent2="accent2" accent3="accent3" accent4="accent4" accent5="accent5" accent6="accent6" hlink="hlink" folHlink="folHlink"/>
+  <p:notesStyle>
+    <a:lvl1pPr marL="0" algn="l" defTabSz="914400" rtl="0" eaLnBrk="1" latinLnBrk="0" hangingPunct="1">
+      <a:defRPr sz="1200" kern="1200">
+        <a:solidFill>
+          <a:schemeClr val="tx1"/>
+        </a:solidFill>
+        <a:latin typeface="+mn-lt"/>
+        <a:ea typeface="+mn-ea"/>
+        <a:cs typeface="+mn-cs"/>
+      </a:defRPr>
+    </a:lvl1pPr>
+    <a:lvl2pPr marL="457200" algn="l" defTabSz="914400" rtl="0" eaLnBrk="1" latinLnBrk="0" hangingPunct="1">
+      <a:defRPr sz="1200" kern="1200">
+        <a:solidFill>
+          <a:schemeClr val="tx1"/>
+        </a:solidFill>
+        <a:latin typeface="+mn-lt"/>
+        <a:ea typeface="+mn-ea"/>
+        <a:cs typeface="+mn-cs"/>
+      </a:defRPr>
+    </a:lvl2pPr>
+    <a:lvl3pPr marL="914400" algn="l" defTabSz="914400" rtl="0" eaLnBrk="1" latinLnBrk="0" hangingPunct="1">
+      <a:defRPr sz="1200" kern="1200">
+        <a:solidFill>
+          <a:schemeClr val="tx1"/>
+        </a:solidFill>
+        <a:latin typeface="+mn-lt"/>
+        <a:ea typeface="+mn-ea"/>
+        <a:cs typeface="+mn-cs"/>
+      </a:defRPr>
+    </a:lvl3pPr>
+    <a:lvl4pPr marL="1371600" algn="l" defTabSz="914400" rtl="0" eaLnBrk="1" latinLnBrk="0" hangingPunct="1">
+      <a:defRPr sz="1200" kern="1200">
+        <a:solidFill>
+          <a:schemeClr val="tx1"/>
+        </a:solidFill>
+        <a:latin typeface="+mn-lt"/>
+        <a:ea typeface="+mn-ea"/>
+        <a:cs typeface="+mn-cs"/>
+      </a:defRPr>
+    </a:lvl4pPr>
+    <a:lvl5pPr marL="1828800" algn="l" defTabSz="914400" rtl="0" eaLnBrk="1" latinLnBrk="0" hangingPunct="1">
+      <a:defRPr sz="1200" kern="1200">
+        <a:solidFill>
+          <a:schemeClr val="tx1"/>
+        </a:solidFill>
+        <a:latin typeface="+mn-lt"/>
+        <a:ea typeface="+mn-ea"/>
+        <a:cs typeface="+mn-cs"/>
+      </a:defRPr>
+    </a:lvl5pPr>
+    <a:lvl6pPr marL="2286000" algn="l" defTabSz="914400" rtl="0" eaLnBrk="1" latinLnBrk="0" hangingPunct="1">
+      <a:defRPr sz="1200" kern="1200">
+        <a:solidFill>
+          <a:schemeClr val="tx1"/>
+        </a:solidFill>
+        <a:latin typeface="+mn-lt"/>
+        <a:ea typeface="+mn-ea"/>
+        <a:cs typeface="+mn-cs"/>
+      </a:defRPr>
+    </a:lvl6pPr>
+    <a:lvl7pPr marL="2743200" algn="l" defTabSz="914400" rtl="0" eaLnBrk="1" latinLnBrk="0" hangingPunct="1">
+      <a:defRPr sz="1200" kern="1200">
+        <a:solidFill>
+          <a:schemeClr val="tx1"/>
+        </a:solidFill>
+        <a:latin typeface="+mn-lt"/>
+        <a:ea typeface="+mn-ea"/>
+        <a:cs typeface="+mn-cs"/>
+      </a:defRPr>
+    </a:lvl7pPr>
+    <a:lvl8pPr marL="3200400" algn="l" defTabSz="914400" rtl="0" eaLnBrk="1" latinLnBrk="0" hangingPunct="1">
+      <a:defRPr sz="1200" kern="1200">
+        <a:solidFill>
+          <a:schemeClr val="tx1"/>
+        </a:solidFill>
+        <a:latin typeface="+mn-lt"/>
+        <a:ea typeface="+mn-ea"/>
+        <a:cs typeface="+mn-cs"/>
+      </a:defRPr>
+    </a:lvl8pPr>
+    <a:lvl9pPr marL="3657600" algn="l" defTabSz="914400" rtl="0" eaLnBrk="1" latinLnBrk="0" hangingPunct="1">
+      <a:defRPr sz="1200" kern="1200">
+        <a:solidFill>
+          <a:schemeClr val="tx1"/>
+        </a:solidFill>
+        <a:latin typeface="+mn-lt"/>
+        <a:ea typeface="+mn-ea"/>
+        <a:cs typeface="+mn-cs"/>
+      </a:defRPr>
+    </a:lvl9pPr>
+  </p:notesStyle>
+</p:notesMaster>
+</file>
+
+<file path=ppt/notesSlides/notesSlide1.xml><?xml version="1.0" encoding="utf-8"?>
+<p:notes xmlns:a="http://schemas.openxmlformats.org/drawingml/2006/main" xmlns:r="http://schemas.openxmlformats.org/officeDocument/2006/relationships" xmlns:p="http://schemas.openxmlformats.org/presentationml/2006/main">
   <p:cSld>
     <p:spTree>
       <p:nvGrpSpPr>
@@ -38,9 +463,9 @@
       </p:grpSpPr>
       <p:sp>
         <p:nvSpPr>
-          <p:cNvPr id="80" name="PlaceHolder 1"/>
+          <p:cNvPr id="164" name="PlaceHolder 1"/>
           <p:cNvSpPr>
-            <a:spLocks noGrp="1"/>
+            <a:spLocks noGrp="1" noRot="1" noChangeAspect="1"/>
           </p:cNvSpPr>
           <p:nvPr>
             <p:ph type="sldImg"/>
@@ -48,34 +473,17 @@
         </p:nvSpPr>
         <p:spPr>
           <a:xfrm>
-            <a:off x="216000" y="812520"/>
-            <a:ext cx="7127280" cy="4008960"/>
-          </a:xfrm>
-          <a:prstGeom prst="rect">
-            <a:avLst/>
-          </a:prstGeom>
-        </p:spPr>
-        <p:txBody>
-          <a:bodyPr lIns="0" rIns="0" tIns="0" bIns="0" anchor="ctr">
-            <a:noAutofit/>
-          </a:bodyPr>
-          <a:p>
-            <a:pPr algn="ctr"/>
-            <a:r>
-              <a:rPr b="0" lang="en-US" sz="4400" spc="-1" strike="noStrike">
-                <a:latin typeface="Arial"/>
-              </a:rPr>
-              <a:t>Click to move the slide</a:t>
-            </a:r>
-            <a:endParaRPr b="0" lang="en-US" sz="4400" spc="-1" strike="noStrike">
-              <a:latin typeface="Arial"/>
-            </a:endParaRPr>
-          </a:p>
-        </p:txBody>
-      </p:sp>
-      <p:sp>
-        <p:nvSpPr>
-          <p:cNvPr id="81" name="PlaceHolder 2"/>
+            <a:off x="685800" y="1143000"/>
+            <a:ext cx="5484813" cy="3084513"/>
+          </a:xfrm>
+          <a:prstGeom prst="rect">
+            <a:avLst/>
+          </a:prstGeom>
+        </p:spPr>
+      </p:sp>
+      <p:sp>
+        <p:nvSpPr>
+          <p:cNvPr id="165" name="PlaceHolder 2"/>
           <p:cNvSpPr>
             <a:spLocks noGrp="1"/>
           </p:cNvSpPr>
@@ -85,184 +493,92 @@
         </p:nvSpPr>
         <p:spPr>
           <a:xfrm>
-            <a:off x="756000" y="5078520"/>
-            <a:ext cx="6047640" cy="4811040"/>
-          </a:xfrm>
-          <a:prstGeom prst="rect">
-            <a:avLst/>
-          </a:prstGeom>
-        </p:spPr>
-        <p:txBody>
-          <a:bodyPr lIns="0" rIns="0" tIns="0" bIns="0">
+            <a:off x="685800" y="4400640"/>
+            <a:ext cx="5484600" cy="3598560"/>
+          </a:xfrm>
+          <a:prstGeom prst="rect">
+            <a:avLst/>
+          </a:prstGeom>
+        </p:spPr>
+        <p:txBody>
+          <a:bodyPr lIns="0" tIns="0" rIns="0" bIns="0">
             <a:noAutofit/>
           </a:bodyPr>
-          <a:p>
-            <a:r>
-              <a:rPr b="0" lang="en-US" sz="2000" spc="-1" strike="noStrike">
-                <a:latin typeface="Arial"/>
-              </a:rPr>
-              <a:t>Click to edit the notes format</a:t>
-            </a:r>
-            <a:endParaRPr b="0" lang="en-US" sz="2000" spc="-1" strike="noStrike">
-              <a:latin typeface="Arial"/>
-            </a:endParaRPr>
-          </a:p>
-        </p:txBody>
-      </p:sp>
-      <p:sp>
-        <p:nvSpPr>
-          <p:cNvPr id="82" name="PlaceHolder 3"/>
-          <p:cNvSpPr>
-            <a:spLocks noGrp="1"/>
-          </p:cNvSpPr>
-          <p:nvPr>
-            <p:ph type="hdr"/>
-          </p:nvPr>
-        </p:nvSpPr>
-        <p:spPr>
-          <a:xfrm>
-            <a:off x="0" y="0"/>
-            <a:ext cx="3280680" cy="534240"/>
-          </a:xfrm>
-          <a:prstGeom prst="rect">
-            <a:avLst/>
-          </a:prstGeom>
-        </p:spPr>
-        <p:txBody>
-          <a:bodyPr lIns="0" rIns="0" tIns="0" bIns="0">
+          <a:lstStyle/>
+          <a:p>
+            <a:endParaRPr lang="en-US" sz="2000" b="0" strike="noStrike" spc="-1">
+              <a:latin typeface="Arial"/>
+            </a:endParaRPr>
+          </a:p>
+        </p:txBody>
+      </p:sp>
+      <p:sp>
+        <p:nvSpPr>
+          <p:cNvPr id="166" name="CustomShape 3"/>
+          <p:cNvSpPr/>
+          <p:nvPr/>
+        </p:nvSpPr>
+        <p:spPr>
+          <a:xfrm>
+            <a:off x="3884760" y="8685360"/>
+            <a:ext cx="2970000" cy="456840"/>
+          </a:xfrm>
+          <a:prstGeom prst="rect">
+            <a:avLst/>
+          </a:prstGeom>
+          <a:noFill/>
+          <a:ln w="0">
+            <a:noFill/>
+          </a:ln>
+        </p:spPr>
+        <p:style>
+          <a:lnRef idx="0">
+            <a:scrgbClr r="0" g="0" b="0"/>
+          </a:lnRef>
+          <a:fillRef idx="0">
+            <a:scrgbClr r="0" g="0" b="0"/>
+          </a:fillRef>
+          <a:effectRef idx="0">
+            <a:scrgbClr r="0" g="0" b="0"/>
+          </a:effectRef>
+          <a:fontRef idx="minor"/>
+        </p:style>
+        <p:txBody>
+          <a:bodyPr lIns="90000" tIns="45000" rIns="90000" bIns="45000" anchor="b">
             <a:noAutofit/>
           </a:bodyPr>
-          <a:p>
-            <a:r>
-              <a:rPr b="0" lang="en-US" sz="1400" spc="-1" strike="noStrike">
+          <a:lstStyle/>
+          <a:p>
+            <a:pPr algn="r">
+              <a:lnSpc>
+                <a:spcPct val="100000"/>
+              </a:lnSpc>
+            </a:pPr>
+            <a:fld id="{F9109C35-3521-4BD4-8732-474EF0EA2E38}" type="slidenum">
+              <a:rPr lang="en-US" sz="1200" b="0" strike="noStrike" spc="-1">
+                <a:solidFill>
+                  <a:srgbClr val="000000"/>
+                </a:solidFill>
                 <a:latin typeface="Times New Roman"/>
               </a:rPr>
-              <a:t>&lt;header&gt;</a:t>
-            </a:r>
-            <a:endParaRPr b="0" lang="en-US" sz="1400" spc="-1" strike="noStrike">
-              <a:latin typeface="Times New Roman"/>
-            </a:endParaRPr>
-          </a:p>
-        </p:txBody>
-      </p:sp>
-      <p:sp>
-        <p:nvSpPr>
-          <p:cNvPr id="83" name="PlaceHolder 4"/>
-          <p:cNvSpPr>
-            <a:spLocks noGrp="1"/>
-          </p:cNvSpPr>
-          <p:nvPr>
-            <p:ph type="dt"/>
-          </p:nvPr>
-        </p:nvSpPr>
-        <p:spPr>
-          <a:xfrm>
-            <a:off x="4278960" y="0"/>
-            <a:ext cx="3280680" cy="534240"/>
-          </a:xfrm>
-          <a:prstGeom prst="rect">
-            <a:avLst/>
-          </a:prstGeom>
-        </p:spPr>
-        <p:txBody>
-          <a:bodyPr lIns="0" rIns="0" tIns="0" bIns="0">
-            <a:noAutofit/>
-          </a:bodyPr>
-          <a:p>
-            <a:pPr algn="r"/>
-            <a:r>
-              <a:rPr b="0" lang="en-US" sz="1400" spc="-1" strike="noStrike">
-                <a:latin typeface="Times New Roman"/>
-              </a:rPr>
-              <a:t>&lt;date/time&gt;</a:t>
-            </a:r>
-            <a:endParaRPr b="0" lang="en-US" sz="1400" spc="-1" strike="noStrike">
-              <a:latin typeface="Times New Roman"/>
-            </a:endParaRPr>
-          </a:p>
-        </p:txBody>
-      </p:sp>
-      <p:sp>
-        <p:nvSpPr>
-          <p:cNvPr id="84" name="PlaceHolder 5"/>
-          <p:cNvSpPr>
-            <a:spLocks noGrp="1"/>
-          </p:cNvSpPr>
-          <p:nvPr>
-            <p:ph type="ftr"/>
-          </p:nvPr>
-        </p:nvSpPr>
-        <p:spPr>
-          <a:xfrm>
-            <a:off x="0" y="10157400"/>
-            <a:ext cx="3280680" cy="534240"/>
-          </a:xfrm>
-          <a:prstGeom prst="rect">
-            <a:avLst/>
-          </a:prstGeom>
-        </p:spPr>
-        <p:txBody>
-          <a:bodyPr lIns="0" rIns="0" tIns="0" bIns="0" anchor="b">
-            <a:noAutofit/>
-          </a:bodyPr>
-          <a:p>
-            <a:r>
-              <a:rPr b="0" lang="en-US" sz="1400" spc="-1" strike="noStrike">
-                <a:latin typeface="Times New Roman"/>
-              </a:rPr>
-              <a:t>&lt;footer&gt;</a:t>
-            </a:r>
-            <a:endParaRPr b="0" lang="en-US" sz="1400" spc="-1" strike="noStrike">
-              <a:latin typeface="Times New Roman"/>
-            </a:endParaRPr>
-          </a:p>
-        </p:txBody>
-      </p:sp>
-      <p:sp>
-        <p:nvSpPr>
-          <p:cNvPr id="85" name="PlaceHolder 6"/>
-          <p:cNvSpPr>
-            <a:spLocks noGrp="1"/>
-          </p:cNvSpPr>
-          <p:nvPr>
-            <p:ph type="sldNum"/>
-          </p:nvPr>
-        </p:nvSpPr>
-        <p:spPr>
-          <a:xfrm>
-            <a:off x="4278960" y="10157400"/>
-            <a:ext cx="3280680" cy="534240"/>
-          </a:xfrm>
-          <a:prstGeom prst="rect">
-            <a:avLst/>
-          </a:prstGeom>
-        </p:spPr>
-        <p:txBody>
-          <a:bodyPr lIns="0" rIns="0" tIns="0" bIns="0" anchor="b">
-            <a:noAutofit/>
-          </a:bodyPr>
-          <a:p>
-            <a:pPr algn="r"/>
-            <a:fld id="{C6AC8F15-DB8F-42BD-8868-CB342D2A420C}" type="slidenum">
-              <a:rPr b="0" lang="en-US" sz="1400" spc="-1" strike="noStrike">
-                <a:latin typeface="Times New Roman"/>
-              </a:rPr>
-              <a:t>&lt;number&gt;</a:t>
+              <a:t>2</a:t>
             </a:fld>
-            <a:endParaRPr b="0" lang="en-US" sz="1400" spc="-1" strike="noStrike">
-              <a:latin typeface="Times New Roman"/>
+            <a:endParaRPr lang="en-US" sz="1200" b="0" strike="noStrike" spc="-1">
+              <a:latin typeface="Arial"/>
             </a:endParaRPr>
           </a:p>
         </p:txBody>
       </p:sp>
     </p:spTree>
   </p:cSld>
-  <p:clrMap bg1="lt1" bg2="lt2" tx1="dk1" tx2="dk2" accent1="accent1" accent2="accent2" accent3="accent3" accent4="accent4" accent5="accent5" accent6="accent6" hlink="hlink" folHlink="folHlink"/>
-</p:notesMaster>
+  <p:clrMapOvr>
+    <a:masterClrMapping/>
+  </p:clrMapOvr>
+</p:notes>
 </file>
 
 <file path=ppt/notesSlides/notesSlide2.xml><?xml version="1.0" encoding="utf-8"?>
-<p:notes xmlns:a="http://schemas.openxmlformats.org/drawingml/2006/main" xmlns:p="http://schemas.openxmlformats.org/presentationml/2006/main" xmlns:r="http://schemas.openxmlformats.org/officeDocument/2006/relationships" xmlns:p14="http://schemas.microsoft.com/office/powerpoint/2010/main" xmlns:p15="http://schemas.microsoft.com/office/powerpoint/2012/main" xmlns:mc="http://schemas.openxmlformats.org/markup-compatibility/2006">
+<p:notes xmlns:a="http://schemas.openxmlformats.org/drawingml/2006/main" xmlns:r="http://schemas.openxmlformats.org/officeDocument/2006/relationships" xmlns:p="http://schemas.openxmlformats.org/presentationml/2006/main">
   <p:cSld>
     <p:spTree>
       <p:nvGrpSpPr>
@@ -280,9 +596,9 @@
       </p:grpSpPr>
       <p:sp>
         <p:nvSpPr>
-          <p:cNvPr id="164" name="PlaceHolder 1"/>
+          <p:cNvPr id="167" name="PlaceHolder 1"/>
           <p:cNvSpPr>
-            <a:spLocks noGrp="1"/>
+            <a:spLocks noGrp="1" noRot="1" noChangeAspect="1"/>
           </p:cNvSpPr>
           <p:nvPr>
             <p:ph type="sldImg"/>
@@ -291,16 +607,16 @@
         <p:spPr>
           <a:xfrm>
             <a:off x="685800" y="1143000"/>
-            <a:ext cx="5484600" cy="3084480"/>
-          </a:xfrm>
-          <a:prstGeom prst="rect">
-            <a:avLst/>
-          </a:prstGeom>
-        </p:spPr>
-      </p:sp>
-      <p:sp>
-        <p:nvSpPr>
-          <p:cNvPr id="165" name="PlaceHolder 2"/>
+            <a:ext cx="5484813" cy="3084513"/>
+          </a:xfrm>
+          <a:prstGeom prst="rect">
+            <a:avLst/>
+          </a:prstGeom>
+        </p:spPr>
+      </p:sp>
+      <p:sp>
+        <p:nvSpPr>
+          <p:cNvPr id="168" name="PlaceHolder 2"/>
           <p:cNvSpPr>
             <a:spLocks noGrp="1"/>
           </p:cNvSpPr>
@@ -318,19 +634,20 @@
           </a:prstGeom>
         </p:spPr>
         <p:txBody>
-          <a:bodyPr lIns="0" rIns="0" tIns="0" bIns="0">
+          <a:bodyPr lIns="0" tIns="0" rIns="0" bIns="0">
             <a:noAutofit/>
           </a:bodyPr>
-          <a:p>
-            <a:endParaRPr b="0" lang="en-US" sz="2000" spc="-1" strike="noStrike">
-              <a:latin typeface="Arial"/>
-            </a:endParaRPr>
-          </a:p>
-        </p:txBody>
-      </p:sp>
-      <p:sp>
-        <p:nvSpPr>
-          <p:cNvPr id="166" name="CustomShape 3"/>
+          <a:lstStyle/>
+          <a:p>
+            <a:endParaRPr lang="en-US" sz="2000" b="0" strike="noStrike" spc="-1">
+              <a:latin typeface="Arial"/>
+            </a:endParaRPr>
+          </a:p>
+        </p:txBody>
+      </p:sp>
+      <p:sp>
+        <p:nvSpPr>
+          <p:cNvPr id="169" name="CustomShape 3"/>
           <p:cNvSpPr/>
           <p:nvPr/>
         </p:nvSpPr>
@@ -348,31 +665,38 @@
           </a:ln>
         </p:spPr>
         <p:style>
-          <a:lnRef idx="0"/>
-          <a:fillRef idx="0"/>
-          <a:effectRef idx="0"/>
+          <a:lnRef idx="0">
+            <a:scrgbClr r="0" g="0" b="0"/>
+          </a:lnRef>
+          <a:fillRef idx="0">
+            <a:scrgbClr r="0" g="0" b="0"/>
+          </a:fillRef>
+          <a:effectRef idx="0">
+            <a:scrgbClr r="0" g="0" b="0"/>
+          </a:effectRef>
           <a:fontRef idx="minor"/>
         </p:style>
         <p:txBody>
-          <a:bodyPr lIns="90000" rIns="90000" tIns="45000" bIns="45000" anchor="b">
+          <a:bodyPr lIns="90000" tIns="45000" rIns="90000" bIns="45000" anchor="b">
             <a:noAutofit/>
           </a:bodyPr>
+          <a:lstStyle/>
           <a:p>
             <a:pPr algn="r">
               <a:lnSpc>
                 <a:spcPct val="100000"/>
               </a:lnSpc>
             </a:pPr>
-            <a:fld id="{F9109C35-3521-4BD4-8732-474EF0EA2E38}" type="slidenum">
-              <a:rPr b="0" lang="en-US" sz="1200" spc="-1" strike="noStrike">
+            <a:fld id="{3CDE5B07-F1DB-4D12-873F-EE849240DDA3}" type="slidenum">
+              <a:rPr lang="en-US" sz="1200" b="0" strike="noStrike" spc="-1">
                 <a:solidFill>
                   <a:srgbClr val="000000"/>
                 </a:solidFill>
                 <a:latin typeface="Times New Roman"/>
               </a:rPr>
-              <a:t>&lt;number&gt;</a:t>
+              <a:t>3</a:t>
             </a:fld>
-            <a:endParaRPr b="0" lang="en-US" sz="1200" spc="-1" strike="noStrike">
+            <a:endParaRPr lang="en-US" sz="1200" b="0" strike="noStrike" spc="-1">
               <a:latin typeface="Arial"/>
             </a:endParaRPr>
           </a:p>
@@ -380,11 +704,14 @@
       </p:sp>
     </p:spTree>
   </p:cSld>
+  <p:clrMapOvr>
+    <a:masterClrMapping/>
+  </p:clrMapOvr>
 </p:notes>
 </file>
 
 <file path=ppt/notesSlides/notesSlide3.xml><?xml version="1.0" encoding="utf-8"?>
-<p:notes xmlns:a="http://schemas.openxmlformats.org/drawingml/2006/main" xmlns:p="http://schemas.openxmlformats.org/presentationml/2006/main" xmlns:r="http://schemas.openxmlformats.org/officeDocument/2006/relationships" xmlns:p14="http://schemas.microsoft.com/office/powerpoint/2010/main" xmlns:p15="http://schemas.microsoft.com/office/powerpoint/2012/main" xmlns:mc="http://schemas.openxmlformats.org/markup-compatibility/2006">
+<p:notes xmlns:a="http://schemas.openxmlformats.org/drawingml/2006/main" xmlns:r="http://schemas.openxmlformats.org/officeDocument/2006/relationships" xmlns:p="http://schemas.openxmlformats.org/presentationml/2006/main">
   <p:cSld>
     <p:spTree>
       <p:nvGrpSpPr>
@@ -402,9 +729,9 @@
       </p:grpSpPr>
       <p:sp>
         <p:nvSpPr>
-          <p:cNvPr id="167" name="PlaceHolder 1"/>
+          <p:cNvPr id="170" name="PlaceHolder 1"/>
           <p:cNvSpPr>
-            <a:spLocks noGrp="1"/>
+            <a:spLocks noGrp="1" noRot="1" noChangeAspect="1"/>
           </p:cNvSpPr>
           <p:nvPr>
             <p:ph type="sldImg"/>
@@ -413,129 +740,7 @@
         <p:spPr>
           <a:xfrm>
             <a:off x="685800" y="1143000"/>
-            <a:ext cx="5484600" cy="3084480"/>
-          </a:xfrm>
-          <a:prstGeom prst="rect">
-            <a:avLst/>
-          </a:prstGeom>
-        </p:spPr>
-      </p:sp>
-      <p:sp>
-        <p:nvSpPr>
-          <p:cNvPr id="168" name="PlaceHolder 2"/>
-          <p:cNvSpPr>
-            <a:spLocks noGrp="1"/>
-          </p:cNvSpPr>
-          <p:nvPr>
-            <p:ph type="body"/>
-          </p:nvPr>
-        </p:nvSpPr>
-        <p:spPr>
-          <a:xfrm>
-            <a:off x="685800" y="4400640"/>
-            <a:ext cx="5484600" cy="3598560"/>
-          </a:xfrm>
-          <a:prstGeom prst="rect">
-            <a:avLst/>
-          </a:prstGeom>
-        </p:spPr>
-        <p:txBody>
-          <a:bodyPr lIns="0" rIns="0" tIns="0" bIns="0">
-            <a:noAutofit/>
-          </a:bodyPr>
-          <a:p>
-            <a:endParaRPr b="0" lang="en-US" sz="2000" spc="-1" strike="noStrike">
-              <a:latin typeface="Arial"/>
-            </a:endParaRPr>
-          </a:p>
-        </p:txBody>
-      </p:sp>
-      <p:sp>
-        <p:nvSpPr>
-          <p:cNvPr id="169" name="CustomShape 3"/>
-          <p:cNvSpPr/>
-          <p:nvPr/>
-        </p:nvSpPr>
-        <p:spPr>
-          <a:xfrm>
-            <a:off x="3884760" y="8685360"/>
-            <a:ext cx="2970000" cy="456840"/>
-          </a:xfrm>
-          <a:prstGeom prst="rect">
-            <a:avLst/>
-          </a:prstGeom>
-          <a:noFill/>
-          <a:ln w="0">
-            <a:noFill/>
-          </a:ln>
-        </p:spPr>
-        <p:style>
-          <a:lnRef idx="0"/>
-          <a:fillRef idx="0"/>
-          <a:effectRef idx="0"/>
-          <a:fontRef idx="minor"/>
-        </p:style>
-        <p:txBody>
-          <a:bodyPr lIns="90000" rIns="90000" tIns="45000" bIns="45000" anchor="b">
-            <a:noAutofit/>
-          </a:bodyPr>
-          <a:p>
-            <a:pPr algn="r">
-              <a:lnSpc>
-                <a:spcPct val="100000"/>
-              </a:lnSpc>
-            </a:pPr>
-            <a:fld id="{3CDE5B07-F1DB-4D12-873F-EE849240DDA3}" type="slidenum">
-              <a:rPr b="0" lang="en-US" sz="1200" spc="-1" strike="noStrike">
-                <a:solidFill>
-                  <a:srgbClr val="000000"/>
-                </a:solidFill>
-                <a:latin typeface="Times New Roman"/>
-              </a:rPr>
-              <a:t>&lt;number&gt;</a:t>
-            </a:fld>
-            <a:endParaRPr b="0" lang="en-US" sz="1200" spc="-1" strike="noStrike">
-              <a:latin typeface="Arial"/>
-            </a:endParaRPr>
-          </a:p>
-        </p:txBody>
-      </p:sp>
-    </p:spTree>
-  </p:cSld>
-</p:notes>
-</file>
-
-<file path=ppt/notesSlides/notesSlide4.xml><?xml version="1.0" encoding="utf-8"?>
-<p:notes xmlns:a="http://schemas.openxmlformats.org/drawingml/2006/main" xmlns:p="http://schemas.openxmlformats.org/presentationml/2006/main" xmlns:r="http://schemas.openxmlformats.org/officeDocument/2006/relationships" xmlns:p14="http://schemas.microsoft.com/office/powerpoint/2010/main" xmlns:p15="http://schemas.microsoft.com/office/powerpoint/2012/main" xmlns:mc="http://schemas.openxmlformats.org/markup-compatibility/2006">
-  <p:cSld>
-    <p:spTree>
-      <p:nvGrpSpPr>
-        <p:cNvPr id="1" name=""/>
-        <p:cNvGrpSpPr/>
-        <p:nvPr/>
-      </p:nvGrpSpPr>
-      <p:grpSpPr>
-        <a:xfrm>
-          <a:off x="0" y="0"/>
-          <a:ext cx="0" cy="0"/>
-          <a:chOff x="0" y="0"/>
-          <a:chExt cx="0" cy="0"/>
-        </a:xfrm>
-      </p:grpSpPr>
-      <p:sp>
-        <p:nvSpPr>
-          <p:cNvPr id="170" name="PlaceHolder 1"/>
-          <p:cNvSpPr>
-            <a:spLocks noGrp="1"/>
-          </p:cNvSpPr>
-          <p:nvPr>
-            <p:ph type="sldImg"/>
-          </p:nvPr>
-        </p:nvSpPr>
-        <p:spPr>
-          <a:xfrm>
-            <a:off x="685800" y="1143000"/>
-            <a:ext cx="5484600" cy="3084480"/>
+            <a:ext cx="5484813" cy="3084513"/>
           </a:xfrm>
           <a:prstGeom prst="rect">
             <a:avLst/>
@@ -562,11 +767,12 @@
           </a:prstGeom>
         </p:spPr>
         <p:txBody>
-          <a:bodyPr lIns="0" rIns="0" tIns="0" bIns="0">
+          <a:bodyPr lIns="0" tIns="0" rIns="0" bIns="0">
             <a:noAutofit/>
           </a:bodyPr>
-          <a:p>
-            <a:endParaRPr b="0" lang="en-US" sz="2000" spc="-1" strike="noStrike">
+          <a:lstStyle/>
+          <a:p>
+            <a:endParaRPr lang="en-US" sz="2000" b="0" strike="noStrike" spc="-1">
               <a:latin typeface="Arial"/>
             </a:endParaRPr>
           </a:p>
@@ -592,15 +798,22 @@
           </a:ln>
         </p:spPr>
         <p:style>
-          <a:lnRef idx="0"/>
-          <a:fillRef idx="0"/>
-          <a:effectRef idx="0"/>
+          <a:lnRef idx="0">
+            <a:scrgbClr r="0" g="0" b="0"/>
+          </a:lnRef>
+          <a:fillRef idx="0">
+            <a:scrgbClr r="0" g="0" b="0"/>
+          </a:fillRef>
+          <a:effectRef idx="0">
+            <a:scrgbClr r="0" g="0" b="0"/>
+          </a:effectRef>
           <a:fontRef idx="minor"/>
         </p:style>
         <p:txBody>
-          <a:bodyPr lIns="90000" rIns="90000" tIns="45000" bIns="45000" anchor="b">
+          <a:bodyPr lIns="90000" tIns="45000" rIns="90000" bIns="45000" anchor="b">
             <a:noAutofit/>
           </a:bodyPr>
+          <a:lstStyle/>
           <a:p>
             <a:pPr algn="r">
               <a:lnSpc>
@@ -608,15 +821,15 @@
               </a:lnSpc>
             </a:pPr>
             <a:fld id="{BED467CF-39DB-43BE-8766-EF6D8516F4A8}" type="slidenum">
-              <a:rPr b="0" lang="en-US" sz="1200" spc="-1" strike="noStrike">
+              <a:rPr lang="en-US" sz="1200" b="0" strike="noStrike" spc="-1">
                 <a:solidFill>
                   <a:srgbClr val="000000"/>
                 </a:solidFill>
                 <a:latin typeface="Times New Roman"/>
               </a:rPr>
-              <a:t>&lt;number&gt;</a:t>
+              <a:t>4</a:t>
             </a:fld>
-            <a:endParaRPr b="0" lang="en-US" sz="1200" spc="-1" strike="noStrike">
+            <a:endParaRPr lang="en-US" sz="1200" b="0" strike="noStrike" spc="-1">
               <a:latin typeface="Arial"/>
             </a:endParaRPr>
           </a:p>
@@ -624,11 +837,14 @@
       </p:sp>
     </p:spTree>
   </p:cSld>
+  <p:clrMapOvr>
+    <a:masterClrMapping/>
+  </p:clrMapOvr>
 </p:notes>
 </file>
 
 <file path=ppt/slideLayouts/slideLayout1.xml><?xml version="1.0" encoding="utf-8"?>
-<p:sldLayout xmlns:a="http://schemas.openxmlformats.org/drawingml/2006/main" xmlns:p="http://schemas.openxmlformats.org/presentationml/2006/main" xmlns:r="http://schemas.openxmlformats.org/officeDocument/2006/relationships" xmlns:p14="http://schemas.microsoft.com/office/powerpoint/2010/main" xmlns:p15="http://schemas.microsoft.com/office/powerpoint/2012/main" xmlns:mc="http://schemas.openxmlformats.org/markup-compatibility/2006" type="blank" preserve="1">
+<p:sldLayout xmlns:a="http://schemas.openxmlformats.org/drawingml/2006/main" xmlns:r="http://schemas.openxmlformats.org/officeDocument/2006/relationships" xmlns:p="http://schemas.openxmlformats.org/presentationml/2006/main" type="blank" preserve="1">
   <p:cSld name="Blank Slide">
     <p:spTree>
       <p:nvGrpSpPr>
@@ -646,11 +862,14 @@
       </p:grpSpPr>
     </p:spTree>
   </p:cSld>
+  <p:clrMapOvr>
+    <a:masterClrMapping/>
+  </p:clrMapOvr>
 </p:sldLayout>
 </file>
 
 <file path=ppt/slideLayouts/slideLayout10.xml><?xml version="1.0" encoding="utf-8"?>
-<p:sldLayout xmlns:a="http://schemas.openxmlformats.org/drawingml/2006/main" xmlns:p="http://schemas.openxmlformats.org/presentationml/2006/main" xmlns:r="http://schemas.openxmlformats.org/officeDocument/2006/relationships" xmlns:p14="http://schemas.microsoft.com/office/powerpoint/2010/main" xmlns:p15="http://schemas.microsoft.com/office/powerpoint/2012/main" xmlns:mc="http://schemas.openxmlformats.org/markup-compatibility/2006" type="objOverTx" preserve="1">
+<p:sldLayout xmlns:a="http://schemas.openxmlformats.org/drawingml/2006/main" xmlns:r="http://schemas.openxmlformats.org/officeDocument/2006/relationships" xmlns:p="http://schemas.openxmlformats.org/presentationml/2006/main" type="objOverTx" preserve="1">
   <p:cSld name="Title, Content over Content">
     <p:spTree>
       <p:nvGrpSpPr>
@@ -686,12 +905,13 @@
           </a:prstGeom>
         </p:spPr>
         <p:txBody>
-          <a:bodyPr lIns="0" rIns="0" tIns="0" bIns="0" anchor="ctr">
+          <a:bodyPr lIns="0" tIns="0" rIns="0" bIns="0" anchor="ctr">
             <a:noAutofit/>
           </a:bodyPr>
+          <a:lstStyle/>
           <a:p>
             <a:pPr algn="ctr"/>
-            <a:endParaRPr b="0" lang="en-US" sz="4400" spc="-1" strike="noStrike">
+            <a:endParaRPr lang="en-US" sz="4400" b="0" strike="noStrike" spc="-1">
               <a:latin typeface="Arial"/>
             </a:endParaRPr>
           </a:p>
@@ -717,11 +937,12 @@
           </a:prstGeom>
         </p:spPr>
         <p:txBody>
-          <a:bodyPr lIns="0" rIns="0" tIns="0" bIns="0">
+          <a:bodyPr lIns="0" tIns="0" rIns="0" bIns="0">
             <a:normAutofit/>
           </a:bodyPr>
-          <a:p>
-            <a:endParaRPr b="0" lang="en-US" sz="3200" spc="-1" strike="noStrike">
+          <a:lstStyle/>
+          <a:p>
+            <a:endParaRPr lang="en-US" sz="3200" b="0" strike="noStrike" spc="-1">
               <a:latin typeface="Arial"/>
             </a:endParaRPr>
           </a:p>
@@ -747,11 +968,12 @@
           </a:prstGeom>
         </p:spPr>
         <p:txBody>
-          <a:bodyPr lIns="0" rIns="0" tIns="0" bIns="0">
+          <a:bodyPr lIns="0" tIns="0" rIns="0" bIns="0">
             <a:normAutofit/>
           </a:bodyPr>
-          <a:p>
-            <a:endParaRPr b="0" lang="en-US" sz="3200" spc="-1" strike="noStrike">
+          <a:lstStyle/>
+          <a:p>
+            <a:endParaRPr lang="en-US" sz="3200" b="0" strike="noStrike" spc="-1">
               <a:latin typeface="Arial"/>
             </a:endParaRPr>
           </a:p>
@@ -759,11 +981,14 @@
       </p:sp>
     </p:spTree>
   </p:cSld>
+  <p:clrMapOvr>
+    <a:masterClrMapping/>
+  </p:clrMapOvr>
 </p:sldLayout>
 </file>
 
 <file path=ppt/slideLayouts/slideLayout11.xml><?xml version="1.0" encoding="utf-8"?>
-<p:sldLayout xmlns:a="http://schemas.openxmlformats.org/drawingml/2006/main" xmlns:p="http://schemas.openxmlformats.org/presentationml/2006/main" xmlns:r="http://schemas.openxmlformats.org/officeDocument/2006/relationships" xmlns:p14="http://schemas.microsoft.com/office/powerpoint/2010/main" xmlns:p15="http://schemas.microsoft.com/office/powerpoint/2012/main" xmlns:mc="http://schemas.openxmlformats.org/markup-compatibility/2006" type="fourObj" preserve="1">
+<p:sldLayout xmlns:a="http://schemas.openxmlformats.org/drawingml/2006/main" xmlns:r="http://schemas.openxmlformats.org/officeDocument/2006/relationships" xmlns:p="http://schemas.openxmlformats.org/presentationml/2006/main" type="fourObj" preserve="1">
   <p:cSld name="Title, 4 Content">
     <p:spTree>
       <p:nvGrpSpPr>
@@ -799,12 +1024,13 @@
           </a:prstGeom>
         </p:spPr>
         <p:txBody>
-          <a:bodyPr lIns="0" rIns="0" tIns="0" bIns="0" anchor="ctr">
+          <a:bodyPr lIns="0" tIns="0" rIns="0" bIns="0" anchor="ctr">
             <a:noAutofit/>
           </a:bodyPr>
+          <a:lstStyle/>
           <a:p>
             <a:pPr algn="ctr"/>
-            <a:endParaRPr b="0" lang="en-US" sz="4400" spc="-1" strike="noStrike">
+            <a:endParaRPr lang="en-US" sz="4400" b="0" strike="noStrike" spc="-1">
               <a:latin typeface="Arial"/>
             </a:endParaRPr>
           </a:p>
@@ -830,11 +1056,12 @@
           </a:prstGeom>
         </p:spPr>
         <p:txBody>
-          <a:bodyPr lIns="0" rIns="0" tIns="0" bIns="0">
+          <a:bodyPr lIns="0" tIns="0" rIns="0" bIns="0">
             <a:normAutofit/>
           </a:bodyPr>
-          <a:p>
-            <a:endParaRPr b="0" lang="en-US" sz="3200" spc="-1" strike="noStrike">
+          <a:lstStyle/>
+          <a:p>
+            <a:endParaRPr lang="en-US" sz="3200" b="0" strike="noStrike" spc="-1">
               <a:latin typeface="Arial"/>
             </a:endParaRPr>
           </a:p>
@@ -860,11 +1087,12 @@
           </a:prstGeom>
         </p:spPr>
         <p:txBody>
-          <a:bodyPr lIns="0" rIns="0" tIns="0" bIns="0">
+          <a:bodyPr lIns="0" tIns="0" rIns="0" bIns="0">
             <a:normAutofit/>
           </a:bodyPr>
-          <a:p>
-            <a:endParaRPr b="0" lang="en-US" sz="3200" spc="-1" strike="noStrike">
+          <a:lstStyle/>
+          <a:p>
+            <a:endParaRPr lang="en-US" sz="3200" b="0" strike="noStrike" spc="-1">
               <a:latin typeface="Arial"/>
             </a:endParaRPr>
           </a:p>
@@ -890,11 +1118,12 @@
           </a:prstGeom>
         </p:spPr>
         <p:txBody>
-          <a:bodyPr lIns="0" rIns="0" tIns="0" bIns="0">
+          <a:bodyPr lIns="0" tIns="0" rIns="0" bIns="0">
             <a:normAutofit/>
           </a:bodyPr>
-          <a:p>
-            <a:endParaRPr b="0" lang="en-US" sz="3200" spc="-1" strike="noStrike">
+          <a:lstStyle/>
+          <a:p>
+            <a:endParaRPr lang="en-US" sz="3200" b="0" strike="noStrike" spc="-1">
               <a:latin typeface="Arial"/>
             </a:endParaRPr>
           </a:p>
@@ -920,11 +1149,12 @@
           </a:prstGeom>
         </p:spPr>
         <p:txBody>
-          <a:bodyPr lIns="0" rIns="0" tIns="0" bIns="0">
+          <a:bodyPr lIns="0" tIns="0" rIns="0" bIns="0">
             <a:normAutofit/>
           </a:bodyPr>
-          <a:p>
-            <a:endParaRPr b="0" lang="en-US" sz="3200" spc="-1" strike="noStrike">
+          <a:lstStyle/>
+          <a:p>
+            <a:endParaRPr lang="en-US" sz="3200" b="0" strike="noStrike" spc="-1">
               <a:latin typeface="Arial"/>
             </a:endParaRPr>
           </a:p>
@@ -932,11 +1162,14 @@
       </p:sp>
     </p:spTree>
   </p:cSld>
+  <p:clrMapOvr>
+    <a:masterClrMapping/>
+  </p:clrMapOvr>
 </p:sldLayout>
 </file>
 
 <file path=ppt/slideLayouts/slideLayout12.xml><?xml version="1.0" encoding="utf-8"?>
-<p:sldLayout xmlns:a="http://schemas.openxmlformats.org/drawingml/2006/main" xmlns:p="http://schemas.openxmlformats.org/presentationml/2006/main" xmlns:r="http://schemas.openxmlformats.org/officeDocument/2006/relationships" xmlns:p14="http://schemas.microsoft.com/office/powerpoint/2010/main" xmlns:p15="http://schemas.microsoft.com/office/powerpoint/2012/main" xmlns:mc="http://schemas.openxmlformats.org/markup-compatibility/2006" type="blank" preserve="1">
+<p:sldLayout xmlns:a="http://schemas.openxmlformats.org/drawingml/2006/main" xmlns:r="http://schemas.openxmlformats.org/officeDocument/2006/relationships" xmlns:p="http://schemas.openxmlformats.org/presentationml/2006/main" type="blank" preserve="1">
   <p:cSld name="Title, 6 Content">
     <p:spTree>
       <p:nvGrpSpPr>
@@ -972,12 +1205,13 @@
           </a:prstGeom>
         </p:spPr>
         <p:txBody>
-          <a:bodyPr lIns="0" rIns="0" tIns="0" bIns="0" anchor="ctr">
+          <a:bodyPr lIns="0" tIns="0" rIns="0" bIns="0" anchor="ctr">
             <a:noAutofit/>
           </a:bodyPr>
+          <a:lstStyle/>
           <a:p>
             <a:pPr algn="ctr"/>
-            <a:endParaRPr b="0" lang="en-US" sz="4400" spc="-1" strike="noStrike">
+            <a:endParaRPr lang="en-US" sz="4400" b="0" strike="noStrike" spc="-1">
               <a:latin typeface="Arial"/>
             </a:endParaRPr>
           </a:p>
@@ -1003,11 +1237,12 @@
           </a:prstGeom>
         </p:spPr>
         <p:txBody>
-          <a:bodyPr lIns="0" rIns="0" tIns="0" bIns="0">
+          <a:bodyPr lIns="0" tIns="0" rIns="0" bIns="0">
             <a:normAutofit/>
           </a:bodyPr>
-          <a:p>
-            <a:endParaRPr b="0" lang="en-US" sz="3200" spc="-1" strike="noStrike">
+          <a:lstStyle/>
+          <a:p>
+            <a:endParaRPr lang="en-US" sz="3200" b="0" strike="noStrike" spc="-1">
               <a:latin typeface="Arial"/>
             </a:endParaRPr>
           </a:p>
@@ -1033,11 +1268,12 @@
           </a:prstGeom>
         </p:spPr>
         <p:txBody>
-          <a:bodyPr lIns="0" rIns="0" tIns="0" bIns="0">
+          <a:bodyPr lIns="0" tIns="0" rIns="0" bIns="0">
             <a:normAutofit/>
           </a:bodyPr>
-          <a:p>
-            <a:endParaRPr b="0" lang="en-US" sz="3200" spc="-1" strike="noStrike">
+          <a:lstStyle/>
+          <a:p>
+            <a:endParaRPr lang="en-US" sz="3200" b="0" strike="noStrike" spc="-1">
               <a:latin typeface="Arial"/>
             </a:endParaRPr>
           </a:p>
@@ -1063,11 +1299,12 @@
           </a:prstGeom>
         </p:spPr>
         <p:txBody>
-          <a:bodyPr lIns="0" rIns="0" tIns="0" bIns="0">
+          <a:bodyPr lIns="0" tIns="0" rIns="0" bIns="0">
             <a:normAutofit/>
           </a:bodyPr>
-          <a:p>
-            <a:endParaRPr b="0" lang="en-US" sz="3200" spc="-1" strike="noStrike">
+          <a:lstStyle/>
+          <a:p>
+            <a:endParaRPr lang="en-US" sz="3200" b="0" strike="noStrike" spc="-1">
               <a:latin typeface="Arial"/>
             </a:endParaRPr>
           </a:p>
@@ -1093,11 +1330,12 @@
           </a:prstGeom>
         </p:spPr>
         <p:txBody>
-          <a:bodyPr lIns="0" rIns="0" tIns="0" bIns="0">
+          <a:bodyPr lIns="0" tIns="0" rIns="0" bIns="0">
             <a:normAutofit/>
           </a:bodyPr>
-          <a:p>
-            <a:endParaRPr b="0" lang="en-US" sz="3200" spc="-1" strike="noStrike">
+          <a:lstStyle/>
+          <a:p>
+            <a:endParaRPr lang="en-US" sz="3200" b="0" strike="noStrike" spc="-1">
               <a:latin typeface="Arial"/>
             </a:endParaRPr>
           </a:p>
@@ -1123,11 +1361,12 @@
           </a:prstGeom>
         </p:spPr>
         <p:txBody>
-          <a:bodyPr lIns="0" rIns="0" tIns="0" bIns="0">
+          <a:bodyPr lIns="0" tIns="0" rIns="0" bIns="0">
             <a:normAutofit/>
           </a:bodyPr>
-          <a:p>
-            <a:endParaRPr b="0" lang="en-US" sz="3200" spc="-1" strike="noStrike">
+          <a:lstStyle/>
+          <a:p>
+            <a:endParaRPr lang="en-US" sz="3200" b="0" strike="noStrike" spc="-1">
               <a:latin typeface="Arial"/>
             </a:endParaRPr>
           </a:p>
@@ -1153,11 +1392,12 @@
           </a:prstGeom>
         </p:spPr>
         <p:txBody>
-          <a:bodyPr lIns="0" rIns="0" tIns="0" bIns="0">
+          <a:bodyPr lIns="0" tIns="0" rIns="0" bIns="0">
             <a:normAutofit/>
           </a:bodyPr>
-          <a:p>
-            <a:endParaRPr b="0" lang="en-US" sz="3200" spc="-1" strike="noStrike">
+          <a:lstStyle/>
+          <a:p>
+            <a:endParaRPr lang="en-US" sz="3200" b="0" strike="noStrike" spc="-1">
               <a:latin typeface="Arial"/>
             </a:endParaRPr>
           </a:p>
@@ -1165,11 +1405,14 @@
       </p:sp>
     </p:spTree>
   </p:cSld>
+  <p:clrMapOvr>
+    <a:masterClrMapping/>
+  </p:clrMapOvr>
 </p:sldLayout>
 </file>
 
 <file path=ppt/slideLayouts/slideLayout13.xml><?xml version="1.0" encoding="utf-8"?>
-<p:sldLayout xmlns:a="http://schemas.openxmlformats.org/drawingml/2006/main" xmlns:p="http://schemas.openxmlformats.org/presentationml/2006/main" xmlns:r="http://schemas.openxmlformats.org/officeDocument/2006/relationships" xmlns:p14="http://schemas.microsoft.com/office/powerpoint/2010/main" xmlns:p15="http://schemas.microsoft.com/office/powerpoint/2012/main" xmlns:mc="http://schemas.openxmlformats.org/markup-compatibility/2006" type="blank" preserve="1">
+<p:sldLayout xmlns:a="http://schemas.openxmlformats.org/drawingml/2006/main" xmlns:r="http://schemas.openxmlformats.org/officeDocument/2006/relationships" xmlns:p="http://schemas.openxmlformats.org/presentationml/2006/main" type="blank" preserve="1">
   <p:cSld name="Blank Slide">
     <p:spTree>
       <p:nvGrpSpPr>
@@ -1187,11 +1430,14 @@
       </p:grpSpPr>
     </p:spTree>
   </p:cSld>
+  <p:clrMapOvr>
+    <a:masterClrMapping/>
+  </p:clrMapOvr>
 </p:sldLayout>
 </file>
 
 <file path=ppt/slideLayouts/slideLayout14.xml><?xml version="1.0" encoding="utf-8"?>
-<p:sldLayout xmlns:a="http://schemas.openxmlformats.org/drawingml/2006/main" xmlns:p="http://schemas.openxmlformats.org/presentationml/2006/main" xmlns:r="http://schemas.openxmlformats.org/officeDocument/2006/relationships" xmlns:p14="http://schemas.microsoft.com/office/powerpoint/2010/main" xmlns:p15="http://schemas.microsoft.com/office/powerpoint/2012/main" xmlns:mc="http://schemas.openxmlformats.org/markup-compatibility/2006" type="tx" preserve="1">
+<p:sldLayout xmlns:a="http://schemas.openxmlformats.org/drawingml/2006/main" xmlns:r="http://schemas.openxmlformats.org/officeDocument/2006/relationships" xmlns:p="http://schemas.openxmlformats.org/presentationml/2006/main" type="tx" preserve="1">
   <p:cSld name="Title Slide">
     <p:spTree>
       <p:nvGrpSpPr>
@@ -1227,12 +1473,13 @@
           </a:prstGeom>
         </p:spPr>
         <p:txBody>
-          <a:bodyPr lIns="0" rIns="0" tIns="0" bIns="0" anchor="ctr">
+          <a:bodyPr lIns="0" tIns="0" rIns="0" bIns="0" anchor="ctr">
             <a:noAutofit/>
           </a:bodyPr>
+          <a:lstStyle/>
           <a:p>
             <a:pPr algn="ctr"/>
-            <a:endParaRPr b="0" lang="en-US" sz="4400" spc="-1" strike="noStrike">
+            <a:endParaRPr lang="en-US" sz="4400" b="0" strike="noStrike" spc="-1">
               <a:latin typeface="Arial"/>
             </a:endParaRPr>
           </a:p>
@@ -1258,12 +1505,13 @@
           </a:prstGeom>
         </p:spPr>
         <p:txBody>
-          <a:bodyPr lIns="0" rIns="0" tIns="0" bIns="0" anchor="ctr">
+          <a:bodyPr lIns="0" tIns="0" rIns="0" bIns="0" anchor="ctr">
             <a:noAutofit/>
           </a:bodyPr>
+          <a:lstStyle/>
           <a:p>
             <a:pPr algn="ctr"/>
-            <a:endParaRPr b="0" lang="en-US" sz="3200" spc="-1" strike="noStrike">
+            <a:endParaRPr lang="en-US" sz="3200" b="0" strike="noStrike" spc="-1">
               <a:latin typeface="Arial"/>
             </a:endParaRPr>
           </a:p>
@@ -1271,11 +1519,14 @@
       </p:sp>
     </p:spTree>
   </p:cSld>
+  <p:clrMapOvr>
+    <a:masterClrMapping/>
+  </p:clrMapOvr>
 </p:sldLayout>
 </file>
 
 <file path=ppt/slideLayouts/slideLayout15.xml><?xml version="1.0" encoding="utf-8"?>
-<p:sldLayout xmlns:a="http://schemas.openxmlformats.org/drawingml/2006/main" xmlns:p="http://schemas.openxmlformats.org/presentationml/2006/main" xmlns:r="http://schemas.openxmlformats.org/officeDocument/2006/relationships" xmlns:p14="http://schemas.microsoft.com/office/powerpoint/2010/main" xmlns:p15="http://schemas.microsoft.com/office/powerpoint/2012/main" xmlns:mc="http://schemas.openxmlformats.org/markup-compatibility/2006" type="obj" preserve="1">
+<p:sldLayout xmlns:a="http://schemas.openxmlformats.org/drawingml/2006/main" xmlns:r="http://schemas.openxmlformats.org/officeDocument/2006/relationships" xmlns:p="http://schemas.openxmlformats.org/presentationml/2006/main" type="obj" preserve="1">
   <p:cSld name="Title, Content">
     <p:spTree>
       <p:nvGrpSpPr>
@@ -1311,12 +1562,13 @@
           </a:prstGeom>
         </p:spPr>
         <p:txBody>
-          <a:bodyPr lIns="0" rIns="0" tIns="0" bIns="0" anchor="ctr">
+          <a:bodyPr lIns="0" tIns="0" rIns="0" bIns="0" anchor="ctr">
             <a:noAutofit/>
           </a:bodyPr>
+          <a:lstStyle/>
           <a:p>
             <a:pPr algn="ctr"/>
-            <a:endParaRPr b="0" lang="en-US" sz="4400" spc="-1" strike="noStrike">
+            <a:endParaRPr lang="en-US" sz="4400" b="0" strike="noStrike" spc="-1">
               <a:latin typeface="Arial"/>
             </a:endParaRPr>
           </a:p>
@@ -1342,11 +1594,12 @@
           </a:prstGeom>
         </p:spPr>
         <p:txBody>
-          <a:bodyPr lIns="0" rIns="0" tIns="0" bIns="0">
+          <a:bodyPr lIns="0" tIns="0" rIns="0" bIns="0">
             <a:normAutofit/>
           </a:bodyPr>
-          <a:p>
-            <a:endParaRPr b="0" lang="en-US" sz="3200" spc="-1" strike="noStrike">
+          <a:lstStyle/>
+          <a:p>
+            <a:endParaRPr lang="en-US" sz="3200" b="0" strike="noStrike" spc="-1">
               <a:latin typeface="Arial"/>
             </a:endParaRPr>
           </a:p>
@@ -1354,11 +1607,14 @@
       </p:sp>
     </p:spTree>
   </p:cSld>
+  <p:clrMapOvr>
+    <a:masterClrMapping/>
+  </p:clrMapOvr>
 </p:sldLayout>
 </file>
 
 <file path=ppt/slideLayouts/slideLayout16.xml><?xml version="1.0" encoding="utf-8"?>
-<p:sldLayout xmlns:a="http://schemas.openxmlformats.org/drawingml/2006/main" xmlns:p="http://schemas.openxmlformats.org/presentationml/2006/main" xmlns:r="http://schemas.openxmlformats.org/officeDocument/2006/relationships" xmlns:p14="http://schemas.microsoft.com/office/powerpoint/2010/main" xmlns:p15="http://schemas.microsoft.com/office/powerpoint/2012/main" xmlns:mc="http://schemas.openxmlformats.org/markup-compatibility/2006" type="twoObj" preserve="1">
+<p:sldLayout xmlns:a="http://schemas.openxmlformats.org/drawingml/2006/main" xmlns:r="http://schemas.openxmlformats.org/officeDocument/2006/relationships" xmlns:p="http://schemas.openxmlformats.org/presentationml/2006/main" type="twoObj" preserve="1">
   <p:cSld name="Title, 2 Content">
     <p:spTree>
       <p:nvGrpSpPr>
@@ -1394,12 +1650,13 @@
           </a:prstGeom>
         </p:spPr>
         <p:txBody>
-          <a:bodyPr lIns="0" rIns="0" tIns="0" bIns="0" anchor="ctr">
+          <a:bodyPr lIns="0" tIns="0" rIns="0" bIns="0" anchor="ctr">
             <a:noAutofit/>
           </a:bodyPr>
+          <a:lstStyle/>
           <a:p>
             <a:pPr algn="ctr"/>
-            <a:endParaRPr b="0" lang="en-US" sz="4400" spc="-1" strike="noStrike">
+            <a:endParaRPr lang="en-US" sz="4400" b="0" strike="noStrike" spc="-1">
               <a:latin typeface="Arial"/>
             </a:endParaRPr>
           </a:p>
@@ -1425,11 +1682,12 @@
           </a:prstGeom>
         </p:spPr>
         <p:txBody>
-          <a:bodyPr lIns="0" rIns="0" tIns="0" bIns="0">
+          <a:bodyPr lIns="0" tIns="0" rIns="0" bIns="0">
             <a:normAutofit/>
           </a:bodyPr>
-          <a:p>
-            <a:endParaRPr b="0" lang="en-US" sz="3200" spc="-1" strike="noStrike">
+          <a:lstStyle/>
+          <a:p>
+            <a:endParaRPr lang="en-US" sz="3200" b="0" strike="noStrike" spc="-1">
               <a:latin typeface="Arial"/>
             </a:endParaRPr>
           </a:p>
@@ -1455,11 +1713,12 @@
           </a:prstGeom>
         </p:spPr>
         <p:txBody>
-          <a:bodyPr lIns="0" rIns="0" tIns="0" bIns="0">
+          <a:bodyPr lIns="0" tIns="0" rIns="0" bIns="0">
             <a:normAutofit/>
           </a:bodyPr>
-          <a:p>
-            <a:endParaRPr b="0" lang="en-US" sz="3200" spc="-1" strike="noStrike">
+          <a:lstStyle/>
+          <a:p>
+            <a:endParaRPr lang="en-US" sz="3200" b="0" strike="noStrike" spc="-1">
               <a:latin typeface="Arial"/>
             </a:endParaRPr>
           </a:p>
@@ -1467,11 +1726,14 @@
       </p:sp>
     </p:spTree>
   </p:cSld>
+  <p:clrMapOvr>
+    <a:masterClrMapping/>
+  </p:clrMapOvr>
 </p:sldLayout>
 </file>
 
 <file path=ppt/slideLayouts/slideLayout17.xml><?xml version="1.0" encoding="utf-8"?>
-<p:sldLayout xmlns:a="http://schemas.openxmlformats.org/drawingml/2006/main" xmlns:p="http://schemas.openxmlformats.org/presentationml/2006/main" xmlns:r="http://schemas.openxmlformats.org/officeDocument/2006/relationships" xmlns:p14="http://schemas.microsoft.com/office/powerpoint/2010/main" xmlns:p15="http://schemas.microsoft.com/office/powerpoint/2012/main" xmlns:mc="http://schemas.openxmlformats.org/markup-compatibility/2006" type="titleOnly" preserve="1">
+<p:sldLayout xmlns:a="http://schemas.openxmlformats.org/drawingml/2006/main" xmlns:r="http://schemas.openxmlformats.org/officeDocument/2006/relationships" xmlns:p="http://schemas.openxmlformats.org/presentationml/2006/main" type="titleOnly" preserve="1">
   <p:cSld name="Title Only">
     <p:spTree>
       <p:nvGrpSpPr>
@@ -1507,12 +1769,13 @@
           </a:prstGeom>
         </p:spPr>
         <p:txBody>
-          <a:bodyPr lIns="0" rIns="0" tIns="0" bIns="0" anchor="ctr">
+          <a:bodyPr lIns="0" tIns="0" rIns="0" bIns="0" anchor="ctr">
             <a:noAutofit/>
           </a:bodyPr>
+          <a:lstStyle/>
           <a:p>
             <a:pPr algn="ctr"/>
-            <a:endParaRPr b="0" lang="en-US" sz="4400" spc="-1" strike="noStrike">
+            <a:endParaRPr lang="en-US" sz="4400" b="0" strike="noStrike" spc="-1">
               <a:latin typeface="Arial"/>
             </a:endParaRPr>
           </a:p>
@@ -1520,11 +1783,14 @@
       </p:sp>
     </p:spTree>
   </p:cSld>
+  <p:clrMapOvr>
+    <a:masterClrMapping/>
+  </p:clrMapOvr>
 </p:sldLayout>
 </file>
 
 <file path=ppt/slideLayouts/slideLayout18.xml><?xml version="1.0" encoding="utf-8"?>
-<p:sldLayout xmlns:a="http://schemas.openxmlformats.org/drawingml/2006/main" xmlns:p="http://schemas.openxmlformats.org/presentationml/2006/main" xmlns:r="http://schemas.openxmlformats.org/officeDocument/2006/relationships" xmlns:p14="http://schemas.microsoft.com/office/powerpoint/2010/main" xmlns:p15="http://schemas.microsoft.com/office/powerpoint/2012/main" xmlns:mc="http://schemas.openxmlformats.org/markup-compatibility/2006" type="objOnly" preserve="1">
+<p:sldLayout xmlns:a="http://schemas.openxmlformats.org/drawingml/2006/main" xmlns:r="http://schemas.openxmlformats.org/officeDocument/2006/relationships" xmlns:p="http://schemas.openxmlformats.org/presentationml/2006/main" type="objOnly" preserve="1">
   <p:cSld name="Centered Text">
     <p:spTree>
       <p:nvGrpSpPr>
@@ -1560,12 +1826,13 @@
           </a:prstGeom>
         </p:spPr>
         <p:txBody>
-          <a:bodyPr lIns="0" rIns="0" tIns="0" bIns="0" anchor="ctr">
+          <a:bodyPr lIns="0" tIns="0" rIns="0" bIns="0" anchor="ctr">
             <a:noAutofit/>
           </a:bodyPr>
+          <a:lstStyle/>
           <a:p>
             <a:pPr algn="ctr"/>
-            <a:endParaRPr b="0" lang="en-US" sz="3200" spc="-1" strike="noStrike">
+            <a:endParaRPr lang="en-US" sz="3200" b="0" strike="noStrike" spc="-1">
               <a:latin typeface="Arial"/>
             </a:endParaRPr>
           </a:p>
@@ -1573,11 +1840,14 @@
       </p:sp>
     </p:spTree>
   </p:cSld>
+  <p:clrMapOvr>
+    <a:masterClrMapping/>
+  </p:clrMapOvr>
 </p:sldLayout>
 </file>
 
 <file path=ppt/slideLayouts/slideLayout19.xml><?xml version="1.0" encoding="utf-8"?>
-<p:sldLayout xmlns:a="http://schemas.openxmlformats.org/drawingml/2006/main" xmlns:p="http://schemas.openxmlformats.org/presentationml/2006/main" xmlns:r="http://schemas.openxmlformats.org/officeDocument/2006/relationships" xmlns:p14="http://schemas.microsoft.com/office/powerpoint/2010/main" xmlns:p15="http://schemas.microsoft.com/office/powerpoint/2012/main" xmlns:mc="http://schemas.openxmlformats.org/markup-compatibility/2006" type="twoObjAndObj" preserve="1">
+<p:sldLayout xmlns:a="http://schemas.openxmlformats.org/drawingml/2006/main" xmlns:r="http://schemas.openxmlformats.org/officeDocument/2006/relationships" xmlns:p="http://schemas.openxmlformats.org/presentationml/2006/main" type="twoObjAndObj" preserve="1">
   <p:cSld name="Title, 2 Content and Content">
     <p:spTree>
       <p:nvGrpSpPr>
@@ -1613,12 +1883,13 @@
           </a:prstGeom>
         </p:spPr>
         <p:txBody>
-          <a:bodyPr lIns="0" rIns="0" tIns="0" bIns="0" anchor="ctr">
+          <a:bodyPr lIns="0" tIns="0" rIns="0" bIns="0" anchor="ctr">
             <a:noAutofit/>
           </a:bodyPr>
+          <a:lstStyle/>
           <a:p>
             <a:pPr algn="ctr"/>
-            <a:endParaRPr b="0" lang="en-US" sz="4400" spc="-1" strike="noStrike">
+            <a:endParaRPr lang="en-US" sz="4400" b="0" strike="noStrike" spc="-1">
               <a:latin typeface="Arial"/>
             </a:endParaRPr>
           </a:p>
@@ -1644,11 +1915,12 @@
           </a:prstGeom>
         </p:spPr>
         <p:txBody>
-          <a:bodyPr lIns="0" rIns="0" tIns="0" bIns="0">
+          <a:bodyPr lIns="0" tIns="0" rIns="0" bIns="0">
             <a:normAutofit/>
           </a:bodyPr>
-          <a:p>
-            <a:endParaRPr b="0" lang="en-US" sz="3200" spc="-1" strike="noStrike">
+          <a:lstStyle/>
+          <a:p>
+            <a:endParaRPr lang="en-US" sz="3200" b="0" strike="noStrike" spc="-1">
               <a:latin typeface="Arial"/>
             </a:endParaRPr>
           </a:p>
@@ -1674,11 +1946,12 @@
           </a:prstGeom>
         </p:spPr>
         <p:txBody>
-          <a:bodyPr lIns="0" rIns="0" tIns="0" bIns="0">
+          <a:bodyPr lIns="0" tIns="0" rIns="0" bIns="0">
             <a:normAutofit/>
           </a:bodyPr>
-          <a:p>
-            <a:endParaRPr b="0" lang="en-US" sz="3200" spc="-1" strike="noStrike">
+          <a:lstStyle/>
+          <a:p>
+            <a:endParaRPr lang="en-US" sz="3200" b="0" strike="noStrike" spc="-1">
               <a:latin typeface="Arial"/>
             </a:endParaRPr>
           </a:p>
@@ -1704,11 +1977,12 @@
           </a:prstGeom>
         </p:spPr>
         <p:txBody>
-          <a:bodyPr lIns="0" rIns="0" tIns="0" bIns="0">
+          <a:bodyPr lIns="0" tIns="0" rIns="0" bIns="0">
             <a:normAutofit/>
           </a:bodyPr>
-          <a:p>
-            <a:endParaRPr b="0" lang="en-US" sz="3200" spc="-1" strike="noStrike">
+          <a:lstStyle/>
+          <a:p>
+            <a:endParaRPr lang="en-US" sz="3200" b="0" strike="noStrike" spc="-1">
               <a:latin typeface="Arial"/>
             </a:endParaRPr>
           </a:p>
@@ -1716,11 +1990,14 @@
       </p:sp>
     </p:spTree>
   </p:cSld>
+  <p:clrMapOvr>
+    <a:masterClrMapping/>
+  </p:clrMapOvr>
 </p:sldLayout>
 </file>
 
 <file path=ppt/slideLayouts/slideLayout2.xml><?xml version="1.0" encoding="utf-8"?>
-<p:sldLayout xmlns:a="http://schemas.openxmlformats.org/drawingml/2006/main" xmlns:p="http://schemas.openxmlformats.org/presentationml/2006/main" xmlns:r="http://schemas.openxmlformats.org/officeDocument/2006/relationships" xmlns:p14="http://schemas.microsoft.com/office/powerpoint/2010/main" xmlns:p15="http://schemas.microsoft.com/office/powerpoint/2012/main" xmlns:mc="http://schemas.openxmlformats.org/markup-compatibility/2006" type="tx" preserve="1">
+<p:sldLayout xmlns:a="http://schemas.openxmlformats.org/drawingml/2006/main" xmlns:r="http://schemas.openxmlformats.org/officeDocument/2006/relationships" xmlns:p="http://schemas.openxmlformats.org/presentationml/2006/main" type="tx" preserve="1">
   <p:cSld name="Title Slide">
     <p:spTree>
       <p:nvGrpSpPr>
@@ -1756,12 +2033,13 @@
           </a:prstGeom>
         </p:spPr>
         <p:txBody>
-          <a:bodyPr lIns="0" rIns="0" tIns="0" bIns="0" anchor="ctr">
+          <a:bodyPr lIns="0" tIns="0" rIns="0" bIns="0" anchor="ctr">
             <a:noAutofit/>
           </a:bodyPr>
+          <a:lstStyle/>
           <a:p>
             <a:pPr algn="ctr"/>
-            <a:endParaRPr b="0" lang="en-US" sz="4400" spc="-1" strike="noStrike">
+            <a:endParaRPr lang="en-US" sz="4400" b="0" strike="noStrike" spc="-1">
               <a:latin typeface="Arial"/>
             </a:endParaRPr>
           </a:p>
@@ -1787,12 +2065,13 @@
           </a:prstGeom>
         </p:spPr>
         <p:txBody>
-          <a:bodyPr lIns="0" rIns="0" tIns="0" bIns="0" anchor="ctr">
+          <a:bodyPr lIns="0" tIns="0" rIns="0" bIns="0" anchor="ctr">
             <a:noAutofit/>
           </a:bodyPr>
+          <a:lstStyle/>
           <a:p>
             <a:pPr algn="ctr"/>
-            <a:endParaRPr b="0" lang="en-US" sz="3200" spc="-1" strike="noStrike">
+            <a:endParaRPr lang="en-US" sz="3200" b="0" strike="noStrike" spc="-1">
               <a:latin typeface="Arial"/>
             </a:endParaRPr>
           </a:p>
@@ -1800,11 +2079,14 @@
       </p:sp>
     </p:spTree>
   </p:cSld>
+  <p:clrMapOvr>
+    <a:masterClrMapping/>
+  </p:clrMapOvr>
 </p:sldLayout>
 </file>
 
 <file path=ppt/slideLayouts/slideLayout20.xml><?xml version="1.0" encoding="utf-8"?>
-<p:sldLayout xmlns:a="http://schemas.openxmlformats.org/drawingml/2006/main" xmlns:p="http://schemas.openxmlformats.org/presentationml/2006/main" xmlns:r="http://schemas.openxmlformats.org/officeDocument/2006/relationships" xmlns:p14="http://schemas.microsoft.com/office/powerpoint/2010/main" xmlns:p15="http://schemas.microsoft.com/office/powerpoint/2012/main" xmlns:mc="http://schemas.openxmlformats.org/markup-compatibility/2006" type="objAndTwoObj" preserve="1">
+<p:sldLayout xmlns:a="http://schemas.openxmlformats.org/drawingml/2006/main" xmlns:r="http://schemas.openxmlformats.org/officeDocument/2006/relationships" xmlns:p="http://schemas.openxmlformats.org/presentationml/2006/main" type="objAndTwoObj" preserve="1">
   <p:cSld name="Title Content and 2 Content">
     <p:spTree>
       <p:nvGrpSpPr>
@@ -1840,12 +2122,13 @@
           </a:prstGeom>
         </p:spPr>
         <p:txBody>
-          <a:bodyPr lIns="0" rIns="0" tIns="0" bIns="0" anchor="ctr">
+          <a:bodyPr lIns="0" tIns="0" rIns="0" bIns="0" anchor="ctr">
             <a:noAutofit/>
           </a:bodyPr>
+          <a:lstStyle/>
           <a:p>
             <a:pPr algn="ctr"/>
-            <a:endParaRPr b="0" lang="en-US" sz="4400" spc="-1" strike="noStrike">
+            <a:endParaRPr lang="en-US" sz="4400" b="0" strike="noStrike" spc="-1">
               <a:latin typeface="Arial"/>
             </a:endParaRPr>
           </a:p>
@@ -1871,11 +2154,12 @@
           </a:prstGeom>
         </p:spPr>
         <p:txBody>
-          <a:bodyPr lIns="0" rIns="0" tIns="0" bIns="0">
+          <a:bodyPr lIns="0" tIns="0" rIns="0" bIns="0">
             <a:normAutofit/>
           </a:bodyPr>
-          <a:p>
-            <a:endParaRPr b="0" lang="en-US" sz="3200" spc="-1" strike="noStrike">
+          <a:lstStyle/>
+          <a:p>
+            <a:endParaRPr lang="en-US" sz="3200" b="0" strike="noStrike" spc="-1">
               <a:latin typeface="Arial"/>
             </a:endParaRPr>
           </a:p>
@@ -1901,11 +2185,12 @@
           </a:prstGeom>
         </p:spPr>
         <p:txBody>
-          <a:bodyPr lIns="0" rIns="0" tIns="0" bIns="0">
+          <a:bodyPr lIns="0" tIns="0" rIns="0" bIns="0">
             <a:normAutofit/>
           </a:bodyPr>
-          <a:p>
-            <a:endParaRPr b="0" lang="en-US" sz="3200" spc="-1" strike="noStrike">
+          <a:lstStyle/>
+          <a:p>
+            <a:endParaRPr lang="en-US" sz="3200" b="0" strike="noStrike" spc="-1">
               <a:latin typeface="Arial"/>
             </a:endParaRPr>
           </a:p>
@@ -1931,11 +2216,12 @@
           </a:prstGeom>
         </p:spPr>
         <p:txBody>
-          <a:bodyPr lIns="0" rIns="0" tIns="0" bIns="0">
+          <a:bodyPr lIns="0" tIns="0" rIns="0" bIns="0">
             <a:normAutofit/>
           </a:bodyPr>
-          <a:p>
-            <a:endParaRPr b="0" lang="en-US" sz="3200" spc="-1" strike="noStrike">
+          <a:lstStyle/>
+          <a:p>
+            <a:endParaRPr lang="en-US" sz="3200" b="0" strike="noStrike" spc="-1">
               <a:latin typeface="Arial"/>
             </a:endParaRPr>
           </a:p>
@@ -1943,11 +2229,14 @@
       </p:sp>
     </p:spTree>
   </p:cSld>
+  <p:clrMapOvr>
+    <a:masterClrMapping/>
+  </p:clrMapOvr>
 </p:sldLayout>
 </file>
 
 <file path=ppt/slideLayouts/slideLayout21.xml><?xml version="1.0" encoding="utf-8"?>
-<p:sldLayout xmlns:a="http://schemas.openxmlformats.org/drawingml/2006/main" xmlns:p="http://schemas.openxmlformats.org/presentationml/2006/main" xmlns:r="http://schemas.openxmlformats.org/officeDocument/2006/relationships" xmlns:p14="http://schemas.microsoft.com/office/powerpoint/2010/main" xmlns:p15="http://schemas.microsoft.com/office/powerpoint/2012/main" xmlns:mc="http://schemas.openxmlformats.org/markup-compatibility/2006" type="twoObjOverTx" preserve="1">
+<p:sldLayout xmlns:a="http://schemas.openxmlformats.org/drawingml/2006/main" xmlns:r="http://schemas.openxmlformats.org/officeDocument/2006/relationships" xmlns:p="http://schemas.openxmlformats.org/presentationml/2006/main" type="twoObjOverTx" preserve="1">
   <p:cSld name="Title, 2 Content over Content">
     <p:spTree>
       <p:nvGrpSpPr>
@@ -1983,12 +2272,13 @@
           </a:prstGeom>
         </p:spPr>
         <p:txBody>
-          <a:bodyPr lIns="0" rIns="0" tIns="0" bIns="0" anchor="ctr">
+          <a:bodyPr lIns="0" tIns="0" rIns="0" bIns="0" anchor="ctr">
             <a:noAutofit/>
           </a:bodyPr>
+          <a:lstStyle/>
           <a:p>
             <a:pPr algn="ctr"/>
-            <a:endParaRPr b="0" lang="en-US" sz="4400" spc="-1" strike="noStrike">
+            <a:endParaRPr lang="en-US" sz="4400" b="0" strike="noStrike" spc="-1">
               <a:latin typeface="Arial"/>
             </a:endParaRPr>
           </a:p>
@@ -2014,11 +2304,12 @@
           </a:prstGeom>
         </p:spPr>
         <p:txBody>
-          <a:bodyPr lIns="0" rIns="0" tIns="0" bIns="0">
+          <a:bodyPr lIns="0" tIns="0" rIns="0" bIns="0">
             <a:normAutofit/>
           </a:bodyPr>
-          <a:p>
-            <a:endParaRPr b="0" lang="en-US" sz="3200" spc="-1" strike="noStrike">
+          <a:lstStyle/>
+          <a:p>
+            <a:endParaRPr lang="en-US" sz="3200" b="0" strike="noStrike" spc="-1">
               <a:latin typeface="Arial"/>
             </a:endParaRPr>
           </a:p>
@@ -2044,11 +2335,12 @@
           </a:prstGeom>
         </p:spPr>
         <p:txBody>
-          <a:bodyPr lIns="0" rIns="0" tIns="0" bIns="0">
+          <a:bodyPr lIns="0" tIns="0" rIns="0" bIns="0">
             <a:normAutofit/>
           </a:bodyPr>
-          <a:p>
-            <a:endParaRPr b="0" lang="en-US" sz="3200" spc="-1" strike="noStrike">
+          <a:lstStyle/>
+          <a:p>
+            <a:endParaRPr lang="en-US" sz="3200" b="0" strike="noStrike" spc="-1">
               <a:latin typeface="Arial"/>
             </a:endParaRPr>
           </a:p>
@@ -2074,11 +2366,12 @@
           </a:prstGeom>
         </p:spPr>
         <p:txBody>
-          <a:bodyPr lIns="0" rIns="0" tIns="0" bIns="0">
+          <a:bodyPr lIns="0" tIns="0" rIns="0" bIns="0">
             <a:normAutofit/>
           </a:bodyPr>
-          <a:p>
-            <a:endParaRPr b="0" lang="en-US" sz="3200" spc="-1" strike="noStrike">
+          <a:lstStyle/>
+          <a:p>
+            <a:endParaRPr lang="en-US" sz="3200" b="0" strike="noStrike" spc="-1">
               <a:latin typeface="Arial"/>
             </a:endParaRPr>
           </a:p>
@@ -2086,11 +2379,14 @@
       </p:sp>
     </p:spTree>
   </p:cSld>
+  <p:clrMapOvr>
+    <a:masterClrMapping/>
+  </p:clrMapOvr>
 </p:sldLayout>
 </file>
 
 <file path=ppt/slideLayouts/slideLayout22.xml><?xml version="1.0" encoding="utf-8"?>
-<p:sldLayout xmlns:a="http://schemas.openxmlformats.org/drawingml/2006/main" xmlns:p="http://schemas.openxmlformats.org/presentationml/2006/main" xmlns:r="http://schemas.openxmlformats.org/officeDocument/2006/relationships" xmlns:p14="http://schemas.microsoft.com/office/powerpoint/2010/main" xmlns:p15="http://schemas.microsoft.com/office/powerpoint/2012/main" xmlns:mc="http://schemas.openxmlformats.org/markup-compatibility/2006" type="objOverTx" preserve="1">
+<p:sldLayout xmlns:a="http://schemas.openxmlformats.org/drawingml/2006/main" xmlns:r="http://schemas.openxmlformats.org/officeDocument/2006/relationships" xmlns:p="http://schemas.openxmlformats.org/presentationml/2006/main" type="objOverTx" preserve="1">
   <p:cSld name="Title, Content over Content">
     <p:spTree>
       <p:nvGrpSpPr>
@@ -2126,12 +2422,13 @@
           </a:prstGeom>
         </p:spPr>
         <p:txBody>
-          <a:bodyPr lIns="0" rIns="0" tIns="0" bIns="0" anchor="ctr">
+          <a:bodyPr lIns="0" tIns="0" rIns="0" bIns="0" anchor="ctr">
             <a:noAutofit/>
           </a:bodyPr>
+          <a:lstStyle/>
           <a:p>
             <a:pPr algn="ctr"/>
-            <a:endParaRPr b="0" lang="en-US" sz="4400" spc="-1" strike="noStrike">
+            <a:endParaRPr lang="en-US" sz="4400" b="0" strike="noStrike" spc="-1">
               <a:latin typeface="Arial"/>
             </a:endParaRPr>
           </a:p>
@@ -2157,11 +2454,12 @@
           </a:prstGeom>
         </p:spPr>
         <p:txBody>
-          <a:bodyPr lIns="0" rIns="0" tIns="0" bIns="0">
+          <a:bodyPr lIns="0" tIns="0" rIns="0" bIns="0">
             <a:normAutofit/>
           </a:bodyPr>
-          <a:p>
-            <a:endParaRPr b="0" lang="en-US" sz="3200" spc="-1" strike="noStrike">
+          <a:lstStyle/>
+          <a:p>
+            <a:endParaRPr lang="en-US" sz="3200" b="0" strike="noStrike" spc="-1">
               <a:latin typeface="Arial"/>
             </a:endParaRPr>
           </a:p>
@@ -2187,11 +2485,12 @@
           </a:prstGeom>
         </p:spPr>
         <p:txBody>
-          <a:bodyPr lIns="0" rIns="0" tIns="0" bIns="0">
+          <a:bodyPr lIns="0" tIns="0" rIns="0" bIns="0">
             <a:normAutofit/>
           </a:bodyPr>
-          <a:p>
-            <a:endParaRPr b="0" lang="en-US" sz="3200" spc="-1" strike="noStrike">
+          <a:lstStyle/>
+          <a:p>
+            <a:endParaRPr lang="en-US" sz="3200" b="0" strike="noStrike" spc="-1">
               <a:latin typeface="Arial"/>
             </a:endParaRPr>
           </a:p>
@@ -2199,11 +2498,14 @@
       </p:sp>
     </p:spTree>
   </p:cSld>
+  <p:clrMapOvr>
+    <a:masterClrMapping/>
+  </p:clrMapOvr>
 </p:sldLayout>
 </file>
 
 <file path=ppt/slideLayouts/slideLayout23.xml><?xml version="1.0" encoding="utf-8"?>
-<p:sldLayout xmlns:a="http://schemas.openxmlformats.org/drawingml/2006/main" xmlns:p="http://schemas.openxmlformats.org/presentationml/2006/main" xmlns:r="http://schemas.openxmlformats.org/officeDocument/2006/relationships" xmlns:p14="http://schemas.microsoft.com/office/powerpoint/2010/main" xmlns:p15="http://schemas.microsoft.com/office/powerpoint/2012/main" xmlns:mc="http://schemas.openxmlformats.org/markup-compatibility/2006" type="fourObj" preserve="1">
+<p:sldLayout xmlns:a="http://schemas.openxmlformats.org/drawingml/2006/main" xmlns:r="http://schemas.openxmlformats.org/officeDocument/2006/relationships" xmlns:p="http://schemas.openxmlformats.org/presentationml/2006/main" type="fourObj" preserve="1">
   <p:cSld name="Title, 4 Content">
     <p:spTree>
       <p:nvGrpSpPr>
@@ -2239,12 +2541,13 @@
           </a:prstGeom>
         </p:spPr>
         <p:txBody>
-          <a:bodyPr lIns="0" rIns="0" tIns="0" bIns="0" anchor="ctr">
+          <a:bodyPr lIns="0" tIns="0" rIns="0" bIns="0" anchor="ctr">
             <a:noAutofit/>
           </a:bodyPr>
+          <a:lstStyle/>
           <a:p>
             <a:pPr algn="ctr"/>
-            <a:endParaRPr b="0" lang="en-US" sz="4400" spc="-1" strike="noStrike">
+            <a:endParaRPr lang="en-US" sz="4400" b="0" strike="noStrike" spc="-1">
               <a:latin typeface="Arial"/>
             </a:endParaRPr>
           </a:p>
@@ -2270,11 +2573,12 @@
           </a:prstGeom>
         </p:spPr>
         <p:txBody>
-          <a:bodyPr lIns="0" rIns="0" tIns="0" bIns="0">
+          <a:bodyPr lIns="0" tIns="0" rIns="0" bIns="0">
             <a:normAutofit/>
           </a:bodyPr>
-          <a:p>
-            <a:endParaRPr b="0" lang="en-US" sz="3200" spc="-1" strike="noStrike">
+          <a:lstStyle/>
+          <a:p>
+            <a:endParaRPr lang="en-US" sz="3200" b="0" strike="noStrike" spc="-1">
               <a:latin typeface="Arial"/>
             </a:endParaRPr>
           </a:p>
@@ -2300,11 +2604,12 @@
           </a:prstGeom>
         </p:spPr>
         <p:txBody>
-          <a:bodyPr lIns="0" rIns="0" tIns="0" bIns="0">
+          <a:bodyPr lIns="0" tIns="0" rIns="0" bIns="0">
             <a:normAutofit/>
           </a:bodyPr>
-          <a:p>
-            <a:endParaRPr b="0" lang="en-US" sz="3200" spc="-1" strike="noStrike">
+          <a:lstStyle/>
+          <a:p>
+            <a:endParaRPr lang="en-US" sz="3200" b="0" strike="noStrike" spc="-1">
               <a:latin typeface="Arial"/>
             </a:endParaRPr>
           </a:p>
@@ -2330,11 +2635,12 @@
           </a:prstGeom>
         </p:spPr>
         <p:txBody>
-          <a:bodyPr lIns="0" rIns="0" tIns="0" bIns="0">
+          <a:bodyPr lIns="0" tIns="0" rIns="0" bIns="0">
             <a:normAutofit/>
           </a:bodyPr>
-          <a:p>
-            <a:endParaRPr b="0" lang="en-US" sz="3200" spc="-1" strike="noStrike">
+          <a:lstStyle/>
+          <a:p>
+            <a:endParaRPr lang="en-US" sz="3200" b="0" strike="noStrike" spc="-1">
               <a:latin typeface="Arial"/>
             </a:endParaRPr>
           </a:p>
@@ -2360,11 +2666,12 @@
           </a:prstGeom>
         </p:spPr>
         <p:txBody>
-          <a:bodyPr lIns="0" rIns="0" tIns="0" bIns="0">
+          <a:bodyPr lIns="0" tIns="0" rIns="0" bIns="0">
             <a:normAutofit/>
           </a:bodyPr>
-          <a:p>
-            <a:endParaRPr b="0" lang="en-US" sz="3200" spc="-1" strike="noStrike">
+          <a:lstStyle/>
+          <a:p>
+            <a:endParaRPr lang="en-US" sz="3200" b="0" strike="noStrike" spc="-1">
               <a:latin typeface="Arial"/>
             </a:endParaRPr>
           </a:p>
@@ -2372,11 +2679,14 @@
       </p:sp>
     </p:spTree>
   </p:cSld>
+  <p:clrMapOvr>
+    <a:masterClrMapping/>
+  </p:clrMapOvr>
 </p:sldLayout>
 </file>
 
 <file path=ppt/slideLayouts/slideLayout24.xml><?xml version="1.0" encoding="utf-8"?>
-<p:sldLayout xmlns:a="http://schemas.openxmlformats.org/drawingml/2006/main" xmlns:p="http://schemas.openxmlformats.org/presentationml/2006/main" xmlns:r="http://schemas.openxmlformats.org/officeDocument/2006/relationships" xmlns:p14="http://schemas.microsoft.com/office/powerpoint/2010/main" xmlns:p15="http://schemas.microsoft.com/office/powerpoint/2012/main" xmlns:mc="http://schemas.openxmlformats.org/markup-compatibility/2006" type="blank" preserve="1">
+<p:sldLayout xmlns:a="http://schemas.openxmlformats.org/drawingml/2006/main" xmlns:r="http://schemas.openxmlformats.org/officeDocument/2006/relationships" xmlns:p="http://schemas.openxmlformats.org/presentationml/2006/main" type="blank" preserve="1">
   <p:cSld name="Title, 6 Content">
     <p:spTree>
       <p:nvGrpSpPr>
@@ -2412,12 +2722,13 @@
           </a:prstGeom>
         </p:spPr>
         <p:txBody>
-          <a:bodyPr lIns="0" rIns="0" tIns="0" bIns="0" anchor="ctr">
+          <a:bodyPr lIns="0" tIns="0" rIns="0" bIns="0" anchor="ctr">
             <a:noAutofit/>
           </a:bodyPr>
+          <a:lstStyle/>
           <a:p>
             <a:pPr algn="ctr"/>
-            <a:endParaRPr b="0" lang="en-US" sz="4400" spc="-1" strike="noStrike">
+            <a:endParaRPr lang="en-US" sz="4400" b="0" strike="noStrike" spc="-1">
               <a:latin typeface="Arial"/>
             </a:endParaRPr>
           </a:p>
@@ -2443,11 +2754,12 @@
           </a:prstGeom>
         </p:spPr>
         <p:txBody>
-          <a:bodyPr lIns="0" rIns="0" tIns="0" bIns="0">
+          <a:bodyPr lIns="0" tIns="0" rIns="0" bIns="0">
             <a:normAutofit/>
           </a:bodyPr>
-          <a:p>
-            <a:endParaRPr b="0" lang="en-US" sz="3200" spc="-1" strike="noStrike">
+          <a:lstStyle/>
+          <a:p>
+            <a:endParaRPr lang="en-US" sz="3200" b="0" strike="noStrike" spc="-1">
               <a:latin typeface="Arial"/>
             </a:endParaRPr>
           </a:p>
@@ -2473,11 +2785,12 @@
           </a:prstGeom>
         </p:spPr>
         <p:txBody>
-          <a:bodyPr lIns="0" rIns="0" tIns="0" bIns="0">
+          <a:bodyPr lIns="0" tIns="0" rIns="0" bIns="0">
             <a:normAutofit/>
           </a:bodyPr>
-          <a:p>
-            <a:endParaRPr b="0" lang="en-US" sz="3200" spc="-1" strike="noStrike">
+          <a:lstStyle/>
+          <a:p>
+            <a:endParaRPr lang="en-US" sz="3200" b="0" strike="noStrike" spc="-1">
               <a:latin typeface="Arial"/>
             </a:endParaRPr>
           </a:p>
@@ -2503,11 +2816,12 @@
           </a:prstGeom>
         </p:spPr>
         <p:txBody>
-          <a:bodyPr lIns="0" rIns="0" tIns="0" bIns="0">
+          <a:bodyPr lIns="0" tIns="0" rIns="0" bIns="0">
             <a:normAutofit/>
           </a:bodyPr>
-          <a:p>
-            <a:endParaRPr b="0" lang="en-US" sz="3200" spc="-1" strike="noStrike">
+          <a:lstStyle/>
+          <a:p>
+            <a:endParaRPr lang="en-US" sz="3200" b="0" strike="noStrike" spc="-1">
               <a:latin typeface="Arial"/>
             </a:endParaRPr>
           </a:p>
@@ -2533,11 +2847,12 @@
           </a:prstGeom>
         </p:spPr>
         <p:txBody>
-          <a:bodyPr lIns="0" rIns="0" tIns="0" bIns="0">
+          <a:bodyPr lIns="0" tIns="0" rIns="0" bIns="0">
             <a:normAutofit/>
           </a:bodyPr>
-          <a:p>
-            <a:endParaRPr b="0" lang="en-US" sz="3200" spc="-1" strike="noStrike">
+          <a:lstStyle/>
+          <a:p>
+            <a:endParaRPr lang="en-US" sz="3200" b="0" strike="noStrike" spc="-1">
               <a:latin typeface="Arial"/>
             </a:endParaRPr>
           </a:p>
@@ -2563,11 +2878,12 @@
           </a:prstGeom>
         </p:spPr>
         <p:txBody>
-          <a:bodyPr lIns="0" rIns="0" tIns="0" bIns="0">
+          <a:bodyPr lIns="0" tIns="0" rIns="0" bIns="0">
             <a:normAutofit/>
           </a:bodyPr>
-          <a:p>
-            <a:endParaRPr b="0" lang="en-US" sz="3200" spc="-1" strike="noStrike">
+          <a:lstStyle/>
+          <a:p>
+            <a:endParaRPr lang="en-US" sz="3200" b="0" strike="noStrike" spc="-1">
               <a:latin typeface="Arial"/>
             </a:endParaRPr>
           </a:p>
@@ -2593,11 +2909,12 @@
           </a:prstGeom>
         </p:spPr>
         <p:txBody>
-          <a:bodyPr lIns="0" rIns="0" tIns="0" bIns="0">
+          <a:bodyPr lIns="0" tIns="0" rIns="0" bIns="0">
             <a:normAutofit/>
           </a:bodyPr>
-          <a:p>
-            <a:endParaRPr b="0" lang="en-US" sz="3200" spc="-1" strike="noStrike">
+          <a:lstStyle/>
+          <a:p>
+            <a:endParaRPr lang="en-US" sz="3200" b="0" strike="noStrike" spc="-1">
               <a:latin typeface="Arial"/>
             </a:endParaRPr>
           </a:p>
@@ -2605,11 +2922,14 @@
       </p:sp>
     </p:spTree>
   </p:cSld>
+  <p:clrMapOvr>
+    <a:masterClrMapping/>
+  </p:clrMapOvr>
 </p:sldLayout>
 </file>
 
 <file path=ppt/slideLayouts/slideLayout3.xml><?xml version="1.0" encoding="utf-8"?>
-<p:sldLayout xmlns:a="http://schemas.openxmlformats.org/drawingml/2006/main" xmlns:p="http://schemas.openxmlformats.org/presentationml/2006/main" xmlns:r="http://schemas.openxmlformats.org/officeDocument/2006/relationships" xmlns:p14="http://schemas.microsoft.com/office/powerpoint/2010/main" xmlns:p15="http://schemas.microsoft.com/office/powerpoint/2012/main" xmlns:mc="http://schemas.openxmlformats.org/markup-compatibility/2006" type="obj" preserve="1">
+<p:sldLayout xmlns:a="http://schemas.openxmlformats.org/drawingml/2006/main" xmlns:r="http://schemas.openxmlformats.org/officeDocument/2006/relationships" xmlns:p="http://schemas.openxmlformats.org/presentationml/2006/main" type="obj" preserve="1">
   <p:cSld name="Title, Content">
     <p:spTree>
       <p:nvGrpSpPr>
@@ -2645,12 +2965,13 @@
           </a:prstGeom>
         </p:spPr>
         <p:txBody>
-          <a:bodyPr lIns="0" rIns="0" tIns="0" bIns="0" anchor="ctr">
+          <a:bodyPr lIns="0" tIns="0" rIns="0" bIns="0" anchor="ctr">
             <a:noAutofit/>
           </a:bodyPr>
+          <a:lstStyle/>
           <a:p>
             <a:pPr algn="ctr"/>
-            <a:endParaRPr b="0" lang="en-US" sz="4400" spc="-1" strike="noStrike">
+            <a:endParaRPr lang="en-US" sz="4400" b="0" strike="noStrike" spc="-1">
               <a:latin typeface="Arial"/>
             </a:endParaRPr>
           </a:p>
@@ -2676,11 +2997,12 @@
           </a:prstGeom>
         </p:spPr>
         <p:txBody>
-          <a:bodyPr lIns="0" rIns="0" tIns="0" bIns="0">
+          <a:bodyPr lIns="0" tIns="0" rIns="0" bIns="0">
             <a:normAutofit/>
           </a:bodyPr>
-          <a:p>
-            <a:endParaRPr b="0" lang="en-US" sz="3200" spc="-1" strike="noStrike">
+          <a:lstStyle/>
+          <a:p>
+            <a:endParaRPr lang="en-US" sz="3200" b="0" strike="noStrike" spc="-1">
               <a:latin typeface="Arial"/>
             </a:endParaRPr>
           </a:p>
@@ -2688,11 +3010,14 @@
       </p:sp>
     </p:spTree>
   </p:cSld>
+  <p:clrMapOvr>
+    <a:masterClrMapping/>
+  </p:clrMapOvr>
 </p:sldLayout>
 </file>
 
 <file path=ppt/slideLayouts/slideLayout4.xml><?xml version="1.0" encoding="utf-8"?>
-<p:sldLayout xmlns:a="http://schemas.openxmlformats.org/drawingml/2006/main" xmlns:p="http://schemas.openxmlformats.org/presentationml/2006/main" xmlns:r="http://schemas.openxmlformats.org/officeDocument/2006/relationships" xmlns:p14="http://schemas.microsoft.com/office/powerpoint/2010/main" xmlns:p15="http://schemas.microsoft.com/office/powerpoint/2012/main" xmlns:mc="http://schemas.openxmlformats.org/markup-compatibility/2006" type="twoObj" preserve="1">
+<p:sldLayout xmlns:a="http://schemas.openxmlformats.org/drawingml/2006/main" xmlns:r="http://schemas.openxmlformats.org/officeDocument/2006/relationships" xmlns:p="http://schemas.openxmlformats.org/presentationml/2006/main" type="twoObj" preserve="1">
   <p:cSld name="Title, 2 Content">
     <p:spTree>
       <p:nvGrpSpPr>
@@ -2728,12 +3053,13 @@
           </a:prstGeom>
         </p:spPr>
         <p:txBody>
-          <a:bodyPr lIns="0" rIns="0" tIns="0" bIns="0" anchor="ctr">
+          <a:bodyPr lIns="0" tIns="0" rIns="0" bIns="0" anchor="ctr">
             <a:noAutofit/>
           </a:bodyPr>
+          <a:lstStyle/>
           <a:p>
             <a:pPr algn="ctr"/>
-            <a:endParaRPr b="0" lang="en-US" sz="4400" spc="-1" strike="noStrike">
+            <a:endParaRPr lang="en-US" sz="4400" b="0" strike="noStrike" spc="-1">
               <a:latin typeface="Arial"/>
             </a:endParaRPr>
           </a:p>
@@ -2759,11 +3085,12 @@
           </a:prstGeom>
         </p:spPr>
         <p:txBody>
-          <a:bodyPr lIns="0" rIns="0" tIns="0" bIns="0">
+          <a:bodyPr lIns="0" tIns="0" rIns="0" bIns="0">
             <a:normAutofit/>
           </a:bodyPr>
-          <a:p>
-            <a:endParaRPr b="0" lang="en-US" sz="3200" spc="-1" strike="noStrike">
+          <a:lstStyle/>
+          <a:p>
+            <a:endParaRPr lang="en-US" sz="3200" b="0" strike="noStrike" spc="-1">
               <a:latin typeface="Arial"/>
             </a:endParaRPr>
           </a:p>
@@ -2789,11 +3116,12 @@
           </a:prstGeom>
         </p:spPr>
         <p:txBody>
-          <a:bodyPr lIns="0" rIns="0" tIns="0" bIns="0">
+          <a:bodyPr lIns="0" tIns="0" rIns="0" bIns="0">
             <a:normAutofit/>
           </a:bodyPr>
-          <a:p>
-            <a:endParaRPr b="0" lang="en-US" sz="3200" spc="-1" strike="noStrike">
+          <a:lstStyle/>
+          <a:p>
+            <a:endParaRPr lang="en-US" sz="3200" b="0" strike="noStrike" spc="-1">
               <a:latin typeface="Arial"/>
             </a:endParaRPr>
           </a:p>
@@ -2801,11 +3129,14 @@
       </p:sp>
     </p:spTree>
   </p:cSld>
+  <p:clrMapOvr>
+    <a:masterClrMapping/>
+  </p:clrMapOvr>
 </p:sldLayout>
 </file>
 
 <file path=ppt/slideLayouts/slideLayout5.xml><?xml version="1.0" encoding="utf-8"?>
-<p:sldLayout xmlns:a="http://schemas.openxmlformats.org/drawingml/2006/main" xmlns:p="http://schemas.openxmlformats.org/presentationml/2006/main" xmlns:r="http://schemas.openxmlformats.org/officeDocument/2006/relationships" xmlns:p14="http://schemas.microsoft.com/office/powerpoint/2010/main" xmlns:p15="http://schemas.microsoft.com/office/powerpoint/2012/main" xmlns:mc="http://schemas.openxmlformats.org/markup-compatibility/2006" type="titleOnly" preserve="1">
+<p:sldLayout xmlns:a="http://schemas.openxmlformats.org/drawingml/2006/main" xmlns:r="http://schemas.openxmlformats.org/officeDocument/2006/relationships" xmlns:p="http://schemas.openxmlformats.org/presentationml/2006/main" type="titleOnly" preserve="1">
   <p:cSld name="Title Only">
     <p:spTree>
       <p:nvGrpSpPr>
@@ -2841,12 +3172,13 @@
           </a:prstGeom>
         </p:spPr>
         <p:txBody>
-          <a:bodyPr lIns="0" rIns="0" tIns="0" bIns="0" anchor="ctr">
+          <a:bodyPr lIns="0" tIns="0" rIns="0" bIns="0" anchor="ctr">
             <a:noAutofit/>
           </a:bodyPr>
+          <a:lstStyle/>
           <a:p>
             <a:pPr algn="ctr"/>
-            <a:endParaRPr b="0" lang="en-US" sz="4400" spc="-1" strike="noStrike">
+            <a:endParaRPr lang="en-US" sz="4400" b="0" strike="noStrike" spc="-1">
               <a:latin typeface="Arial"/>
             </a:endParaRPr>
           </a:p>
@@ -2854,11 +3186,14 @@
       </p:sp>
     </p:spTree>
   </p:cSld>
+  <p:clrMapOvr>
+    <a:masterClrMapping/>
+  </p:clrMapOvr>
 </p:sldLayout>
 </file>
 
 <file path=ppt/slideLayouts/slideLayout6.xml><?xml version="1.0" encoding="utf-8"?>
-<p:sldLayout xmlns:a="http://schemas.openxmlformats.org/drawingml/2006/main" xmlns:p="http://schemas.openxmlformats.org/presentationml/2006/main" xmlns:r="http://schemas.openxmlformats.org/officeDocument/2006/relationships" xmlns:p14="http://schemas.microsoft.com/office/powerpoint/2010/main" xmlns:p15="http://schemas.microsoft.com/office/powerpoint/2012/main" xmlns:mc="http://schemas.openxmlformats.org/markup-compatibility/2006" type="objOnly" preserve="1">
+<p:sldLayout xmlns:a="http://schemas.openxmlformats.org/drawingml/2006/main" xmlns:r="http://schemas.openxmlformats.org/officeDocument/2006/relationships" xmlns:p="http://schemas.openxmlformats.org/presentationml/2006/main" type="objOnly" preserve="1">
   <p:cSld name="Centered Text">
     <p:spTree>
       <p:nvGrpSpPr>
@@ -2894,12 +3229,13 @@
           </a:prstGeom>
         </p:spPr>
         <p:txBody>
-          <a:bodyPr lIns="0" rIns="0" tIns="0" bIns="0" anchor="ctr">
+          <a:bodyPr lIns="0" tIns="0" rIns="0" bIns="0" anchor="ctr">
             <a:noAutofit/>
           </a:bodyPr>
+          <a:lstStyle/>
           <a:p>
             <a:pPr algn="ctr"/>
-            <a:endParaRPr b="0" lang="en-US" sz="3200" spc="-1" strike="noStrike">
+            <a:endParaRPr lang="en-US" sz="3200" b="0" strike="noStrike" spc="-1">
               <a:latin typeface="Arial"/>
             </a:endParaRPr>
           </a:p>
@@ -2907,11 +3243,14 @@
       </p:sp>
     </p:spTree>
   </p:cSld>
+  <p:clrMapOvr>
+    <a:masterClrMapping/>
+  </p:clrMapOvr>
 </p:sldLayout>
 </file>
 
 <file path=ppt/slideLayouts/slideLayout7.xml><?xml version="1.0" encoding="utf-8"?>
-<p:sldLayout xmlns:a="http://schemas.openxmlformats.org/drawingml/2006/main" xmlns:p="http://schemas.openxmlformats.org/presentationml/2006/main" xmlns:r="http://schemas.openxmlformats.org/officeDocument/2006/relationships" xmlns:p14="http://schemas.microsoft.com/office/powerpoint/2010/main" xmlns:p15="http://schemas.microsoft.com/office/powerpoint/2012/main" xmlns:mc="http://schemas.openxmlformats.org/markup-compatibility/2006" type="twoObjAndObj" preserve="1">
+<p:sldLayout xmlns:a="http://schemas.openxmlformats.org/drawingml/2006/main" xmlns:r="http://schemas.openxmlformats.org/officeDocument/2006/relationships" xmlns:p="http://schemas.openxmlformats.org/presentationml/2006/main" type="twoObjAndObj" preserve="1">
   <p:cSld name="Title, 2 Content and Content">
     <p:spTree>
       <p:nvGrpSpPr>
@@ -2947,12 +3286,13 @@
           </a:prstGeom>
         </p:spPr>
         <p:txBody>
-          <a:bodyPr lIns="0" rIns="0" tIns="0" bIns="0" anchor="ctr">
+          <a:bodyPr lIns="0" tIns="0" rIns="0" bIns="0" anchor="ctr">
             <a:noAutofit/>
           </a:bodyPr>
+          <a:lstStyle/>
           <a:p>
             <a:pPr algn="ctr"/>
-            <a:endParaRPr b="0" lang="en-US" sz="4400" spc="-1" strike="noStrike">
+            <a:endParaRPr lang="en-US" sz="4400" b="0" strike="noStrike" spc="-1">
               <a:latin typeface="Arial"/>
             </a:endParaRPr>
           </a:p>
@@ -2978,11 +3318,12 @@
           </a:prstGeom>
         </p:spPr>
         <p:txBody>
-          <a:bodyPr lIns="0" rIns="0" tIns="0" bIns="0">
+          <a:bodyPr lIns="0" tIns="0" rIns="0" bIns="0">
             <a:normAutofit/>
           </a:bodyPr>
-          <a:p>
-            <a:endParaRPr b="0" lang="en-US" sz="3200" spc="-1" strike="noStrike">
+          <a:lstStyle/>
+          <a:p>
+            <a:endParaRPr lang="en-US" sz="3200" b="0" strike="noStrike" spc="-1">
               <a:latin typeface="Arial"/>
             </a:endParaRPr>
           </a:p>
@@ -3008,11 +3349,12 @@
           </a:prstGeom>
         </p:spPr>
         <p:txBody>
-          <a:bodyPr lIns="0" rIns="0" tIns="0" bIns="0">
+          <a:bodyPr lIns="0" tIns="0" rIns="0" bIns="0">
             <a:normAutofit/>
           </a:bodyPr>
-          <a:p>
-            <a:endParaRPr b="0" lang="en-US" sz="3200" spc="-1" strike="noStrike">
+          <a:lstStyle/>
+          <a:p>
+            <a:endParaRPr lang="en-US" sz="3200" b="0" strike="noStrike" spc="-1">
               <a:latin typeface="Arial"/>
             </a:endParaRPr>
           </a:p>
@@ -3038,11 +3380,12 @@
           </a:prstGeom>
         </p:spPr>
         <p:txBody>
-          <a:bodyPr lIns="0" rIns="0" tIns="0" bIns="0">
+          <a:bodyPr lIns="0" tIns="0" rIns="0" bIns="0">
             <a:normAutofit/>
           </a:bodyPr>
-          <a:p>
-            <a:endParaRPr b="0" lang="en-US" sz="3200" spc="-1" strike="noStrike">
+          <a:lstStyle/>
+          <a:p>
+            <a:endParaRPr lang="en-US" sz="3200" b="0" strike="noStrike" spc="-1">
               <a:latin typeface="Arial"/>
             </a:endParaRPr>
           </a:p>
@@ -3050,11 +3393,14 @@
       </p:sp>
     </p:spTree>
   </p:cSld>
+  <p:clrMapOvr>
+    <a:masterClrMapping/>
+  </p:clrMapOvr>
 </p:sldLayout>
 </file>
 
 <file path=ppt/slideLayouts/slideLayout8.xml><?xml version="1.0" encoding="utf-8"?>
-<p:sldLayout xmlns:a="http://schemas.openxmlformats.org/drawingml/2006/main" xmlns:p="http://schemas.openxmlformats.org/presentationml/2006/main" xmlns:r="http://schemas.openxmlformats.org/officeDocument/2006/relationships" xmlns:p14="http://schemas.microsoft.com/office/powerpoint/2010/main" xmlns:p15="http://schemas.microsoft.com/office/powerpoint/2012/main" xmlns:mc="http://schemas.openxmlformats.org/markup-compatibility/2006" type="objAndTwoObj" preserve="1">
+<p:sldLayout xmlns:a="http://schemas.openxmlformats.org/drawingml/2006/main" xmlns:r="http://schemas.openxmlformats.org/officeDocument/2006/relationships" xmlns:p="http://schemas.openxmlformats.org/presentationml/2006/main" type="objAndTwoObj" preserve="1">
   <p:cSld name="Title Content and 2 Content">
     <p:spTree>
       <p:nvGrpSpPr>
@@ -3090,12 +3436,13 @@
           </a:prstGeom>
         </p:spPr>
         <p:txBody>
-          <a:bodyPr lIns="0" rIns="0" tIns="0" bIns="0" anchor="ctr">
+          <a:bodyPr lIns="0" tIns="0" rIns="0" bIns="0" anchor="ctr">
             <a:noAutofit/>
           </a:bodyPr>
+          <a:lstStyle/>
           <a:p>
             <a:pPr algn="ctr"/>
-            <a:endParaRPr b="0" lang="en-US" sz="4400" spc="-1" strike="noStrike">
+            <a:endParaRPr lang="en-US" sz="4400" b="0" strike="noStrike" spc="-1">
               <a:latin typeface="Arial"/>
             </a:endParaRPr>
           </a:p>
@@ -3121,11 +3468,12 @@
           </a:prstGeom>
         </p:spPr>
         <p:txBody>
-          <a:bodyPr lIns="0" rIns="0" tIns="0" bIns="0">
+          <a:bodyPr lIns="0" tIns="0" rIns="0" bIns="0">
             <a:normAutofit/>
           </a:bodyPr>
-          <a:p>
-            <a:endParaRPr b="0" lang="en-US" sz="3200" spc="-1" strike="noStrike">
+          <a:lstStyle/>
+          <a:p>
+            <a:endParaRPr lang="en-US" sz="3200" b="0" strike="noStrike" spc="-1">
               <a:latin typeface="Arial"/>
             </a:endParaRPr>
           </a:p>
@@ -3151,11 +3499,12 @@
           </a:prstGeom>
         </p:spPr>
         <p:txBody>
-          <a:bodyPr lIns="0" rIns="0" tIns="0" bIns="0">
+          <a:bodyPr lIns="0" tIns="0" rIns="0" bIns="0">
             <a:normAutofit/>
           </a:bodyPr>
-          <a:p>
-            <a:endParaRPr b="0" lang="en-US" sz="3200" spc="-1" strike="noStrike">
+          <a:lstStyle/>
+          <a:p>
+            <a:endParaRPr lang="en-US" sz="3200" b="0" strike="noStrike" spc="-1">
               <a:latin typeface="Arial"/>
             </a:endParaRPr>
           </a:p>
@@ -3181,11 +3530,12 @@
           </a:prstGeom>
         </p:spPr>
         <p:txBody>
-          <a:bodyPr lIns="0" rIns="0" tIns="0" bIns="0">
+          <a:bodyPr lIns="0" tIns="0" rIns="0" bIns="0">
             <a:normAutofit/>
           </a:bodyPr>
-          <a:p>
-            <a:endParaRPr b="0" lang="en-US" sz="3200" spc="-1" strike="noStrike">
+          <a:lstStyle/>
+          <a:p>
+            <a:endParaRPr lang="en-US" sz="3200" b="0" strike="noStrike" spc="-1">
               <a:latin typeface="Arial"/>
             </a:endParaRPr>
           </a:p>
@@ -3193,11 +3543,14 @@
       </p:sp>
     </p:spTree>
   </p:cSld>
+  <p:clrMapOvr>
+    <a:masterClrMapping/>
+  </p:clrMapOvr>
 </p:sldLayout>
 </file>
 
 <file path=ppt/slideLayouts/slideLayout9.xml><?xml version="1.0" encoding="utf-8"?>
-<p:sldLayout xmlns:a="http://schemas.openxmlformats.org/drawingml/2006/main" xmlns:p="http://schemas.openxmlformats.org/presentationml/2006/main" xmlns:r="http://schemas.openxmlformats.org/officeDocument/2006/relationships" xmlns:p14="http://schemas.microsoft.com/office/powerpoint/2010/main" xmlns:p15="http://schemas.microsoft.com/office/powerpoint/2012/main" xmlns:mc="http://schemas.openxmlformats.org/markup-compatibility/2006" type="twoObjOverTx" preserve="1">
+<p:sldLayout xmlns:a="http://schemas.openxmlformats.org/drawingml/2006/main" xmlns:r="http://schemas.openxmlformats.org/officeDocument/2006/relationships" xmlns:p="http://schemas.openxmlformats.org/presentationml/2006/main" type="twoObjOverTx" preserve="1">
   <p:cSld name="Title, 2 Content over Content">
     <p:spTree>
       <p:nvGrpSpPr>
@@ -3233,12 +3586,13 @@
           </a:prstGeom>
         </p:spPr>
         <p:txBody>
-          <a:bodyPr lIns="0" rIns="0" tIns="0" bIns="0" anchor="ctr">
+          <a:bodyPr lIns="0" tIns="0" rIns="0" bIns="0" anchor="ctr">
             <a:noAutofit/>
           </a:bodyPr>
+          <a:lstStyle/>
           <a:p>
             <a:pPr algn="ctr"/>
-            <a:endParaRPr b="0" lang="en-US" sz="4400" spc="-1" strike="noStrike">
+            <a:endParaRPr lang="en-US" sz="4400" b="0" strike="noStrike" spc="-1">
               <a:latin typeface="Arial"/>
             </a:endParaRPr>
           </a:p>
@@ -3264,11 +3618,12 @@
           </a:prstGeom>
         </p:spPr>
         <p:txBody>
-          <a:bodyPr lIns="0" rIns="0" tIns="0" bIns="0">
+          <a:bodyPr lIns="0" tIns="0" rIns="0" bIns="0">
             <a:normAutofit/>
           </a:bodyPr>
-          <a:p>
-            <a:endParaRPr b="0" lang="en-US" sz="3200" spc="-1" strike="noStrike">
+          <a:lstStyle/>
+          <a:p>
+            <a:endParaRPr lang="en-US" sz="3200" b="0" strike="noStrike" spc="-1">
               <a:latin typeface="Arial"/>
             </a:endParaRPr>
           </a:p>
@@ -3294,11 +3649,12 @@
           </a:prstGeom>
         </p:spPr>
         <p:txBody>
-          <a:bodyPr lIns="0" rIns="0" tIns="0" bIns="0">
+          <a:bodyPr lIns="0" tIns="0" rIns="0" bIns="0">
             <a:normAutofit/>
           </a:bodyPr>
-          <a:p>
-            <a:endParaRPr b="0" lang="en-US" sz="3200" spc="-1" strike="noStrike">
+          <a:lstStyle/>
+          <a:p>
+            <a:endParaRPr lang="en-US" sz="3200" b="0" strike="noStrike" spc="-1">
               <a:latin typeface="Arial"/>
             </a:endParaRPr>
           </a:p>
@@ -3324,11 +3680,12 @@
           </a:prstGeom>
         </p:spPr>
         <p:txBody>
-          <a:bodyPr lIns="0" rIns="0" tIns="0" bIns="0">
+          <a:bodyPr lIns="0" tIns="0" rIns="0" bIns="0">
             <a:normAutofit/>
           </a:bodyPr>
-          <a:p>
-            <a:endParaRPr b="0" lang="en-US" sz="3200" spc="-1" strike="noStrike">
+          <a:lstStyle/>
+          <a:p>
+            <a:endParaRPr lang="en-US" sz="3200" b="0" strike="noStrike" spc="-1">
               <a:latin typeface="Arial"/>
             </a:endParaRPr>
           </a:p>
@@ -3336,17 +3693,21 @@
       </p:sp>
     </p:spTree>
   </p:cSld>
+  <p:clrMapOvr>
+    <a:masterClrMapping/>
+  </p:clrMapOvr>
 </p:sldLayout>
 </file>
 
 <file path=ppt/slideMasters/slideMaster1.xml><?xml version="1.0" encoding="utf-8"?>
-<p:sldMaster xmlns:a="http://schemas.openxmlformats.org/drawingml/2006/main" xmlns:p="http://schemas.openxmlformats.org/presentationml/2006/main" xmlns:r="http://schemas.openxmlformats.org/officeDocument/2006/relationships" xmlns:p14="http://schemas.microsoft.com/office/powerpoint/2010/main" xmlns:p15="http://schemas.microsoft.com/office/powerpoint/2012/main" xmlns:mc="http://schemas.openxmlformats.org/markup-compatibility/2006">
+<p:sldMaster xmlns:a="http://schemas.openxmlformats.org/drawingml/2006/main" xmlns:r="http://schemas.openxmlformats.org/officeDocument/2006/relationships" xmlns:p="http://schemas.openxmlformats.org/presentationml/2006/main">
   <p:cSld>
     <p:bg>
       <p:bgPr>
         <a:solidFill>
-          <a:srgbClr val="ffffff"/>
+          <a:srgbClr val="FFFFFF"/>
         </a:solidFill>
+        <a:effectLst/>
       </p:bgPr>
     </p:bg>
     <p:spTree>
@@ -3365,7 +3726,7 @@
       </p:grpSpPr>
       <p:sp>
         <p:nvSpPr>
-          <p:cNvPr id="0" name="PlaceHolder 1"/>
+          <p:cNvPr id="2" name="PlaceHolder 1"/>
           <p:cNvSpPr>
             <a:spLocks noGrp="1"/>
           </p:cNvSpPr>
@@ -3383,26 +3744,24 @@
           </a:prstGeom>
         </p:spPr>
         <p:txBody>
-          <a:bodyPr lIns="0" rIns="0" tIns="0" bIns="0" anchor="ctr">
+          <a:bodyPr lIns="0" tIns="0" rIns="0" bIns="0" anchor="ctr">
             <a:noAutofit/>
           </a:bodyPr>
+          <a:lstStyle/>
           <a:p>
             <a:pPr algn="ctr"/>
             <a:r>
-              <a:rPr b="0" lang="en-US" sz="4400" spc="-1" strike="noStrike">
+              <a:rPr lang="en-US" sz="4400" b="0" strike="noStrike" spc="-1">
                 <a:latin typeface="Arial"/>
               </a:rPr>
               <a:t>Click to edit the title text format</a:t>
             </a:r>
-            <a:endParaRPr b="0" lang="en-US" sz="4400" spc="-1" strike="noStrike">
-              <a:latin typeface="Arial"/>
-            </a:endParaRPr>
-          </a:p>
-        </p:txBody>
-      </p:sp>
-      <p:sp>
-        <p:nvSpPr>
-          <p:cNvPr id="1" name="PlaceHolder 2"/>
+          </a:p>
+        </p:txBody>
+      </p:sp>
+      <p:sp>
+        <p:nvSpPr>
+          <p:cNvPr id="3" name="PlaceHolder 2"/>
           <p:cNvSpPr>
             <a:spLocks noGrp="1"/>
           </p:cNvSpPr>
@@ -3420,9 +3779,10 @@
           </a:prstGeom>
         </p:spPr>
         <p:txBody>
-          <a:bodyPr lIns="0" rIns="0" tIns="0" bIns="0">
+          <a:bodyPr lIns="0" tIns="0" rIns="0" bIns="0">
             <a:normAutofit/>
           </a:bodyPr>
+          <a:lstStyle/>
           <a:p>
             <a:pPr marL="432000" indent="-324000">
               <a:spcBef>
@@ -3436,17 +3796,14 @@
               <a:buChar char=""/>
             </a:pPr>
             <a:r>
-              <a:rPr b="0" lang="en-US" sz="3200" spc="-1" strike="noStrike">
+              <a:rPr lang="en-US" sz="3200" b="0" strike="noStrike" spc="-1">
                 <a:latin typeface="Arial"/>
               </a:rPr>
               <a:t>Click to edit the outline text format</a:t>
             </a:r>
-            <a:endParaRPr b="0" lang="en-US" sz="3200" spc="-1" strike="noStrike">
-              <a:latin typeface="Arial"/>
-            </a:endParaRPr>
-          </a:p>
-          <a:p>
-            <a:pPr lvl="1" marL="864000" indent="-324000">
+          </a:p>
+          <a:p>
+            <a:pPr marL="864000" lvl="1" indent="-324000">
               <a:spcBef>
                 <a:spcPts val="1134"/>
               </a:spcBef>
@@ -3458,17 +3815,14 @@
               <a:buChar char=""/>
             </a:pPr>
             <a:r>
-              <a:rPr b="0" lang="en-US" sz="2800" spc="-1" strike="noStrike">
+              <a:rPr lang="en-US" sz="2800" b="0" strike="noStrike" spc="-1">
                 <a:latin typeface="Arial"/>
               </a:rPr>
               <a:t>Second Outline Level</a:t>
             </a:r>
-            <a:endParaRPr b="0" lang="en-US" sz="2800" spc="-1" strike="noStrike">
-              <a:latin typeface="Arial"/>
-            </a:endParaRPr>
-          </a:p>
-          <a:p>
-            <a:pPr lvl="2" marL="1296000" indent="-288000">
+          </a:p>
+          <a:p>
+            <a:pPr marL="1296000" lvl="2" indent="-288000">
               <a:spcBef>
                 <a:spcPts val="850"/>
               </a:spcBef>
@@ -3480,17 +3834,14 @@
               <a:buChar char=""/>
             </a:pPr>
             <a:r>
-              <a:rPr b="0" lang="en-US" sz="2400" spc="-1" strike="noStrike">
+              <a:rPr lang="en-US" sz="2400" b="0" strike="noStrike" spc="-1">
                 <a:latin typeface="Arial"/>
               </a:rPr>
               <a:t>Third Outline Level</a:t>
             </a:r>
-            <a:endParaRPr b="0" lang="en-US" sz="2400" spc="-1" strike="noStrike">
-              <a:latin typeface="Arial"/>
-            </a:endParaRPr>
-          </a:p>
-          <a:p>
-            <a:pPr lvl="3" marL="1728000" indent="-216000">
+          </a:p>
+          <a:p>
+            <a:pPr marL="1728000" lvl="3" indent="-216000">
               <a:spcBef>
                 <a:spcPts val="567"/>
               </a:spcBef>
@@ -3502,17 +3853,14 @@
               <a:buChar char=""/>
             </a:pPr>
             <a:r>
-              <a:rPr b="0" lang="en-US" sz="2000" spc="-1" strike="noStrike">
+              <a:rPr lang="en-US" sz="2000" b="0" strike="noStrike" spc="-1">
                 <a:latin typeface="Arial"/>
               </a:rPr>
               <a:t>Fourth Outline Level</a:t>
             </a:r>
-            <a:endParaRPr b="0" lang="en-US" sz="2000" spc="-1" strike="noStrike">
-              <a:latin typeface="Arial"/>
-            </a:endParaRPr>
-          </a:p>
-          <a:p>
-            <a:pPr lvl="4" marL="2160000" indent="-216000">
+          </a:p>
+          <a:p>
+            <a:pPr marL="2160000" lvl="4" indent="-216000">
               <a:spcBef>
                 <a:spcPts val="283"/>
               </a:spcBef>
@@ -3524,17 +3872,14 @@
               <a:buChar char=""/>
             </a:pPr>
             <a:r>
-              <a:rPr b="0" lang="en-US" sz="2000" spc="-1" strike="noStrike">
+              <a:rPr lang="en-US" sz="2000" b="0" strike="noStrike" spc="-1">
                 <a:latin typeface="Arial"/>
               </a:rPr>
               <a:t>Fifth Outline Level</a:t>
             </a:r>
-            <a:endParaRPr b="0" lang="en-US" sz="2000" spc="-1" strike="noStrike">
-              <a:latin typeface="Arial"/>
-            </a:endParaRPr>
-          </a:p>
-          <a:p>
-            <a:pPr lvl="5" marL="2592000" indent="-216000">
+          </a:p>
+          <a:p>
+            <a:pPr marL="2592000" lvl="5" indent="-216000">
               <a:spcBef>
                 <a:spcPts val="283"/>
               </a:spcBef>
@@ -3546,17 +3891,14 @@
               <a:buChar char=""/>
             </a:pPr>
             <a:r>
-              <a:rPr b="0" lang="en-US" sz="2000" spc="-1" strike="noStrike">
+              <a:rPr lang="en-US" sz="2000" b="0" strike="noStrike" spc="-1">
                 <a:latin typeface="Arial"/>
               </a:rPr>
               <a:t>Sixth Outline Level</a:t>
             </a:r>
-            <a:endParaRPr b="0" lang="en-US" sz="2000" spc="-1" strike="noStrike">
-              <a:latin typeface="Arial"/>
-            </a:endParaRPr>
-          </a:p>
-          <a:p>
-            <a:pPr lvl="6" marL="3024000" indent="-216000">
+          </a:p>
+          <a:p>
+            <a:pPr marL="3024000" lvl="6" indent="-216000">
               <a:spcBef>
                 <a:spcPts val="283"/>
               </a:spcBef>
@@ -3568,45 +3910,323 @@
               <a:buChar char=""/>
             </a:pPr>
             <a:r>
-              <a:rPr b="0" lang="en-US" sz="2000" spc="-1" strike="noStrike">
+              <a:rPr lang="en-US" sz="2000" b="0" strike="noStrike" spc="-1">
                 <a:latin typeface="Arial"/>
               </a:rPr>
               <a:t>Seventh Outline Level</a:t>
             </a:r>
-            <a:endParaRPr b="0" lang="en-US" sz="2000" spc="-1" strike="noStrike">
-              <a:latin typeface="Arial"/>
-            </a:endParaRPr>
           </a:p>
         </p:txBody>
       </p:sp>
     </p:spTree>
   </p:cSld>
-  <p:clrMap bg1="lt1" bg2="lt2" tx1="dk1" tx2="dk2" accent1="accent1" accent2="accent2" accent3="accent3" accent4="accent4" accent5="accent5" accent6="accent6" hlink="hlink" folHlink="folHlink"/>
+  <p:clrMap bg1="lt1" tx1="dk1" bg2="lt2" tx2="dk2" accent1="accent1" accent2="accent2" accent3="accent3" accent4="accent4" accent5="accent5" accent6="accent6" hlink="hlink" folHlink="folHlink"/>
   <p:sldLayoutIdLst>
-    <p:sldLayoutId id="2147483649" r:id="rId2"/>
-    <p:sldLayoutId id="2147483650" r:id="rId3"/>
-    <p:sldLayoutId id="2147483651" r:id="rId4"/>
-    <p:sldLayoutId id="2147483652" r:id="rId5"/>
-    <p:sldLayoutId id="2147483653" r:id="rId6"/>
-    <p:sldLayoutId id="2147483654" r:id="rId7"/>
-    <p:sldLayoutId id="2147483655" r:id="rId8"/>
-    <p:sldLayoutId id="2147483656" r:id="rId9"/>
-    <p:sldLayoutId id="2147483657" r:id="rId10"/>
-    <p:sldLayoutId id="2147483658" r:id="rId11"/>
-    <p:sldLayoutId id="2147483659" r:id="rId12"/>
-    <p:sldLayoutId id="2147483660" r:id="rId13"/>
+    <p:sldLayoutId id="2147483649" r:id="rId1"/>
+    <p:sldLayoutId id="2147483650" r:id="rId2"/>
+    <p:sldLayoutId id="2147483651" r:id="rId3"/>
+    <p:sldLayoutId id="2147483652" r:id="rId4"/>
+    <p:sldLayoutId id="2147483653" r:id="rId5"/>
+    <p:sldLayoutId id="2147483654" r:id="rId6"/>
+    <p:sldLayoutId id="2147483655" r:id="rId7"/>
+    <p:sldLayoutId id="2147483656" r:id="rId8"/>
+    <p:sldLayoutId id="2147483657" r:id="rId9"/>
+    <p:sldLayoutId id="2147483658" r:id="rId10"/>
+    <p:sldLayoutId id="2147483659" r:id="rId11"/>
+    <p:sldLayoutId id="2147483660" r:id="rId12"/>
   </p:sldLayoutIdLst>
+  <p:txStyles>
+    <p:titleStyle>
+      <a:lvl1pPr algn="l" defTabSz="914400" rtl="0" eaLnBrk="1" latinLnBrk="0" hangingPunct="1">
+        <a:lnSpc>
+          <a:spcPct val="90000"/>
+        </a:lnSpc>
+        <a:spcBef>
+          <a:spcPct val="0"/>
+        </a:spcBef>
+        <a:buNone/>
+        <a:defRPr sz="4400" kern="1200">
+          <a:solidFill>
+            <a:schemeClr val="tx1"/>
+          </a:solidFill>
+          <a:latin typeface="+mj-lt"/>
+          <a:ea typeface="+mj-ea"/>
+          <a:cs typeface="+mj-cs"/>
+        </a:defRPr>
+      </a:lvl1pPr>
+    </p:titleStyle>
+    <p:bodyStyle>
+      <a:lvl1pPr marL="228600" indent="-228600" algn="l" defTabSz="914400" rtl="0" eaLnBrk="1" latinLnBrk="0" hangingPunct="1">
+        <a:lnSpc>
+          <a:spcPct val="90000"/>
+        </a:lnSpc>
+        <a:spcBef>
+          <a:spcPts val="1000"/>
+        </a:spcBef>
+        <a:buFont typeface="Arial" panose="020B0604020202020204" pitchFamily="34" charset="0"/>
+        <a:buChar char="•"/>
+        <a:defRPr sz="2800" kern="1200">
+          <a:solidFill>
+            <a:schemeClr val="tx1"/>
+          </a:solidFill>
+          <a:latin typeface="+mn-lt"/>
+          <a:ea typeface="+mn-ea"/>
+          <a:cs typeface="+mn-cs"/>
+        </a:defRPr>
+      </a:lvl1pPr>
+      <a:lvl2pPr marL="685800" indent="-228600" algn="l" defTabSz="914400" rtl="0" eaLnBrk="1" latinLnBrk="0" hangingPunct="1">
+        <a:lnSpc>
+          <a:spcPct val="90000"/>
+        </a:lnSpc>
+        <a:spcBef>
+          <a:spcPts val="500"/>
+        </a:spcBef>
+        <a:buFont typeface="Arial" panose="020B0604020202020204" pitchFamily="34" charset="0"/>
+        <a:buChar char="•"/>
+        <a:defRPr sz="2400" kern="1200">
+          <a:solidFill>
+            <a:schemeClr val="tx1"/>
+          </a:solidFill>
+          <a:latin typeface="+mn-lt"/>
+          <a:ea typeface="+mn-ea"/>
+          <a:cs typeface="+mn-cs"/>
+        </a:defRPr>
+      </a:lvl2pPr>
+      <a:lvl3pPr marL="1143000" indent="-228600" algn="l" defTabSz="914400" rtl="0" eaLnBrk="1" latinLnBrk="0" hangingPunct="1">
+        <a:lnSpc>
+          <a:spcPct val="90000"/>
+        </a:lnSpc>
+        <a:spcBef>
+          <a:spcPts val="500"/>
+        </a:spcBef>
+        <a:buFont typeface="Arial" panose="020B0604020202020204" pitchFamily="34" charset="0"/>
+        <a:buChar char="•"/>
+        <a:defRPr sz="2000" kern="1200">
+          <a:solidFill>
+            <a:schemeClr val="tx1"/>
+          </a:solidFill>
+          <a:latin typeface="+mn-lt"/>
+          <a:ea typeface="+mn-ea"/>
+          <a:cs typeface="+mn-cs"/>
+        </a:defRPr>
+      </a:lvl3pPr>
+      <a:lvl4pPr marL="1600200" indent="-228600" algn="l" defTabSz="914400" rtl="0" eaLnBrk="1" latinLnBrk="0" hangingPunct="1">
+        <a:lnSpc>
+          <a:spcPct val="90000"/>
+        </a:lnSpc>
+        <a:spcBef>
+          <a:spcPts val="500"/>
+        </a:spcBef>
+        <a:buFont typeface="Arial" panose="020B0604020202020204" pitchFamily="34" charset="0"/>
+        <a:buChar char="•"/>
+        <a:defRPr sz="1800" kern="1200">
+          <a:solidFill>
+            <a:schemeClr val="tx1"/>
+          </a:solidFill>
+          <a:latin typeface="+mn-lt"/>
+          <a:ea typeface="+mn-ea"/>
+          <a:cs typeface="+mn-cs"/>
+        </a:defRPr>
+      </a:lvl4pPr>
+      <a:lvl5pPr marL="2057400" indent="-228600" algn="l" defTabSz="914400" rtl="0" eaLnBrk="1" latinLnBrk="0" hangingPunct="1">
+        <a:lnSpc>
+          <a:spcPct val="90000"/>
+        </a:lnSpc>
+        <a:spcBef>
+          <a:spcPts val="500"/>
+        </a:spcBef>
+        <a:buFont typeface="Arial" panose="020B0604020202020204" pitchFamily="34" charset="0"/>
+        <a:buChar char="•"/>
+        <a:defRPr sz="1800" kern="1200">
+          <a:solidFill>
+            <a:schemeClr val="tx1"/>
+          </a:solidFill>
+          <a:latin typeface="+mn-lt"/>
+          <a:ea typeface="+mn-ea"/>
+          <a:cs typeface="+mn-cs"/>
+        </a:defRPr>
+      </a:lvl5pPr>
+      <a:lvl6pPr marL="2514600" indent="-228600" algn="l" defTabSz="914400" rtl="0" eaLnBrk="1" latinLnBrk="0" hangingPunct="1">
+        <a:lnSpc>
+          <a:spcPct val="90000"/>
+        </a:lnSpc>
+        <a:spcBef>
+          <a:spcPts val="500"/>
+        </a:spcBef>
+        <a:buFont typeface="Arial" panose="020B0604020202020204" pitchFamily="34" charset="0"/>
+        <a:buChar char="•"/>
+        <a:defRPr sz="1800" kern="1200">
+          <a:solidFill>
+            <a:schemeClr val="tx1"/>
+          </a:solidFill>
+          <a:latin typeface="+mn-lt"/>
+          <a:ea typeface="+mn-ea"/>
+          <a:cs typeface="+mn-cs"/>
+        </a:defRPr>
+      </a:lvl6pPr>
+      <a:lvl7pPr marL="2971800" indent="-228600" algn="l" defTabSz="914400" rtl="0" eaLnBrk="1" latinLnBrk="0" hangingPunct="1">
+        <a:lnSpc>
+          <a:spcPct val="90000"/>
+        </a:lnSpc>
+        <a:spcBef>
+          <a:spcPts val="500"/>
+        </a:spcBef>
+        <a:buFont typeface="Arial" panose="020B0604020202020204" pitchFamily="34" charset="0"/>
+        <a:buChar char="•"/>
+        <a:defRPr sz="1800" kern="1200">
+          <a:solidFill>
+            <a:schemeClr val="tx1"/>
+          </a:solidFill>
+          <a:latin typeface="+mn-lt"/>
+          <a:ea typeface="+mn-ea"/>
+          <a:cs typeface="+mn-cs"/>
+        </a:defRPr>
+      </a:lvl7pPr>
+      <a:lvl8pPr marL="3429000" indent="-228600" algn="l" defTabSz="914400" rtl="0" eaLnBrk="1" latinLnBrk="0" hangingPunct="1">
+        <a:lnSpc>
+          <a:spcPct val="90000"/>
+        </a:lnSpc>
+        <a:spcBef>
+          <a:spcPts val="500"/>
+        </a:spcBef>
+        <a:buFont typeface="Arial" panose="020B0604020202020204" pitchFamily="34" charset="0"/>
+        <a:buChar char="•"/>
+        <a:defRPr sz="1800" kern="1200">
+          <a:solidFill>
+            <a:schemeClr val="tx1"/>
+          </a:solidFill>
+          <a:latin typeface="+mn-lt"/>
+          <a:ea typeface="+mn-ea"/>
+          <a:cs typeface="+mn-cs"/>
+        </a:defRPr>
+      </a:lvl8pPr>
+      <a:lvl9pPr marL="3886200" indent="-228600" algn="l" defTabSz="914400" rtl="0" eaLnBrk="1" latinLnBrk="0" hangingPunct="1">
+        <a:lnSpc>
+          <a:spcPct val="90000"/>
+        </a:lnSpc>
+        <a:spcBef>
+          <a:spcPts val="500"/>
+        </a:spcBef>
+        <a:buFont typeface="Arial" panose="020B0604020202020204" pitchFamily="34" charset="0"/>
+        <a:buChar char="•"/>
+        <a:defRPr sz="1800" kern="1200">
+          <a:solidFill>
+            <a:schemeClr val="tx1"/>
+          </a:solidFill>
+          <a:latin typeface="+mn-lt"/>
+          <a:ea typeface="+mn-ea"/>
+          <a:cs typeface="+mn-cs"/>
+        </a:defRPr>
+      </a:lvl9pPr>
+    </p:bodyStyle>
+    <p:otherStyle>
+      <a:defPPr>
+        <a:defRPr lang="en-US"/>
+      </a:defPPr>
+      <a:lvl1pPr marL="0" algn="l" defTabSz="914400" rtl="0" eaLnBrk="1" latinLnBrk="0" hangingPunct="1">
+        <a:defRPr sz="1800" kern="1200">
+          <a:solidFill>
+            <a:schemeClr val="tx1"/>
+          </a:solidFill>
+          <a:latin typeface="+mn-lt"/>
+          <a:ea typeface="+mn-ea"/>
+          <a:cs typeface="+mn-cs"/>
+        </a:defRPr>
+      </a:lvl1pPr>
+      <a:lvl2pPr marL="457200" algn="l" defTabSz="914400" rtl="0" eaLnBrk="1" latinLnBrk="0" hangingPunct="1">
+        <a:defRPr sz="1800" kern="1200">
+          <a:solidFill>
+            <a:schemeClr val="tx1"/>
+          </a:solidFill>
+          <a:latin typeface="+mn-lt"/>
+          <a:ea typeface="+mn-ea"/>
+          <a:cs typeface="+mn-cs"/>
+        </a:defRPr>
+      </a:lvl2pPr>
+      <a:lvl3pPr marL="914400" algn="l" defTabSz="914400" rtl="0" eaLnBrk="1" latinLnBrk="0" hangingPunct="1">
+        <a:defRPr sz="1800" kern="1200">
+          <a:solidFill>
+            <a:schemeClr val="tx1"/>
+          </a:solidFill>
+          <a:latin typeface="+mn-lt"/>
+          <a:ea typeface="+mn-ea"/>
+          <a:cs typeface="+mn-cs"/>
+        </a:defRPr>
+      </a:lvl3pPr>
+      <a:lvl4pPr marL="1371600" algn="l" defTabSz="914400" rtl="0" eaLnBrk="1" latinLnBrk="0" hangingPunct="1">
+        <a:defRPr sz="1800" kern="1200">
+          <a:solidFill>
+            <a:schemeClr val="tx1"/>
+          </a:solidFill>
+          <a:latin typeface="+mn-lt"/>
+          <a:ea typeface="+mn-ea"/>
+          <a:cs typeface="+mn-cs"/>
+        </a:defRPr>
+      </a:lvl4pPr>
+      <a:lvl5pPr marL="1828800" algn="l" defTabSz="914400" rtl="0" eaLnBrk="1" latinLnBrk="0" hangingPunct="1">
+        <a:defRPr sz="1800" kern="1200">
+          <a:solidFill>
+            <a:schemeClr val="tx1"/>
+          </a:solidFill>
+          <a:latin typeface="+mn-lt"/>
+          <a:ea typeface="+mn-ea"/>
+          <a:cs typeface="+mn-cs"/>
+        </a:defRPr>
+      </a:lvl5pPr>
+      <a:lvl6pPr marL="2286000" algn="l" defTabSz="914400" rtl="0" eaLnBrk="1" latinLnBrk="0" hangingPunct="1">
+        <a:defRPr sz="1800" kern="1200">
+          <a:solidFill>
+            <a:schemeClr val="tx1"/>
+          </a:solidFill>
+          <a:latin typeface="+mn-lt"/>
+          <a:ea typeface="+mn-ea"/>
+          <a:cs typeface="+mn-cs"/>
+        </a:defRPr>
+      </a:lvl6pPr>
+      <a:lvl7pPr marL="2743200" algn="l" defTabSz="914400" rtl="0" eaLnBrk="1" latinLnBrk="0" hangingPunct="1">
+        <a:defRPr sz="1800" kern="1200">
+          <a:solidFill>
+            <a:schemeClr val="tx1"/>
+          </a:solidFill>
+          <a:latin typeface="+mn-lt"/>
+          <a:ea typeface="+mn-ea"/>
+          <a:cs typeface="+mn-cs"/>
+        </a:defRPr>
+      </a:lvl7pPr>
+      <a:lvl8pPr marL="3200400" algn="l" defTabSz="914400" rtl="0" eaLnBrk="1" latinLnBrk="0" hangingPunct="1">
+        <a:defRPr sz="1800" kern="1200">
+          <a:solidFill>
+            <a:schemeClr val="tx1"/>
+          </a:solidFill>
+          <a:latin typeface="+mn-lt"/>
+          <a:ea typeface="+mn-ea"/>
+          <a:cs typeface="+mn-cs"/>
+        </a:defRPr>
+      </a:lvl8pPr>
+      <a:lvl9pPr marL="3657600" algn="l" defTabSz="914400" rtl="0" eaLnBrk="1" latinLnBrk="0" hangingPunct="1">
+        <a:defRPr sz="1800" kern="1200">
+          <a:solidFill>
+            <a:schemeClr val="tx1"/>
+          </a:solidFill>
+          <a:latin typeface="+mn-lt"/>
+          <a:ea typeface="+mn-ea"/>
+          <a:cs typeface="+mn-cs"/>
+        </a:defRPr>
+      </a:lvl9pPr>
+    </p:otherStyle>
+  </p:txStyles>
 </p:sldMaster>
 </file>
 
 <file path=ppt/slideMasters/slideMaster2.xml><?xml version="1.0" encoding="utf-8"?>
-<p:sldMaster xmlns:a="http://schemas.openxmlformats.org/drawingml/2006/main" xmlns:p="http://schemas.openxmlformats.org/presentationml/2006/main" xmlns:r="http://schemas.openxmlformats.org/officeDocument/2006/relationships" xmlns:p14="http://schemas.microsoft.com/office/powerpoint/2010/main" xmlns:p15="http://schemas.microsoft.com/office/powerpoint/2012/main" xmlns:mc="http://schemas.openxmlformats.org/markup-compatibility/2006">
+<p:sldMaster xmlns:a="http://schemas.openxmlformats.org/drawingml/2006/main" xmlns:r="http://schemas.openxmlformats.org/officeDocument/2006/relationships" xmlns:p="http://schemas.openxmlformats.org/presentationml/2006/main">
   <p:cSld>
     <p:bg>
       <p:bgPr>
         <a:solidFill>
-          <a:srgbClr val="ffffff"/>
+          <a:srgbClr val="FFFFFF"/>
         </a:solidFill>
+        <a:effectLst/>
       </p:bgPr>
     </p:bg>
     <p:spTree>
@@ -3643,15 +4263,22 @@
           </a:ln>
         </p:spPr>
         <p:style>
-          <a:lnRef idx="0"/>
-          <a:fillRef idx="0"/>
-          <a:effectRef idx="0"/>
+          <a:lnRef idx="0">
+            <a:scrgbClr r="0" g="0" b="0"/>
+          </a:lnRef>
+          <a:fillRef idx="0">
+            <a:scrgbClr r="0" g="0" b="0"/>
+          </a:fillRef>
+          <a:effectRef idx="0">
+            <a:scrgbClr r="0" g="0" b="0"/>
+          </a:effectRef>
           <a:fontRef idx="minor"/>
         </p:style>
         <p:txBody>
-          <a:bodyPr lIns="90000" rIns="90000" tIns="45000" bIns="45000" anchor="ctr">
+          <a:bodyPr lIns="90000" tIns="45000" rIns="90000" bIns="45000" anchor="ctr">
             <a:noAutofit/>
           </a:bodyPr>
+          <a:lstStyle/>
           <a:p>
             <a:pPr>
               <a:lnSpc>
@@ -3659,16 +4286,16 @@
               </a:lnSpc>
             </a:pPr>
             <a:r>
-              <a:rPr b="0" lang="en-US" sz="1200" spc="-1" strike="noStrike">
+              <a:rPr lang="en-US" sz="1200" b="0" strike="noStrike" spc="-1">
                 <a:solidFill>
-                  <a:srgbClr val="8b8b8b"/>
+                  <a:srgbClr val="8B8B8B"/>
                 </a:solidFill>
                 <a:latin typeface="Calibri"/>
                 <a:ea typeface="DejaVu Sans"/>
               </a:rPr>
               <a:t>David von Oheimb, Siemens</a:t>
             </a:r>
-            <a:endParaRPr b="0" lang="en-US" sz="1200" spc="-1" strike="noStrike">
+            <a:endParaRPr lang="en-US" sz="1200" b="0" strike="noStrike" spc="-1">
               <a:latin typeface="Arial"/>
             </a:endParaRPr>
           </a:p>
@@ -3694,15 +4321,22 @@
           </a:ln>
         </p:spPr>
         <p:style>
-          <a:lnRef idx="0"/>
-          <a:fillRef idx="0"/>
-          <a:effectRef idx="0"/>
+          <a:lnRef idx="0">
+            <a:scrgbClr r="0" g="0" b="0"/>
+          </a:lnRef>
+          <a:fillRef idx="0">
+            <a:scrgbClr r="0" g="0" b="0"/>
+          </a:fillRef>
+          <a:effectRef idx="0">
+            <a:scrgbClr r="0" g="0" b="0"/>
+          </a:effectRef>
           <a:fontRef idx="minor"/>
         </p:style>
         <p:txBody>
-          <a:bodyPr lIns="90000" rIns="90000" tIns="45000" bIns="45000" anchor="ctr">
+          <a:bodyPr lIns="90000" tIns="45000" rIns="90000" bIns="45000" anchor="ctr">
             <a:noAutofit/>
           </a:bodyPr>
+          <a:lstStyle/>
           <a:p>
             <a:pPr>
               <a:lnSpc>
@@ -3710,16 +4344,16 @@
               </a:lnSpc>
             </a:pPr>
             <a:r>
-              <a:rPr b="0" lang="en-US" sz="1200" spc="-1" strike="noStrike">
+              <a:rPr lang="en-US" sz="1200" b="0" strike="noStrike" spc="-1" dirty="0">
                 <a:solidFill>
-                  <a:srgbClr val="8b8b8b"/>
+                  <a:srgbClr val="8B8B8B"/>
                 </a:solidFill>
                 <a:latin typeface="Calibri"/>
                 <a:ea typeface="DejaVu Sans"/>
               </a:rPr>
-              <a:t>2022-March-25</a:t>
+              <a:t>2022-July-08</a:t>
             </a:r>
-            <a:endParaRPr b="0" lang="en-US" sz="1200" spc="-1" strike="noStrike">
+            <a:endParaRPr lang="en-US" sz="1200" b="0" strike="noStrike" spc="-1" dirty="0">
               <a:latin typeface="Arial"/>
             </a:endParaRPr>
           </a:p>
@@ -3745,15 +4379,22 @@
           </a:ln>
         </p:spPr>
         <p:style>
-          <a:lnRef idx="0"/>
-          <a:fillRef idx="0"/>
-          <a:effectRef idx="0"/>
+          <a:lnRef idx="0">
+            <a:scrgbClr r="0" g="0" b="0"/>
+          </a:lnRef>
+          <a:fillRef idx="0">
+            <a:scrgbClr r="0" g="0" b="0"/>
+          </a:fillRef>
+          <a:effectRef idx="0">
+            <a:scrgbClr r="0" g="0" b="0"/>
+          </a:effectRef>
           <a:fontRef idx="minor"/>
         </p:style>
         <p:txBody>
-          <a:bodyPr lIns="90000" rIns="90000" tIns="45000" bIns="45000" anchor="ctr">
+          <a:bodyPr lIns="90000" tIns="45000" rIns="90000" bIns="45000" anchor="ctr">
             <a:noAutofit/>
           </a:bodyPr>
+          <a:lstStyle/>
           <a:p>
             <a:pPr>
               <a:lnSpc>
@@ -3761,26 +4402,16 @@
               </a:lnSpc>
             </a:pPr>
             <a:r>
-              <a:rPr b="0" lang="en-US" sz="1200" spc="-1" strike="noStrike">
+              <a:rPr lang="en-US" sz="1200" b="0" strike="noStrike" spc="-1">
                 <a:solidFill>
-                  <a:srgbClr val="8b8b8b"/>
+                  <a:srgbClr val="8B8B8B"/>
                 </a:solidFill>
                 <a:latin typeface="Calibri"/>
                 <a:ea typeface="DejaVu Sans"/>
               </a:rPr>
-              <a:t>BRSKI-AE status</a:t>
+              <a:t>BRSKI-AE status	</a:t>
             </a:r>
-            <a:r>
-              <a:rPr b="0" lang="en-US" sz="1200" spc="-1" strike="noStrike">
-                <a:solidFill>
-                  <a:srgbClr val="8b8b8b"/>
-                </a:solidFill>
-                <a:latin typeface="Calibri"/>
-                <a:ea typeface="DejaVu Sans"/>
-              </a:rPr>
-              <a:t>	</a:t>
-            </a:r>
-            <a:endParaRPr b="0" lang="en-US" sz="1200" spc="-1" strike="noStrike">
+            <a:endParaRPr lang="en-US" sz="1200" b="0" strike="noStrike" spc="-1">
               <a:latin typeface="Arial"/>
             </a:endParaRPr>
           </a:p>
@@ -3806,15 +4437,22 @@
           </a:ln>
         </p:spPr>
         <p:style>
-          <a:lnRef idx="0"/>
-          <a:fillRef idx="0"/>
-          <a:effectRef idx="0"/>
+          <a:lnRef idx="0">
+            <a:scrgbClr r="0" g="0" b="0"/>
+          </a:lnRef>
+          <a:fillRef idx="0">
+            <a:scrgbClr r="0" g="0" b="0"/>
+          </a:fillRef>
+          <a:effectRef idx="0">
+            <a:scrgbClr r="0" g="0" b="0"/>
+          </a:effectRef>
           <a:fontRef idx="minor"/>
         </p:style>
         <p:txBody>
-          <a:bodyPr lIns="90000" rIns="90000" tIns="45000" bIns="45000" anchor="ctr">
+          <a:bodyPr lIns="90000" tIns="45000" rIns="90000" bIns="45000" anchor="ctr">
             <a:noAutofit/>
           </a:bodyPr>
+          <a:lstStyle/>
           <a:p>
             <a:pPr>
               <a:lnSpc>
@@ -3822,16 +4460,16 @@
               </a:lnSpc>
             </a:pPr>
             <a:fld id="{C879CFB2-BD86-463D-9D34-CB507D9CAC38}" type="slidenum">
-              <a:rPr b="0" lang="en-US" sz="1200" spc="-1" strike="noStrike">
+              <a:rPr lang="en-US" sz="1200" b="0" strike="noStrike" spc="-1">
                 <a:solidFill>
-                  <a:srgbClr val="8b8b8b"/>
+                  <a:srgbClr val="8B8B8B"/>
                 </a:solidFill>
                 <a:latin typeface="Calibri"/>
                 <a:ea typeface="DejaVu Sans"/>
               </a:rPr>
-              <a:t>&lt;number&gt;</a:t>
+              <a:t>‹#›</a:t>
             </a:fld>
-            <a:endParaRPr b="0" lang="en-US" sz="1200" spc="-1" strike="noStrike">
+            <a:endParaRPr lang="en-US" sz="1200" b="0" strike="noStrike" spc="-1">
               <a:latin typeface="Arial"/>
             </a:endParaRPr>
           </a:p>
@@ -3857,20 +4495,18 @@
           </a:prstGeom>
         </p:spPr>
         <p:txBody>
-          <a:bodyPr lIns="0" rIns="0" tIns="0" bIns="0" anchor="ctr">
+          <a:bodyPr lIns="0" tIns="0" rIns="0" bIns="0" anchor="ctr">
             <a:noAutofit/>
           </a:bodyPr>
+          <a:lstStyle/>
           <a:p>
             <a:pPr algn="ctr"/>
             <a:r>
-              <a:rPr b="0" lang="en-US" sz="4400" spc="-1" strike="noStrike">
+              <a:rPr lang="en-US" sz="4400" b="0" strike="noStrike" spc="-1">
                 <a:latin typeface="Arial"/>
               </a:rPr>
               <a:t>Click to edit the title text format</a:t>
             </a:r>
-            <a:endParaRPr b="0" lang="en-US" sz="4400" spc="-1" strike="noStrike">
-              <a:latin typeface="Arial"/>
-            </a:endParaRPr>
           </a:p>
         </p:txBody>
       </p:sp>
@@ -3894,9 +4530,10 @@
           </a:prstGeom>
         </p:spPr>
         <p:txBody>
-          <a:bodyPr lIns="0" rIns="0" tIns="0" bIns="0">
+          <a:bodyPr lIns="0" tIns="0" rIns="0" bIns="0">
             <a:normAutofit/>
           </a:bodyPr>
+          <a:lstStyle/>
           <a:p>
             <a:pPr marL="432000" indent="-324000">
               <a:spcBef>
@@ -3910,17 +4547,14 @@
               <a:buChar char=""/>
             </a:pPr>
             <a:r>
-              <a:rPr b="0" lang="en-US" sz="3200" spc="-1" strike="noStrike">
+              <a:rPr lang="en-US" sz="3200" b="0" strike="noStrike" spc="-1">
                 <a:latin typeface="Arial"/>
               </a:rPr>
               <a:t>Click to edit the outline text format</a:t>
             </a:r>
-            <a:endParaRPr b="0" lang="en-US" sz="3200" spc="-1" strike="noStrike">
-              <a:latin typeface="Arial"/>
-            </a:endParaRPr>
-          </a:p>
-          <a:p>
-            <a:pPr lvl="1" marL="864000" indent="-324000">
+          </a:p>
+          <a:p>
+            <a:pPr marL="864000" lvl="1" indent="-324000">
               <a:spcBef>
                 <a:spcPts val="1134"/>
               </a:spcBef>
@@ -3932,17 +4566,14 @@
               <a:buChar char=""/>
             </a:pPr>
             <a:r>
-              <a:rPr b="0" lang="en-US" sz="2800" spc="-1" strike="noStrike">
+              <a:rPr lang="en-US" sz="2800" b="0" strike="noStrike" spc="-1">
                 <a:latin typeface="Arial"/>
               </a:rPr>
               <a:t>Second Outline Level</a:t>
             </a:r>
-            <a:endParaRPr b="0" lang="en-US" sz="2800" spc="-1" strike="noStrike">
-              <a:latin typeface="Arial"/>
-            </a:endParaRPr>
-          </a:p>
-          <a:p>
-            <a:pPr lvl="2" marL="1296000" indent="-288000">
+          </a:p>
+          <a:p>
+            <a:pPr marL="1296000" lvl="2" indent="-288000">
               <a:spcBef>
                 <a:spcPts val="850"/>
               </a:spcBef>
@@ -3954,17 +4585,14 @@
               <a:buChar char=""/>
             </a:pPr>
             <a:r>
-              <a:rPr b="0" lang="en-US" sz="2400" spc="-1" strike="noStrike">
+              <a:rPr lang="en-US" sz="2400" b="0" strike="noStrike" spc="-1">
                 <a:latin typeface="Arial"/>
               </a:rPr>
               <a:t>Third Outline Level</a:t>
             </a:r>
-            <a:endParaRPr b="0" lang="en-US" sz="2400" spc="-1" strike="noStrike">
-              <a:latin typeface="Arial"/>
-            </a:endParaRPr>
-          </a:p>
-          <a:p>
-            <a:pPr lvl="3" marL="1728000" indent="-216000">
+          </a:p>
+          <a:p>
+            <a:pPr marL="1728000" lvl="3" indent="-216000">
               <a:spcBef>
                 <a:spcPts val="567"/>
               </a:spcBef>
@@ -3976,17 +4604,14 @@
               <a:buChar char=""/>
             </a:pPr>
             <a:r>
-              <a:rPr b="0" lang="en-US" sz="2000" spc="-1" strike="noStrike">
+              <a:rPr lang="en-US" sz="2000" b="0" strike="noStrike" spc="-1">
                 <a:latin typeface="Arial"/>
               </a:rPr>
               <a:t>Fourth Outline Level</a:t>
             </a:r>
-            <a:endParaRPr b="0" lang="en-US" sz="2000" spc="-1" strike="noStrike">
-              <a:latin typeface="Arial"/>
-            </a:endParaRPr>
-          </a:p>
-          <a:p>
-            <a:pPr lvl="4" marL="2160000" indent="-216000">
+          </a:p>
+          <a:p>
+            <a:pPr marL="2160000" lvl="4" indent="-216000">
               <a:spcBef>
                 <a:spcPts val="283"/>
               </a:spcBef>
@@ -3998,17 +4623,14 @@
               <a:buChar char=""/>
             </a:pPr>
             <a:r>
-              <a:rPr b="0" lang="en-US" sz="2000" spc="-1" strike="noStrike">
+              <a:rPr lang="en-US" sz="2000" b="0" strike="noStrike" spc="-1">
                 <a:latin typeface="Arial"/>
               </a:rPr>
               <a:t>Fifth Outline Level</a:t>
             </a:r>
-            <a:endParaRPr b="0" lang="en-US" sz="2000" spc="-1" strike="noStrike">
-              <a:latin typeface="Arial"/>
-            </a:endParaRPr>
-          </a:p>
-          <a:p>
-            <a:pPr lvl="5" marL="2592000" indent="-216000">
+          </a:p>
+          <a:p>
+            <a:pPr marL="2592000" lvl="5" indent="-216000">
               <a:spcBef>
                 <a:spcPts val="283"/>
               </a:spcBef>
@@ -4020,17 +4642,14 @@
               <a:buChar char=""/>
             </a:pPr>
             <a:r>
-              <a:rPr b="0" lang="en-US" sz="2000" spc="-1" strike="noStrike">
+              <a:rPr lang="en-US" sz="2000" b="0" strike="noStrike" spc="-1">
                 <a:latin typeface="Arial"/>
               </a:rPr>
               <a:t>Sixth Outline Level</a:t>
             </a:r>
-            <a:endParaRPr b="0" lang="en-US" sz="2000" spc="-1" strike="noStrike">
-              <a:latin typeface="Arial"/>
-            </a:endParaRPr>
-          </a:p>
-          <a:p>
-            <a:pPr lvl="6" marL="3024000" indent="-216000">
+          </a:p>
+          <a:p>
+            <a:pPr marL="3024000" lvl="6" indent="-216000">
               <a:spcBef>
                 <a:spcPts val="283"/>
               </a:spcBef>
@@ -4042,39 +4661,316 @@
               <a:buChar char=""/>
             </a:pPr>
             <a:r>
-              <a:rPr b="0" lang="en-US" sz="2000" spc="-1" strike="noStrike">
+              <a:rPr lang="en-US" sz="2000" b="0" strike="noStrike" spc="-1">
                 <a:latin typeface="Arial"/>
               </a:rPr>
               <a:t>Seventh Outline Level</a:t>
             </a:r>
-            <a:endParaRPr b="0" lang="en-US" sz="2000" spc="-1" strike="noStrike">
-              <a:latin typeface="Arial"/>
-            </a:endParaRPr>
           </a:p>
         </p:txBody>
       </p:sp>
     </p:spTree>
   </p:cSld>
-  <p:clrMap bg1="lt1" bg2="lt2" tx1="dk1" tx2="dk2" accent1="accent1" accent2="accent2" accent3="accent3" accent4="accent4" accent5="accent5" accent6="accent6" hlink="hlink" folHlink="folHlink"/>
+  <p:clrMap bg1="lt1" tx1="dk1" bg2="lt2" tx2="dk2" accent1="accent1" accent2="accent2" accent3="accent3" accent4="accent4" accent5="accent5" accent6="accent6" hlink="hlink" folHlink="folHlink"/>
   <p:sldLayoutIdLst>
-    <p:sldLayoutId id="2147483662" r:id="rId2"/>
-    <p:sldLayoutId id="2147483663" r:id="rId3"/>
-    <p:sldLayoutId id="2147483664" r:id="rId4"/>
-    <p:sldLayoutId id="2147483665" r:id="rId5"/>
-    <p:sldLayoutId id="2147483666" r:id="rId6"/>
-    <p:sldLayoutId id="2147483667" r:id="rId7"/>
-    <p:sldLayoutId id="2147483668" r:id="rId8"/>
-    <p:sldLayoutId id="2147483669" r:id="rId9"/>
-    <p:sldLayoutId id="2147483670" r:id="rId10"/>
-    <p:sldLayoutId id="2147483671" r:id="rId11"/>
-    <p:sldLayoutId id="2147483672" r:id="rId12"/>
-    <p:sldLayoutId id="2147483673" r:id="rId13"/>
+    <p:sldLayoutId id="2147483662" r:id="rId1"/>
+    <p:sldLayoutId id="2147483663" r:id="rId2"/>
+    <p:sldLayoutId id="2147483664" r:id="rId3"/>
+    <p:sldLayoutId id="2147483665" r:id="rId4"/>
+    <p:sldLayoutId id="2147483666" r:id="rId5"/>
+    <p:sldLayoutId id="2147483667" r:id="rId6"/>
+    <p:sldLayoutId id="2147483668" r:id="rId7"/>
+    <p:sldLayoutId id="2147483669" r:id="rId8"/>
+    <p:sldLayoutId id="2147483670" r:id="rId9"/>
+    <p:sldLayoutId id="2147483671" r:id="rId10"/>
+    <p:sldLayoutId id="2147483672" r:id="rId11"/>
+    <p:sldLayoutId id="2147483673" r:id="rId12"/>
   </p:sldLayoutIdLst>
+  <p:txStyles>
+    <p:titleStyle>
+      <a:lvl1pPr algn="l" defTabSz="914400" rtl="0" eaLnBrk="1" latinLnBrk="0" hangingPunct="1">
+        <a:lnSpc>
+          <a:spcPct val="90000"/>
+        </a:lnSpc>
+        <a:spcBef>
+          <a:spcPct val="0"/>
+        </a:spcBef>
+        <a:buNone/>
+        <a:defRPr sz="4400" kern="1200">
+          <a:solidFill>
+            <a:schemeClr val="tx1"/>
+          </a:solidFill>
+          <a:latin typeface="+mj-lt"/>
+          <a:ea typeface="+mj-ea"/>
+          <a:cs typeface="+mj-cs"/>
+        </a:defRPr>
+      </a:lvl1pPr>
+    </p:titleStyle>
+    <p:bodyStyle>
+      <a:lvl1pPr marL="228600" indent="-228600" algn="l" defTabSz="914400" rtl="0" eaLnBrk="1" latinLnBrk="0" hangingPunct="1">
+        <a:lnSpc>
+          <a:spcPct val="90000"/>
+        </a:lnSpc>
+        <a:spcBef>
+          <a:spcPts val="1000"/>
+        </a:spcBef>
+        <a:buFont typeface="Arial" panose="020B0604020202020204" pitchFamily="34" charset="0"/>
+        <a:buChar char="•"/>
+        <a:defRPr sz="2800" kern="1200">
+          <a:solidFill>
+            <a:schemeClr val="tx1"/>
+          </a:solidFill>
+          <a:latin typeface="+mn-lt"/>
+          <a:ea typeface="+mn-ea"/>
+          <a:cs typeface="+mn-cs"/>
+        </a:defRPr>
+      </a:lvl1pPr>
+      <a:lvl2pPr marL="685800" indent="-228600" algn="l" defTabSz="914400" rtl="0" eaLnBrk="1" latinLnBrk="0" hangingPunct="1">
+        <a:lnSpc>
+          <a:spcPct val="90000"/>
+        </a:lnSpc>
+        <a:spcBef>
+          <a:spcPts val="500"/>
+        </a:spcBef>
+        <a:buFont typeface="Arial" panose="020B0604020202020204" pitchFamily="34" charset="0"/>
+        <a:buChar char="•"/>
+        <a:defRPr sz="2400" kern="1200">
+          <a:solidFill>
+            <a:schemeClr val="tx1"/>
+          </a:solidFill>
+          <a:latin typeface="+mn-lt"/>
+          <a:ea typeface="+mn-ea"/>
+          <a:cs typeface="+mn-cs"/>
+        </a:defRPr>
+      </a:lvl2pPr>
+      <a:lvl3pPr marL="1143000" indent="-228600" algn="l" defTabSz="914400" rtl="0" eaLnBrk="1" latinLnBrk="0" hangingPunct="1">
+        <a:lnSpc>
+          <a:spcPct val="90000"/>
+        </a:lnSpc>
+        <a:spcBef>
+          <a:spcPts val="500"/>
+        </a:spcBef>
+        <a:buFont typeface="Arial" panose="020B0604020202020204" pitchFamily="34" charset="0"/>
+        <a:buChar char="•"/>
+        <a:defRPr sz="2000" kern="1200">
+          <a:solidFill>
+            <a:schemeClr val="tx1"/>
+          </a:solidFill>
+          <a:latin typeface="+mn-lt"/>
+          <a:ea typeface="+mn-ea"/>
+          <a:cs typeface="+mn-cs"/>
+        </a:defRPr>
+      </a:lvl3pPr>
+      <a:lvl4pPr marL="1600200" indent="-228600" algn="l" defTabSz="914400" rtl="0" eaLnBrk="1" latinLnBrk="0" hangingPunct="1">
+        <a:lnSpc>
+          <a:spcPct val="90000"/>
+        </a:lnSpc>
+        <a:spcBef>
+          <a:spcPts val="500"/>
+        </a:spcBef>
+        <a:buFont typeface="Arial" panose="020B0604020202020204" pitchFamily="34" charset="0"/>
+        <a:buChar char="•"/>
+        <a:defRPr sz="1800" kern="1200">
+          <a:solidFill>
+            <a:schemeClr val="tx1"/>
+          </a:solidFill>
+          <a:latin typeface="+mn-lt"/>
+          <a:ea typeface="+mn-ea"/>
+          <a:cs typeface="+mn-cs"/>
+        </a:defRPr>
+      </a:lvl4pPr>
+      <a:lvl5pPr marL="2057400" indent="-228600" algn="l" defTabSz="914400" rtl="0" eaLnBrk="1" latinLnBrk="0" hangingPunct="1">
+        <a:lnSpc>
+          <a:spcPct val="90000"/>
+        </a:lnSpc>
+        <a:spcBef>
+          <a:spcPts val="500"/>
+        </a:spcBef>
+        <a:buFont typeface="Arial" panose="020B0604020202020204" pitchFamily="34" charset="0"/>
+        <a:buChar char="•"/>
+        <a:defRPr sz="1800" kern="1200">
+          <a:solidFill>
+            <a:schemeClr val="tx1"/>
+          </a:solidFill>
+          <a:latin typeface="+mn-lt"/>
+          <a:ea typeface="+mn-ea"/>
+          <a:cs typeface="+mn-cs"/>
+        </a:defRPr>
+      </a:lvl5pPr>
+      <a:lvl6pPr marL="2514600" indent="-228600" algn="l" defTabSz="914400" rtl="0" eaLnBrk="1" latinLnBrk="0" hangingPunct="1">
+        <a:lnSpc>
+          <a:spcPct val="90000"/>
+        </a:lnSpc>
+        <a:spcBef>
+          <a:spcPts val="500"/>
+        </a:spcBef>
+        <a:buFont typeface="Arial" panose="020B0604020202020204" pitchFamily="34" charset="0"/>
+        <a:buChar char="•"/>
+        <a:defRPr sz="1800" kern="1200">
+          <a:solidFill>
+            <a:schemeClr val="tx1"/>
+          </a:solidFill>
+          <a:latin typeface="+mn-lt"/>
+          <a:ea typeface="+mn-ea"/>
+          <a:cs typeface="+mn-cs"/>
+        </a:defRPr>
+      </a:lvl6pPr>
+      <a:lvl7pPr marL="2971800" indent="-228600" algn="l" defTabSz="914400" rtl="0" eaLnBrk="1" latinLnBrk="0" hangingPunct="1">
+        <a:lnSpc>
+          <a:spcPct val="90000"/>
+        </a:lnSpc>
+        <a:spcBef>
+          <a:spcPts val="500"/>
+        </a:spcBef>
+        <a:buFont typeface="Arial" panose="020B0604020202020204" pitchFamily="34" charset="0"/>
+        <a:buChar char="•"/>
+        <a:defRPr sz="1800" kern="1200">
+          <a:solidFill>
+            <a:schemeClr val="tx1"/>
+          </a:solidFill>
+          <a:latin typeface="+mn-lt"/>
+          <a:ea typeface="+mn-ea"/>
+          <a:cs typeface="+mn-cs"/>
+        </a:defRPr>
+      </a:lvl7pPr>
+      <a:lvl8pPr marL="3429000" indent="-228600" algn="l" defTabSz="914400" rtl="0" eaLnBrk="1" latinLnBrk="0" hangingPunct="1">
+        <a:lnSpc>
+          <a:spcPct val="90000"/>
+        </a:lnSpc>
+        <a:spcBef>
+          <a:spcPts val="500"/>
+        </a:spcBef>
+        <a:buFont typeface="Arial" panose="020B0604020202020204" pitchFamily="34" charset="0"/>
+        <a:buChar char="•"/>
+        <a:defRPr sz="1800" kern="1200">
+          <a:solidFill>
+            <a:schemeClr val="tx1"/>
+          </a:solidFill>
+          <a:latin typeface="+mn-lt"/>
+          <a:ea typeface="+mn-ea"/>
+          <a:cs typeface="+mn-cs"/>
+        </a:defRPr>
+      </a:lvl8pPr>
+      <a:lvl9pPr marL="3886200" indent="-228600" algn="l" defTabSz="914400" rtl="0" eaLnBrk="1" latinLnBrk="0" hangingPunct="1">
+        <a:lnSpc>
+          <a:spcPct val="90000"/>
+        </a:lnSpc>
+        <a:spcBef>
+          <a:spcPts val="500"/>
+        </a:spcBef>
+        <a:buFont typeface="Arial" panose="020B0604020202020204" pitchFamily="34" charset="0"/>
+        <a:buChar char="•"/>
+        <a:defRPr sz="1800" kern="1200">
+          <a:solidFill>
+            <a:schemeClr val="tx1"/>
+          </a:solidFill>
+          <a:latin typeface="+mn-lt"/>
+          <a:ea typeface="+mn-ea"/>
+          <a:cs typeface="+mn-cs"/>
+        </a:defRPr>
+      </a:lvl9pPr>
+    </p:bodyStyle>
+    <p:otherStyle>
+      <a:defPPr>
+        <a:defRPr lang="en-US"/>
+      </a:defPPr>
+      <a:lvl1pPr marL="0" algn="l" defTabSz="914400" rtl="0" eaLnBrk="1" latinLnBrk="0" hangingPunct="1">
+        <a:defRPr sz="1800" kern="1200">
+          <a:solidFill>
+            <a:schemeClr val="tx1"/>
+          </a:solidFill>
+          <a:latin typeface="+mn-lt"/>
+          <a:ea typeface="+mn-ea"/>
+          <a:cs typeface="+mn-cs"/>
+        </a:defRPr>
+      </a:lvl1pPr>
+      <a:lvl2pPr marL="457200" algn="l" defTabSz="914400" rtl="0" eaLnBrk="1" latinLnBrk="0" hangingPunct="1">
+        <a:defRPr sz="1800" kern="1200">
+          <a:solidFill>
+            <a:schemeClr val="tx1"/>
+          </a:solidFill>
+          <a:latin typeface="+mn-lt"/>
+          <a:ea typeface="+mn-ea"/>
+          <a:cs typeface="+mn-cs"/>
+        </a:defRPr>
+      </a:lvl2pPr>
+      <a:lvl3pPr marL="914400" algn="l" defTabSz="914400" rtl="0" eaLnBrk="1" latinLnBrk="0" hangingPunct="1">
+        <a:defRPr sz="1800" kern="1200">
+          <a:solidFill>
+            <a:schemeClr val="tx1"/>
+          </a:solidFill>
+          <a:latin typeface="+mn-lt"/>
+          <a:ea typeface="+mn-ea"/>
+          <a:cs typeface="+mn-cs"/>
+        </a:defRPr>
+      </a:lvl3pPr>
+      <a:lvl4pPr marL="1371600" algn="l" defTabSz="914400" rtl="0" eaLnBrk="1" latinLnBrk="0" hangingPunct="1">
+        <a:defRPr sz="1800" kern="1200">
+          <a:solidFill>
+            <a:schemeClr val="tx1"/>
+          </a:solidFill>
+          <a:latin typeface="+mn-lt"/>
+          <a:ea typeface="+mn-ea"/>
+          <a:cs typeface="+mn-cs"/>
+        </a:defRPr>
+      </a:lvl4pPr>
+      <a:lvl5pPr marL="1828800" algn="l" defTabSz="914400" rtl="0" eaLnBrk="1" latinLnBrk="0" hangingPunct="1">
+        <a:defRPr sz="1800" kern="1200">
+          <a:solidFill>
+            <a:schemeClr val="tx1"/>
+          </a:solidFill>
+          <a:latin typeface="+mn-lt"/>
+          <a:ea typeface="+mn-ea"/>
+          <a:cs typeface="+mn-cs"/>
+        </a:defRPr>
+      </a:lvl5pPr>
+      <a:lvl6pPr marL="2286000" algn="l" defTabSz="914400" rtl="0" eaLnBrk="1" latinLnBrk="0" hangingPunct="1">
+        <a:defRPr sz="1800" kern="1200">
+          <a:solidFill>
+            <a:schemeClr val="tx1"/>
+          </a:solidFill>
+          <a:latin typeface="+mn-lt"/>
+          <a:ea typeface="+mn-ea"/>
+          <a:cs typeface="+mn-cs"/>
+        </a:defRPr>
+      </a:lvl6pPr>
+      <a:lvl7pPr marL="2743200" algn="l" defTabSz="914400" rtl="0" eaLnBrk="1" latinLnBrk="0" hangingPunct="1">
+        <a:defRPr sz="1800" kern="1200">
+          <a:solidFill>
+            <a:schemeClr val="tx1"/>
+          </a:solidFill>
+          <a:latin typeface="+mn-lt"/>
+          <a:ea typeface="+mn-ea"/>
+          <a:cs typeface="+mn-cs"/>
+        </a:defRPr>
+      </a:lvl7pPr>
+      <a:lvl8pPr marL="3200400" algn="l" defTabSz="914400" rtl="0" eaLnBrk="1" latinLnBrk="0" hangingPunct="1">
+        <a:defRPr sz="1800" kern="1200">
+          <a:solidFill>
+            <a:schemeClr val="tx1"/>
+          </a:solidFill>
+          <a:latin typeface="+mn-lt"/>
+          <a:ea typeface="+mn-ea"/>
+          <a:cs typeface="+mn-cs"/>
+        </a:defRPr>
+      </a:lvl8pPr>
+      <a:lvl9pPr marL="3657600" algn="l" defTabSz="914400" rtl="0" eaLnBrk="1" latinLnBrk="0" hangingPunct="1">
+        <a:defRPr sz="1800" kern="1200">
+          <a:solidFill>
+            <a:schemeClr val="tx1"/>
+          </a:solidFill>
+          <a:latin typeface="+mn-lt"/>
+          <a:ea typeface="+mn-ea"/>
+          <a:cs typeface="+mn-cs"/>
+        </a:defRPr>
+      </a:lvl9pPr>
+    </p:otherStyle>
+  </p:txStyles>
 </p:sldMaster>
 </file>
 
 <file path=ppt/slides/slide1.xml><?xml version="1.0" encoding="utf-8"?>
-<p:sld xmlns:a="http://schemas.openxmlformats.org/drawingml/2006/main" xmlns:p="http://schemas.openxmlformats.org/presentationml/2006/main" xmlns:r="http://schemas.openxmlformats.org/officeDocument/2006/relationships" xmlns:p14="http://schemas.microsoft.com/office/powerpoint/2010/main" xmlns:p15="http://schemas.microsoft.com/office/powerpoint/2012/main" xmlns:mc="http://schemas.openxmlformats.org/markup-compatibility/2006">
+<p:sld xmlns:a="http://schemas.openxmlformats.org/drawingml/2006/main" xmlns:r="http://schemas.openxmlformats.org/officeDocument/2006/relationships" xmlns:p="http://schemas.openxmlformats.org/presentationml/2006/main">
   <p:cSld>
     <p:spTree>
       <p:nvGrpSpPr>
@@ -4110,15 +5006,22 @@
           </a:ln>
         </p:spPr>
         <p:style>
-          <a:lnRef idx="0"/>
-          <a:fillRef idx="0"/>
-          <a:effectRef idx="0"/>
+          <a:lnRef idx="0">
+            <a:scrgbClr r="0" g="0" b="0"/>
+          </a:lnRef>
+          <a:fillRef idx="0">
+            <a:scrgbClr r="0" g="0" b="0"/>
+          </a:fillRef>
+          <a:effectRef idx="0">
+            <a:scrgbClr r="0" g="0" b="0"/>
+          </a:effectRef>
           <a:fontRef idx="minor"/>
         </p:style>
         <p:txBody>
-          <a:bodyPr lIns="90000" rIns="90000" tIns="45000" bIns="45000" anchor="b">
+          <a:bodyPr lIns="90000" tIns="45000" rIns="90000" bIns="45000" anchor="b">
             <a:normAutofit fontScale="77000"/>
           </a:bodyPr>
+          <a:lstStyle/>
           <a:p>
             <a:pPr algn="ctr">
               <a:lnSpc>
@@ -4126,7 +5029,7 @@
               </a:lnSpc>
             </a:pPr>
             <a:r>
-              <a:rPr b="0" lang="en-US" sz="4400" spc="-1" strike="noStrike">
+              <a:rPr lang="en-US" sz="4400" b="0" strike="noStrike" spc="-1">
                 <a:solidFill>
                   <a:srgbClr val="000000"/>
                 </a:solidFill>
@@ -4137,7 +5040,7 @@
             </a:r>
             <a:br/>
             <a:r>
-              <a:rPr b="0" lang="en-US" sz="4400" spc="-1" strike="noStrike">
+              <a:rPr lang="en-US" sz="4400" b="0" strike="noStrike" spc="-1">
                 <a:solidFill>
                   <a:srgbClr val="000000"/>
                 </a:solidFill>
@@ -4146,7 +5049,7 @@
               </a:rPr>
               <a:t>Alternative Enrollment Protocols in BRSKI</a:t>
             </a:r>
-            <a:endParaRPr b="0" lang="en-US" sz="4400" spc="-1" strike="noStrike">
+            <a:endParaRPr lang="en-US" sz="4400" b="0" strike="noStrike" spc="-1">
               <a:latin typeface="Arial"/>
             </a:endParaRPr>
           </a:p>
@@ -4172,15 +5075,22 @@
           </a:ln>
         </p:spPr>
         <p:style>
-          <a:lnRef idx="0"/>
-          <a:fillRef idx="0"/>
-          <a:effectRef idx="0"/>
+          <a:lnRef idx="0">
+            <a:scrgbClr r="0" g="0" b="0"/>
+          </a:lnRef>
+          <a:fillRef idx="0">
+            <a:scrgbClr r="0" g="0" b="0"/>
+          </a:fillRef>
+          <a:effectRef idx="0">
+            <a:scrgbClr r="0" g="0" b="0"/>
+          </a:effectRef>
           <a:fontRef idx="minor"/>
         </p:style>
         <p:txBody>
-          <a:bodyPr lIns="90000" rIns="90000" tIns="45000" bIns="45000">
+          <a:bodyPr lIns="90000" tIns="45000" rIns="90000" bIns="45000">
             <a:normAutofit/>
           </a:bodyPr>
+          <a:lstStyle/>
           <a:p>
             <a:pPr algn="ctr">
               <a:lnSpc>
@@ -4190,10 +5100,10 @@
                 <a:spcPts val="1001"/>
               </a:spcBef>
               <a:tabLst>
-                <a:tab algn="l" pos="0"/>
+                <a:tab pos="0" algn="l"/>
               </a:tabLst>
             </a:pPr>
-            <a:endParaRPr b="0" lang="en-US" sz="1800" spc="-1" strike="noStrike">
+            <a:endParaRPr lang="en-US" sz="1800" b="0" strike="noStrike" spc="-1">
               <a:latin typeface="Arial"/>
             </a:endParaRPr>
           </a:p>
@@ -4206,23 +5116,23 @@
                 <a:spcPts val="1001"/>
               </a:spcBef>
               <a:tabLst>
-                <a:tab algn="l" pos="0"/>
+                <a:tab pos="0" algn="l"/>
               </a:tabLst>
             </a:pPr>
             <a:r>
-              <a:rPr b="0" lang="en-US" sz="2400" spc="-1" strike="noStrike" u="sng">
+              <a:rPr lang="en-US" sz="2400" b="0" u="sng" strike="noStrike" spc="-1">
                 <a:solidFill>
-                  <a:srgbClr val="0563c1"/>
+                  <a:srgbClr val="0563C1"/>
                 </a:solidFill>
                 <a:uFillTx/>
                 <a:latin typeface="Calibri"/>
                 <a:ea typeface="DejaVu Sans"/>
-                <a:hlinkClick r:id="rId1"/>
+                <a:hlinkClick r:id="rId2"/>
               </a:rPr>
               <a:t>draft-ietf-anima-brski-ae</a:t>
             </a:r>
             <a:r>
-              <a:rPr b="0" lang="en-US" sz="2400" spc="-1" strike="noStrike">
+              <a:rPr lang="en-US" sz="2400" b="0" strike="noStrike" spc="-1">
                 <a:solidFill>
                   <a:srgbClr val="000000"/>
                 </a:solidFill>
@@ -4232,7 +5142,7 @@
               <a:t>-02</a:t>
             </a:r>
             <a:br/>
-            <a:endParaRPr b="0" lang="en-US" sz="2400" spc="-1" strike="noStrike">
+            <a:endParaRPr lang="en-US" sz="2400" b="0" strike="noStrike" spc="-1">
               <a:latin typeface="Arial"/>
             </a:endParaRPr>
           </a:p>
@@ -4245,11 +5155,11 @@
                 <a:spcPts val="1001"/>
               </a:spcBef>
               <a:tabLst>
-                <a:tab algn="l" pos="0"/>
+                <a:tab pos="0" algn="l"/>
               </a:tabLst>
             </a:pPr>
             <a:r>
-              <a:rPr b="0" lang="en-US" sz="2400" spc="-1" strike="noStrike">
+              <a:rPr lang="en-US" sz="2400" b="0" strike="noStrike" spc="-1">
                 <a:solidFill>
                   <a:srgbClr val="000000"/>
                 </a:solidFill>
@@ -4259,9 +5169,9 @@
               <a:t> </a:t>
             </a:r>
             <a:r>
-              <a:rPr b="1" lang="en-US" sz="2200" spc="-1" strike="noStrike" u="sng">
+              <a:rPr lang="en-US" sz="2200" b="1" u="sng" strike="noStrike" spc="-1">
                 <a:solidFill>
-                  <a:srgbClr val="0563c1"/>
+                  <a:srgbClr val="0563C1"/>
                 </a:solidFill>
                 <a:uFillTx/>
                 <a:latin typeface="FreeMono"/>
@@ -4270,7 +5180,7 @@
               </a:rPr>
               <a:t>https://datatracker.ietf.org/doc/html/draft-ietf-anima-brski-ae</a:t>
             </a:r>
-            <a:endParaRPr b="0" lang="en-US" sz="2200" spc="-1" strike="noStrike">
+            <a:endParaRPr lang="en-US" sz="2200" b="0" strike="noStrike" spc="-1">
               <a:latin typeface="Arial"/>
             </a:endParaRPr>
           </a:p>
@@ -4283,11 +5193,11 @@
                 <a:spcPts val="1001"/>
               </a:spcBef>
               <a:tabLst>
-                <a:tab algn="l" pos="0"/>
+                <a:tab pos="0" algn="l"/>
               </a:tabLst>
             </a:pPr>
             <a:r>
-              <a:rPr b="0" lang="en-US" sz="2200" spc="-1" strike="noStrike">
+              <a:rPr lang="en-US" sz="2200" b="0" strike="noStrike" spc="-1">
                 <a:solidFill>
                   <a:srgbClr val="000000"/>
                 </a:solidFill>
@@ -4297,9 +5207,9 @@
               <a:t>Repo URL: </a:t>
             </a:r>
             <a:r>
-              <a:rPr b="1" lang="en-US" sz="2200" spc="-1" strike="noStrike" u="sng">
+              <a:rPr lang="en-US" sz="2200" b="1" u="sng" strike="noStrike" spc="-1">
                 <a:solidFill>
-                  <a:srgbClr val="0563c1"/>
+                  <a:srgbClr val="0563C1"/>
                 </a:solidFill>
                 <a:uFillTx/>
                 <a:latin typeface="FreeMono"/>
@@ -4308,7 +5218,7 @@
               </a:rPr>
               <a:t>https://github.com/anima-wg/anima-brski-ae</a:t>
             </a:r>
-            <a:endParaRPr b="0" lang="en-US" sz="2200" spc="-1" strike="noStrike">
+            <a:endParaRPr lang="en-US" sz="2200" b="0" strike="noStrike" spc="-1">
               <a:latin typeface="Arial"/>
             </a:endParaRPr>
           </a:p>
@@ -4321,10 +5231,10 @@
                 <a:spcPts val="1001"/>
               </a:spcBef>
               <a:tabLst>
-                <a:tab algn="l" pos="0"/>
+                <a:tab pos="0" algn="l"/>
               </a:tabLst>
             </a:pPr>
-            <a:endParaRPr b="0" lang="en-US" sz="2200" spc="-1" strike="noStrike">
+            <a:endParaRPr lang="en-US" sz="2200" b="0" strike="noStrike" spc="-1">
               <a:latin typeface="Arial"/>
             </a:endParaRPr>
           </a:p>
@@ -4337,11 +5247,11 @@
                 <a:spcPts val="1001"/>
               </a:spcBef>
               <a:tabLst>
-                <a:tab algn="l" pos="0"/>
+                <a:tab pos="0" algn="l"/>
               </a:tabLst>
             </a:pPr>
             <a:r>
-              <a:rPr b="0" lang="en-US" sz="2400" spc="-1" strike="noStrike">
+              <a:rPr lang="en-US" sz="2400" b="0" strike="noStrike" spc="-1">
                 <a:solidFill>
                   <a:srgbClr val="000000"/>
                 </a:solidFill>
@@ -4351,7 +5261,7 @@
               <a:t>David von Oheimb (Ed.), </a:t>
             </a:r>
             <a:r>
-              <a:rPr b="1" lang="en-US" sz="2400" spc="-1" strike="noStrike">
+              <a:rPr lang="en-US" sz="2400" b="1" strike="noStrike" spc="-1">
                 <a:solidFill>
                   <a:srgbClr val="000000"/>
                 </a:solidFill>
@@ -4361,7 +5271,7 @@
               <a:t>Steffen Fries</a:t>
             </a:r>
             <a:r>
-              <a:rPr b="0" lang="en-US" sz="2400" spc="-1" strike="noStrike">
+              <a:rPr lang="en-US" sz="2400" b="0" strike="noStrike" spc="-1">
                 <a:solidFill>
                   <a:srgbClr val="000000"/>
                 </a:solidFill>
@@ -4370,7 +5280,7 @@
               </a:rPr>
               <a:t>, Hendrik Brockhaus, Eliot Lear</a:t>
             </a:r>
-            <a:endParaRPr b="0" lang="en-US" sz="2400" spc="-1" strike="noStrike">
+            <a:endParaRPr lang="en-US" sz="2400" b="0" strike="noStrike" spc="-1">
               <a:latin typeface="Arial"/>
             </a:endParaRPr>
           </a:p>
@@ -4383,10 +5293,10 @@
                 <a:spcPts val="1001"/>
               </a:spcBef>
               <a:tabLst>
-                <a:tab algn="l" pos="0"/>
+                <a:tab pos="0" algn="l"/>
               </a:tabLst>
             </a:pPr>
-            <a:endParaRPr b="0" lang="en-US" sz="2400" spc="-1" strike="noStrike">
+            <a:endParaRPr lang="en-US" sz="2400" b="0" strike="noStrike" spc="-1">
               <a:latin typeface="Arial"/>
             </a:endParaRPr>
           </a:p>
@@ -4399,11 +5309,11 @@
                 <a:spcPts val="1001"/>
               </a:spcBef>
               <a:tabLst>
-                <a:tab algn="l" pos="0"/>
+                <a:tab pos="0" algn="l"/>
               </a:tabLst>
             </a:pPr>
             <a:r>
-              <a:rPr b="0" lang="en-US" sz="2400" spc="-1" strike="noStrike">
+              <a:rPr lang="en-US" sz="2400" b="0" strike="noStrike" spc="-1">
                 <a:solidFill>
                   <a:srgbClr val="000000"/>
                 </a:solidFill>
@@ -4412,7 +5322,7 @@
               </a:rPr>
               <a:t>IETF 114 – ANIMA Working Group</a:t>
             </a:r>
-            <a:endParaRPr b="0" lang="en-US" sz="2400" spc="-1" strike="noStrike">
+            <a:endParaRPr lang="en-US" sz="2400" b="0" strike="noStrike" spc="-1">
               <a:latin typeface="Arial"/>
             </a:endParaRPr>
           </a:p>
@@ -4425,10 +5335,10 @@
                 <a:spcPts val="1001"/>
               </a:spcBef>
               <a:tabLst>
-                <a:tab algn="l" pos="0"/>
+                <a:tab pos="0" algn="l"/>
               </a:tabLst>
             </a:pPr>
-            <a:endParaRPr b="0" lang="en-US" sz="2400" spc="-1" strike="noStrike">
+            <a:endParaRPr lang="en-US" sz="2400" b="0" strike="noStrike" spc="-1">
               <a:latin typeface="Arial"/>
             </a:endParaRPr>
           </a:p>
@@ -4436,19 +5346,14 @@
       </p:sp>
     </p:spTree>
   </p:cSld>
-  <mc:AlternateContent>
-    <mc:Choice Requires="p14">
-      <p:transition spd="slow" p14:dur="2000"/>
-    </mc:Choice>
-    <mc:Fallback>
-      <p:transition spd="slow"/>
-    </mc:Fallback>
-  </mc:AlternateContent>
+  <p:clrMapOvr>
+    <a:masterClrMapping/>
+  </p:clrMapOvr>
 </p:sld>
 </file>
 
 <file path=ppt/slides/slide2.xml><?xml version="1.0" encoding="utf-8"?>
-<p:sld xmlns:a="http://schemas.openxmlformats.org/drawingml/2006/main" xmlns:p="http://schemas.openxmlformats.org/presentationml/2006/main" xmlns:r="http://schemas.openxmlformats.org/officeDocument/2006/relationships" xmlns:p14="http://schemas.microsoft.com/office/powerpoint/2010/main" xmlns:p15="http://schemas.microsoft.com/office/powerpoint/2012/main" xmlns:mc="http://schemas.openxmlformats.org/markup-compatibility/2006">
+<p:sld xmlns:a="http://schemas.openxmlformats.org/drawingml/2006/main" xmlns:r="http://schemas.openxmlformats.org/officeDocument/2006/relationships" xmlns:p="http://schemas.openxmlformats.org/presentationml/2006/main">
   <p:cSld>
     <p:spTree>
       <p:nvGrpSpPr>
@@ -4479,7 +5384,7 @@
             <a:avLst/>
           </a:prstGeom>
           <a:solidFill>
-            <a:srgbClr val="dddddd">
+            <a:srgbClr val="DDDDDD">
               <a:alpha val="38000"/>
             </a:srgbClr>
           </a:solidFill>
@@ -4488,9 +5393,15 @@
           </a:ln>
         </p:spPr>
         <p:style>
-          <a:lnRef idx="0"/>
-          <a:fillRef idx="0"/>
-          <a:effectRef idx="0"/>
+          <a:lnRef idx="0">
+            <a:scrgbClr r="0" g="0" b="0"/>
+          </a:lnRef>
+          <a:fillRef idx="0">
+            <a:scrgbClr r="0" g="0" b="0"/>
+          </a:fillRef>
+          <a:effectRef idx="0">
+            <a:scrgbClr r="0" g="0" b="0"/>
+          </a:effectRef>
           <a:fontRef idx="minor"/>
         </p:style>
       </p:sp>
@@ -4509,7 +5420,7 @@
             <a:avLst/>
           </a:prstGeom>
           <a:solidFill>
-            <a:srgbClr val="fff2cc">
+            <a:srgbClr val="FFF2CC">
               <a:alpha val="60000"/>
             </a:srgbClr>
           </a:solidFill>
@@ -4518,9 +5429,15 @@
           </a:ln>
         </p:spPr>
         <p:style>
-          <a:lnRef idx="0"/>
-          <a:fillRef idx="0"/>
-          <a:effectRef idx="0"/>
+          <a:lnRef idx="0">
+            <a:scrgbClr r="0" g="0" b="0"/>
+          </a:lnRef>
+          <a:fillRef idx="0">
+            <a:scrgbClr r="0" g="0" b="0"/>
+          </a:fillRef>
+          <a:effectRef idx="0">
+            <a:scrgbClr r="0" g="0" b="0"/>
+          </a:effectRef>
           <a:fontRef idx="minor"/>
         </p:style>
       </p:sp>
@@ -4539,7 +5456,7 @@
             <a:avLst/>
           </a:prstGeom>
           <a:solidFill>
-            <a:srgbClr val="ffc000"/>
+            <a:srgbClr val="FFC000"/>
           </a:solidFill>
           <a:ln>
             <a:noFill/>
@@ -4575,7 +5492,7 @@
             <a:avLst/>
           </a:prstGeom>
           <a:solidFill>
-            <a:srgbClr val="fff2cc">
+            <a:srgbClr val="FFF2CC">
               <a:alpha val="60000"/>
             </a:srgbClr>
           </a:solidFill>
@@ -4584,15 +5501,22 @@
           </a:ln>
         </p:spPr>
         <p:style>
-          <a:lnRef idx="0"/>
-          <a:fillRef idx="0"/>
-          <a:effectRef idx="0"/>
+          <a:lnRef idx="0">
+            <a:scrgbClr r="0" g="0" b="0"/>
+          </a:lnRef>
+          <a:fillRef idx="0">
+            <a:scrgbClr r="0" g="0" b="0"/>
+          </a:fillRef>
+          <a:effectRef idx="0">
+            <a:scrgbClr r="0" g="0" b="0"/>
+          </a:effectRef>
           <a:fontRef idx="minor"/>
         </p:style>
         <p:txBody>
-          <a:bodyPr lIns="90000" rIns="90000" tIns="45000" bIns="45000" anchor="ctr">
+          <a:bodyPr lIns="90000" tIns="45000" rIns="90000" bIns="45000" anchor="ctr">
             <a:noAutofit/>
           </a:bodyPr>
+          <a:lstStyle/>
           <a:p>
             <a:pPr algn="ctr">
               <a:lnSpc>
@@ -4600,7 +5524,7 @@
               </a:lnSpc>
             </a:pPr>
             <a:r>
-              <a:rPr b="0" lang="en-US" sz="800" spc="-1" strike="noStrike">
+              <a:rPr lang="en-US" sz="800" b="0" strike="noStrike" spc="-1">
                 <a:solidFill>
                   <a:srgbClr val="000000"/>
                 </a:solidFill>
@@ -4609,7 +5533,7 @@
               </a:rPr>
               <a:t>TLS with provisional accept of registrar certificate</a:t>
             </a:r>
-            <a:endParaRPr b="0" lang="en-US" sz="800" spc="-1" strike="noStrike">
+            <a:endParaRPr lang="en-US" sz="800" b="0" strike="noStrike" spc="-1">
               <a:latin typeface="Arial"/>
             </a:endParaRPr>
           </a:p>
@@ -4630,7 +5554,7 @@
             <a:avLst/>
           </a:prstGeom>
           <a:solidFill>
-            <a:srgbClr val="fff2cc">
+            <a:srgbClr val="FFF2CC">
               <a:alpha val="60000"/>
             </a:srgbClr>
           </a:solidFill>
@@ -4639,15 +5563,22 @@
           </a:ln>
         </p:spPr>
         <p:style>
-          <a:lnRef idx="0"/>
-          <a:fillRef idx="0"/>
-          <a:effectRef idx="0"/>
+          <a:lnRef idx="0">
+            <a:scrgbClr r="0" g="0" b="0"/>
+          </a:lnRef>
+          <a:fillRef idx="0">
+            <a:scrgbClr r="0" g="0" b="0"/>
+          </a:fillRef>
+          <a:effectRef idx="0">
+            <a:scrgbClr r="0" g="0" b="0"/>
+          </a:effectRef>
           <a:fontRef idx="minor"/>
         </p:style>
         <p:txBody>
-          <a:bodyPr lIns="90000" rIns="90000" tIns="45000" bIns="45000" anchor="ctr">
+          <a:bodyPr lIns="90000" tIns="45000" rIns="90000" bIns="45000" anchor="ctr">
             <a:noAutofit/>
           </a:bodyPr>
+          <a:lstStyle/>
           <a:p>
             <a:pPr algn="ctr">
               <a:lnSpc>
@@ -4655,7 +5586,7 @@
               </a:lnSpc>
             </a:pPr>
             <a:r>
-              <a:rPr b="0" lang="en-US" sz="800" spc="-1" strike="noStrike">
+              <a:rPr lang="en-US" sz="800" b="0" strike="noStrike" spc="-1">
                 <a:solidFill>
                   <a:srgbClr val="000000"/>
                 </a:solidFill>
@@ -4664,7 +5595,7 @@
               </a:rPr>
               <a:t>Accept registrar certificate</a:t>
             </a:r>
-            <a:endParaRPr b="0" lang="en-US" sz="800" spc="-1" strike="noStrike">
+            <a:endParaRPr lang="en-US" sz="800" b="0" strike="noStrike" spc="-1">
               <a:latin typeface="Arial"/>
             </a:endParaRPr>
           </a:p>
@@ -4685,7 +5616,7 @@
             <a:avLst/>
           </a:prstGeom>
           <a:solidFill>
-            <a:srgbClr val="f9d9d3">
+            <a:srgbClr val="F9D9D3">
               <a:alpha val="38000"/>
             </a:srgbClr>
           </a:solidFill>
@@ -4694,9 +5625,15 @@
           </a:ln>
         </p:spPr>
         <p:style>
-          <a:lnRef idx="0"/>
-          <a:fillRef idx="0"/>
-          <a:effectRef idx="0"/>
+          <a:lnRef idx="0">
+            <a:scrgbClr r="0" g="0" b="0"/>
+          </a:lnRef>
+          <a:fillRef idx="0">
+            <a:scrgbClr r="0" g="0" b="0"/>
+          </a:fillRef>
+          <a:effectRef idx="0">
+            <a:scrgbClr r="0" g="0" b="0"/>
+          </a:effectRef>
           <a:fontRef idx="minor"/>
         </p:style>
       </p:sp>
@@ -4715,6 +5652,7 @@
             <a:avLst/>
             <a:gdLst/>
             <a:ahLst/>
+            <a:cxnLst/>
             <a:rect l="l" t="t" r="r" b="b"/>
             <a:pathLst>
               <a:path w="21600" h="21600">
@@ -4730,16 +5668,22 @@
           <a:noFill/>
           <a:ln w="6350">
             <a:solidFill>
-              <a:srgbClr val="4472c4"/>
+              <a:srgbClr val="4472C4"/>
             </a:solidFill>
             <a:miter/>
-            <a:tailEnd len="med" type="triangle" w="med"/>
+            <a:tailEnd type="triangle" w="med" len="med"/>
           </a:ln>
         </p:spPr>
         <p:style>
-          <a:lnRef idx="0"/>
-          <a:fillRef idx="0"/>
-          <a:effectRef idx="0"/>
+          <a:lnRef idx="0">
+            <a:scrgbClr r="0" g="0" b="0"/>
+          </a:lnRef>
+          <a:fillRef idx="0">
+            <a:scrgbClr r="0" g="0" b="0"/>
+          </a:fillRef>
+          <a:effectRef idx="0">
+            <a:scrgbClr r="0" g="0" b="0"/>
+          </a:effectRef>
           <a:fontRef idx="minor"/>
         </p:style>
       </p:sp>
@@ -4763,15 +5707,22 @@
           </a:ln>
         </p:spPr>
         <p:style>
-          <a:lnRef idx="0"/>
-          <a:fillRef idx="0"/>
-          <a:effectRef idx="0"/>
+          <a:lnRef idx="0">
+            <a:scrgbClr r="0" g="0" b="0"/>
+          </a:lnRef>
+          <a:fillRef idx="0">
+            <a:scrgbClr r="0" g="0" b="0"/>
+          </a:fillRef>
+          <a:effectRef idx="0">
+            <a:scrgbClr r="0" g="0" b="0"/>
+          </a:effectRef>
           <a:fontRef idx="minor"/>
         </p:style>
         <p:txBody>
-          <a:bodyPr lIns="90000" rIns="90000" tIns="45000" bIns="45000">
+          <a:bodyPr lIns="90000" tIns="45000" rIns="90000" bIns="45000">
             <a:spAutoFit/>
           </a:bodyPr>
+          <a:lstStyle/>
           <a:p>
             <a:pPr algn="ctr">
               <a:lnSpc>
@@ -4779,7 +5730,7 @@
               </a:lnSpc>
             </a:pPr>
             <a:r>
-              <a:rPr b="0" lang="en-US" sz="800" spc="-1" strike="noStrike">
+              <a:rPr lang="en-US" sz="800" b="0" strike="noStrike" spc="-1">
                 <a:solidFill>
                   <a:srgbClr val="000000"/>
                 </a:solidFill>
@@ -4788,7 +5739,7 @@
               </a:rPr>
               <a:t>Voucher-request {S/N, reg-cert, …}</a:t>
             </a:r>
-            <a:endParaRPr b="0" lang="en-US" sz="800" spc="-1" strike="noStrike">
+            <a:endParaRPr lang="en-US" sz="800" b="0" strike="noStrike" spc="-1">
               <a:latin typeface="Arial"/>
             </a:endParaRPr>
           </a:p>
@@ -4809,6 +5760,7 @@
             <a:avLst/>
             <a:gdLst/>
             <a:ahLst/>
+            <a:cxnLst/>
             <a:rect l="l" t="t" r="r" b="b"/>
             <a:pathLst>
               <a:path w="21600" h="21600">
@@ -4824,16 +5776,22 @@
           <a:noFill/>
           <a:ln w="6350">
             <a:solidFill>
-              <a:srgbClr val="4472c4"/>
+              <a:srgbClr val="4472C4"/>
             </a:solidFill>
             <a:miter/>
-            <a:tailEnd len="med" type="triangle" w="med"/>
+            <a:tailEnd type="triangle" w="med" len="med"/>
           </a:ln>
         </p:spPr>
         <p:style>
-          <a:lnRef idx="0"/>
-          <a:fillRef idx="0"/>
-          <a:effectRef idx="0"/>
+          <a:lnRef idx="0">
+            <a:scrgbClr r="0" g="0" b="0"/>
+          </a:lnRef>
+          <a:fillRef idx="0">
+            <a:scrgbClr r="0" g="0" b="0"/>
+          </a:fillRef>
+          <a:effectRef idx="0">
+            <a:scrgbClr r="0" g="0" b="0"/>
+          </a:effectRef>
           <a:fontRef idx="minor"/>
         </p:style>
       </p:sp>
@@ -4857,15 +5815,22 @@
           </a:ln>
         </p:spPr>
         <p:style>
-          <a:lnRef idx="0"/>
-          <a:fillRef idx="0"/>
-          <a:effectRef idx="0"/>
+          <a:lnRef idx="0">
+            <a:scrgbClr r="0" g="0" b="0"/>
+          </a:lnRef>
+          <a:fillRef idx="0">
+            <a:scrgbClr r="0" g="0" b="0"/>
+          </a:fillRef>
+          <a:effectRef idx="0">
+            <a:scrgbClr r="0" g="0" b="0"/>
+          </a:effectRef>
           <a:fontRef idx="minor"/>
         </p:style>
         <p:txBody>
-          <a:bodyPr lIns="90000" rIns="90000" tIns="45000" bIns="45000">
+          <a:bodyPr lIns="90000" tIns="45000" rIns="90000" bIns="45000">
             <a:spAutoFit/>
           </a:bodyPr>
+          <a:lstStyle/>
           <a:p>
             <a:pPr marL="84960" indent="-83160">
               <a:lnSpc>
@@ -4878,7 +5843,7 @@
               <a:buChar char="•"/>
             </a:pPr>
             <a:r>
-              <a:rPr b="0" lang="en-US" sz="800" spc="-1" strike="noStrike">
+              <a:rPr lang="en-US" sz="800" b="0" strike="noStrike" spc="-1">
                 <a:solidFill>
                   <a:srgbClr val="000000"/>
                 </a:solidFill>
@@ -4887,7 +5852,7 @@
               </a:rPr>
               <a:t>S/N verification</a:t>
             </a:r>
-            <a:endParaRPr b="0" lang="en-US" sz="800" spc="-1" strike="noStrike">
+            <a:endParaRPr lang="en-US" sz="800" b="0" strike="noStrike" spc="-1">
               <a:latin typeface="Arial"/>
             </a:endParaRPr>
           </a:p>
@@ -4903,7 +5868,7 @@
               <a:buChar char="•"/>
             </a:pPr>
             <a:r>
-              <a:rPr b="0" lang="en-US" sz="800" spc="-1" strike="noStrike">
+              <a:rPr lang="en-US" sz="800" b="0" strike="noStrike" spc="-1">
                 <a:solidFill>
                   <a:srgbClr val="000000"/>
                 </a:solidFill>
@@ -4912,7 +5877,7 @@
               </a:rPr>
               <a:t>Verification of pledge signature and IDevID (pledge)</a:t>
             </a:r>
-            <a:endParaRPr b="0" lang="en-US" sz="800" spc="-1" strike="noStrike">
+            <a:endParaRPr lang="en-US" sz="800" b="0" strike="noStrike" spc="-1">
               <a:latin typeface="Arial"/>
             </a:endParaRPr>
           </a:p>
@@ -4933,6 +5898,7 @@
             <a:avLst/>
             <a:gdLst/>
             <a:ahLst/>
+            <a:cxnLst/>
             <a:rect l="l" t="t" r="r" b="b"/>
             <a:pathLst>
               <a:path w="21600" h="21600">
@@ -4948,16 +5914,22 @@
           <a:noFill/>
           <a:ln w="6350">
             <a:solidFill>
-              <a:srgbClr val="4472c4"/>
+              <a:srgbClr val="4472C4"/>
             </a:solidFill>
             <a:miter/>
-            <a:tailEnd len="med" type="triangle" w="med"/>
+            <a:tailEnd type="triangle" w="med" len="med"/>
           </a:ln>
         </p:spPr>
         <p:style>
-          <a:lnRef idx="0"/>
-          <a:fillRef idx="0"/>
-          <a:effectRef idx="0"/>
+          <a:lnRef idx="0">
+            <a:scrgbClr r="0" g="0" b="0"/>
+          </a:lnRef>
+          <a:fillRef idx="0">
+            <a:scrgbClr r="0" g="0" b="0"/>
+          </a:fillRef>
+          <a:effectRef idx="0">
+            <a:scrgbClr r="0" g="0" b="0"/>
+          </a:effectRef>
           <a:fontRef idx="minor"/>
         </p:style>
       </p:sp>
@@ -4981,15 +5953,22 @@
           </a:ln>
         </p:spPr>
         <p:style>
-          <a:lnRef idx="0"/>
-          <a:fillRef idx="0"/>
-          <a:effectRef idx="0"/>
+          <a:lnRef idx="0">
+            <a:scrgbClr r="0" g="0" b="0"/>
+          </a:lnRef>
+          <a:fillRef idx="0">
+            <a:scrgbClr r="0" g="0" b="0"/>
+          </a:fillRef>
+          <a:effectRef idx="0">
+            <a:scrgbClr r="0" g="0" b="0"/>
+          </a:effectRef>
           <a:fontRef idx="minor"/>
         </p:style>
         <p:txBody>
-          <a:bodyPr lIns="90000" rIns="90000" tIns="45000" bIns="45000">
+          <a:bodyPr lIns="90000" tIns="45000" rIns="90000" bIns="45000">
             <a:spAutoFit/>
           </a:bodyPr>
+          <a:lstStyle/>
           <a:p>
             <a:pPr algn="ctr">
               <a:lnSpc>
@@ -4997,7 +5976,7 @@
               </a:lnSpc>
             </a:pPr>
             <a:r>
-              <a:rPr b="0" lang="en-US" sz="800" spc="-1" strike="noStrike">
+              <a:rPr lang="en-US" sz="800" b="0" strike="noStrike" spc="-1">
                 <a:solidFill>
                   <a:srgbClr val="000000"/>
                 </a:solidFill>
@@ -5006,7 +5985,7 @@
               </a:rPr>
               <a:t>Voucher-request {prior-signed-voucher, …}</a:t>
             </a:r>
-            <a:endParaRPr b="0" lang="en-US" sz="800" spc="-1" strike="noStrike">
+            <a:endParaRPr lang="en-US" sz="800" b="0" strike="noStrike" spc="-1">
               <a:latin typeface="Arial"/>
             </a:endParaRPr>
           </a:p>
@@ -5032,15 +6011,22 @@
           </a:ln>
         </p:spPr>
         <p:style>
-          <a:lnRef idx="0"/>
-          <a:fillRef idx="0"/>
-          <a:effectRef idx="0"/>
+          <a:lnRef idx="0">
+            <a:scrgbClr r="0" g="0" b="0"/>
+          </a:lnRef>
+          <a:fillRef idx="0">
+            <a:scrgbClr r="0" g="0" b="0"/>
+          </a:fillRef>
+          <a:effectRef idx="0">
+            <a:scrgbClr r="0" g="0" b="0"/>
+          </a:effectRef>
           <a:fontRef idx="minor"/>
         </p:style>
         <p:txBody>
-          <a:bodyPr lIns="90000" rIns="90000" tIns="45000" bIns="45000">
+          <a:bodyPr lIns="90000" tIns="45000" rIns="90000" bIns="45000">
             <a:spAutoFit/>
           </a:bodyPr>
+          <a:lstStyle/>
           <a:p>
             <a:pPr marL="84960" indent="-83160">
               <a:lnSpc>
@@ -5053,7 +6039,7 @@
               <a:buChar char="•"/>
             </a:pPr>
             <a:r>
-              <a:rPr b="0" lang="en-US" sz="800" spc="-1" strike="noStrike">
+              <a:rPr lang="en-US" sz="800" b="0" strike="noStrike" spc="-1">
                 <a:solidFill>
                   <a:srgbClr val="000000"/>
                 </a:solidFill>
@@ -5062,7 +6048,7 @@
               </a:rPr>
               <a:t>S/N verification</a:t>
             </a:r>
-            <a:endParaRPr b="0" lang="en-US" sz="800" spc="-1" strike="noStrike">
+            <a:endParaRPr lang="en-US" sz="800" b="0" strike="noStrike" spc="-1">
               <a:latin typeface="Arial"/>
             </a:endParaRPr>
           </a:p>
@@ -5078,7 +6064,7 @@
               <a:buChar char="•"/>
             </a:pPr>
             <a:r>
-              <a:rPr b="0" lang="en-US" sz="800" spc="-1" strike="noStrike">
+              <a:rPr lang="en-US" sz="800" b="0" strike="noStrike" spc="-1">
                 <a:solidFill>
                   <a:srgbClr val="000000"/>
                 </a:solidFill>
@@ -5087,7 +6073,7 @@
               </a:rPr>
               <a:t>Verification „reg-cert“ in prior-signed-voucher</a:t>
             </a:r>
-            <a:endParaRPr b="0" lang="en-US" sz="800" spc="-1" strike="noStrike">
+            <a:endParaRPr lang="en-US" sz="800" b="0" strike="noStrike" spc="-1">
               <a:latin typeface="Arial"/>
             </a:endParaRPr>
           </a:p>
@@ -5103,7 +6089,7 @@
               <a:buChar char="•"/>
             </a:pPr>
             <a:r>
-              <a:rPr b="0" lang="en-US" sz="800" spc="-1" strike="noStrike">
+              <a:rPr lang="en-US" sz="800" b="0" strike="noStrike" spc="-1">
                 <a:solidFill>
                   <a:srgbClr val="000000"/>
                 </a:solidFill>
@@ -5112,7 +6098,7 @@
               </a:rPr>
               <a:t>Issues voucher with assertion proximity</a:t>
             </a:r>
-            <a:endParaRPr b="0" lang="en-US" sz="800" spc="-1" strike="noStrike">
+            <a:endParaRPr lang="en-US" sz="800" b="0" strike="noStrike" spc="-1">
               <a:latin typeface="Arial"/>
             </a:endParaRPr>
           </a:p>
@@ -5133,6 +6119,7 @@
             <a:avLst/>
             <a:gdLst/>
             <a:ahLst/>
+            <a:cxnLst/>
             <a:rect l="l" t="t" r="r" b="b"/>
             <a:pathLst>
               <a:path w="21600" h="21600">
@@ -5148,16 +6135,22 @@
           <a:noFill/>
           <a:ln w="6350">
             <a:solidFill>
-              <a:srgbClr val="4472c4"/>
+              <a:srgbClr val="4472C4"/>
             </a:solidFill>
             <a:miter/>
-            <a:tailEnd len="med" type="triangle" w="med"/>
+            <a:tailEnd type="triangle" w="med" len="med"/>
           </a:ln>
         </p:spPr>
         <p:style>
-          <a:lnRef idx="0"/>
-          <a:fillRef idx="0"/>
-          <a:effectRef idx="0"/>
+          <a:lnRef idx="0">
+            <a:scrgbClr r="0" g="0" b="0"/>
+          </a:lnRef>
+          <a:fillRef idx="0">
+            <a:scrgbClr r="0" g="0" b="0"/>
+          </a:fillRef>
+          <a:effectRef idx="0">
+            <a:scrgbClr r="0" g="0" b="0"/>
+          </a:effectRef>
           <a:fontRef idx="minor"/>
         </p:style>
       </p:sp>
@@ -5181,15 +6174,22 @@
           </a:ln>
         </p:spPr>
         <p:style>
-          <a:lnRef idx="0"/>
-          <a:fillRef idx="0"/>
-          <a:effectRef idx="0"/>
+          <a:lnRef idx="0">
+            <a:scrgbClr r="0" g="0" b="0"/>
+          </a:lnRef>
+          <a:fillRef idx="0">
+            <a:scrgbClr r="0" g="0" b="0"/>
+          </a:fillRef>
+          <a:effectRef idx="0">
+            <a:scrgbClr r="0" g="0" b="0"/>
+          </a:effectRef>
           <a:fontRef idx="minor"/>
         </p:style>
         <p:txBody>
-          <a:bodyPr wrap="none" lIns="90000" rIns="90000" tIns="45000" bIns="45000">
+          <a:bodyPr wrap="none" lIns="90000" tIns="45000" rIns="90000" bIns="45000">
             <a:spAutoFit/>
           </a:bodyPr>
+          <a:lstStyle/>
           <a:p>
             <a:pPr algn="ctr">
               <a:lnSpc>
@@ -5197,7 +6197,7 @@
               </a:lnSpc>
             </a:pPr>
             <a:r>
-              <a:rPr b="0" lang="en-US" sz="800" spc="-1" strike="noStrike">
+              <a:rPr lang="en-US" sz="800" b="0" strike="noStrike" spc="-1">
                 <a:solidFill>
                   <a:srgbClr val="000000"/>
                 </a:solidFill>
@@ -5206,7 +6206,7 @@
               </a:rPr>
               <a:t>Voucher {reg-cert, assertion, …}</a:t>
             </a:r>
-            <a:endParaRPr b="0" lang="en-US" sz="800" spc="-1" strike="noStrike">
+            <a:endParaRPr lang="en-US" sz="800" b="0" strike="noStrike" spc="-1">
               <a:latin typeface="Arial"/>
             </a:endParaRPr>
           </a:p>
@@ -5232,15 +6232,22 @@
           </a:ln>
         </p:spPr>
         <p:style>
-          <a:lnRef idx="0"/>
-          <a:fillRef idx="0"/>
-          <a:effectRef idx="0"/>
+          <a:lnRef idx="0">
+            <a:scrgbClr r="0" g="0" b="0"/>
+          </a:lnRef>
+          <a:fillRef idx="0">
+            <a:scrgbClr r="0" g="0" b="0"/>
+          </a:fillRef>
+          <a:effectRef idx="0">
+            <a:scrgbClr r="0" g="0" b="0"/>
+          </a:effectRef>
           <a:fontRef idx="minor"/>
         </p:style>
         <p:txBody>
-          <a:bodyPr lIns="90000" rIns="90000" tIns="45000" bIns="45000">
+          <a:bodyPr lIns="90000" tIns="45000" rIns="90000" bIns="45000">
             <a:spAutoFit/>
           </a:bodyPr>
+          <a:lstStyle/>
           <a:p>
             <a:pPr algn="ctr">
               <a:lnSpc>
@@ -5248,7 +6255,7 @@
               </a:lnSpc>
             </a:pPr>
             <a:r>
-              <a:rPr b="0" lang="en-US" sz="800" spc="-1" strike="noStrike">
+              <a:rPr lang="en-US" sz="800" b="0" strike="noStrike" spc="-1">
                 <a:solidFill>
                   <a:srgbClr val="000000"/>
                 </a:solidFill>
@@ -5257,7 +6264,7 @@
               </a:rPr>
               <a:t>Voucher {reg-cert, assertion, …}</a:t>
             </a:r>
-            <a:endParaRPr b="0" lang="en-US" sz="800" spc="-1" strike="noStrike">
+            <a:endParaRPr lang="en-US" sz="800" b="0" strike="noStrike" spc="-1">
               <a:latin typeface="Arial"/>
             </a:endParaRPr>
           </a:p>
@@ -5278,7 +6285,7 @@
             <a:avLst/>
           </a:prstGeom>
           <a:solidFill>
-            <a:srgbClr val="4472c4"/>
+            <a:srgbClr val="4472C4"/>
           </a:solidFill>
           <a:ln w="12700">
             <a:solidFill>
@@ -5288,15 +6295,22 @@
           </a:ln>
         </p:spPr>
         <p:style>
-          <a:lnRef idx="0"/>
-          <a:fillRef idx="0"/>
-          <a:effectRef idx="0"/>
+          <a:lnRef idx="0">
+            <a:scrgbClr r="0" g="0" b="0"/>
+          </a:lnRef>
+          <a:fillRef idx="0">
+            <a:scrgbClr r="0" g="0" b="0"/>
+          </a:fillRef>
+          <a:effectRef idx="0">
+            <a:scrgbClr r="0" g="0" b="0"/>
+          </a:effectRef>
           <a:fontRef idx="minor"/>
         </p:style>
         <p:txBody>
-          <a:bodyPr lIns="90000" rIns="90000" tIns="45000" bIns="45000" anchor="ctr">
+          <a:bodyPr lIns="90000" tIns="45000" rIns="90000" bIns="45000" anchor="ctr">
             <a:noAutofit/>
           </a:bodyPr>
+          <a:lstStyle/>
           <a:p>
             <a:pPr algn="ctr">
               <a:lnSpc>
@@ -5304,16 +6318,16 @@
               </a:lnSpc>
             </a:pPr>
             <a:r>
-              <a:rPr b="0" lang="en-US" sz="1400" spc="-1" strike="noStrike">
+              <a:rPr lang="en-US" sz="1400" b="0" strike="noStrike" spc="-1">
                 <a:solidFill>
-                  <a:srgbClr val="ffffff"/>
+                  <a:srgbClr val="FFFFFF"/>
                 </a:solidFill>
                 <a:latin typeface="Calibri"/>
                 <a:ea typeface="DejaVu Sans"/>
               </a:rPr>
               <a:t>Pledge (caller)</a:t>
             </a:r>
-            <a:endParaRPr b="0" lang="en-US" sz="1400" spc="-1" strike="noStrike">
+            <a:endParaRPr lang="en-US" sz="1400" b="0" strike="noStrike" spc="-1">
               <a:latin typeface="Arial"/>
             </a:endParaRPr>
           </a:p>
@@ -5334,7 +6348,7 @@
             <a:avLst/>
           </a:prstGeom>
           <a:solidFill>
-            <a:srgbClr val="4472c4"/>
+            <a:srgbClr val="4472C4"/>
           </a:solidFill>
           <a:ln w="12700">
             <a:solidFill>
@@ -5344,15 +6358,22 @@
           </a:ln>
         </p:spPr>
         <p:style>
-          <a:lnRef idx="0"/>
-          <a:fillRef idx="0"/>
-          <a:effectRef idx="0"/>
+          <a:lnRef idx="0">
+            <a:scrgbClr r="0" g="0" b="0"/>
+          </a:lnRef>
+          <a:fillRef idx="0">
+            <a:scrgbClr r="0" g="0" b="0"/>
+          </a:fillRef>
+          <a:effectRef idx="0">
+            <a:scrgbClr r="0" g="0" b="0"/>
+          </a:effectRef>
           <a:fontRef idx="minor"/>
         </p:style>
         <p:txBody>
-          <a:bodyPr lIns="90000" rIns="90000" tIns="45000" bIns="45000" anchor="ctr">
+          <a:bodyPr lIns="90000" tIns="45000" rIns="90000" bIns="45000" anchor="ctr">
             <a:noAutofit/>
           </a:bodyPr>
+          <a:lstStyle/>
           <a:p>
             <a:pPr algn="ctr">
               <a:lnSpc>
@@ -5360,9 +6381,9 @@
               </a:lnSpc>
             </a:pPr>
             <a:r>
-              <a:rPr b="0" lang="en-US" sz="1350" spc="-1" strike="noStrike">
+              <a:rPr lang="en-US" sz="1350" b="0" strike="noStrike" spc="-1">
                 <a:solidFill>
-                  <a:srgbClr val="ffffff"/>
+                  <a:srgbClr val="FFFFFF"/>
                 </a:solidFill>
                 <a:latin typeface="Calibri"/>
                 <a:ea typeface="DejaVu Sans"/>
@@ -5370,9 +6391,9 @@
               <a:t>Domain Registrar, </a:t>
             </a:r>
             <a:r>
-              <a:rPr b="0" lang="en-US" sz="1350" spc="-1" strike="noStrike">
+              <a:rPr lang="en-US" sz="1350" b="0" strike="noStrike" spc="-1">
                 <a:solidFill>
-                  <a:srgbClr val="ff860d"/>
+                  <a:srgbClr val="FF860D"/>
                 </a:solidFill>
                 <a:latin typeface="Calibri"/>
                 <a:ea typeface="DejaVu Sans"/>
@@ -5381,9 +6402,9 @@
             </a:r>
             <a:br/>
             <a:r>
-              <a:rPr b="1" lang="en-US" sz="1350" spc="-1" strike="noStrike">
+              <a:rPr lang="en-US" sz="1350" b="1" strike="noStrike" spc="-1">
                 <a:solidFill>
-                  <a:srgbClr val="ff860d"/>
+                  <a:srgbClr val="FF860D"/>
                 </a:solidFill>
                 <a:latin typeface="Calibri"/>
                 <a:ea typeface="DejaVu Sans"/>
@@ -5391,9 +6412,9 @@
               <a:t>LRA / enrollment</a:t>
             </a:r>
             <a:r>
-              <a:rPr b="1" lang="en-US" sz="1350" spc="-1" strike="noStrike">
+              <a:rPr lang="en-US" sz="1350" b="1" strike="noStrike" spc="-1">
                 <a:solidFill>
-                  <a:srgbClr val="ffa6a6"/>
+                  <a:srgbClr val="FFA6A6"/>
                 </a:solidFill>
                 <a:latin typeface="Calibri"/>
                 <a:ea typeface="DejaVu Sans"/>
@@ -5401,16 +6422,16 @@
               <a:t> </a:t>
             </a:r>
             <a:r>
-              <a:rPr b="1" lang="en-US" sz="1350" spc="-1" strike="noStrike">
+              <a:rPr lang="en-US" sz="1350" b="1" strike="noStrike" spc="-1">
                 <a:solidFill>
-                  <a:srgbClr val="ff860d"/>
+                  <a:srgbClr val="FF860D"/>
                 </a:solidFill>
                 <a:latin typeface="Calibri"/>
                 <a:ea typeface="DejaVu Sans"/>
               </a:rPr>
               <a:t>proxy</a:t>
             </a:r>
-            <a:endParaRPr b="0" lang="en-US" sz="1350" spc="-1" strike="noStrike">
+            <a:endParaRPr lang="en-US" sz="1350" b="0" strike="noStrike" spc="-1">
               <a:latin typeface="Arial"/>
             </a:endParaRPr>
           </a:p>
@@ -5431,7 +6452,7 @@
             <a:avLst/>
           </a:prstGeom>
           <a:solidFill>
-            <a:srgbClr val="4472c4"/>
+            <a:srgbClr val="4472C4"/>
           </a:solidFill>
           <a:ln w="12700">
             <a:solidFill>
@@ -5441,15 +6462,22 @@
           </a:ln>
         </p:spPr>
         <p:style>
-          <a:lnRef idx="0"/>
-          <a:fillRef idx="0"/>
-          <a:effectRef idx="0"/>
+          <a:lnRef idx="0">
+            <a:scrgbClr r="0" g="0" b="0"/>
+          </a:lnRef>
+          <a:fillRef idx="0">
+            <a:scrgbClr r="0" g="0" b="0"/>
+          </a:fillRef>
+          <a:effectRef idx="0">
+            <a:scrgbClr r="0" g="0" b="0"/>
+          </a:effectRef>
           <a:fontRef idx="minor"/>
         </p:style>
         <p:txBody>
-          <a:bodyPr lIns="90000" rIns="90000" tIns="45000" bIns="45000" anchor="ctr">
+          <a:bodyPr lIns="90000" tIns="45000" rIns="90000" bIns="45000" anchor="ctr">
             <a:noAutofit/>
           </a:bodyPr>
+          <a:lstStyle/>
           <a:p>
             <a:pPr algn="ctr">
               <a:lnSpc>
@@ -5457,9 +6485,9 @@
               </a:lnSpc>
             </a:pPr>
             <a:r>
-              <a:rPr b="0" lang="en-US" sz="1350" spc="-1" strike="noStrike">
+              <a:rPr lang="en-US" sz="1350" b="0" strike="noStrike" spc="-1">
                 <a:solidFill>
-                  <a:srgbClr val="ffffff"/>
+                  <a:srgbClr val="FFFFFF"/>
                 </a:solidFill>
                 <a:latin typeface="Calibri"/>
                 <a:ea typeface="DejaVu Sans"/>
@@ -5468,16 +6496,16 @@
             </a:r>
             <a:br/>
             <a:r>
-              <a:rPr b="0" lang="en-US" sz="1350" spc="-1" strike="noStrike">
+              <a:rPr lang="en-US" sz="1350" b="0" strike="noStrike" spc="-1">
                 <a:solidFill>
-                  <a:srgbClr val="ffffff"/>
+                  <a:srgbClr val="FFFFFF"/>
                 </a:solidFill>
                 <a:latin typeface="Calibri"/>
                 <a:ea typeface="DejaVu Sans"/>
               </a:rPr>
               <a:t>CA</a:t>
             </a:r>
-            <a:endParaRPr b="0" lang="en-US" sz="1350" spc="-1" strike="noStrike">
+            <a:endParaRPr lang="en-US" sz="1350" b="0" strike="noStrike" spc="-1">
               <a:latin typeface="Arial"/>
             </a:endParaRPr>
           </a:p>
@@ -5498,7 +6526,7 @@
             <a:avLst/>
           </a:prstGeom>
           <a:solidFill>
-            <a:srgbClr val="4472c4"/>
+            <a:srgbClr val="4472C4"/>
           </a:solidFill>
           <a:ln w="12700">
             <a:solidFill>
@@ -5508,15 +6536,22 @@
           </a:ln>
         </p:spPr>
         <p:style>
-          <a:lnRef idx="0"/>
-          <a:fillRef idx="0"/>
-          <a:effectRef idx="0"/>
+          <a:lnRef idx="0">
+            <a:scrgbClr r="0" g="0" b="0"/>
+          </a:lnRef>
+          <a:fillRef idx="0">
+            <a:scrgbClr r="0" g="0" b="0"/>
+          </a:fillRef>
+          <a:effectRef idx="0">
+            <a:scrgbClr r="0" g="0" b="0"/>
+          </a:effectRef>
           <a:fontRef idx="minor"/>
         </p:style>
         <p:txBody>
-          <a:bodyPr lIns="90000" rIns="90000" tIns="45000" bIns="45000" anchor="ctr">
+          <a:bodyPr lIns="90000" tIns="45000" rIns="90000" bIns="45000" anchor="ctr">
             <a:noAutofit/>
           </a:bodyPr>
+          <a:lstStyle/>
           <a:p>
             <a:pPr algn="ctr">
               <a:lnSpc>
@@ -5524,16 +6559,16 @@
               </a:lnSpc>
             </a:pPr>
             <a:r>
-              <a:rPr b="0" lang="en-US" sz="1400" spc="-1" strike="noStrike">
+              <a:rPr lang="en-US" sz="1400" b="0" strike="noStrike" spc="-1">
                 <a:solidFill>
-                  <a:srgbClr val="ffffff"/>
+                  <a:srgbClr val="FFFFFF"/>
                 </a:solidFill>
                 <a:latin typeface="Calibri"/>
                 <a:ea typeface="DejaVu Sans"/>
               </a:rPr>
               <a:t>MASA</a:t>
             </a:r>
-            <a:endParaRPr b="0" lang="en-US" sz="1400" spc="-1" strike="noStrike">
+            <a:endParaRPr lang="en-US" sz="1400" b="0" strike="noStrike" spc="-1">
               <a:latin typeface="Arial"/>
             </a:endParaRPr>
           </a:p>
@@ -5559,15 +6594,22 @@
           </a:ln>
         </p:spPr>
         <p:style>
-          <a:lnRef idx="0"/>
-          <a:fillRef idx="0"/>
-          <a:effectRef idx="0"/>
+          <a:lnRef idx="0">
+            <a:scrgbClr r="0" g="0" b="0"/>
+          </a:lnRef>
+          <a:fillRef idx="0">
+            <a:scrgbClr r="0" g="0" b="0"/>
+          </a:fillRef>
+          <a:effectRef idx="0">
+            <a:scrgbClr r="0" g="0" b="0"/>
+          </a:effectRef>
           <a:fontRef idx="minor"/>
         </p:style>
         <p:txBody>
-          <a:bodyPr lIns="90000" rIns="90000" tIns="45000" bIns="45000">
+          <a:bodyPr lIns="90000" tIns="45000" rIns="90000" bIns="45000">
             <a:spAutoFit/>
           </a:bodyPr>
+          <a:lstStyle/>
           <a:p>
             <a:pPr algn="ctr">
               <a:lnSpc>
@@ -5575,7 +6617,7 @@
               </a:lnSpc>
             </a:pPr>
             <a:r>
-              <a:rPr b="0" lang="en-US" sz="800" spc="-1" strike="noStrike">
+              <a:rPr lang="en-US" sz="800" b="0" strike="noStrike" spc="-1">
                 <a:solidFill>
                   <a:srgbClr val="000000"/>
                 </a:solidFill>
@@ -5586,7 +6628,7 @@
             </a:r>
             <a:br/>
             <a:r>
-              <a:rPr b="0" lang="en-US" sz="800" spc="-1" strike="noStrike">
+              <a:rPr lang="en-US" sz="800" b="0" strike="noStrike" spc="-1">
                 <a:solidFill>
                   <a:srgbClr val="000000"/>
                 </a:solidFill>
@@ -5595,7 +6637,7 @@
               </a:rPr>
               <a:t> (self-contained)</a:t>
             </a:r>
-            <a:endParaRPr b="0" lang="en-US" sz="800" spc="-1" strike="noStrike">
+            <a:endParaRPr lang="en-US" sz="800" b="0" strike="noStrike" spc="-1">
               <a:latin typeface="Arial"/>
             </a:endParaRPr>
           </a:p>
@@ -5616,6 +6658,7 @@
             <a:avLst/>
             <a:gdLst/>
             <a:ahLst/>
+            <a:cxnLst/>
             <a:rect l="l" t="t" r="r" b="b"/>
             <a:pathLst>
               <a:path w="21600" h="21600">
@@ -5631,16 +6674,22 @@
           <a:noFill/>
           <a:ln w="6350">
             <a:solidFill>
-              <a:srgbClr val="4472c4"/>
+              <a:srgbClr val="4472C4"/>
             </a:solidFill>
             <a:miter/>
-            <a:tailEnd len="med" type="triangle" w="med"/>
+            <a:tailEnd type="triangle" w="med" len="med"/>
           </a:ln>
         </p:spPr>
         <p:style>
-          <a:lnRef idx="0"/>
-          <a:fillRef idx="0"/>
-          <a:effectRef idx="0"/>
+          <a:lnRef idx="0">
+            <a:scrgbClr r="0" g="0" b="0"/>
+          </a:lnRef>
+          <a:fillRef idx="0">
+            <a:scrgbClr r="0" g="0" b="0"/>
+          </a:fillRef>
+          <a:effectRef idx="0">
+            <a:scrgbClr r="0" g="0" b="0"/>
+          </a:effectRef>
           <a:fontRef idx="minor"/>
         </p:style>
       </p:sp>
@@ -5660,15 +6709,21 @@
           </a:prstGeom>
           <a:ln w="6350">
             <a:solidFill>
-              <a:srgbClr val="ffffff"/>
+              <a:srgbClr val="FFFFFF"/>
             </a:solidFill>
             <a:miter/>
           </a:ln>
         </p:spPr>
         <p:style>
-          <a:lnRef idx="0"/>
-          <a:fillRef idx="0"/>
-          <a:effectRef idx="0"/>
+          <a:lnRef idx="0">
+            <a:scrgbClr r="0" g="0" b="0"/>
+          </a:lnRef>
+          <a:fillRef idx="0">
+            <a:scrgbClr r="0" g="0" b="0"/>
+          </a:fillRef>
+          <a:effectRef idx="0">
+            <a:scrgbClr r="0" g="0" b="0"/>
+          </a:effectRef>
           <a:fontRef idx="minor"/>
         </p:style>
       </p:sp>
@@ -5688,15 +6743,21 @@
           </a:prstGeom>
           <a:ln w="6350">
             <a:solidFill>
-              <a:srgbClr val="ffffff"/>
+              <a:srgbClr val="FFFFFF"/>
             </a:solidFill>
             <a:miter/>
           </a:ln>
         </p:spPr>
         <p:style>
-          <a:lnRef idx="0"/>
-          <a:fillRef idx="0"/>
-          <a:effectRef idx="0"/>
+          <a:lnRef idx="0">
+            <a:scrgbClr r="0" g="0" b="0"/>
+          </a:lnRef>
+          <a:fillRef idx="0">
+            <a:scrgbClr r="0" g="0" b="0"/>
+          </a:fillRef>
+          <a:effectRef idx="0">
+            <a:scrgbClr r="0" g="0" b="0"/>
+          </a:effectRef>
           <a:fontRef idx="minor"/>
         </p:style>
       </p:sp>
@@ -5715,6 +6776,7 @@
             <a:avLst/>
             <a:gdLst/>
             <a:ahLst/>
+            <a:cxnLst/>
             <a:rect l="l" t="t" r="r" b="b"/>
             <a:pathLst>
               <a:path w="21600" h="21600">
@@ -5730,16 +6792,22 @@
           <a:noFill/>
           <a:ln w="6350">
             <a:solidFill>
-              <a:srgbClr val="4472c4"/>
+              <a:srgbClr val="4472C4"/>
             </a:solidFill>
             <a:miter/>
-            <a:tailEnd len="med" type="triangle" w="med"/>
+            <a:tailEnd type="triangle" w="med" len="med"/>
           </a:ln>
         </p:spPr>
         <p:style>
-          <a:lnRef idx="0"/>
-          <a:fillRef idx="0"/>
-          <a:effectRef idx="0"/>
+          <a:lnRef idx="0">
+            <a:scrgbClr r="0" g="0" b="0"/>
+          </a:lnRef>
+          <a:fillRef idx="0">
+            <a:scrgbClr r="0" g="0" b="0"/>
+          </a:fillRef>
+          <a:effectRef idx="0">
+            <a:scrgbClr r="0" g="0" b="0"/>
+          </a:effectRef>
           <a:fontRef idx="minor"/>
         </p:style>
       </p:sp>
@@ -5763,15 +6831,22 @@
           </a:ln>
         </p:spPr>
         <p:style>
-          <a:lnRef idx="0"/>
-          <a:fillRef idx="0"/>
-          <a:effectRef idx="0"/>
+          <a:lnRef idx="0">
+            <a:scrgbClr r="0" g="0" b="0"/>
+          </a:lnRef>
+          <a:fillRef idx="0">
+            <a:scrgbClr r="0" g="0" b="0"/>
+          </a:fillRef>
+          <a:effectRef idx="0">
+            <a:scrgbClr r="0" g="0" b="0"/>
+          </a:effectRef>
           <a:fontRef idx="minor"/>
         </p:style>
         <p:txBody>
-          <a:bodyPr lIns="90000" rIns="90000" tIns="45000" bIns="45000">
+          <a:bodyPr lIns="90000" tIns="45000" rIns="90000" bIns="45000">
             <a:spAutoFit/>
           </a:bodyPr>
+          <a:lstStyle/>
           <a:p>
             <a:pPr algn="ctr">
               <a:lnSpc>
@@ -5779,7 +6854,7 @@
               </a:lnSpc>
             </a:pPr>
             <a:r>
-              <a:rPr b="0" lang="en-US" sz="800" spc="-1" strike="noStrike">
+              <a:rPr lang="en-US" sz="800" b="0" strike="noStrike" spc="-1">
                 <a:solidFill>
                   <a:srgbClr val="000000"/>
                 </a:solidFill>
@@ -5788,7 +6863,7 @@
               </a:rPr>
               <a:t>Certification response (LDevID cert)</a:t>
             </a:r>
-            <a:endParaRPr b="0" lang="en-US" sz="800" spc="-1" strike="noStrike">
+            <a:endParaRPr lang="en-US" sz="800" b="0" strike="noStrike" spc="-1">
               <a:latin typeface="Arial"/>
             </a:endParaRPr>
           </a:p>
@@ -5814,15 +6889,22 @@
           </a:ln>
         </p:spPr>
         <p:style>
-          <a:lnRef idx="0"/>
-          <a:fillRef idx="0"/>
-          <a:effectRef idx="0"/>
+          <a:lnRef idx="0">
+            <a:scrgbClr r="0" g="0" b="0"/>
+          </a:lnRef>
+          <a:fillRef idx="0">
+            <a:scrgbClr r="0" g="0" b="0"/>
+          </a:fillRef>
+          <a:effectRef idx="0">
+            <a:scrgbClr r="0" g="0" b="0"/>
+          </a:effectRef>
           <a:fontRef idx="minor"/>
         </p:style>
         <p:txBody>
-          <a:bodyPr lIns="90000" rIns="90000" tIns="45000" bIns="45000">
+          <a:bodyPr lIns="90000" tIns="45000" rIns="90000" bIns="45000">
             <a:spAutoFit/>
           </a:bodyPr>
+          <a:lstStyle/>
           <a:p>
             <a:pPr marL="85680" indent="-83880">
               <a:lnSpc>
@@ -5835,7 +6917,7 @@
               <a:buChar char="•"/>
             </a:pPr>
             <a:r>
-              <a:rPr b="0" lang="en-US" sz="800" spc="-1" strike="noStrike">
+              <a:rPr lang="en-US" sz="800" b="0" strike="noStrike" spc="-1">
                 <a:solidFill>
                   <a:srgbClr val="000000"/>
                 </a:solidFill>
@@ -5844,7 +6926,7 @@
               </a:rPr>
               <a:t>IDevID</a:t>
             </a:r>
-            <a:endParaRPr b="0" lang="en-US" sz="800" spc="-1" strike="noStrike">
+            <a:endParaRPr lang="en-US" sz="800" b="0" strike="noStrike" spc="-1">
               <a:latin typeface="Arial"/>
             </a:endParaRPr>
           </a:p>
@@ -5860,7 +6942,7 @@
               <a:buChar char="•"/>
             </a:pPr>
             <a:r>
-              <a:rPr b="0" lang="en-US" sz="800" spc="-1" strike="noStrike">
+              <a:rPr lang="en-US" sz="800" b="0" strike="noStrike" spc="-1">
                 <a:solidFill>
                   <a:srgbClr val="000000"/>
                 </a:solidFill>
@@ -5869,7 +6951,7 @@
               </a:rPr>
               <a:t>Manufacturer trust anchor</a:t>
             </a:r>
-            <a:endParaRPr b="0" lang="en-US" sz="800" spc="-1" strike="noStrike">
+            <a:endParaRPr lang="en-US" sz="800" b="0" strike="noStrike" spc="-1">
               <a:latin typeface="Arial"/>
             </a:endParaRPr>
           </a:p>
@@ -5895,15 +6977,22 @@
           </a:ln>
         </p:spPr>
         <p:style>
-          <a:lnRef idx="0"/>
-          <a:fillRef idx="0"/>
-          <a:effectRef idx="0"/>
+          <a:lnRef idx="0">
+            <a:scrgbClr r="0" g="0" b="0"/>
+          </a:lnRef>
+          <a:fillRef idx="0">
+            <a:scrgbClr r="0" g="0" b="0"/>
+          </a:fillRef>
+          <a:effectRef idx="0">
+            <a:scrgbClr r="0" g="0" b="0"/>
+          </a:effectRef>
           <a:fontRef idx="minor"/>
         </p:style>
         <p:txBody>
-          <a:bodyPr lIns="90000" rIns="90000" tIns="45000" bIns="45000">
+          <a:bodyPr lIns="90000" tIns="45000" rIns="90000" bIns="45000">
             <a:spAutoFit/>
           </a:bodyPr>
+          <a:lstStyle/>
           <a:p>
             <a:pPr marL="84960" indent="-83160">
               <a:lnSpc>
@@ -5916,7 +7005,7 @@
               <a:buChar char="•"/>
             </a:pPr>
             <a:r>
-              <a:rPr b="0" lang="en-US" sz="800" spc="-1" strike="noStrike">
+              <a:rPr lang="en-US" sz="800" b="0" strike="noStrike" spc="-1">
                 <a:solidFill>
                   <a:srgbClr val="000000"/>
                 </a:solidFill>
@@ -5925,7 +7014,7 @@
               </a:rPr>
               <a:t>LDevID (Reg)</a:t>
             </a:r>
-            <a:endParaRPr b="0" lang="en-US" sz="800" spc="-1" strike="noStrike">
+            <a:endParaRPr lang="en-US" sz="800" b="0" strike="noStrike" spc="-1">
               <a:latin typeface="Arial"/>
             </a:endParaRPr>
           </a:p>
@@ -5941,7 +7030,7 @@
               <a:buChar char="•"/>
             </a:pPr>
             <a:r>
-              <a:rPr b="0" lang="en-US" sz="800" spc="-1" strike="noStrike">
+              <a:rPr lang="en-US" sz="800" b="0" strike="noStrike" spc="-1">
                 <a:solidFill>
                   <a:srgbClr val="000000"/>
                 </a:solidFill>
@@ -5950,7 +7039,7 @@
               </a:rPr>
               <a:t>IDevID Cert CA</a:t>
             </a:r>
-            <a:endParaRPr b="0" lang="en-US" sz="800" spc="-1" strike="noStrike">
+            <a:endParaRPr lang="en-US" sz="800" b="0" strike="noStrike" spc="-1">
               <a:latin typeface="Arial"/>
             </a:endParaRPr>
           </a:p>
@@ -5966,7 +7055,7 @@
               <a:buChar char="•"/>
             </a:pPr>
             <a:r>
-              <a:rPr b="0" lang="en-US" sz="800" spc="-1" strike="noStrike">
+              <a:rPr lang="en-US" sz="800" b="0" strike="noStrike" spc="-1">
                 <a:solidFill>
                   <a:srgbClr val="000000"/>
                 </a:solidFill>
@@ -5975,7 +7064,7 @@
               </a:rPr>
               <a:t>S/N Pledge</a:t>
             </a:r>
-            <a:endParaRPr b="0" lang="en-US" sz="800" spc="-1" strike="noStrike">
+            <a:endParaRPr lang="en-US" sz="800" b="0" strike="noStrike" spc="-1">
               <a:latin typeface="Arial"/>
             </a:endParaRPr>
           </a:p>
@@ -6001,15 +7090,22 @@
           </a:ln>
         </p:spPr>
         <p:style>
-          <a:lnRef idx="0"/>
-          <a:fillRef idx="0"/>
-          <a:effectRef idx="0"/>
+          <a:lnRef idx="0">
+            <a:scrgbClr r="0" g="0" b="0"/>
+          </a:lnRef>
+          <a:fillRef idx="0">
+            <a:scrgbClr r="0" g="0" b="0"/>
+          </a:fillRef>
+          <a:effectRef idx="0">
+            <a:scrgbClr r="0" g="0" b="0"/>
+          </a:effectRef>
           <a:fontRef idx="minor"/>
         </p:style>
         <p:txBody>
-          <a:bodyPr lIns="90000" rIns="90000" tIns="45000" bIns="45000">
+          <a:bodyPr lIns="90000" tIns="45000" rIns="90000" bIns="45000">
             <a:spAutoFit/>
           </a:bodyPr>
+          <a:lstStyle/>
           <a:p>
             <a:pPr marL="84960" indent="-83160">
               <a:lnSpc>
@@ -6022,7 +7118,7 @@
               <a:buChar char="•"/>
             </a:pPr>
             <a:r>
-              <a:rPr b="0" lang="en-US" sz="800" spc="-1" strike="noStrike">
+              <a:rPr lang="en-US" sz="800" b="0" strike="noStrike" spc="-1">
                 <a:solidFill>
                   <a:srgbClr val="000000"/>
                 </a:solidFill>
@@ -6031,7 +7127,7 @@
               </a:rPr>
               <a:t>PKI CA credentials </a:t>
             </a:r>
-            <a:endParaRPr b="0" lang="en-US" sz="800" spc="-1" strike="noStrike">
+            <a:endParaRPr lang="en-US" sz="800" b="0" strike="noStrike" spc="-1">
               <a:latin typeface="Arial"/>
             </a:endParaRPr>
           </a:p>
@@ -6057,15 +7153,22 @@
           </a:ln>
         </p:spPr>
         <p:style>
-          <a:lnRef idx="0"/>
-          <a:fillRef idx="0"/>
-          <a:effectRef idx="0"/>
+          <a:lnRef idx="0">
+            <a:scrgbClr r="0" g="0" b="0"/>
+          </a:lnRef>
+          <a:fillRef idx="0">
+            <a:scrgbClr r="0" g="0" b="0"/>
+          </a:fillRef>
+          <a:effectRef idx="0">
+            <a:scrgbClr r="0" g="0" b="0"/>
+          </a:effectRef>
           <a:fontRef idx="minor"/>
         </p:style>
         <p:txBody>
-          <a:bodyPr lIns="90000" rIns="90000" tIns="45000" bIns="45000">
+          <a:bodyPr lIns="90000" tIns="45000" rIns="90000" bIns="45000">
             <a:spAutoFit/>
           </a:bodyPr>
+          <a:lstStyle/>
           <a:p>
             <a:pPr marL="84960" indent="-83160">
               <a:lnSpc>
@@ -6078,7 +7181,7 @@
               <a:buChar char="•"/>
             </a:pPr>
             <a:r>
-              <a:rPr b="0" lang="en-US" sz="800" spc="-1" strike="noStrike">
+              <a:rPr lang="en-US" sz="800" b="0" strike="noStrike" spc="-1">
                 <a:solidFill>
                   <a:srgbClr val="000000"/>
                 </a:solidFill>
@@ -6087,7 +7190,7 @@
               </a:rPr>
               <a:t>MASA credentials</a:t>
             </a:r>
-            <a:endParaRPr b="0" lang="en-US" sz="800" spc="-1" strike="noStrike">
+            <a:endParaRPr lang="en-US" sz="800" b="0" strike="noStrike" spc="-1">
               <a:latin typeface="Arial"/>
             </a:endParaRPr>
           </a:p>
@@ -6095,202 +7198,7 @@
       </p:sp>
       <p:pic>
         <p:nvPicPr>
-          <p:cNvPr id="118" name="Picture 170" descr=""/>
-          <p:cNvPicPr/>
-          <p:nvPr/>
-        </p:nvPicPr>
-        <p:blipFill>
-          <a:blip r:embed="rId1"/>
-          <a:stretch/>
-        </p:blipFill>
-        <p:spPr>
-          <a:xfrm>
-            <a:off x="10173240" y="3145320"/>
-            <a:ext cx="284040" cy="594000"/>
-          </a:xfrm>
-          <a:prstGeom prst="rect">
-            <a:avLst/>
-          </a:prstGeom>
-          <a:ln w="0">
-            <a:noFill/>
-          </a:ln>
-        </p:spPr>
-      </p:pic>
-      <p:sp>
-        <p:nvSpPr>
-          <p:cNvPr id="119" name="Line 31"/>
-          <p:cNvSpPr/>
-          <p:nvPr/>
-        </p:nvSpPr>
-        <p:spPr>
-          <a:xfrm>
-            <a:off x="1828440" y="4017240"/>
-            <a:ext cx="8811720" cy="24120"/>
-          </a:xfrm>
-          <a:prstGeom prst="line">
-            <a:avLst/>
-          </a:prstGeom>
-          <a:ln w="22225">
-            <a:solidFill>
-              <a:srgbClr val="ffffff"/>
-            </a:solidFill>
-            <a:miter/>
-          </a:ln>
-        </p:spPr>
-        <p:style>
-          <a:lnRef idx="0"/>
-          <a:fillRef idx="0"/>
-          <a:effectRef idx="0"/>
-          <a:fontRef idx="minor"/>
-        </p:style>
-      </p:sp>
-      <p:sp>
-        <p:nvSpPr>
-          <p:cNvPr id="120" name="CustomShape 32"/>
-          <p:cNvSpPr/>
-          <p:nvPr/>
-        </p:nvSpPr>
-        <p:spPr>
-          <a:xfrm>
-            <a:off x="169200" y="2315880"/>
-            <a:ext cx="731520" cy="1063080"/>
-          </a:xfrm>
-          <a:prstGeom prst="rect">
-            <a:avLst/>
-          </a:prstGeom>
-          <a:solidFill>
-            <a:srgbClr val="f2f2f2"/>
-          </a:solidFill>
-          <a:ln w="0">
-            <a:solidFill>
-              <a:srgbClr val="000000"/>
-            </a:solidFill>
-          </a:ln>
-        </p:spPr>
-        <p:style>
-          <a:lnRef idx="0"/>
-          <a:fillRef idx="0"/>
-          <a:effectRef idx="0"/>
-          <a:fontRef idx="minor"/>
-        </p:style>
-        <p:txBody>
-          <a:bodyPr lIns="90000" rIns="90000" tIns="45000" bIns="45000">
-            <a:spAutoFit/>
-          </a:bodyPr>
-          <a:p>
-            <a:pPr>
-              <a:lnSpc>
-                <a:spcPct val="100000"/>
-              </a:lnSpc>
-            </a:pPr>
-            <a:r>
-              <a:rPr b="0" lang="en-US" sz="800" spc="-1" strike="noStrike">
-                <a:solidFill>
-                  <a:srgbClr val="000000"/>
-                </a:solidFill>
-                <a:latin typeface="Courier New"/>
-                <a:ea typeface="DejaVu Sans"/>
-              </a:rPr>
-              <a:t>Initial</a:t>
-            </a:r>
-            <a:br/>
-            <a:r>
-              <a:rPr b="0" lang="en-US" sz="800" spc="-1" strike="noStrike">
-                <a:solidFill>
-                  <a:srgbClr val="000000"/>
-                </a:solidFill>
-                <a:latin typeface="Courier New"/>
-                <a:ea typeface="DejaVu Sans"/>
-              </a:rPr>
-              <a:t>steps: Voucher request/response handling as in BRSKI</a:t>
-            </a:r>
-            <a:endParaRPr b="0" lang="en-US" sz="800" spc="-1" strike="noStrike">
-              <a:latin typeface="Arial"/>
-            </a:endParaRPr>
-          </a:p>
-        </p:txBody>
-      </p:sp>
-      <p:sp>
-        <p:nvSpPr>
-          <p:cNvPr id="121" name="CustomShape 33"/>
-          <p:cNvSpPr/>
-          <p:nvPr/>
-        </p:nvSpPr>
-        <p:spPr>
-          <a:xfrm>
-            <a:off x="172800" y="4198320"/>
-            <a:ext cx="1265760" cy="819720"/>
-          </a:xfrm>
-          <a:prstGeom prst="rect">
-            <a:avLst/>
-          </a:prstGeom>
-          <a:solidFill>
-            <a:srgbClr val="f2f2f2"/>
-          </a:solidFill>
-          <a:ln w="0">
-            <a:solidFill>
-              <a:srgbClr val="000000"/>
-            </a:solidFill>
-          </a:ln>
-        </p:spPr>
-        <p:style>
-          <a:lnRef idx="0"/>
-          <a:fillRef idx="0"/>
-          <a:effectRef idx="0"/>
-          <a:fontRef idx="minor"/>
-        </p:style>
-        <p:txBody>
-          <a:bodyPr lIns="90000" rIns="90000" tIns="45000" bIns="45000">
-            <a:spAutoFit/>
-          </a:bodyPr>
-          <a:p>
-            <a:pPr>
-              <a:lnSpc>
-                <a:spcPct val="100000"/>
-              </a:lnSpc>
-            </a:pPr>
-            <a:r>
-              <a:rPr b="0" lang="en-US" sz="800" spc="-1" strike="noStrike">
-                <a:solidFill>
-                  <a:srgbClr val="000000"/>
-                </a:solidFill>
-                <a:latin typeface="Courier New"/>
-                <a:ea typeface="DejaVu Sans"/>
-              </a:rPr>
-              <a:t>Adapted step: Application of alternative enrollment protocol (e.g., Lightweight CMP)</a:t>
-            </a:r>
-            <a:endParaRPr b="0" lang="en-US" sz="800" spc="-1" strike="noStrike">
-              <a:latin typeface="Arial"/>
-            </a:endParaRPr>
-          </a:p>
-        </p:txBody>
-      </p:sp>
-      <p:pic>
-        <p:nvPicPr>
-          <p:cNvPr id="122" name="Picture 177" descr=""/>
-          <p:cNvPicPr/>
-          <p:nvPr/>
-        </p:nvPicPr>
-        <p:blipFill>
-          <a:blip r:embed="rId2"/>
-          <a:stretch/>
-        </p:blipFill>
-        <p:spPr>
-          <a:xfrm>
-            <a:off x="1928160" y="3235680"/>
-            <a:ext cx="284040" cy="594000"/>
-          </a:xfrm>
-          <a:prstGeom prst="rect">
-            <a:avLst/>
-          </a:prstGeom>
-          <a:ln w="0">
-            <a:noFill/>
-          </a:ln>
-        </p:spPr>
-      </p:pic>
-      <p:pic>
-        <p:nvPicPr>
-          <p:cNvPr id="123" name="Picture 178" descr=""/>
+          <p:cNvPr id="118" name="Picture 170"/>
           <p:cNvPicPr/>
           <p:nvPr/>
         </p:nvPicPr>
@@ -6300,8 +7208,8 @@
         </p:blipFill>
         <p:spPr>
           <a:xfrm>
-            <a:off x="1522800" y="2092680"/>
-            <a:ext cx="692640" cy="700200"/>
+            <a:off x="10173240" y="3145320"/>
+            <a:ext cx="284040" cy="594000"/>
           </a:xfrm>
           <a:prstGeom prst="rect">
             <a:avLst/>
@@ -6311,9 +7219,201 @@
           </a:ln>
         </p:spPr>
       </p:pic>
+      <p:sp>
+        <p:nvSpPr>
+          <p:cNvPr id="119" name="Line 31"/>
+          <p:cNvSpPr/>
+          <p:nvPr/>
+        </p:nvSpPr>
+        <p:spPr>
+          <a:xfrm>
+            <a:off x="1828440" y="4017240"/>
+            <a:ext cx="8811720" cy="24120"/>
+          </a:xfrm>
+          <a:prstGeom prst="line">
+            <a:avLst/>
+          </a:prstGeom>
+          <a:ln w="22225">
+            <a:solidFill>
+              <a:srgbClr val="FFFFFF"/>
+            </a:solidFill>
+            <a:miter/>
+          </a:ln>
+        </p:spPr>
+        <p:style>
+          <a:lnRef idx="0">
+            <a:scrgbClr r="0" g="0" b="0"/>
+          </a:lnRef>
+          <a:fillRef idx="0">
+            <a:scrgbClr r="0" g="0" b="0"/>
+          </a:fillRef>
+          <a:effectRef idx="0">
+            <a:scrgbClr r="0" g="0" b="0"/>
+          </a:effectRef>
+          <a:fontRef idx="minor"/>
+        </p:style>
+      </p:sp>
+      <p:sp>
+        <p:nvSpPr>
+          <p:cNvPr id="120" name="CustomShape 32"/>
+          <p:cNvSpPr/>
+          <p:nvPr/>
+        </p:nvSpPr>
+        <p:spPr>
+          <a:xfrm>
+            <a:off x="169200" y="2315880"/>
+            <a:ext cx="731520" cy="1063080"/>
+          </a:xfrm>
+          <a:prstGeom prst="rect">
+            <a:avLst/>
+          </a:prstGeom>
+          <a:solidFill>
+            <a:srgbClr val="F2F2F2"/>
+          </a:solidFill>
+          <a:ln w="0">
+            <a:solidFill>
+              <a:srgbClr val="000000"/>
+            </a:solidFill>
+          </a:ln>
+        </p:spPr>
+        <p:style>
+          <a:lnRef idx="0">
+            <a:scrgbClr r="0" g="0" b="0"/>
+          </a:lnRef>
+          <a:fillRef idx="0">
+            <a:scrgbClr r="0" g="0" b="0"/>
+          </a:fillRef>
+          <a:effectRef idx="0">
+            <a:scrgbClr r="0" g="0" b="0"/>
+          </a:effectRef>
+          <a:fontRef idx="minor"/>
+        </p:style>
+        <p:txBody>
+          <a:bodyPr lIns="90000" tIns="45000" rIns="90000" bIns="45000">
+            <a:spAutoFit/>
+          </a:bodyPr>
+          <a:lstStyle/>
+          <a:p>
+            <a:pPr>
+              <a:lnSpc>
+                <a:spcPct val="100000"/>
+              </a:lnSpc>
+            </a:pPr>
+            <a:r>
+              <a:rPr lang="en-US" sz="800" b="0" strike="noStrike" spc="-1">
+                <a:solidFill>
+                  <a:srgbClr val="000000"/>
+                </a:solidFill>
+                <a:latin typeface="Courier New"/>
+                <a:ea typeface="DejaVu Sans"/>
+              </a:rPr>
+              <a:t>Initial</a:t>
+            </a:r>
+            <a:br/>
+            <a:r>
+              <a:rPr lang="en-US" sz="800" b="0" strike="noStrike" spc="-1">
+                <a:solidFill>
+                  <a:srgbClr val="000000"/>
+                </a:solidFill>
+                <a:latin typeface="Courier New"/>
+                <a:ea typeface="DejaVu Sans"/>
+              </a:rPr>
+              <a:t>steps: Voucher request/response handling as in BRSKI</a:t>
+            </a:r>
+            <a:endParaRPr lang="en-US" sz="800" b="0" strike="noStrike" spc="-1">
+              <a:latin typeface="Arial"/>
+            </a:endParaRPr>
+          </a:p>
+        </p:txBody>
+      </p:sp>
+      <p:sp>
+        <p:nvSpPr>
+          <p:cNvPr id="121" name="CustomShape 33"/>
+          <p:cNvSpPr/>
+          <p:nvPr/>
+        </p:nvSpPr>
+        <p:spPr>
+          <a:xfrm>
+            <a:off x="172800" y="4198320"/>
+            <a:ext cx="1265760" cy="819720"/>
+          </a:xfrm>
+          <a:prstGeom prst="rect">
+            <a:avLst/>
+          </a:prstGeom>
+          <a:solidFill>
+            <a:srgbClr val="F2F2F2"/>
+          </a:solidFill>
+          <a:ln w="0">
+            <a:solidFill>
+              <a:srgbClr val="000000"/>
+            </a:solidFill>
+          </a:ln>
+        </p:spPr>
+        <p:style>
+          <a:lnRef idx="0">
+            <a:scrgbClr r="0" g="0" b="0"/>
+          </a:lnRef>
+          <a:fillRef idx="0">
+            <a:scrgbClr r="0" g="0" b="0"/>
+          </a:fillRef>
+          <a:effectRef idx="0">
+            <a:scrgbClr r="0" g="0" b="0"/>
+          </a:effectRef>
+          <a:fontRef idx="minor"/>
+        </p:style>
+        <p:txBody>
+          <a:bodyPr lIns="90000" tIns="45000" rIns="90000" bIns="45000">
+            <a:spAutoFit/>
+          </a:bodyPr>
+          <a:lstStyle/>
+          <a:p>
+            <a:pPr>
+              <a:lnSpc>
+                <a:spcPct val="100000"/>
+              </a:lnSpc>
+            </a:pPr>
+            <a:r>
+              <a:rPr lang="en-US" sz="800" b="0" strike="noStrike" spc="-1">
+                <a:solidFill>
+                  <a:srgbClr val="000000"/>
+                </a:solidFill>
+                <a:latin typeface="Courier New"/>
+                <a:ea typeface="DejaVu Sans"/>
+              </a:rPr>
+              <a:t>Adapted step: Application of alternative enrollment protocol (e.g., Lightweight CMP)</a:t>
+            </a:r>
+            <a:endParaRPr lang="en-US" sz="800" b="0" strike="noStrike" spc="-1">
+              <a:latin typeface="Arial"/>
+            </a:endParaRPr>
+          </a:p>
+        </p:txBody>
+      </p:sp>
       <p:pic>
         <p:nvPicPr>
-          <p:cNvPr id="124" name="Picture 179" descr=""/>
+          <p:cNvPr id="122" name="Picture 177"/>
+          <p:cNvPicPr/>
+          <p:nvPr/>
+        </p:nvPicPr>
+        <p:blipFill>
+          <a:blip r:embed="rId3"/>
+          <a:stretch/>
+        </p:blipFill>
+        <p:spPr>
+          <a:xfrm>
+            <a:off x="1928160" y="3235680"/>
+            <a:ext cx="284040" cy="594000"/>
+          </a:xfrm>
+          <a:prstGeom prst="rect">
+            <a:avLst/>
+          </a:prstGeom>
+          <a:ln w="0">
+            <a:noFill/>
+          </a:ln>
+        </p:spPr>
+      </p:pic>
+      <p:pic>
+        <p:nvPicPr>
+          <p:cNvPr id="123" name="Picture 178"/>
           <p:cNvPicPr/>
           <p:nvPr/>
         </p:nvPicPr>
@@ -6323,6 +7423,29 @@
         </p:blipFill>
         <p:spPr>
           <a:xfrm>
+            <a:off x="1522800" y="2092680"/>
+            <a:ext cx="692640" cy="700200"/>
+          </a:xfrm>
+          <a:prstGeom prst="rect">
+            <a:avLst/>
+          </a:prstGeom>
+          <a:ln w="0">
+            <a:noFill/>
+          </a:ln>
+        </p:spPr>
+      </p:pic>
+      <p:pic>
+        <p:nvPicPr>
+          <p:cNvPr id="124" name="Picture 179"/>
+          <p:cNvPicPr/>
+          <p:nvPr/>
+        </p:nvPicPr>
+        <p:blipFill>
+          <a:blip r:embed="rId5"/>
+          <a:stretch/>
+        </p:blipFill>
+        <p:spPr>
+          <a:xfrm>
             <a:off x="4848840" y="2512080"/>
             <a:ext cx="789480" cy="759240"/>
           </a:xfrm>
@@ -6354,15 +7477,22 @@
           </a:ln>
         </p:spPr>
         <p:style>
-          <a:lnRef idx="0"/>
-          <a:fillRef idx="0"/>
-          <a:effectRef idx="0"/>
+          <a:lnRef idx="0">
+            <a:scrgbClr r="0" g="0" b="0"/>
+          </a:lnRef>
+          <a:fillRef idx="0">
+            <a:scrgbClr r="0" g="0" b="0"/>
+          </a:fillRef>
+          <a:effectRef idx="0">
+            <a:scrgbClr r="0" g="0" b="0"/>
+          </a:effectRef>
           <a:fontRef idx="minor"/>
         </p:style>
         <p:txBody>
-          <a:bodyPr lIns="90000" rIns="90000" tIns="45000" bIns="45000">
+          <a:bodyPr lIns="90000" tIns="45000" rIns="90000" bIns="45000">
             <a:spAutoFit/>
           </a:bodyPr>
+          <a:lstStyle/>
           <a:p>
             <a:pPr algn="ctr">
               <a:lnSpc>
@@ -6370,7 +7500,7 @@
               </a:lnSpc>
             </a:pPr>
             <a:r>
-              <a:rPr b="0" lang="en-US" sz="800" spc="-1" strike="noStrike">
+              <a:rPr lang="en-US" sz="800" b="0" strike="noStrike" spc="-1">
                 <a:solidFill>
                   <a:srgbClr val="000000"/>
                 </a:solidFill>
@@ -6379,7 +7509,7 @@
               </a:rPr>
               <a:t>Request CA certificates (opt.)</a:t>
             </a:r>
-            <a:endParaRPr b="0" lang="en-US" sz="800" spc="-1" strike="noStrike">
+            <a:endParaRPr lang="en-US" sz="800" b="0" strike="noStrike" spc="-1">
               <a:latin typeface="Arial"/>
             </a:endParaRPr>
           </a:p>
@@ -6400,6 +7530,7 @@
             <a:avLst/>
             <a:gdLst/>
             <a:ahLst/>
+            <a:cxnLst/>
             <a:rect l="l" t="t" r="r" b="b"/>
             <a:pathLst>
               <a:path w="21600" h="21600">
@@ -6415,16 +7546,22 @@
           <a:noFill/>
           <a:ln w="6350">
             <a:solidFill>
-              <a:srgbClr val="4472c4"/>
+              <a:srgbClr val="4472C4"/>
             </a:solidFill>
             <a:miter/>
-            <a:tailEnd len="med" type="triangle" w="med"/>
+            <a:tailEnd type="triangle" w="med" len="med"/>
           </a:ln>
         </p:spPr>
         <p:style>
-          <a:lnRef idx="0"/>
-          <a:fillRef idx="0"/>
-          <a:effectRef idx="0"/>
+          <a:lnRef idx="0">
+            <a:scrgbClr r="0" g="0" b="0"/>
+          </a:lnRef>
+          <a:fillRef idx="0">
+            <a:scrgbClr r="0" g="0" b="0"/>
+          </a:fillRef>
+          <a:effectRef idx="0">
+            <a:scrgbClr r="0" g="0" b="0"/>
+          </a:effectRef>
           <a:fontRef idx="minor"/>
         </p:style>
       </p:sp>
@@ -6448,15 +7585,22 @@
           </a:ln>
         </p:spPr>
         <p:style>
-          <a:lnRef idx="0"/>
-          <a:fillRef idx="0"/>
-          <a:effectRef idx="0"/>
+          <a:lnRef idx="0">
+            <a:scrgbClr r="0" g="0" b="0"/>
+          </a:lnRef>
+          <a:fillRef idx="0">
+            <a:scrgbClr r="0" g="0" b="0"/>
+          </a:fillRef>
+          <a:effectRef idx="0">
+            <a:scrgbClr r="0" g="0" b="0"/>
+          </a:effectRef>
           <a:fontRef idx="minor"/>
         </p:style>
         <p:txBody>
-          <a:bodyPr lIns="90000" rIns="90000" tIns="45000" bIns="45000">
+          <a:bodyPr lIns="90000" tIns="45000" rIns="90000" bIns="45000">
             <a:spAutoFit/>
           </a:bodyPr>
+          <a:lstStyle/>
           <a:p>
             <a:pPr algn="ctr">
               <a:lnSpc>
@@ -6464,7 +7608,7 @@
               </a:lnSpc>
             </a:pPr>
             <a:r>
-              <a:rPr b="0" lang="en-US" sz="800" spc="-1" strike="noStrike">
+              <a:rPr lang="en-US" sz="800" b="0" strike="noStrike" spc="-1">
                 <a:solidFill>
                   <a:srgbClr val="000000"/>
                 </a:solidFill>
@@ -6473,7 +7617,7 @@
               </a:rPr>
               <a:t>CA certificates (opt.)</a:t>
             </a:r>
-            <a:endParaRPr b="0" lang="en-US" sz="800" spc="-1" strike="noStrike">
+            <a:endParaRPr lang="en-US" sz="800" b="0" strike="noStrike" spc="-1">
               <a:latin typeface="Arial"/>
             </a:endParaRPr>
           </a:p>
@@ -6494,6 +7638,7 @@
             <a:avLst/>
             <a:gdLst/>
             <a:ahLst/>
+            <a:cxnLst/>
             <a:rect l="l" t="t" r="r" b="b"/>
             <a:pathLst>
               <a:path w="21600" h="21600">
@@ -6509,16 +7654,22 @@
           <a:noFill/>
           <a:ln w="6350">
             <a:solidFill>
-              <a:srgbClr val="4472c4"/>
+              <a:srgbClr val="4472C4"/>
             </a:solidFill>
             <a:miter/>
-            <a:tailEnd len="med" type="triangle" w="med"/>
+            <a:tailEnd type="triangle" w="med" len="med"/>
           </a:ln>
         </p:spPr>
         <p:style>
-          <a:lnRef idx="0"/>
-          <a:fillRef idx="0"/>
-          <a:effectRef idx="0"/>
+          <a:lnRef idx="0">
+            <a:scrgbClr r="0" g="0" b="0"/>
+          </a:lnRef>
+          <a:fillRef idx="0">
+            <a:scrgbClr r="0" g="0" b="0"/>
+          </a:fillRef>
+          <a:effectRef idx="0">
+            <a:scrgbClr r="0" g="0" b="0"/>
+          </a:effectRef>
           <a:fontRef idx="minor"/>
         </p:style>
       </p:sp>
@@ -6537,6 +7688,7 @@
             <a:avLst/>
             <a:gdLst/>
             <a:ahLst/>
+            <a:cxnLst/>
             <a:rect l="l" t="t" r="r" b="b"/>
             <a:pathLst>
               <a:path w="21600" h="21600">
@@ -6552,16 +7704,22 @@
           <a:noFill/>
           <a:ln w="6350">
             <a:solidFill>
-              <a:srgbClr val="4472c4"/>
+              <a:srgbClr val="4472C4"/>
             </a:solidFill>
             <a:miter/>
-            <a:tailEnd len="med" type="triangle" w="med"/>
+            <a:tailEnd type="triangle" w="med" len="med"/>
           </a:ln>
         </p:spPr>
         <p:style>
-          <a:lnRef idx="0"/>
-          <a:fillRef idx="0"/>
-          <a:effectRef idx="0"/>
+          <a:lnRef idx="0">
+            <a:scrgbClr r="0" g="0" b="0"/>
+          </a:lnRef>
+          <a:fillRef idx="0">
+            <a:scrgbClr r="0" g="0" b="0"/>
+          </a:fillRef>
+          <a:effectRef idx="0">
+            <a:scrgbClr r="0" g="0" b="0"/>
+          </a:effectRef>
           <a:fontRef idx="minor"/>
         </p:style>
       </p:sp>
@@ -6585,15 +7743,22 @@
           </a:ln>
         </p:spPr>
         <p:style>
-          <a:lnRef idx="0"/>
-          <a:fillRef idx="0"/>
-          <a:effectRef idx="0"/>
+          <a:lnRef idx="0">
+            <a:scrgbClr r="0" g="0" b="0"/>
+          </a:lnRef>
+          <a:fillRef idx="0">
+            <a:scrgbClr r="0" g="0" b="0"/>
+          </a:fillRef>
+          <a:effectRef idx="0">
+            <a:scrgbClr r="0" g="0" b="0"/>
+          </a:effectRef>
           <a:fontRef idx="minor"/>
         </p:style>
         <p:txBody>
-          <a:bodyPr lIns="90000" rIns="90000" tIns="45000" bIns="45000">
+          <a:bodyPr lIns="90000" tIns="45000" rIns="90000" bIns="45000">
             <a:spAutoFit/>
           </a:bodyPr>
+          <a:lstStyle/>
           <a:p>
             <a:pPr algn="ctr">
               <a:lnSpc>
@@ -6601,7 +7766,7 @@
               </a:lnSpc>
             </a:pPr>
             <a:r>
-              <a:rPr b="0" lang="en-US" sz="800" spc="-1" strike="noStrike">
+              <a:rPr lang="en-US" sz="800" b="0" strike="noStrike" spc="-1">
                 <a:solidFill>
                   <a:srgbClr val="000000"/>
                 </a:solidFill>
@@ -6610,7 +7775,7 @@
               </a:rPr>
               <a:t>Request certificate attributes (opt.)</a:t>
             </a:r>
-            <a:endParaRPr b="0" lang="en-US" sz="800" spc="-1" strike="noStrike">
+            <a:endParaRPr lang="en-US" sz="800" b="0" strike="noStrike" spc="-1">
               <a:latin typeface="Arial"/>
             </a:endParaRPr>
           </a:p>
@@ -6631,6 +7796,7 @@
             <a:avLst/>
             <a:gdLst/>
             <a:ahLst/>
+            <a:cxnLst/>
             <a:rect l="l" t="t" r="r" b="b"/>
             <a:pathLst>
               <a:path w="21600" h="21600">
@@ -6646,16 +7812,22 @@
           <a:noFill/>
           <a:ln w="6350">
             <a:solidFill>
-              <a:srgbClr val="4472c4"/>
+              <a:srgbClr val="4472C4"/>
             </a:solidFill>
             <a:miter/>
-            <a:tailEnd len="med" type="triangle" w="med"/>
+            <a:tailEnd type="triangle" w="med" len="med"/>
           </a:ln>
         </p:spPr>
         <p:style>
-          <a:lnRef idx="0"/>
-          <a:fillRef idx="0"/>
-          <a:effectRef idx="0"/>
+          <a:lnRef idx="0">
+            <a:scrgbClr r="0" g="0" b="0"/>
+          </a:lnRef>
+          <a:fillRef idx="0">
+            <a:scrgbClr r="0" g="0" b="0"/>
+          </a:fillRef>
+          <a:effectRef idx="0">
+            <a:scrgbClr r="0" g="0" b="0"/>
+          </a:effectRef>
           <a:fontRef idx="minor"/>
         </p:style>
       </p:sp>
@@ -6679,15 +7851,22 @@
           </a:ln>
         </p:spPr>
         <p:style>
-          <a:lnRef idx="0"/>
-          <a:fillRef idx="0"/>
-          <a:effectRef idx="0"/>
+          <a:lnRef idx="0">
+            <a:scrgbClr r="0" g="0" b="0"/>
+          </a:lnRef>
+          <a:fillRef idx="0">
+            <a:scrgbClr r="0" g="0" b="0"/>
+          </a:fillRef>
+          <a:effectRef idx="0">
+            <a:scrgbClr r="0" g="0" b="0"/>
+          </a:effectRef>
           <a:fontRef idx="minor"/>
         </p:style>
         <p:txBody>
-          <a:bodyPr lIns="90000" rIns="90000" tIns="45000" bIns="45000">
+          <a:bodyPr lIns="90000" tIns="45000" rIns="90000" bIns="45000">
             <a:spAutoFit/>
           </a:bodyPr>
+          <a:lstStyle/>
           <a:p>
             <a:pPr algn="ctr">
               <a:lnSpc>
@@ -6695,7 +7874,7 @@
               </a:lnSpc>
             </a:pPr>
             <a:r>
-              <a:rPr b="0" lang="en-US" sz="800" spc="-1" strike="noStrike">
+              <a:rPr lang="en-US" sz="800" b="0" strike="noStrike" spc="-1">
                 <a:solidFill>
                   <a:srgbClr val="000000"/>
                 </a:solidFill>
@@ -6704,7 +7883,7 @@
               </a:rPr>
               <a:t>Certificate attributes (opt.)</a:t>
             </a:r>
-            <a:endParaRPr b="0" lang="en-US" sz="800" spc="-1" strike="noStrike">
+            <a:endParaRPr lang="en-US" sz="800" b="0" strike="noStrike" spc="-1">
               <a:latin typeface="Arial"/>
             </a:endParaRPr>
           </a:p>
@@ -6712,61 +7891,7 @@
       </p:sp>
       <p:pic>
         <p:nvPicPr>
-          <p:cNvPr id="133" name="Picture 188" descr=""/>
-          <p:cNvPicPr/>
-          <p:nvPr/>
-        </p:nvPicPr>
-        <p:blipFill>
-          <a:blip r:embed="rId5"/>
-          <a:stretch/>
-        </p:blipFill>
-        <p:spPr>
-          <a:xfrm>
-            <a:off x="1655280" y="5128560"/>
-            <a:ext cx="484560" cy="526680"/>
-          </a:xfrm>
-          <a:prstGeom prst="rect">
-            <a:avLst/>
-          </a:prstGeom>
-          <a:ln w="0">
-            <a:noFill/>
-          </a:ln>
-        </p:spPr>
-      </p:pic>
-      <p:sp>
-        <p:nvSpPr>
-          <p:cNvPr id="134" name="CustomShape 42"/>
-          <p:cNvSpPr/>
-          <p:nvPr/>
-        </p:nvSpPr>
-        <p:spPr>
-          <a:xfrm>
-            <a:off x="1672920" y="5676480"/>
-            <a:ext cx="322920" cy="238320"/>
-          </a:xfrm>
-          <a:prstGeom prst="rect">
-            <a:avLst/>
-          </a:prstGeom>
-          <a:solidFill>
-            <a:srgbClr val="ffffff"/>
-          </a:solidFill>
-          <a:ln w="12700">
-            <a:solidFill>
-              <a:srgbClr val="ffffff"/>
-            </a:solidFill>
-            <a:miter/>
-          </a:ln>
-        </p:spPr>
-        <p:style>
-          <a:lnRef idx="0"/>
-          <a:fillRef idx="0"/>
-          <a:effectRef idx="0"/>
-          <a:fontRef idx="minor"/>
-        </p:style>
-      </p:sp>
-      <p:pic>
-        <p:nvPicPr>
-          <p:cNvPr id="135" name="Graphic 190" descr=""/>
+          <p:cNvPr id="133" name="Picture 188"/>
           <p:cNvPicPr/>
           <p:nvPr/>
         </p:nvPicPr>
@@ -6776,8 +7901,8 @@
         </p:blipFill>
         <p:spPr>
           <a:xfrm>
-            <a:off x="1672920" y="5637240"/>
-            <a:ext cx="308520" cy="308520"/>
+            <a:off x="1655280" y="5128560"/>
+            <a:ext cx="484560" cy="526680"/>
           </a:xfrm>
           <a:prstGeom prst="rect">
             <a:avLst/>
@@ -6787,9 +7912,46 @@
           </a:ln>
         </p:spPr>
       </p:pic>
+      <p:sp>
+        <p:nvSpPr>
+          <p:cNvPr id="134" name="CustomShape 42"/>
+          <p:cNvSpPr/>
+          <p:nvPr/>
+        </p:nvSpPr>
+        <p:spPr>
+          <a:xfrm>
+            <a:off x="1672920" y="5676480"/>
+            <a:ext cx="322920" cy="238320"/>
+          </a:xfrm>
+          <a:prstGeom prst="rect">
+            <a:avLst/>
+          </a:prstGeom>
+          <a:solidFill>
+            <a:srgbClr val="FFFFFF"/>
+          </a:solidFill>
+          <a:ln w="12700">
+            <a:solidFill>
+              <a:srgbClr val="FFFFFF"/>
+            </a:solidFill>
+            <a:miter/>
+          </a:ln>
+        </p:spPr>
+        <p:style>
+          <a:lnRef idx="0">
+            <a:scrgbClr r="0" g="0" b="0"/>
+          </a:lnRef>
+          <a:fillRef idx="0">
+            <a:scrgbClr r="0" g="0" b="0"/>
+          </a:fillRef>
+          <a:effectRef idx="0">
+            <a:scrgbClr r="0" g="0" b="0"/>
+          </a:effectRef>
+          <a:fontRef idx="minor"/>
+        </p:style>
+      </p:sp>
       <p:pic>
         <p:nvPicPr>
-          <p:cNvPr id="136" name="Graphic 191" descr=""/>
+          <p:cNvPr id="135" name="Graphic 190"/>
           <p:cNvPicPr/>
           <p:nvPr/>
         </p:nvPicPr>
@@ -6799,6 +7961,29 @@
         </p:blipFill>
         <p:spPr>
           <a:xfrm>
+            <a:off x="1672920" y="5637240"/>
+            <a:ext cx="308520" cy="308520"/>
+          </a:xfrm>
+          <a:prstGeom prst="rect">
+            <a:avLst/>
+          </a:prstGeom>
+          <a:ln w="0">
+            <a:noFill/>
+          </a:ln>
+        </p:spPr>
+      </p:pic>
+      <p:pic>
+        <p:nvPicPr>
+          <p:cNvPr id="136" name="Graphic 191"/>
+          <p:cNvPicPr/>
+          <p:nvPr/>
+        </p:nvPicPr>
+        <p:blipFill>
+          <a:blip r:embed="rId7"/>
+          <a:stretch/>
+        </p:blipFill>
+        <p:spPr>
+          <a:xfrm>
             <a:off x="8944560" y="5639400"/>
             <a:ext cx="308520" cy="308520"/>
           </a:xfrm>
@@ -6830,15 +8015,22 @@
           </a:ln>
         </p:spPr>
         <p:style>
-          <a:lnRef idx="0"/>
-          <a:fillRef idx="0"/>
-          <a:effectRef idx="0"/>
+          <a:lnRef idx="0">
+            <a:scrgbClr r="0" g="0" b="0"/>
+          </a:lnRef>
+          <a:fillRef idx="0">
+            <a:scrgbClr r="0" g="0" b="0"/>
+          </a:fillRef>
+          <a:effectRef idx="0">
+            <a:scrgbClr r="0" g="0" b="0"/>
+          </a:effectRef>
           <a:fontRef idx="minor"/>
         </p:style>
         <p:txBody>
-          <a:bodyPr lIns="90000" rIns="90000" tIns="45000" bIns="45000">
+          <a:bodyPr lIns="90000" tIns="45000" rIns="90000" bIns="45000">
             <a:spAutoFit/>
           </a:bodyPr>
+          <a:lstStyle/>
           <a:p>
             <a:pPr>
               <a:lnSpc>
@@ -6846,7 +8038,7 @@
               </a:lnSpc>
             </a:pPr>
             <a:r>
-              <a:rPr b="0" lang="en-US" sz="800" spc="-1" strike="noStrike">
+              <a:rPr lang="en-US" sz="800" b="0" strike="noStrike" spc="-1">
                 <a:solidFill>
                   <a:srgbClr val="000000"/>
                 </a:solidFill>
@@ -6855,7 +8047,7 @@
               </a:rPr>
               <a:t>Verification of LDevID cert</a:t>
             </a:r>
-            <a:endParaRPr b="0" lang="en-US" sz="800" spc="-1" strike="noStrike">
+            <a:endParaRPr lang="en-US" sz="800" b="0" strike="noStrike" spc="-1">
               <a:latin typeface="Arial"/>
             </a:endParaRPr>
           </a:p>
@@ -6881,15 +8073,22 @@
           </a:ln>
         </p:spPr>
         <p:style>
-          <a:lnRef idx="0"/>
-          <a:fillRef idx="0"/>
-          <a:effectRef idx="0"/>
+          <a:lnRef idx="0">
+            <a:scrgbClr r="0" g="0" b="0"/>
+          </a:lnRef>
+          <a:fillRef idx="0">
+            <a:scrgbClr r="0" g="0" b="0"/>
+          </a:fillRef>
+          <a:effectRef idx="0">
+            <a:scrgbClr r="0" g="0" b="0"/>
+          </a:effectRef>
           <a:fontRef idx="minor"/>
         </p:style>
         <p:txBody>
-          <a:bodyPr lIns="90000" rIns="90000" tIns="45000" bIns="45000">
+          <a:bodyPr lIns="90000" tIns="45000" rIns="90000" bIns="45000">
             <a:spAutoFit/>
           </a:bodyPr>
+          <a:lstStyle/>
           <a:p>
             <a:pPr>
               <a:lnSpc>
@@ -6897,7 +8096,7 @@
               </a:lnSpc>
             </a:pPr>
             <a:r>
-              <a:rPr b="0" lang="en-US" sz="800" spc="-1" strike="noStrike">
+              <a:rPr lang="en-US" sz="800" b="0" strike="noStrike" spc="-1">
                 <a:solidFill>
                   <a:srgbClr val="000000"/>
                 </a:solidFill>
@@ -6906,7 +8105,7 @@
               </a:rPr>
               <a:t>Any remaining verification of request and authorization</a:t>
             </a:r>
-            <a:endParaRPr b="0" lang="en-US" sz="800" spc="-1" strike="noStrike">
+            <a:endParaRPr lang="en-US" sz="800" b="0" strike="noStrike" spc="-1">
               <a:latin typeface="Arial"/>
             </a:endParaRPr>
           </a:p>
@@ -6927,6 +8126,7 @@
             <a:avLst/>
             <a:gdLst/>
             <a:ahLst/>
+            <a:cxnLst/>
             <a:rect l="l" t="t" r="r" b="b"/>
             <a:pathLst>
               <a:path w="21600" h="21600">
@@ -6942,16 +8142,22 @@
           <a:noFill/>
           <a:ln w="6350">
             <a:solidFill>
-              <a:srgbClr val="4472c4"/>
+              <a:srgbClr val="4472C4"/>
             </a:solidFill>
             <a:miter/>
-            <a:tailEnd len="med" type="triangle" w="med"/>
+            <a:tailEnd type="triangle" w="med" len="med"/>
           </a:ln>
         </p:spPr>
         <p:style>
-          <a:lnRef idx="0"/>
-          <a:fillRef idx="0"/>
-          <a:effectRef idx="0"/>
+          <a:lnRef idx="0">
+            <a:scrgbClr r="0" g="0" b="0"/>
+          </a:lnRef>
+          <a:fillRef idx="0">
+            <a:scrgbClr r="0" g="0" b="0"/>
+          </a:fillRef>
+          <a:effectRef idx="0">
+            <a:scrgbClr r="0" g="0" b="0"/>
+          </a:effectRef>
           <a:fontRef idx="minor"/>
         </p:style>
       </p:sp>
@@ -6975,15 +8181,22 @@
           </a:ln>
         </p:spPr>
         <p:style>
-          <a:lnRef idx="0"/>
-          <a:fillRef idx="0"/>
-          <a:effectRef idx="0"/>
+          <a:lnRef idx="0">
+            <a:scrgbClr r="0" g="0" b="0"/>
+          </a:lnRef>
+          <a:fillRef idx="0">
+            <a:scrgbClr r="0" g="0" b="0"/>
+          </a:fillRef>
+          <a:effectRef idx="0">
+            <a:scrgbClr r="0" g="0" b="0"/>
+          </a:effectRef>
           <a:fontRef idx="minor"/>
         </p:style>
         <p:txBody>
-          <a:bodyPr lIns="90000" rIns="90000" tIns="45000" bIns="45000">
+          <a:bodyPr lIns="90000" tIns="45000" rIns="90000" bIns="45000">
             <a:spAutoFit/>
           </a:bodyPr>
+          <a:lstStyle/>
           <a:p>
             <a:pPr algn="ctr">
               <a:lnSpc>
@@ -6991,7 +8204,7 @@
               </a:lnSpc>
             </a:pPr>
             <a:r>
-              <a:rPr b="0" lang="en-US" sz="800" spc="-1" strike="noStrike">
+              <a:rPr lang="en-US" sz="800" b="0" strike="noStrike" spc="-1">
                 <a:solidFill>
                   <a:srgbClr val="000000"/>
                 </a:solidFill>
@@ -7000,7 +8213,7 @@
               </a:rPr>
               <a:t>Voucher-status</a:t>
             </a:r>
-            <a:endParaRPr b="0" lang="en-US" sz="800" spc="-1" strike="noStrike">
+            <a:endParaRPr lang="en-US" sz="800" b="0" strike="noStrike" spc="-1">
               <a:latin typeface="Arial"/>
             </a:endParaRPr>
           </a:p>
@@ -7021,6 +8234,7 @@
             <a:avLst/>
             <a:gdLst/>
             <a:ahLst/>
+            <a:cxnLst/>
             <a:rect l="l" t="t" r="r" b="b"/>
             <a:pathLst>
               <a:path w="21600" h="21600">
@@ -7036,16 +8250,22 @@
           <a:noFill/>
           <a:ln w="6350">
             <a:solidFill>
-              <a:srgbClr val="4472c4"/>
+              <a:srgbClr val="4472C4"/>
             </a:solidFill>
             <a:miter/>
-            <a:tailEnd len="med" type="triangle" w="med"/>
+            <a:tailEnd type="triangle" w="med" len="med"/>
           </a:ln>
         </p:spPr>
         <p:style>
-          <a:lnRef idx="0"/>
-          <a:fillRef idx="0"/>
-          <a:effectRef idx="0"/>
+          <a:lnRef idx="0">
+            <a:scrgbClr r="0" g="0" b="0"/>
+          </a:lnRef>
+          <a:fillRef idx="0">
+            <a:scrgbClr r="0" g="0" b="0"/>
+          </a:fillRef>
+          <a:effectRef idx="0">
+            <a:scrgbClr r="0" g="0" b="0"/>
+          </a:effectRef>
           <a:fontRef idx="minor"/>
         </p:style>
       </p:sp>
@@ -7069,15 +8289,22 @@
           </a:ln>
         </p:spPr>
         <p:style>
-          <a:lnRef idx="0"/>
-          <a:fillRef idx="0"/>
-          <a:effectRef idx="0"/>
+          <a:lnRef idx="0">
+            <a:scrgbClr r="0" g="0" b="0"/>
+          </a:lnRef>
+          <a:fillRef idx="0">
+            <a:scrgbClr r="0" g="0" b="0"/>
+          </a:fillRef>
+          <a:effectRef idx="0">
+            <a:scrgbClr r="0" g="0" b="0"/>
+          </a:effectRef>
           <a:fontRef idx="minor"/>
         </p:style>
         <p:txBody>
-          <a:bodyPr lIns="90000" rIns="90000" tIns="45000" bIns="45000">
+          <a:bodyPr lIns="90000" tIns="45000" rIns="90000" bIns="45000">
             <a:spAutoFit/>
           </a:bodyPr>
+          <a:lstStyle/>
           <a:p>
             <a:pPr algn="ctr">
               <a:lnSpc>
@@ -7085,7 +8312,7 @@
               </a:lnSpc>
             </a:pPr>
             <a:r>
-              <a:rPr b="0" lang="en-US" sz="800" spc="-1" strike="noStrike">
+              <a:rPr lang="en-US" sz="800" b="0" strike="noStrike" spc="-1">
                 <a:solidFill>
                   <a:srgbClr val="000000"/>
                 </a:solidFill>
@@ -7094,7 +8321,7 @@
               </a:rPr>
               <a:t>Enrollment-status</a:t>
             </a:r>
-            <a:endParaRPr b="0" lang="en-US" sz="800" spc="-1" strike="noStrike">
+            <a:endParaRPr lang="en-US" sz="800" b="0" strike="noStrike" spc="-1">
               <a:latin typeface="Arial"/>
             </a:endParaRPr>
           </a:p>
@@ -7115,7 +8342,7 @@
             <a:avLst/>
           </a:prstGeom>
           <a:solidFill>
-            <a:srgbClr val="4472c4"/>
+            <a:srgbClr val="4472C4"/>
           </a:solidFill>
           <a:ln w="12700">
             <a:solidFill>
@@ -7125,15 +8352,22 @@
           </a:ln>
         </p:spPr>
         <p:style>
-          <a:lnRef idx="0"/>
-          <a:fillRef idx="0"/>
-          <a:effectRef idx="0"/>
+          <a:lnRef idx="0">
+            <a:scrgbClr r="0" g="0" b="0"/>
+          </a:lnRef>
+          <a:fillRef idx="0">
+            <a:scrgbClr r="0" g="0" b="0"/>
+          </a:fillRef>
+          <a:effectRef idx="0">
+            <a:scrgbClr r="0" g="0" b="0"/>
+          </a:effectRef>
           <a:fontRef idx="minor"/>
         </p:style>
         <p:txBody>
-          <a:bodyPr lIns="90000" rIns="90000" tIns="45000" bIns="45000" anchor="ctr">
+          <a:bodyPr lIns="90000" tIns="45000" rIns="90000" bIns="45000" anchor="ctr">
             <a:noAutofit/>
           </a:bodyPr>
+          <a:lstStyle/>
           <a:p>
             <a:pPr algn="ctr">
               <a:lnSpc>
@@ -7141,9 +8375,9 @@
               </a:lnSpc>
             </a:pPr>
             <a:r>
-              <a:rPr b="0" lang="en-US" sz="1350" spc="-1" strike="noStrike">
+              <a:rPr lang="en-US" sz="1350" b="0" strike="noStrike" spc="-1">
                 <a:solidFill>
-                  <a:srgbClr val="ffffff"/>
+                  <a:srgbClr val="FFFFFF"/>
                 </a:solidFill>
                 <a:latin typeface="Calibri"/>
                 <a:ea typeface="DejaVu Sans"/>
@@ -7152,16 +8386,16 @@
             </a:r>
             <a:br/>
             <a:r>
-              <a:rPr b="1" lang="en-US" sz="1350" spc="-1" strike="noStrike">
+              <a:rPr lang="en-US" sz="1350" b="1" strike="noStrike" spc="-1">
                 <a:solidFill>
-                  <a:srgbClr val="ff860d"/>
+                  <a:srgbClr val="FF860D"/>
                 </a:solidFill>
                 <a:latin typeface="Calibri"/>
                 <a:ea typeface="DejaVu Sans"/>
               </a:rPr>
               <a:t>RA</a:t>
             </a:r>
-            <a:endParaRPr b="0" lang="en-US" sz="1350" spc="-1" strike="noStrike">
+            <a:endParaRPr lang="en-US" sz="1350" b="0" strike="noStrike" spc="-1">
               <a:latin typeface="Arial"/>
             </a:endParaRPr>
           </a:p>
@@ -7187,15 +8421,22 @@
           </a:ln>
         </p:spPr>
         <p:style>
-          <a:lnRef idx="0"/>
-          <a:fillRef idx="0"/>
-          <a:effectRef idx="0"/>
+          <a:lnRef idx="0">
+            <a:scrgbClr r="0" g="0" b="0"/>
+          </a:lnRef>
+          <a:fillRef idx="0">
+            <a:scrgbClr r="0" g="0" b="0"/>
+          </a:fillRef>
+          <a:effectRef idx="0">
+            <a:scrgbClr r="0" g="0" b="0"/>
+          </a:effectRef>
           <a:fontRef idx="minor"/>
         </p:style>
         <p:txBody>
-          <a:bodyPr lIns="90000" rIns="90000" tIns="45000" bIns="45000">
+          <a:bodyPr lIns="90000" tIns="45000" rIns="90000" bIns="45000">
             <a:spAutoFit/>
           </a:bodyPr>
+          <a:lstStyle/>
           <a:p>
             <a:pPr marL="84960" indent="-83160">
               <a:lnSpc>
@@ -7208,7 +8449,7 @@
               <a:buChar char="•"/>
             </a:pPr>
             <a:r>
-              <a:rPr b="0" lang="en-US" sz="800" spc="-1" strike="noStrike">
+              <a:rPr lang="en-US" sz="800" b="0" strike="noStrike" spc="-1">
                 <a:solidFill>
                   <a:srgbClr val="000000"/>
                 </a:solidFill>
@@ -7217,7 +8458,7 @@
               </a:rPr>
               <a:t>PKI RA credentials </a:t>
             </a:r>
-            <a:endParaRPr b="0" lang="en-US" sz="800" spc="-1" strike="noStrike">
+            <a:endParaRPr lang="en-US" sz="800" b="0" strike="noStrike" spc="-1">
               <a:latin typeface="Arial"/>
             </a:endParaRPr>
           </a:p>
@@ -7239,15 +8480,21 @@
           </a:prstGeom>
           <a:ln w="6350">
             <a:solidFill>
-              <a:srgbClr val="ffffff"/>
+              <a:srgbClr val="FFFFFF"/>
             </a:solidFill>
             <a:miter/>
           </a:ln>
         </p:spPr>
         <p:style>
-          <a:lnRef idx="0"/>
-          <a:fillRef idx="0"/>
-          <a:effectRef idx="0"/>
+          <a:lnRef idx="0">
+            <a:scrgbClr r="0" g="0" b="0"/>
+          </a:lnRef>
+          <a:fillRef idx="0">
+            <a:scrgbClr r="0" g="0" b="0"/>
+          </a:fillRef>
+          <a:effectRef idx="0">
+            <a:scrgbClr r="0" g="0" b="0"/>
+          </a:effectRef>
           <a:fontRef idx="minor"/>
         </p:style>
       </p:sp>
@@ -7266,6 +8513,7 @@
             <a:avLst/>
             <a:gdLst/>
             <a:ahLst/>
+            <a:cxnLst/>
             <a:rect l="l" t="t" r="r" b="b"/>
             <a:pathLst>
               <a:path w="21600" h="21600">
@@ -7281,16 +8529,22 @@
           <a:noFill/>
           <a:ln w="6350">
             <a:solidFill>
-              <a:srgbClr val="4472c4"/>
+              <a:srgbClr val="4472C4"/>
             </a:solidFill>
             <a:miter/>
-            <a:tailEnd len="med" type="triangle" w="med"/>
+            <a:tailEnd type="triangle" w="med" len="med"/>
           </a:ln>
         </p:spPr>
         <p:style>
-          <a:lnRef idx="0"/>
-          <a:fillRef idx="0"/>
-          <a:effectRef idx="0"/>
+          <a:lnRef idx="0">
+            <a:scrgbClr r="0" g="0" b="0"/>
+          </a:lnRef>
+          <a:fillRef idx="0">
+            <a:scrgbClr r="0" g="0" b="0"/>
+          </a:fillRef>
+          <a:effectRef idx="0">
+            <a:scrgbClr r="0" g="0" b="0"/>
+          </a:effectRef>
           <a:fontRef idx="minor"/>
         </p:style>
       </p:sp>
@@ -7309,6 +8563,7 @@
             <a:avLst/>
             <a:gdLst/>
             <a:ahLst/>
+            <a:cxnLst/>
             <a:rect l="l" t="t" r="r" b="b"/>
             <a:pathLst>
               <a:path w="21600" h="21600">
@@ -7324,16 +8579,22 @@
           <a:noFill/>
           <a:ln w="6350">
             <a:solidFill>
-              <a:srgbClr val="4472c4"/>
+              <a:srgbClr val="4472C4"/>
             </a:solidFill>
             <a:miter/>
-            <a:tailEnd len="med" type="triangle" w="med"/>
+            <a:tailEnd type="triangle" w="med" len="med"/>
           </a:ln>
         </p:spPr>
         <p:style>
-          <a:lnRef idx="0"/>
-          <a:fillRef idx="0"/>
-          <a:effectRef idx="0"/>
+          <a:lnRef idx="0">
+            <a:scrgbClr r="0" g="0" b="0"/>
+          </a:lnRef>
+          <a:fillRef idx="0">
+            <a:scrgbClr r="0" g="0" b="0"/>
+          </a:fillRef>
+          <a:effectRef idx="0">
+            <a:scrgbClr r="0" g="0" b="0"/>
+          </a:effectRef>
           <a:fontRef idx="minor"/>
         </p:style>
       </p:sp>
@@ -7357,15 +8618,22 @@
           </a:ln>
         </p:spPr>
         <p:style>
-          <a:lnRef idx="0"/>
-          <a:fillRef idx="0"/>
-          <a:effectRef idx="0"/>
+          <a:lnRef idx="0">
+            <a:scrgbClr r="0" g="0" b="0"/>
+          </a:lnRef>
+          <a:fillRef idx="0">
+            <a:scrgbClr r="0" g="0" b="0"/>
+          </a:fillRef>
+          <a:effectRef idx="0">
+            <a:scrgbClr r="0" g="0" b="0"/>
+          </a:effectRef>
           <a:fontRef idx="minor"/>
         </p:style>
         <p:txBody>
-          <a:bodyPr lIns="90000" rIns="90000" tIns="45000" bIns="45000">
+          <a:bodyPr lIns="90000" tIns="45000" rIns="90000" bIns="45000">
             <a:spAutoFit/>
           </a:bodyPr>
+          <a:lstStyle/>
           <a:p>
             <a:pPr>
               <a:lnSpc>
@@ -7373,7 +8641,7 @@
               </a:lnSpc>
             </a:pPr>
             <a:r>
-              <a:rPr b="0" lang="en-US" sz="800" spc="-1" strike="noStrike">
+              <a:rPr lang="en-US" sz="800" b="0" strike="noStrike" spc="-1">
                 <a:solidFill>
                   <a:srgbClr val="000000"/>
                 </a:solidFill>
@@ -7384,7 +8652,7 @@
             </a:r>
             <a:br/>
             <a:r>
-              <a:rPr b="0" lang="en-US" sz="800" spc="-1" strike="noStrike">
+              <a:rPr lang="en-US" sz="800" b="0" strike="noStrike" spc="-1">
                 <a:solidFill>
                   <a:srgbClr val="000000"/>
                 </a:solidFill>
@@ -7393,7 +8661,7 @@
               </a:rPr>
               <a:t>processing of request</a:t>
             </a:r>
-            <a:endParaRPr b="0" lang="en-US" sz="800" spc="-1" strike="noStrike">
+            <a:endParaRPr lang="en-US" sz="800" b="0" strike="noStrike" spc="-1">
               <a:latin typeface="Arial"/>
             </a:endParaRPr>
           </a:p>
@@ -7414,6 +8682,7 @@
             <a:avLst/>
             <a:gdLst/>
             <a:ahLst/>
+            <a:cxnLst/>
             <a:rect l="l" t="t" r="r" b="b"/>
             <a:pathLst>
               <a:path w="21600" h="21600">
@@ -7429,17 +8698,23 @@
           <a:noFill/>
           <a:ln w="6350">
             <a:solidFill>
-              <a:srgbClr val="4472c4"/>
+              <a:srgbClr val="4472C4"/>
             </a:solidFill>
             <a:prstDash val="dash"/>
             <a:miter/>
-            <a:tailEnd len="med" type="triangle" w="med"/>
+            <a:tailEnd type="triangle" w="med" len="med"/>
           </a:ln>
         </p:spPr>
         <p:style>
-          <a:lnRef idx="0"/>
-          <a:fillRef idx="0"/>
-          <a:effectRef idx="0"/>
+          <a:lnRef idx="0">
+            <a:scrgbClr r="0" g="0" b="0"/>
+          </a:lnRef>
+          <a:fillRef idx="0">
+            <a:scrgbClr r="0" g="0" b="0"/>
+          </a:fillRef>
+          <a:effectRef idx="0">
+            <a:scrgbClr r="0" g="0" b="0"/>
+          </a:effectRef>
           <a:fontRef idx="minor"/>
         </p:style>
       </p:sp>
@@ -7458,6 +8733,7 @@
             <a:avLst/>
             <a:gdLst/>
             <a:ahLst/>
+            <a:cxnLst/>
             <a:rect l="l" t="t" r="r" b="b"/>
             <a:pathLst>
               <a:path w="21600" h="21600">
@@ -7473,17 +8749,23 @@
           <a:noFill/>
           <a:ln w="6350">
             <a:solidFill>
-              <a:srgbClr val="4472c4"/>
+              <a:srgbClr val="4472C4"/>
             </a:solidFill>
             <a:prstDash val="dash"/>
             <a:miter/>
-            <a:tailEnd len="med" type="triangle" w="med"/>
+            <a:tailEnd type="triangle" w="med" len="med"/>
           </a:ln>
         </p:spPr>
         <p:style>
-          <a:lnRef idx="0"/>
-          <a:fillRef idx="0"/>
-          <a:effectRef idx="0"/>
+          <a:lnRef idx="0">
+            <a:scrgbClr r="0" g="0" b="0"/>
+          </a:lnRef>
+          <a:fillRef idx="0">
+            <a:scrgbClr r="0" g="0" b="0"/>
+          </a:fillRef>
+          <a:effectRef idx="0">
+            <a:scrgbClr r="0" g="0" b="0"/>
+          </a:effectRef>
           <a:fontRef idx="minor"/>
         </p:style>
       </p:sp>
@@ -7502,6 +8784,7 @@
             <a:avLst/>
             <a:gdLst/>
             <a:ahLst/>
+            <a:cxnLst/>
             <a:rect l="l" t="t" r="r" b="b"/>
             <a:pathLst>
               <a:path w="21600" h="21600">
@@ -7517,17 +8800,23 @@
           <a:noFill/>
           <a:ln w="6350">
             <a:solidFill>
-              <a:srgbClr val="4472c4"/>
+              <a:srgbClr val="4472C4"/>
             </a:solidFill>
             <a:prstDash val="dash"/>
             <a:miter/>
-            <a:tailEnd len="med" type="triangle" w="med"/>
+            <a:tailEnd type="triangle" w="med" len="med"/>
           </a:ln>
         </p:spPr>
         <p:style>
-          <a:lnRef idx="0"/>
-          <a:fillRef idx="0"/>
-          <a:effectRef idx="0"/>
+          <a:lnRef idx="0">
+            <a:scrgbClr r="0" g="0" b="0"/>
+          </a:lnRef>
+          <a:fillRef idx="0">
+            <a:scrgbClr r="0" g="0" b="0"/>
+          </a:fillRef>
+          <a:effectRef idx="0">
+            <a:scrgbClr r="0" g="0" b="0"/>
+          </a:effectRef>
           <a:fontRef idx="minor"/>
         </p:style>
       </p:sp>
@@ -7546,6 +8835,7 @@
             <a:avLst/>
             <a:gdLst/>
             <a:ahLst/>
+            <a:cxnLst/>
             <a:rect l="l" t="t" r="r" b="b"/>
             <a:pathLst>
               <a:path w="21600" h="21600">
@@ -7561,17 +8851,23 @@
           <a:noFill/>
           <a:ln w="6350">
             <a:solidFill>
-              <a:srgbClr val="4472c4"/>
+              <a:srgbClr val="4472C4"/>
             </a:solidFill>
             <a:prstDash val="dash"/>
             <a:miter/>
-            <a:tailEnd len="med" type="triangle" w="med"/>
+            <a:tailEnd type="triangle" w="med" len="med"/>
           </a:ln>
         </p:spPr>
         <p:style>
-          <a:lnRef idx="0"/>
-          <a:fillRef idx="0"/>
-          <a:effectRef idx="0"/>
+          <a:lnRef idx="0">
+            <a:scrgbClr r="0" g="0" b="0"/>
+          </a:lnRef>
+          <a:fillRef idx="0">
+            <a:scrgbClr r="0" g="0" b="0"/>
+          </a:fillRef>
+          <a:effectRef idx="0">
+            <a:scrgbClr r="0" g="0" b="0"/>
+          </a:effectRef>
           <a:fontRef idx="minor"/>
         </p:style>
       </p:sp>
@@ -7595,9 +8891,15 @@
           </a:ln>
         </p:spPr>
         <p:style>
-          <a:lnRef idx="0"/>
-          <a:fillRef idx="0"/>
-          <a:effectRef idx="0"/>
+          <a:lnRef idx="0">
+            <a:scrgbClr r="0" g="0" b="0"/>
+          </a:lnRef>
+          <a:fillRef idx="0">
+            <a:scrgbClr r="0" g="0" b="0"/>
+          </a:fillRef>
+          <a:effectRef idx="0">
+            <a:scrgbClr r="0" g="0" b="0"/>
+          </a:effectRef>
           <a:fontRef idx="minor"/>
         </p:style>
       </p:sp>
@@ -7616,6 +8918,7 @@
             <a:avLst/>
             <a:gdLst/>
             <a:ahLst/>
+            <a:cxnLst/>
             <a:rect l="l" t="t" r="r" b="b"/>
             <a:pathLst>
               <a:path w="21600" h="21600">
@@ -7631,16 +8934,22 @@
           <a:noFill/>
           <a:ln w="6350">
             <a:solidFill>
-              <a:srgbClr val="4472c4"/>
+              <a:srgbClr val="4472C4"/>
             </a:solidFill>
             <a:miter/>
-            <a:tailEnd len="med" type="triangle" w="med"/>
+            <a:tailEnd type="triangle" w="med" len="med"/>
           </a:ln>
         </p:spPr>
         <p:style>
-          <a:lnRef idx="0"/>
-          <a:fillRef idx="0"/>
-          <a:effectRef idx="0"/>
+          <a:lnRef idx="0">
+            <a:scrgbClr r="0" g="0" b="0"/>
+          </a:lnRef>
+          <a:fillRef idx="0">
+            <a:scrgbClr r="0" g="0" b="0"/>
+          </a:fillRef>
+          <a:effectRef idx="0">
+            <a:scrgbClr r="0" g="0" b="0"/>
+          </a:effectRef>
           <a:fontRef idx="minor"/>
         </p:style>
       </p:sp>
@@ -7664,15 +8973,22 @@
           </a:ln>
         </p:spPr>
         <p:style>
-          <a:lnRef idx="0"/>
-          <a:fillRef idx="0"/>
-          <a:effectRef idx="0"/>
+          <a:lnRef idx="0">
+            <a:scrgbClr r="0" g="0" b="0"/>
+          </a:lnRef>
+          <a:fillRef idx="0">
+            <a:scrgbClr r="0" g="0" b="0"/>
+          </a:fillRef>
+          <a:effectRef idx="0">
+            <a:scrgbClr r="0" g="0" b="0"/>
+          </a:effectRef>
           <a:fontRef idx="minor"/>
         </p:style>
         <p:txBody>
-          <a:bodyPr wrap="none" lIns="90000" rIns="90000" tIns="45000" bIns="45000">
+          <a:bodyPr wrap="none" lIns="90000" tIns="45000" rIns="90000" bIns="45000">
             <a:spAutoFit/>
           </a:bodyPr>
+          <a:lstStyle/>
           <a:p>
             <a:pPr algn="ctr">
               <a:lnSpc>
@@ -7680,7 +8996,7 @@
               </a:lnSpc>
             </a:pPr>
             <a:r>
-              <a:rPr b="0" lang="en-US" sz="800" spc="-1" strike="noStrike">
+              <a:rPr lang="en-US" sz="800" b="0" strike="noStrike" spc="-1">
                 <a:solidFill>
                   <a:srgbClr val="000000"/>
                 </a:solidFill>
@@ -7689,7 +9005,7 @@
               </a:rPr>
               <a:t>Device audit log</a:t>
             </a:r>
-            <a:endParaRPr b="0" lang="en-US" sz="800" spc="-1" strike="noStrike">
+            <a:endParaRPr lang="en-US" sz="800" b="0" strike="noStrike" spc="-1">
               <a:latin typeface="Arial"/>
             </a:endParaRPr>
           </a:p>
@@ -7715,15 +9031,22 @@
           </a:ln>
         </p:spPr>
         <p:style>
-          <a:lnRef idx="0"/>
-          <a:fillRef idx="0"/>
-          <a:effectRef idx="0"/>
+          <a:lnRef idx="0">
+            <a:scrgbClr r="0" g="0" b="0"/>
+          </a:lnRef>
+          <a:fillRef idx="0">
+            <a:scrgbClr r="0" g="0" b="0"/>
+          </a:fillRef>
+          <a:effectRef idx="0">
+            <a:scrgbClr r="0" g="0" b="0"/>
+          </a:effectRef>
           <a:fontRef idx="minor"/>
         </p:style>
         <p:txBody>
-          <a:bodyPr lIns="90000" rIns="90000" tIns="45000" bIns="45000" anchor="ctr">
+          <a:bodyPr lIns="90000" tIns="45000" rIns="90000" bIns="45000" anchor="ctr">
             <a:normAutofit/>
           </a:bodyPr>
+          <a:lstStyle/>
           <a:p>
             <a:pPr>
               <a:lnSpc>
@@ -7731,7 +9054,7 @@
               </a:lnSpc>
             </a:pPr>
             <a:r>
-              <a:rPr b="0" lang="en-US" sz="3600" spc="-1" strike="noStrike">
+              <a:rPr lang="en-US" sz="3600" b="0" strike="noStrike" spc="-1">
                 <a:solidFill>
                   <a:srgbClr val="000000"/>
                 </a:solidFill>
@@ -7740,7 +9063,7 @@
               </a:rPr>
               <a:t>BRSKI-AE: abstract protocol overview</a:t>
             </a:r>
-            <a:endParaRPr b="0" lang="en-US" sz="3600" spc="-1" strike="noStrike">
+            <a:endParaRPr lang="en-US" sz="3600" b="0" strike="noStrike" spc="-1">
               <a:latin typeface="Arial"/>
             </a:endParaRPr>
           </a:p>
@@ -7761,6 +9084,7 @@
             <a:avLst/>
             <a:gdLst/>
             <a:ahLst/>
+            <a:cxnLst/>
             <a:rect l="l" t="t" r="r" b="b"/>
             <a:pathLst>
               <a:path w="23002" h="5502">
@@ -7860,7 +9184,7 @@
           <a:noFill/>
           <a:ln w="36000">
             <a:solidFill>
-              <a:srgbClr val="ff5429"/>
+              <a:srgbClr val="FF5429"/>
             </a:solidFill>
             <a:custDash>
               <a:ds d="1100000" sp="500000"/>
@@ -7870,9 +9194,15 @@
           </a:ln>
         </p:spPr>
         <p:style>
-          <a:lnRef idx="0"/>
-          <a:fillRef idx="0"/>
-          <a:effectRef idx="0"/>
+          <a:lnRef idx="0">
+            <a:scrgbClr r="0" g="0" b="0"/>
+          </a:lnRef>
+          <a:fillRef idx="0">
+            <a:scrgbClr r="0" g="0" b="0"/>
+          </a:fillRef>
+          <a:effectRef idx="0">
+            <a:scrgbClr r="0" g="0" b="0"/>
+          </a:effectRef>
           <a:fontRef idx="minor"/>
         </p:style>
       </p:sp>
@@ -7891,6 +9221,7 @@
             <a:avLst/>
             <a:gdLst/>
             <a:ahLst/>
+            <a:cxnLst/>
             <a:rect l="l" t="t" r="r" b="b"/>
             <a:pathLst>
               <a:path w="21600" h="21600">
@@ -7906,17 +9237,23 @@
           <a:noFill/>
           <a:ln w="6350">
             <a:solidFill>
-              <a:srgbClr val="4472c4"/>
+              <a:srgbClr val="4472C4"/>
             </a:solidFill>
             <a:prstDash val="dash"/>
             <a:miter/>
-            <a:tailEnd len="med" type="triangle" w="med"/>
+            <a:tailEnd type="triangle" w="med" len="med"/>
           </a:ln>
         </p:spPr>
         <p:style>
-          <a:lnRef idx="0"/>
-          <a:fillRef idx="0"/>
-          <a:effectRef idx="0"/>
+          <a:lnRef idx="0">
+            <a:scrgbClr r="0" g="0" b="0"/>
+          </a:lnRef>
+          <a:fillRef idx="0">
+            <a:scrgbClr r="0" g="0" b="0"/>
+          </a:fillRef>
+          <a:effectRef idx="0">
+            <a:scrgbClr r="0" g="0" b="0"/>
+          </a:effectRef>
           <a:fontRef idx="minor"/>
         </p:style>
       </p:sp>
@@ -7935,6 +9272,7 @@
             <a:avLst/>
             <a:gdLst/>
             <a:ahLst/>
+            <a:cxnLst/>
             <a:rect l="l" t="t" r="r" b="b"/>
             <a:pathLst>
               <a:path w="21600" h="21600">
@@ -7950,35 +9288,36 @@
           <a:noFill/>
           <a:ln w="6350">
             <a:solidFill>
-              <a:srgbClr val="4472c4"/>
+              <a:srgbClr val="4472C4"/>
             </a:solidFill>
             <a:prstDash val="dash"/>
             <a:miter/>
-            <a:tailEnd len="med" type="triangle" w="med"/>
+            <a:tailEnd type="triangle" w="med" len="med"/>
           </a:ln>
         </p:spPr>
         <p:style>
-          <a:lnRef idx="0"/>
-          <a:fillRef idx="0"/>
-          <a:effectRef idx="0"/>
+          <a:lnRef idx="0">
+            <a:scrgbClr r="0" g="0" b="0"/>
+          </a:lnRef>
+          <a:fillRef idx="0">
+            <a:scrgbClr r="0" g="0" b="0"/>
+          </a:fillRef>
+          <a:effectRef idx="0">
+            <a:scrgbClr r="0" g="0" b="0"/>
+          </a:effectRef>
           <a:fontRef idx="minor"/>
         </p:style>
       </p:sp>
     </p:spTree>
   </p:cSld>
-  <mc:AlternateContent>
-    <mc:Choice Requires="p14">
-      <p:transition spd="slow" p14:dur="2000"/>
-    </mc:Choice>
-    <mc:Fallback>
-      <p:transition spd="slow"/>
-    </mc:Fallback>
-  </mc:AlternateContent>
+  <p:clrMapOvr>
+    <a:masterClrMapping/>
+  </p:clrMapOvr>
 </p:sld>
 </file>
 
 <file path=ppt/slides/slide3.xml><?xml version="1.0" encoding="utf-8"?>
-<p:sld xmlns:a="http://schemas.openxmlformats.org/drawingml/2006/main" xmlns:p="http://schemas.openxmlformats.org/presentationml/2006/main" xmlns:r="http://schemas.openxmlformats.org/officeDocument/2006/relationships" xmlns:p14="http://schemas.microsoft.com/office/powerpoint/2010/main" xmlns:p15="http://schemas.microsoft.com/office/powerpoint/2012/main" xmlns:mc="http://schemas.openxmlformats.org/markup-compatibility/2006">
+<p:sld xmlns:a="http://schemas.openxmlformats.org/drawingml/2006/main" xmlns:r="http://schemas.openxmlformats.org/officeDocument/2006/relationships" xmlns:p="http://schemas.openxmlformats.org/presentationml/2006/main">
   <p:cSld>
     <p:spTree>
       <p:nvGrpSpPr>
@@ -8014,15 +9353,22 @@
           </a:ln>
         </p:spPr>
         <p:style>
-          <a:lnRef idx="0"/>
-          <a:fillRef idx="0"/>
-          <a:effectRef idx="0"/>
+          <a:lnRef idx="0">
+            <a:scrgbClr r="0" g="0" b="0"/>
+          </a:lnRef>
+          <a:fillRef idx="0">
+            <a:scrgbClr r="0" g="0" b="0"/>
+          </a:fillRef>
+          <a:effectRef idx="0">
+            <a:scrgbClr r="0" g="0" b="0"/>
+          </a:effectRef>
           <a:fontRef idx="minor"/>
         </p:style>
         <p:txBody>
-          <a:bodyPr lIns="90000" rIns="90000" tIns="45000" bIns="45000" anchor="ctr">
+          <a:bodyPr lIns="90000" tIns="45000" rIns="90000" bIns="45000" anchor="ctr">
             <a:normAutofit/>
           </a:bodyPr>
+          <a:lstStyle/>
           <a:p>
             <a:pPr>
               <a:lnSpc>
@@ -8030,7 +9376,7 @@
               </a:lnSpc>
             </a:pPr>
             <a:r>
-              <a:rPr b="0" lang="en-US" sz="3600" spc="-1" strike="noStrike">
+              <a:rPr lang="en-US" sz="3600" b="0" strike="noStrike" spc="-1">
                 <a:solidFill>
                   <a:srgbClr val="000000"/>
                 </a:solidFill>
@@ -8039,7 +9385,7 @@
               </a:rPr>
               <a:t>BRSKI-AE status: changes since IETF 113 </a:t>
             </a:r>
-            <a:endParaRPr b="0" lang="en-US" sz="3600" spc="-1" strike="noStrike">
+            <a:endParaRPr lang="en-US" sz="3600" b="0" strike="noStrike" spc="-1">
               <a:latin typeface="Arial"/>
             </a:endParaRPr>
           </a:p>
@@ -8065,22 +9411,29 @@
           </a:ln>
         </p:spPr>
         <p:style>
-          <a:lnRef idx="0"/>
-          <a:fillRef idx="0"/>
-          <a:effectRef idx="0"/>
+          <a:lnRef idx="0">
+            <a:scrgbClr r="0" g="0" b="0"/>
+          </a:lnRef>
+          <a:fillRef idx="0">
+            <a:scrgbClr r="0" g="0" b="0"/>
+          </a:fillRef>
+          <a:effectRef idx="0">
+            <a:scrgbClr r="0" g="0" b="0"/>
+          </a:effectRef>
           <a:fontRef idx="minor"/>
         </p:style>
         <p:txBody>
-          <a:bodyPr lIns="90000" rIns="90000" tIns="45000" bIns="45000">
+          <a:bodyPr lIns="90000" tIns="45000" rIns="90000" bIns="45000">
             <a:noAutofit/>
           </a:bodyPr>
+          <a:lstStyle/>
           <a:p>
             <a:pPr>
               <a:lnSpc>
                 <a:spcPct val="100000"/>
               </a:lnSpc>
             </a:pPr>
-            <a:endParaRPr b="0" lang="en-US" sz="1800" spc="-1" strike="noStrike">
+            <a:endParaRPr lang="en-US" sz="1800" b="0" strike="noStrike" spc="-1" dirty="0">
               <a:latin typeface="Arial"/>
             </a:endParaRPr>
           </a:p>
@@ -8102,7 +9455,7 @@
               <a:buChar char="•"/>
             </a:pPr>
             <a:r>
-              <a:rPr b="0" lang="en-US" sz="2200" spc="-1" strike="noStrike">
+              <a:rPr lang="en-US" sz="2200" b="0" strike="noStrike" spc="-1" dirty="0">
                 <a:solidFill>
                   <a:srgbClr val="000000"/>
                 </a:solidFill>
@@ -8111,12 +9464,12 @@
               </a:rPr>
               <a:t>From draft async-enroll-05 to draft ae-01:</a:t>
             </a:r>
-            <a:endParaRPr b="0" lang="en-US" sz="2200" spc="-1" strike="noStrike">
-              <a:latin typeface="Arial"/>
-            </a:endParaRPr>
-          </a:p>
-          <a:p>
-            <a:pPr lvl="1" marL="432000" indent="-215640">
+            <a:endParaRPr lang="en-US" sz="2200" b="0" strike="noStrike" spc="-1" dirty="0">
+              <a:latin typeface="Arial"/>
+            </a:endParaRPr>
+          </a:p>
+          <a:p>
+            <a:pPr marL="432000" lvl="1" indent="-215640">
               <a:lnSpc>
                 <a:spcPct val="100000"/>
               </a:lnSpc>
@@ -8134,21 +9487,61 @@
               <a:buChar char=""/>
             </a:pPr>
             <a:r>
-              <a:rPr b="0" lang="en-US" sz="2200" spc="-1" strike="noStrike">
+              <a:rPr lang="en-US" sz="2200" b="0" strike="noStrike" spc="-1" dirty="0">
                 <a:solidFill>
                   <a:srgbClr val="000000"/>
                 </a:solidFill>
                 <a:latin typeface="Calibri"/>
                 <a:ea typeface="DejaVu Sans"/>
               </a:rPr>
-              <a:t>Renamed the repo and files from anima-brski-async-enroll to anima-brski-ae</a:t>
+              <a:t>Renamed the repo and files from anima-</a:t>
             </a:r>
-            <a:endParaRPr b="0" lang="en-US" sz="2200" spc="-1" strike="noStrike">
-              <a:latin typeface="Arial"/>
-            </a:endParaRPr>
-          </a:p>
-          <a:p>
-            <a:pPr lvl="1" marL="432000" indent="-215640">
+            <a:r>
+              <a:rPr lang="en-US" sz="2200" b="0" strike="noStrike" spc="-1" dirty="0" err="1">
+                <a:solidFill>
+                  <a:srgbClr val="000000"/>
+                </a:solidFill>
+                <a:latin typeface="Calibri"/>
+                <a:ea typeface="DejaVu Sans"/>
+              </a:rPr>
+              <a:t>brski</a:t>
+            </a:r>
+            <a:r>
+              <a:rPr lang="en-US" sz="2200" b="0" strike="noStrike" spc="-1" dirty="0">
+                <a:solidFill>
+                  <a:srgbClr val="000000"/>
+                </a:solidFill>
+                <a:latin typeface="Calibri"/>
+                <a:ea typeface="DejaVu Sans"/>
+              </a:rPr>
+              <a:t>-async-enroll to anima-</a:t>
+            </a:r>
+            <a:r>
+              <a:rPr lang="en-US" sz="2200" b="0" strike="noStrike" spc="-1" dirty="0" err="1">
+                <a:solidFill>
+                  <a:srgbClr val="000000"/>
+                </a:solidFill>
+                <a:latin typeface="Calibri"/>
+                <a:ea typeface="DejaVu Sans"/>
+              </a:rPr>
+              <a:t>brski</a:t>
+            </a:r>
+            <a:r>
+              <a:rPr lang="en-US" sz="2200" b="0" strike="noStrike" spc="-1" dirty="0">
+                <a:solidFill>
+                  <a:srgbClr val="000000"/>
+                </a:solidFill>
+                <a:latin typeface="Calibri"/>
+                <a:ea typeface="DejaVu Sans"/>
+              </a:rPr>
+              <a:t>-ae</a:t>
+            </a:r>
+            <a:endParaRPr lang="en-US" sz="2200" b="0" strike="noStrike" spc="-1" dirty="0">
+              <a:latin typeface="Arial"/>
+            </a:endParaRPr>
+          </a:p>
+          <a:p>
+            <a:pPr marL="432000" lvl="1" indent="-215640">
               <a:lnSpc>
                 <a:spcPct val="100000"/>
               </a:lnSpc>
@@ -8166,7 +9559,7 @@
               <a:buChar char=""/>
             </a:pPr>
             <a:r>
-              <a:rPr b="0" lang="en-US" sz="2200" spc="-1" strike="noStrike">
+              <a:rPr lang="en-US" sz="2200" b="0" strike="noStrike" spc="-1" dirty="0">
                 <a:solidFill>
                   <a:srgbClr val="000000"/>
                 </a:solidFill>
@@ -8175,12 +9568,12 @@
               </a:rPr>
               <a:t>Added graphics for abstract protocol overview as suggested by Toerless Eckert</a:t>
             </a:r>
-            <a:endParaRPr b="0" lang="en-US" sz="2200" spc="-1" strike="noStrike">
-              <a:latin typeface="Arial"/>
-            </a:endParaRPr>
-          </a:p>
-          <a:p>
-            <a:pPr lvl="1" marL="432000" indent="-215640">
+            <a:endParaRPr lang="en-US" sz="2200" b="0" strike="noStrike" spc="-1" dirty="0">
+              <a:latin typeface="Arial"/>
+            </a:endParaRPr>
+          </a:p>
+          <a:p>
+            <a:pPr marL="432000" lvl="1" indent="-215640">
               <a:lnSpc>
                 <a:spcPct val="100000"/>
               </a:lnSpc>
@@ -8198,7 +9591,7 @@
               <a:buChar char=""/>
             </a:pPr>
             <a:r>
-              <a:rPr b="0" lang="en-US" sz="2200" spc="-1" strike="noStrike">
+              <a:rPr lang="en-US" sz="2200" b="0" strike="noStrike" spc="-1" dirty="0">
                 <a:solidFill>
                   <a:srgbClr val="000000"/>
                 </a:solidFill>
@@ -8207,12 +9600,12 @@
               </a:rPr>
               <a:t>Balanced (sub-)sections and their headers</a:t>
             </a:r>
-            <a:endParaRPr b="0" lang="en-US" sz="2200" spc="-1" strike="noStrike">
-              <a:latin typeface="Arial"/>
-            </a:endParaRPr>
-          </a:p>
-          <a:p>
-            <a:pPr lvl="1" marL="432000" indent="-215640">
+            <a:endParaRPr lang="en-US" sz="2200" b="0" strike="noStrike" spc="-1" dirty="0">
+              <a:latin typeface="Arial"/>
+            </a:endParaRPr>
+          </a:p>
+          <a:p>
+            <a:pPr marL="432000" lvl="1" indent="-215640">
               <a:lnSpc>
                 <a:spcPct val="100000"/>
               </a:lnSpc>
@@ -8230,7 +9623,7 @@
               <a:buChar char=""/>
             </a:pPr>
             <a:r>
-              <a:rPr b="0" lang="en-US" sz="2200" spc="-1" strike="noStrike">
+              <a:rPr lang="en-US" sz="2200" b="0" strike="noStrike" spc="-1" dirty="0">
                 <a:solidFill>
                   <a:srgbClr val="000000"/>
                 </a:solidFill>
@@ -8239,7 +9632,7 @@
               </a:rPr>
               <a:t>Added details on CMP instance, now called BRSKI-CMP</a:t>
             </a:r>
-            <a:endParaRPr b="0" lang="en-US" sz="2200" spc="-1" strike="noStrike">
+            <a:endParaRPr lang="en-US" sz="2200" b="0" strike="noStrike" spc="-1" dirty="0">
               <a:latin typeface="Arial"/>
             </a:endParaRPr>
           </a:p>
@@ -8261,7 +9654,7 @@
               <a:buChar char="•"/>
             </a:pPr>
             <a:r>
-              <a:rPr b="0" lang="en-US" sz="2200" spc="-1" strike="noStrike">
+              <a:rPr lang="en-US" sz="2200" b="0" strike="noStrike" spc="-1" dirty="0">
                 <a:solidFill>
                   <a:srgbClr val="000000"/>
                 </a:solidFill>
@@ -8270,12 +9663,12 @@
               </a:rPr>
               <a:t>From draft ae-01 to draft ae-02:</a:t>
             </a:r>
-            <a:endParaRPr b="0" lang="en-US" sz="2200" spc="-1" strike="noStrike">
-              <a:latin typeface="Arial"/>
-            </a:endParaRPr>
-          </a:p>
-          <a:p>
-            <a:pPr lvl="1" marL="432000" indent="-215640">
+            <a:endParaRPr lang="en-US" sz="2200" b="0" strike="noStrike" spc="-1" dirty="0">
+              <a:latin typeface="Arial"/>
+            </a:endParaRPr>
+          </a:p>
+          <a:p>
+            <a:pPr marL="432000" lvl="1" indent="-215640">
               <a:lnSpc>
                 <a:spcPct val="100000"/>
               </a:lnSpc>
@@ -8293,7 +9686,7 @@
               <a:buChar char=""/>
             </a:pPr>
             <a:r>
-              <a:rPr b="0" lang="en-US" sz="2200" spc="-1" strike="noStrike">
+              <a:rPr lang="en-US" sz="2200" b="0" strike="noStrike" spc="-1" dirty="0">
                 <a:solidFill>
                   <a:srgbClr val="000000"/>
                 </a:solidFill>
@@ -8302,12 +9695,12 @@
               </a:rPr>
               <a:t>Architecture: clarified registrar role including RA/LRA/enrollment proxy</a:t>
             </a:r>
-            <a:endParaRPr b="0" lang="en-US" sz="2200" spc="-1" strike="noStrike">
-              <a:latin typeface="Arial"/>
-            </a:endParaRPr>
-          </a:p>
-          <a:p>
-            <a:pPr lvl="1" marL="432000" indent="-215640">
+            <a:endParaRPr lang="en-US" sz="2200" b="0" strike="noStrike" spc="-1" dirty="0">
+              <a:latin typeface="Arial"/>
+            </a:endParaRPr>
+          </a:p>
+          <a:p>
+            <a:pPr marL="432000" lvl="1" indent="-215640">
               <a:lnSpc>
                 <a:spcPct val="100000"/>
               </a:lnSpc>
@@ -8325,7 +9718,7 @@
               <a:buChar char=""/>
             </a:pPr>
             <a:r>
-              <a:rPr b="0" lang="en-US" sz="2200" spc="-1" strike="noStrike">
+              <a:rPr lang="en-US" sz="2200" b="0" strike="noStrike" spc="-1" dirty="0">
                 <a:solidFill>
                   <a:srgbClr val="000000"/>
                 </a:solidFill>
@@ -8334,7 +9727,7 @@
               </a:rPr>
               <a:t>CMP: added reference to CoAP Transport for CMPV2 and Constrained BRSKI</a:t>
             </a:r>
-            <a:endParaRPr b="0" lang="en-US" sz="2200" spc="-1" strike="noStrike">
+            <a:endParaRPr lang="en-US" sz="2200" b="0" strike="noStrike" spc="-1" dirty="0">
               <a:latin typeface="Arial"/>
             </a:endParaRPr>
           </a:p>
@@ -8355,11 +9748,11 @@
               <a:buFont typeface="Arial"/>
               <a:buChar char="•"/>
               <a:tabLst>
-                <a:tab algn="l" pos="408240"/>
+                <a:tab pos="408240" algn="l"/>
               </a:tabLst>
             </a:pPr>
             <a:r>
-              <a:rPr b="0" lang="en-US" sz="2200" spc="-1" strike="noStrike">
+              <a:rPr lang="en-US" sz="2200" b="0" strike="noStrike" spc="-1" dirty="0">
                 <a:solidFill>
                   <a:srgbClr val="000000"/>
                 </a:solidFill>
@@ -8368,7 +9761,7 @@
               </a:rPr>
               <a:t>PoC implementation done</a:t>
             </a:r>
-            <a:endParaRPr b="0" lang="en-US" sz="2200" spc="-1" strike="noStrike">
+            <a:endParaRPr lang="en-US" sz="2200" b="0" strike="noStrike" spc="-1" dirty="0">
               <a:latin typeface="Arial"/>
             </a:endParaRPr>
           </a:p>
@@ -8381,10 +9774,10 @@
                 <a:spcPts val="1001"/>
               </a:spcBef>
               <a:tabLst>
-                <a:tab algn="l" pos="408240"/>
+                <a:tab pos="408240" algn="l"/>
               </a:tabLst>
             </a:pPr>
-            <a:endParaRPr b="0" lang="en-US" sz="2200" spc="-1" strike="noStrike">
+            <a:endParaRPr lang="en-US" sz="2200" b="0" strike="noStrike" spc="-1" dirty="0">
               <a:latin typeface="Arial"/>
             </a:endParaRPr>
           </a:p>
@@ -8392,19 +9785,14 @@
       </p:sp>
     </p:spTree>
   </p:cSld>
-  <mc:AlternateContent>
-    <mc:Choice Requires="p14">
-      <p:transition spd="slow" p14:dur="2000"/>
-    </mc:Choice>
-    <mc:Fallback>
-      <p:transition spd="slow"/>
-    </mc:Fallback>
-  </mc:AlternateContent>
+  <p:clrMapOvr>
+    <a:masterClrMapping/>
+  </p:clrMapOvr>
 </p:sld>
 </file>
 
 <file path=ppt/slides/slide4.xml><?xml version="1.0" encoding="utf-8"?>
-<p:sld xmlns:a="http://schemas.openxmlformats.org/drawingml/2006/main" xmlns:p="http://schemas.openxmlformats.org/presentationml/2006/main" xmlns:r="http://schemas.openxmlformats.org/officeDocument/2006/relationships" xmlns:p14="http://schemas.microsoft.com/office/powerpoint/2010/main" xmlns:p15="http://schemas.microsoft.com/office/powerpoint/2012/main" xmlns:mc="http://schemas.openxmlformats.org/markup-compatibility/2006">
+<p:sld xmlns:a="http://schemas.openxmlformats.org/drawingml/2006/main" xmlns:r="http://schemas.openxmlformats.org/officeDocument/2006/relationships" xmlns:p="http://schemas.openxmlformats.org/presentationml/2006/main">
   <p:cSld>
     <p:spTree>
       <p:nvGrpSpPr>
@@ -8440,15 +9828,22 @@
           </a:ln>
         </p:spPr>
         <p:style>
-          <a:lnRef idx="0"/>
-          <a:fillRef idx="0"/>
-          <a:effectRef idx="0"/>
+          <a:lnRef idx="0">
+            <a:scrgbClr r="0" g="0" b="0"/>
+          </a:lnRef>
+          <a:fillRef idx="0">
+            <a:scrgbClr r="0" g="0" b="0"/>
+          </a:fillRef>
+          <a:effectRef idx="0">
+            <a:scrgbClr r="0" g="0" b="0"/>
+          </a:effectRef>
           <a:fontRef idx="minor"/>
         </p:style>
         <p:txBody>
-          <a:bodyPr lIns="90000" rIns="90000" tIns="45000" bIns="45000">
+          <a:bodyPr lIns="90000" tIns="45000" rIns="90000" bIns="45000">
             <a:noAutofit/>
           </a:bodyPr>
+          <a:lstStyle/>
           <a:p>
             <a:pPr marL="228600" indent="-226800">
               <a:lnSpc>
@@ -8464,7 +9859,7 @@
               <a:buChar char="•"/>
             </a:pPr>
             <a:r>
-              <a:rPr b="0" lang="en-US" sz="2400" spc="-1" strike="noStrike">
+              <a:rPr lang="en-US" sz="2400" b="0" strike="noStrike" spc="-1">
                 <a:solidFill>
                   <a:srgbClr val="000000"/>
                 </a:solidFill>
@@ -8474,7 +9869,7 @@
               <a:t>Possibly add detail on applying EST with </a:t>
             </a:r>
             <a:r>
-              <a:rPr b="0" lang="en-US" sz="2400" spc="-1" strike="noStrike">
+              <a:rPr lang="en-US" sz="2400" b="0" strike="noStrike" spc="-1">
                 <a:solidFill>
                   <a:srgbClr val="000000"/>
                 </a:solidFill>
@@ -8484,7 +9879,7 @@
               <a:t>/fullCMC</a:t>
             </a:r>
             <a:r>
-              <a:rPr b="0" lang="en-US" sz="2400" spc="-1" strike="noStrike">
+              <a:rPr lang="en-US" sz="2400" b="0" strike="noStrike" spc="-1">
                 <a:solidFill>
                   <a:srgbClr val="000000"/>
                 </a:solidFill>
@@ -8493,7 +9888,7 @@
               </a:rPr>
               <a:t> (→ Eliot Lear)</a:t>
             </a:r>
-            <a:endParaRPr b="0" lang="en-US" sz="2400" spc="-1" strike="noStrike">
+            <a:endParaRPr lang="en-US" sz="2400" b="0" strike="noStrike" spc="-1">
               <a:latin typeface="Arial"/>
             </a:endParaRPr>
           </a:p>
@@ -8512,7 +9907,7 @@
               <a:buChar char="•"/>
             </a:pPr>
             <a:r>
-              <a:rPr b="0" lang="en-US" sz="2400" spc="-1" strike="noStrike">
+              <a:rPr lang="en-US" sz="2400" b="0" strike="noStrike" spc="-1">
                 <a:solidFill>
                   <a:srgbClr val="000000"/>
                 </a:solidFill>
@@ -8521,7 +9916,7 @@
               </a:rPr>
               <a:t>Document shepherd review (→ Toerless Eckert)</a:t>
             </a:r>
-            <a:endParaRPr b="0" lang="en-US" sz="2400" spc="-1" strike="noStrike">
+            <a:endParaRPr lang="en-US" sz="2400" b="0" strike="noStrike" spc="-1">
               <a:latin typeface="Arial"/>
             </a:endParaRPr>
           </a:p>
@@ -8539,11 +9934,11 @@
               <a:buFont typeface="Arial"/>
               <a:buChar char="•"/>
               <a:tabLst>
-                <a:tab algn="l" pos="408240"/>
+                <a:tab pos="408240" algn="l"/>
               </a:tabLst>
             </a:pPr>
             <a:r>
-              <a:rPr b="0" lang="en-US" sz="2400" spc="-1" strike="noStrike">
+              <a:rPr lang="en-US" sz="2400" b="0" strike="noStrike" spc="-1">
                 <a:solidFill>
                   <a:srgbClr val="000000"/>
                 </a:solidFill>
@@ -8552,7 +9947,7 @@
               </a:rPr>
               <a:t>WG review appreciated</a:t>
             </a:r>
-            <a:endParaRPr b="0" lang="en-US" sz="2400" spc="-1" strike="noStrike">
+            <a:endParaRPr lang="en-US" sz="2400" b="0" strike="noStrike" spc="-1">
               <a:latin typeface="Arial"/>
             </a:endParaRPr>
           </a:p>
@@ -8570,11 +9965,11 @@
               <a:buFont typeface="Arial"/>
               <a:buChar char="•"/>
               <a:tabLst>
-                <a:tab algn="l" pos="408240"/>
+                <a:tab pos="408240" algn="l"/>
               </a:tabLst>
             </a:pPr>
             <a:r>
-              <a:rPr b="0" lang="en-US" sz="2400" spc="-1" strike="noStrike">
+              <a:rPr lang="en-US" sz="2400" b="0" strike="noStrike" spc="-1">
                 <a:solidFill>
                   <a:srgbClr val="000000"/>
                 </a:solidFill>
@@ -8583,7 +9978,7 @@
               </a:rPr>
               <a:t>Ready for WGLC?</a:t>
             </a:r>
-            <a:endParaRPr b="0" lang="en-US" sz="2400" spc="-1" strike="noStrike">
+            <a:endParaRPr lang="en-US" sz="2400" b="0" strike="noStrike" spc="-1">
               <a:latin typeface="Arial"/>
             </a:endParaRPr>
           </a:p>
@@ -8596,10 +9991,10 @@
                 <a:spcPts val="601"/>
               </a:spcBef>
               <a:tabLst>
-                <a:tab algn="l" pos="0"/>
+                <a:tab pos="0" algn="l"/>
               </a:tabLst>
             </a:pPr>
-            <a:endParaRPr b="0" lang="en-US" sz="2400" spc="-1" strike="noStrike">
+            <a:endParaRPr lang="en-US" sz="2400" b="0" strike="noStrike" spc="-1">
               <a:latin typeface="Arial"/>
             </a:endParaRPr>
           </a:p>
@@ -8612,10 +10007,10 @@
                 <a:spcPts val="1001"/>
               </a:spcBef>
               <a:tabLst>
-                <a:tab algn="l" pos="0"/>
+                <a:tab pos="0" algn="l"/>
               </a:tabLst>
             </a:pPr>
-            <a:endParaRPr b="0" lang="en-US" sz="2400" spc="-1" strike="noStrike">
+            <a:endParaRPr lang="en-US" sz="2400" b="0" strike="noStrike" spc="-1">
               <a:latin typeface="Arial"/>
             </a:endParaRPr>
           </a:p>
@@ -8641,15 +10036,22 @@
           </a:ln>
         </p:spPr>
         <p:style>
-          <a:lnRef idx="0"/>
-          <a:fillRef idx="0"/>
-          <a:effectRef idx="0"/>
+          <a:lnRef idx="0">
+            <a:scrgbClr r="0" g="0" b="0"/>
+          </a:lnRef>
+          <a:fillRef idx="0">
+            <a:scrgbClr r="0" g="0" b="0"/>
+          </a:fillRef>
+          <a:effectRef idx="0">
+            <a:scrgbClr r="0" g="0" b="0"/>
+          </a:effectRef>
           <a:fontRef idx="minor"/>
         </p:style>
         <p:txBody>
-          <a:bodyPr lIns="90000" rIns="90000" tIns="45000" bIns="45000" anchor="ctr">
+          <a:bodyPr lIns="90000" tIns="45000" rIns="90000" bIns="45000" anchor="ctr">
             <a:normAutofit/>
           </a:bodyPr>
+          <a:lstStyle/>
           <a:p>
             <a:pPr>
               <a:lnSpc>
@@ -8657,7 +10059,7 @@
               </a:lnSpc>
             </a:pPr>
             <a:r>
-              <a:rPr b="0" lang="en-US" sz="3600" spc="-1" strike="noStrike">
+              <a:rPr lang="en-US" sz="3600" b="0" strike="noStrike" spc="-1">
                 <a:solidFill>
                   <a:srgbClr val="000000"/>
                 </a:solidFill>
@@ -8666,7 +10068,7 @@
               </a:rPr>
               <a:t>BRSKI-AE status: open points</a:t>
             </a:r>
-            <a:endParaRPr b="0" lang="en-US" sz="3600" spc="-1" strike="noStrike">
+            <a:endParaRPr lang="en-US" sz="3600" b="0" strike="noStrike" spc="-1">
               <a:latin typeface="Arial"/>
             </a:endParaRPr>
           </a:p>
@@ -8674,14 +10076,9 @@
       </p:sp>
     </p:spTree>
   </p:cSld>
-  <mc:AlternateContent>
-    <mc:Choice Requires="p14">
-      <p:transition spd="slow" p14:dur="2000"/>
-    </mc:Choice>
-    <mc:Fallback>
-      <p:transition spd="slow"/>
-    </mc:Fallback>
-  </mc:AlternateContent>
+  <p:clrMapOvr>
+    <a:masterClrMapping/>
+  </p:clrMapOvr>
 </p:sld>
 </file>
 
@@ -8696,34 +10093,34 @@
         <a:sysClr val="window" lastClr="FFFFFF"/>
       </a:lt1>
       <a:dk2>
-        <a:srgbClr val="44546a"/>
+        <a:srgbClr val="44546A"/>
       </a:dk2>
       <a:lt2>
-        <a:srgbClr val="e7e6e6"/>
+        <a:srgbClr val="E7E6E6"/>
       </a:lt2>
       <a:accent1>
-        <a:srgbClr val="4472c4"/>
+        <a:srgbClr val="4472C4"/>
       </a:accent1>
       <a:accent2>
-        <a:srgbClr val="ed7d31"/>
+        <a:srgbClr val="ED7D31"/>
       </a:accent2>
       <a:accent3>
-        <a:srgbClr val="a5a5a5"/>
+        <a:srgbClr val="A5A5A5"/>
       </a:accent3>
       <a:accent4>
-        <a:srgbClr val="ffc000"/>
+        <a:srgbClr val="FFC000"/>
       </a:accent4>
       <a:accent5>
-        <a:srgbClr val="5b9bd5"/>
+        <a:srgbClr val="5B9BD5"/>
       </a:accent5>
       <a:accent6>
-        <a:srgbClr val="70ad47"/>
+        <a:srgbClr val="70AD47"/>
       </a:accent6>
       <a:hlink>
-        <a:srgbClr val="0563c1"/>
+        <a:srgbClr val="0563C1"/>
       </a:hlink>
       <a:folHlink>
-        <a:srgbClr val="954f72"/>
+        <a:srgbClr val="954F72"/>
       </a:folHlink>
     </a:clrScheme>
     <a:fontScheme name="Office">
@@ -8908,6 +10305,8 @@
       </a:bgFillStyleLst>
     </a:fmtScheme>
   </a:themeElements>
+  <a:objectDefaults/>
+  <a:extraClrSchemeLst/>
 </a:theme>
 </file>
 
@@ -8922,34 +10321,34 @@
         <a:sysClr val="window" lastClr="FFFFFF"/>
       </a:lt1>
       <a:dk2>
-        <a:srgbClr val="44546a"/>
+        <a:srgbClr val="44546A"/>
       </a:dk2>
       <a:lt2>
-        <a:srgbClr val="e7e6e6"/>
+        <a:srgbClr val="E7E6E6"/>
       </a:lt2>
       <a:accent1>
-        <a:srgbClr val="4472c4"/>
+        <a:srgbClr val="4472C4"/>
       </a:accent1>
       <a:accent2>
-        <a:srgbClr val="ed7d31"/>
+        <a:srgbClr val="ED7D31"/>
       </a:accent2>
       <a:accent3>
-        <a:srgbClr val="a5a5a5"/>
+        <a:srgbClr val="A5A5A5"/>
       </a:accent3>
       <a:accent4>
-        <a:srgbClr val="ffc000"/>
+        <a:srgbClr val="FFC000"/>
       </a:accent4>
       <a:accent5>
-        <a:srgbClr val="5b9bd5"/>
+        <a:srgbClr val="5B9BD5"/>
       </a:accent5>
       <a:accent6>
-        <a:srgbClr val="70ad47"/>
+        <a:srgbClr val="70AD47"/>
       </a:accent6>
       <a:hlink>
-        <a:srgbClr val="0563c1"/>
+        <a:srgbClr val="0563C1"/>
       </a:hlink>
       <a:folHlink>
-        <a:srgbClr val="954f72"/>
+        <a:srgbClr val="954F72"/>
       </a:folHlink>
     </a:clrScheme>
     <a:fontScheme name="Office">
@@ -9134,6 +10533,8 @@
       </a:bgFillStyleLst>
     </a:fmtScheme>
   </a:themeElements>
+  <a:objectDefaults/>
+  <a:extraClrSchemeLst/>
 </a:theme>
 </file>
 
@@ -9148,34 +10549,34 @@
         <a:sysClr val="window" lastClr="FFFFFF"/>
       </a:lt1>
       <a:dk2>
-        <a:srgbClr val="44546a"/>
+        <a:srgbClr val="44546A"/>
       </a:dk2>
       <a:lt2>
-        <a:srgbClr val="e7e6e6"/>
+        <a:srgbClr val="E7E6E6"/>
       </a:lt2>
       <a:accent1>
-        <a:srgbClr val="4472c4"/>
+        <a:srgbClr val="4472C4"/>
       </a:accent1>
       <a:accent2>
-        <a:srgbClr val="ed7d31"/>
+        <a:srgbClr val="ED7D31"/>
       </a:accent2>
       <a:accent3>
-        <a:srgbClr val="a5a5a5"/>
+        <a:srgbClr val="A5A5A5"/>
       </a:accent3>
       <a:accent4>
-        <a:srgbClr val="ffc000"/>
+        <a:srgbClr val="FFC000"/>
       </a:accent4>
       <a:accent5>
-        <a:srgbClr val="5b9bd5"/>
+        <a:srgbClr val="5B9BD5"/>
       </a:accent5>
       <a:accent6>
-        <a:srgbClr val="70ad47"/>
+        <a:srgbClr val="70AD47"/>
       </a:accent6>
       <a:hlink>
-        <a:srgbClr val="0563c1"/>
+        <a:srgbClr val="0563C1"/>
       </a:hlink>
       <a:folHlink>
-        <a:srgbClr val="954f72"/>
+        <a:srgbClr val="954F72"/>
       </a:folHlink>
     </a:clrScheme>
     <a:fontScheme name="Office">
@@ -9360,5 +10761,7 @@
       </a:bgFillStyleLst>
     </a:fmtScheme>
   </a:themeElements>
+  <a:objectDefaults/>
+  <a:extraClrSchemeLst/>
 </a:theme>
 </file>
--- a/presentations/slides-114-BRSKI-AE.pptx
+++ b/presentations/slides-114-BRSKI-AE.pptx
@@ -1,451 +1,26 @@
 
 <file path=ppt/presentation.xml><?xml version="1.0" encoding="utf-8"?>
-<p:presentation xmlns:a="http://schemas.openxmlformats.org/drawingml/2006/main" xmlns:r="http://schemas.openxmlformats.org/officeDocument/2006/relationships" xmlns:p="http://schemas.openxmlformats.org/presentationml/2006/main">
+<p:presentation xmlns:a="http://schemas.openxmlformats.org/drawingml/2006/main" xmlns:p="http://schemas.openxmlformats.org/presentationml/2006/main" xmlns:r="http://schemas.openxmlformats.org/officeDocument/2006/relationships" xmlns:p14="http://schemas.microsoft.com/office/powerpoint/2010/main" xmlns:p15="http://schemas.microsoft.com/office/powerpoint/2012/main" xmlns:mc="http://schemas.openxmlformats.org/markup-compatibility/2006">
   <p:sldMasterIdLst>
-    <p:sldMasterId id="2147483648" r:id="rId1"/>
-    <p:sldMasterId id="2147483661" r:id="rId2"/>
+    <p:sldMasterId id="2147483648" r:id="rId2"/>
+    <p:sldMasterId id="2147483661" r:id="rId3"/>
   </p:sldMasterIdLst>
   <p:notesMasterIdLst>
-    <p:notesMasterId r:id="rId7"/>
+    <p:notesMasterId r:id="rId4"/>
   </p:notesMasterIdLst>
   <p:sldIdLst>
-    <p:sldId id="256" r:id="rId3"/>
-    <p:sldId id="257" r:id="rId4"/>
-    <p:sldId id="258" r:id="rId5"/>
-    <p:sldId id="259" r:id="rId6"/>
+    <p:sldId id="256" r:id="rId5"/>
+    <p:sldId id="257" r:id="rId6"/>
+    <p:sldId id="258" r:id="rId7"/>
+    <p:sldId id="259" r:id="rId8"/>
   </p:sldIdLst>
   <p:sldSz cx="12192000" cy="6858000"/>
   <p:notesSz cx="6858000" cy="9144000"/>
-  <p:defaultTextStyle>
-    <a:defPPr>
-      <a:defRPr lang="en-US"/>
-    </a:defPPr>
-    <a:lvl1pPr marL="0" algn="l" defTabSz="914400" rtl="0" eaLnBrk="1" latinLnBrk="0" hangingPunct="1">
-      <a:defRPr sz="1800" kern="1200">
-        <a:solidFill>
-          <a:schemeClr val="tx1"/>
-        </a:solidFill>
-        <a:latin typeface="+mn-lt"/>
-        <a:ea typeface="+mn-ea"/>
-        <a:cs typeface="+mn-cs"/>
-      </a:defRPr>
-    </a:lvl1pPr>
-    <a:lvl2pPr marL="457200" algn="l" defTabSz="914400" rtl="0" eaLnBrk="1" latinLnBrk="0" hangingPunct="1">
-      <a:defRPr sz="1800" kern="1200">
-        <a:solidFill>
-          <a:schemeClr val="tx1"/>
-        </a:solidFill>
-        <a:latin typeface="+mn-lt"/>
-        <a:ea typeface="+mn-ea"/>
-        <a:cs typeface="+mn-cs"/>
-      </a:defRPr>
-    </a:lvl2pPr>
-    <a:lvl3pPr marL="914400" algn="l" defTabSz="914400" rtl="0" eaLnBrk="1" latinLnBrk="0" hangingPunct="1">
-      <a:defRPr sz="1800" kern="1200">
-        <a:solidFill>
-          <a:schemeClr val="tx1"/>
-        </a:solidFill>
-        <a:latin typeface="+mn-lt"/>
-        <a:ea typeface="+mn-ea"/>
-        <a:cs typeface="+mn-cs"/>
-      </a:defRPr>
-    </a:lvl3pPr>
-    <a:lvl4pPr marL="1371600" algn="l" defTabSz="914400" rtl="0" eaLnBrk="1" latinLnBrk="0" hangingPunct="1">
-      <a:defRPr sz="1800" kern="1200">
-        <a:solidFill>
-          <a:schemeClr val="tx1"/>
-        </a:solidFill>
-        <a:latin typeface="+mn-lt"/>
-        <a:ea typeface="+mn-ea"/>
-        <a:cs typeface="+mn-cs"/>
-      </a:defRPr>
-    </a:lvl4pPr>
-    <a:lvl5pPr marL="1828800" algn="l" defTabSz="914400" rtl="0" eaLnBrk="1" latinLnBrk="0" hangingPunct="1">
-      <a:defRPr sz="1800" kern="1200">
-        <a:solidFill>
-          <a:schemeClr val="tx1"/>
-        </a:solidFill>
-        <a:latin typeface="+mn-lt"/>
-        <a:ea typeface="+mn-ea"/>
-        <a:cs typeface="+mn-cs"/>
-      </a:defRPr>
-    </a:lvl5pPr>
-    <a:lvl6pPr marL="2286000" algn="l" defTabSz="914400" rtl="0" eaLnBrk="1" latinLnBrk="0" hangingPunct="1">
-      <a:defRPr sz="1800" kern="1200">
-        <a:solidFill>
-          <a:schemeClr val="tx1"/>
-        </a:solidFill>
-        <a:latin typeface="+mn-lt"/>
-        <a:ea typeface="+mn-ea"/>
-        <a:cs typeface="+mn-cs"/>
-      </a:defRPr>
-    </a:lvl6pPr>
-    <a:lvl7pPr marL="2743200" algn="l" defTabSz="914400" rtl="0" eaLnBrk="1" latinLnBrk="0" hangingPunct="1">
-      <a:defRPr sz="1800" kern="1200">
-        <a:solidFill>
-          <a:schemeClr val="tx1"/>
-        </a:solidFill>
-        <a:latin typeface="+mn-lt"/>
-        <a:ea typeface="+mn-ea"/>
-        <a:cs typeface="+mn-cs"/>
-      </a:defRPr>
-    </a:lvl7pPr>
-    <a:lvl8pPr marL="3200400" algn="l" defTabSz="914400" rtl="0" eaLnBrk="1" latinLnBrk="0" hangingPunct="1">
-      <a:defRPr sz="1800" kern="1200">
-        <a:solidFill>
-          <a:schemeClr val="tx1"/>
-        </a:solidFill>
-        <a:latin typeface="+mn-lt"/>
-        <a:ea typeface="+mn-ea"/>
-        <a:cs typeface="+mn-cs"/>
-      </a:defRPr>
-    </a:lvl8pPr>
-    <a:lvl9pPr marL="3657600" algn="l" defTabSz="914400" rtl="0" eaLnBrk="1" latinLnBrk="0" hangingPunct="1">
-      <a:defRPr sz="1800" kern="1200">
-        <a:solidFill>
-          <a:schemeClr val="tx1"/>
-        </a:solidFill>
-        <a:latin typeface="+mn-lt"/>
-        <a:ea typeface="+mn-ea"/>
-        <a:cs typeface="+mn-cs"/>
-      </a:defRPr>
-    </a:lvl9pPr>
-  </p:defaultTextStyle>
 </p:presentation>
 </file>
 
 <file path=ppt/notesMasters/notesMaster1.xml><?xml version="1.0" encoding="utf-8"?>
-<p:notesMaster xmlns:a="http://schemas.openxmlformats.org/drawingml/2006/main" xmlns:r="http://schemas.openxmlformats.org/officeDocument/2006/relationships" xmlns:p="http://schemas.openxmlformats.org/presentationml/2006/main">
-  <p:cSld>
-    <p:bg>
-      <p:bgRef idx="1001">
-        <a:schemeClr val="bg1"/>
-      </p:bgRef>
-    </p:bg>
-    <p:spTree>
-      <p:nvGrpSpPr>
-        <p:cNvPr id="1" name=""/>
-        <p:cNvGrpSpPr/>
-        <p:nvPr/>
-      </p:nvGrpSpPr>
-      <p:grpSpPr>
-        <a:xfrm>
-          <a:off x="0" y="0"/>
-          <a:ext cx="0" cy="0"/>
-          <a:chOff x="0" y="0"/>
-          <a:chExt cx="0" cy="0"/>
-        </a:xfrm>
-      </p:grpSpPr>
-      <p:sp>
-        <p:nvSpPr>
-          <p:cNvPr id="80" name="PlaceHolder 1"/>
-          <p:cNvSpPr>
-            <a:spLocks noGrp="1" noRot="1" noChangeAspect="1"/>
-          </p:cNvSpPr>
-          <p:nvPr>
-            <p:ph type="sldImg"/>
-          </p:nvPr>
-        </p:nvSpPr>
-        <p:spPr>
-          <a:xfrm>
-            <a:off x="216000" y="812520"/>
-            <a:ext cx="7127280" cy="4008960"/>
-          </a:xfrm>
-          <a:prstGeom prst="rect">
-            <a:avLst/>
-          </a:prstGeom>
-        </p:spPr>
-        <p:txBody>
-          <a:bodyPr lIns="0" tIns="0" rIns="0" bIns="0" anchor="ctr">
-            <a:noAutofit/>
-          </a:bodyPr>
-          <a:lstStyle/>
-          <a:p>
-            <a:pPr algn="ctr"/>
-            <a:r>
-              <a:rPr lang="en-US" sz="4400" b="0" strike="noStrike" spc="-1">
-                <a:latin typeface="Arial"/>
-              </a:rPr>
-              <a:t>Click to move the slide</a:t>
-            </a:r>
-          </a:p>
-        </p:txBody>
-      </p:sp>
-      <p:sp>
-        <p:nvSpPr>
-          <p:cNvPr id="81" name="PlaceHolder 2"/>
-          <p:cNvSpPr>
-            <a:spLocks noGrp="1"/>
-          </p:cNvSpPr>
-          <p:nvPr>
-            <p:ph type="body"/>
-          </p:nvPr>
-        </p:nvSpPr>
-        <p:spPr>
-          <a:xfrm>
-            <a:off x="756000" y="5078520"/>
-            <a:ext cx="6047640" cy="4811040"/>
-          </a:xfrm>
-          <a:prstGeom prst="rect">
-            <a:avLst/>
-          </a:prstGeom>
-        </p:spPr>
-        <p:txBody>
-          <a:bodyPr lIns="0" tIns="0" rIns="0" bIns="0">
-            <a:noAutofit/>
-          </a:bodyPr>
-          <a:lstStyle/>
-          <a:p>
-            <a:r>
-              <a:rPr lang="en-US" sz="2000" b="0" strike="noStrike" spc="-1">
-                <a:latin typeface="Arial"/>
-              </a:rPr>
-              <a:t>Click to edit the notes format</a:t>
-            </a:r>
-          </a:p>
-        </p:txBody>
-      </p:sp>
-      <p:sp>
-        <p:nvSpPr>
-          <p:cNvPr id="82" name="PlaceHolder 3"/>
-          <p:cNvSpPr>
-            <a:spLocks noGrp="1"/>
-          </p:cNvSpPr>
-          <p:nvPr>
-            <p:ph type="hdr"/>
-          </p:nvPr>
-        </p:nvSpPr>
-        <p:spPr>
-          <a:xfrm>
-            <a:off x="0" y="0"/>
-            <a:ext cx="3280680" cy="534240"/>
-          </a:xfrm>
-          <a:prstGeom prst="rect">
-            <a:avLst/>
-          </a:prstGeom>
-        </p:spPr>
-        <p:txBody>
-          <a:bodyPr lIns="0" tIns="0" rIns="0" bIns="0">
-            <a:noAutofit/>
-          </a:bodyPr>
-          <a:lstStyle/>
-          <a:p>
-            <a:r>
-              <a:rPr lang="en-US" sz="1400" b="0" strike="noStrike" spc="-1">
-                <a:latin typeface="Times New Roman"/>
-              </a:rPr>
-              <a:t>&lt;header&gt;</a:t>
-            </a:r>
-          </a:p>
-        </p:txBody>
-      </p:sp>
-      <p:sp>
-        <p:nvSpPr>
-          <p:cNvPr id="83" name="PlaceHolder 4"/>
-          <p:cNvSpPr>
-            <a:spLocks noGrp="1"/>
-          </p:cNvSpPr>
-          <p:nvPr>
-            <p:ph type="dt"/>
-          </p:nvPr>
-        </p:nvSpPr>
-        <p:spPr>
-          <a:xfrm>
-            <a:off x="4278960" y="0"/>
-            <a:ext cx="3280680" cy="534240"/>
-          </a:xfrm>
-          <a:prstGeom prst="rect">
-            <a:avLst/>
-          </a:prstGeom>
-        </p:spPr>
-        <p:txBody>
-          <a:bodyPr lIns="0" tIns="0" rIns="0" bIns="0">
-            <a:noAutofit/>
-          </a:bodyPr>
-          <a:lstStyle/>
-          <a:p>
-            <a:pPr algn="r"/>
-            <a:r>
-              <a:rPr lang="en-US" sz="1400" b="0" strike="noStrike" spc="-1">
-                <a:latin typeface="Times New Roman"/>
-              </a:rPr>
-              <a:t>&lt;date/time&gt;</a:t>
-            </a:r>
-          </a:p>
-        </p:txBody>
-      </p:sp>
-      <p:sp>
-        <p:nvSpPr>
-          <p:cNvPr id="84" name="PlaceHolder 5"/>
-          <p:cNvSpPr>
-            <a:spLocks noGrp="1"/>
-          </p:cNvSpPr>
-          <p:nvPr>
-            <p:ph type="ftr"/>
-          </p:nvPr>
-        </p:nvSpPr>
-        <p:spPr>
-          <a:xfrm>
-            <a:off x="0" y="10157400"/>
-            <a:ext cx="3280680" cy="534240"/>
-          </a:xfrm>
-          <a:prstGeom prst="rect">
-            <a:avLst/>
-          </a:prstGeom>
-        </p:spPr>
-        <p:txBody>
-          <a:bodyPr lIns="0" tIns="0" rIns="0" bIns="0" anchor="b">
-            <a:noAutofit/>
-          </a:bodyPr>
-          <a:lstStyle/>
-          <a:p>
-            <a:r>
-              <a:rPr lang="en-US" sz="1400" b="0" strike="noStrike" spc="-1">
-                <a:latin typeface="Times New Roman"/>
-              </a:rPr>
-              <a:t>&lt;footer&gt;</a:t>
-            </a:r>
-          </a:p>
-        </p:txBody>
-      </p:sp>
-      <p:sp>
-        <p:nvSpPr>
-          <p:cNvPr id="85" name="PlaceHolder 6"/>
-          <p:cNvSpPr>
-            <a:spLocks noGrp="1"/>
-          </p:cNvSpPr>
-          <p:nvPr>
-            <p:ph type="sldNum"/>
-          </p:nvPr>
-        </p:nvSpPr>
-        <p:spPr>
-          <a:xfrm>
-            <a:off x="4278960" y="10157400"/>
-            <a:ext cx="3280680" cy="534240"/>
-          </a:xfrm>
-          <a:prstGeom prst="rect">
-            <a:avLst/>
-          </a:prstGeom>
-        </p:spPr>
-        <p:txBody>
-          <a:bodyPr lIns="0" tIns="0" rIns="0" bIns="0" anchor="b">
-            <a:noAutofit/>
-          </a:bodyPr>
-          <a:lstStyle/>
-          <a:p>
-            <a:pPr algn="r"/>
-            <a:fld id="{C6AC8F15-DB8F-42BD-8868-CB342D2A420C}" type="slidenum">
-              <a:rPr lang="en-US" sz="1400" b="0" strike="noStrike" spc="-1">
-                <a:latin typeface="Times New Roman"/>
-              </a:rPr>
-              <a:t>‹#›</a:t>
-            </a:fld>
-            <a:endParaRPr lang="en-US" sz="1400" b="0" strike="noStrike" spc="-1">
-              <a:latin typeface="Times New Roman"/>
-            </a:endParaRPr>
-          </a:p>
-        </p:txBody>
-      </p:sp>
-    </p:spTree>
-  </p:cSld>
-  <p:clrMap bg1="lt1" tx1="dk1" bg2="lt2" tx2="dk2" accent1="accent1" accent2="accent2" accent3="accent3" accent4="accent4" accent5="accent5" accent6="accent6" hlink="hlink" folHlink="folHlink"/>
-  <p:notesStyle>
-    <a:lvl1pPr marL="0" algn="l" defTabSz="914400" rtl="0" eaLnBrk="1" latinLnBrk="0" hangingPunct="1">
-      <a:defRPr sz="1200" kern="1200">
-        <a:solidFill>
-          <a:schemeClr val="tx1"/>
-        </a:solidFill>
-        <a:latin typeface="+mn-lt"/>
-        <a:ea typeface="+mn-ea"/>
-        <a:cs typeface="+mn-cs"/>
-      </a:defRPr>
-    </a:lvl1pPr>
-    <a:lvl2pPr marL="457200" algn="l" defTabSz="914400" rtl="0" eaLnBrk="1" latinLnBrk="0" hangingPunct="1">
-      <a:defRPr sz="1200" kern="1200">
-        <a:solidFill>
-          <a:schemeClr val="tx1"/>
-        </a:solidFill>
-        <a:latin typeface="+mn-lt"/>
-        <a:ea typeface="+mn-ea"/>
-        <a:cs typeface="+mn-cs"/>
-      </a:defRPr>
-    </a:lvl2pPr>
-    <a:lvl3pPr marL="914400" algn="l" defTabSz="914400" rtl="0" eaLnBrk="1" latinLnBrk="0" hangingPunct="1">
-      <a:defRPr sz="1200" kern="1200">
-        <a:solidFill>
-          <a:schemeClr val="tx1"/>
-        </a:solidFill>
-        <a:latin typeface="+mn-lt"/>
-        <a:ea typeface="+mn-ea"/>
-        <a:cs typeface="+mn-cs"/>
-      </a:defRPr>
-    </a:lvl3pPr>
-    <a:lvl4pPr marL="1371600" algn="l" defTabSz="914400" rtl="0" eaLnBrk="1" latinLnBrk="0" hangingPunct="1">
-      <a:defRPr sz="1200" kern="1200">
-        <a:solidFill>
-          <a:schemeClr val="tx1"/>
-        </a:solidFill>
-        <a:latin typeface="+mn-lt"/>
-        <a:ea typeface="+mn-ea"/>
-        <a:cs typeface="+mn-cs"/>
-      </a:defRPr>
-    </a:lvl4pPr>
-    <a:lvl5pPr marL="1828800" algn="l" defTabSz="914400" rtl="0" eaLnBrk="1" latinLnBrk="0" hangingPunct="1">
-      <a:defRPr sz="1200" kern="1200">
-        <a:solidFill>
-          <a:schemeClr val="tx1"/>
-        </a:solidFill>
-        <a:latin typeface="+mn-lt"/>
-        <a:ea typeface="+mn-ea"/>
-        <a:cs typeface="+mn-cs"/>
-      </a:defRPr>
-    </a:lvl5pPr>
-    <a:lvl6pPr marL="2286000" algn="l" defTabSz="914400" rtl="0" eaLnBrk="1" latinLnBrk="0" hangingPunct="1">
-      <a:defRPr sz="1200" kern="1200">
-        <a:solidFill>
-          <a:schemeClr val="tx1"/>
-        </a:solidFill>
-        <a:latin typeface="+mn-lt"/>
-        <a:ea typeface="+mn-ea"/>
-        <a:cs typeface="+mn-cs"/>
-      </a:defRPr>
-    </a:lvl6pPr>
-    <a:lvl7pPr marL="2743200" algn="l" defTabSz="914400" rtl="0" eaLnBrk="1" latinLnBrk="0" hangingPunct="1">
-      <a:defRPr sz="1200" kern="1200">
-        <a:solidFill>
-          <a:schemeClr val="tx1"/>
-        </a:solidFill>
-        <a:latin typeface="+mn-lt"/>
-        <a:ea typeface="+mn-ea"/>
-        <a:cs typeface="+mn-cs"/>
-      </a:defRPr>
-    </a:lvl7pPr>
-    <a:lvl8pPr marL="3200400" algn="l" defTabSz="914400" rtl="0" eaLnBrk="1" latinLnBrk="0" hangingPunct="1">
-      <a:defRPr sz="1200" kern="1200">
-        <a:solidFill>
-          <a:schemeClr val="tx1"/>
-        </a:solidFill>
-        <a:latin typeface="+mn-lt"/>
-        <a:ea typeface="+mn-ea"/>
-        <a:cs typeface="+mn-cs"/>
-      </a:defRPr>
-    </a:lvl8pPr>
-    <a:lvl9pPr marL="3657600" algn="l" defTabSz="914400" rtl="0" eaLnBrk="1" latinLnBrk="0" hangingPunct="1">
-      <a:defRPr sz="1200" kern="1200">
-        <a:solidFill>
-          <a:schemeClr val="tx1"/>
-        </a:solidFill>
-        <a:latin typeface="+mn-lt"/>
-        <a:ea typeface="+mn-ea"/>
-        <a:cs typeface="+mn-cs"/>
-      </a:defRPr>
-    </a:lvl9pPr>
-  </p:notesStyle>
-</p:notesMaster>
-</file>
-
-<file path=ppt/notesSlides/notesSlide1.xml><?xml version="1.0" encoding="utf-8"?>
-<p:notes xmlns:a="http://schemas.openxmlformats.org/drawingml/2006/main" xmlns:r="http://schemas.openxmlformats.org/officeDocument/2006/relationships" xmlns:p="http://schemas.openxmlformats.org/presentationml/2006/main">
+<p:notesMaster xmlns:a="http://schemas.openxmlformats.org/drawingml/2006/main" xmlns:p="http://schemas.openxmlformats.org/presentationml/2006/main" xmlns:r="http://schemas.openxmlformats.org/officeDocument/2006/relationships" xmlns:p14="http://schemas.microsoft.com/office/powerpoint/2010/main" xmlns:p15="http://schemas.microsoft.com/office/powerpoint/2012/main" xmlns:mc="http://schemas.openxmlformats.org/markup-compatibility/2006">
   <p:cSld>
     <p:spTree>
       <p:nvGrpSpPr>
@@ -463,9 +38,9 @@
       </p:grpSpPr>
       <p:sp>
         <p:nvSpPr>
-          <p:cNvPr id="164" name="PlaceHolder 1"/>
+          <p:cNvPr id="80" name="PlaceHolder 1"/>
           <p:cNvSpPr>
-            <a:spLocks noGrp="1" noRot="1" noChangeAspect="1"/>
+            <a:spLocks noGrp="1"/>
           </p:cNvSpPr>
           <p:nvPr>
             <p:ph type="sldImg"/>
@@ -473,17 +48,93 @@
         </p:nvSpPr>
         <p:spPr>
           <a:xfrm>
-            <a:off x="685800" y="1143000"/>
-            <a:ext cx="5484813" cy="3084513"/>
-          </a:xfrm>
-          <a:prstGeom prst="rect">
-            <a:avLst/>
-          </a:prstGeom>
-        </p:spPr>
-      </p:sp>
-      <p:sp>
-        <p:nvSpPr>
-          <p:cNvPr id="165" name="PlaceHolder 2"/>
+            <a:off x="216000" y="812520"/>
+            <a:ext cx="7127280" cy="4008960"/>
+          </a:xfrm>
+          <a:prstGeom prst="rect">
+            <a:avLst/>
+          </a:prstGeom>
+        </p:spPr>
+        <p:txBody>
+          <a:bodyPr lIns="0" rIns="0" tIns="0" bIns="0" anchor="ctr">
+            <a:noAutofit/>
+          </a:bodyPr>
+          <a:p>
+            <a:r>
+              <a:rPr b="0" lang="en-US" sz="1800" spc="-1" strike="noStrike">
+                <a:solidFill>
+                  <a:srgbClr val="000000"/>
+                </a:solidFill>
+                <a:latin typeface="Arial"/>
+              </a:rPr>
+              <a:t>Clic</a:t>
+            </a:r>
+            <a:r>
+              <a:rPr b="0" lang="en-US" sz="1800" spc="-1" strike="noStrike">
+                <a:solidFill>
+                  <a:srgbClr val="000000"/>
+                </a:solidFill>
+                <a:latin typeface="Arial"/>
+              </a:rPr>
+              <a:t>k to </a:t>
+            </a:r>
+            <a:r>
+              <a:rPr b="0" lang="en-US" sz="1800" spc="-1" strike="noStrike">
+                <a:solidFill>
+                  <a:srgbClr val="000000"/>
+                </a:solidFill>
+                <a:latin typeface="Arial"/>
+              </a:rPr>
+              <a:t>mo</a:t>
+            </a:r>
+            <a:r>
+              <a:rPr b="0" lang="en-US" sz="1800" spc="-1" strike="noStrike">
+                <a:solidFill>
+                  <a:srgbClr val="000000"/>
+                </a:solidFill>
+                <a:latin typeface="Arial"/>
+              </a:rPr>
+              <a:t>ve </a:t>
+            </a:r>
+            <a:r>
+              <a:rPr b="0" lang="en-US" sz="1800" spc="-1" strike="noStrike">
+                <a:solidFill>
+                  <a:srgbClr val="000000"/>
+                </a:solidFill>
+                <a:latin typeface="Arial"/>
+              </a:rPr>
+              <a:t>the </a:t>
+            </a:r>
+            <a:r>
+              <a:rPr b="0" lang="en-US" sz="1800" spc="-1" strike="noStrike">
+                <a:solidFill>
+                  <a:srgbClr val="000000"/>
+                </a:solidFill>
+                <a:latin typeface="Arial"/>
+              </a:rPr>
+              <a:t>slid</a:t>
+            </a:r>
+            <a:r>
+              <a:rPr b="0" lang="en-US" sz="1800" spc="-1" strike="noStrike">
+                <a:solidFill>
+                  <a:srgbClr val="000000"/>
+                </a:solidFill>
+                <a:latin typeface="Arial"/>
+              </a:rPr>
+              <a:t>e</a:t>
+            </a:r>
+            <a:endParaRPr b="0" lang="en-US" sz="1800" spc="-1" strike="noStrike">
+              <a:solidFill>
+                <a:srgbClr val="000000"/>
+              </a:solidFill>
+              <a:latin typeface="Arial"/>
+            </a:endParaRPr>
+          </a:p>
+        </p:txBody>
+      </p:sp>
+      <p:sp>
+        <p:nvSpPr>
+          <p:cNvPr id="81" name="PlaceHolder 2"/>
           <p:cNvSpPr>
             <a:spLocks noGrp="1"/>
           </p:cNvSpPr>
@@ -493,92 +144,202 @@
         </p:nvSpPr>
         <p:spPr>
           <a:xfrm>
-            <a:off x="685800" y="4400640"/>
-            <a:ext cx="5484600" cy="3598560"/>
-          </a:xfrm>
-          <a:prstGeom prst="rect">
-            <a:avLst/>
-          </a:prstGeom>
-        </p:spPr>
-        <p:txBody>
-          <a:bodyPr lIns="0" tIns="0" rIns="0" bIns="0">
+            <a:off x="756000" y="5078520"/>
+            <a:ext cx="6047640" cy="4811040"/>
+          </a:xfrm>
+          <a:prstGeom prst="rect">
+            <a:avLst/>
+          </a:prstGeom>
+        </p:spPr>
+        <p:txBody>
+          <a:bodyPr lIns="0" rIns="0" tIns="0" bIns="0">
             <a:noAutofit/>
           </a:bodyPr>
-          <a:lstStyle/>
-          <a:p>
-            <a:endParaRPr lang="en-US" sz="2000" b="0" strike="noStrike" spc="-1">
-              <a:latin typeface="Arial"/>
-            </a:endParaRPr>
-          </a:p>
-        </p:txBody>
-      </p:sp>
-      <p:sp>
-        <p:nvSpPr>
-          <p:cNvPr id="166" name="CustomShape 3"/>
-          <p:cNvSpPr/>
-          <p:nvPr/>
-        </p:nvSpPr>
-        <p:spPr>
-          <a:xfrm>
-            <a:off x="3884760" y="8685360"/>
-            <a:ext cx="2970000" cy="456840"/>
-          </a:xfrm>
-          <a:prstGeom prst="rect">
-            <a:avLst/>
-          </a:prstGeom>
-          <a:noFill/>
-          <a:ln w="0">
-            <a:noFill/>
-          </a:ln>
-        </p:spPr>
-        <p:style>
-          <a:lnRef idx="0">
-            <a:scrgbClr r="0" g="0" b="0"/>
-          </a:lnRef>
-          <a:fillRef idx="0">
-            <a:scrgbClr r="0" g="0" b="0"/>
-          </a:fillRef>
-          <a:effectRef idx="0">
-            <a:scrgbClr r="0" g="0" b="0"/>
-          </a:effectRef>
-          <a:fontRef idx="minor"/>
-        </p:style>
-        <p:txBody>
-          <a:bodyPr lIns="90000" tIns="45000" rIns="90000" bIns="45000" anchor="b">
+          <a:p>
+            <a:r>
+              <a:rPr b="0" lang="en-US" sz="2000" spc="-1" strike="noStrike">
+                <a:latin typeface="Arial"/>
+              </a:rPr>
+              <a:t>Click to </a:t>
+            </a:r>
+            <a:r>
+              <a:rPr b="0" lang="en-US" sz="2000" spc="-1" strike="noStrike">
+                <a:latin typeface="Arial"/>
+              </a:rPr>
+              <a:t>edit the </a:t>
+            </a:r>
+            <a:r>
+              <a:rPr b="0" lang="en-US" sz="2000" spc="-1" strike="noStrike">
+                <a:latin typeface="Arial"/>
+              </a:rPr>
+              <a:t>notes </a:t>
+            </a:r>
+            <a:r>
+              <a:rPr b="0" lang="en-US" sz="2000" spc="-1" strike="noStrike">
+                <a:latin typeface="Arial"/>
+              </a:rPr>
+              <a:t>format</a:t>
+            </a:r>
+            <a:endParaRPr b="0" lang="en-US" sz="2000" spc="-1" strike="noStrike">
+              <a:latin typeface="Arial"/>
+            </a:endParaRPr>
+          </a:p>
+        </p:txBody>
+      </p:sp>
+      <p:sp>
+        <p:nvSpPr>
+          <p:cNvPr id="82" name="PlaceHolder 3"/>
+          <p:cNvSpPr>
+            <a:spLocks noGrp="1"/>
+          </p:cNvSpPr>
+          <p:nvPr>
+            <p:ph type="hdr"/>
+          </p:nvPr>
+        </p:nvSpPr>
+        <p:spPr>
+          <a:xfrm>
+            <a:off x="0" y="0"/>
+            <a:ext cx="3280680" cy="534240"/>
+          </a:xfrm>
+          <a:prstGeom prst="rect">
+            <a:avLst/>
+          </a:prstGeom>
+        </p:spPr>
+        <p:txBody>
+          <a:bodyPr lIns="0" rIns="0" tIns="0" bIns="0">
             <a:noAutofit/>
           </a:bodyPr>
-          <a:lstStyle/>
-          <a:p>
-            <a:pPr algn="r">
-              <a:lnSpc>
-                <a:spcPct val="100000"/>
-              </a:lnSpc>
-            </a:pPr>
-            <a:fld id="{F9109C35-3521-4BD4-8732-474EF0EA2E38}" type="slidenum">
-              <a:rPr lang="en-US" sz="1200" b="0" strike="noStrike" spc="-1">
-                <a:solidFill>
-                  <a:srgbClr val="000000"/>
-                </a:solidFill>
+          <a:p>
+            <a:r>
+              <a:rPr b="0" lang="en-US" sz="1400" spc="-1" strike="noStrike">
                 <a:latin typeface="Times New Roman"/>
               </a:rPr>
-              <a:t>2</a:t>
+              <a:t>&lt;header&gt;</a:t>
+            </a:r>
+            <a:endParaRPr b="0" lang="en-US" sz="1400" spc="-1" strike="noStrike">
+              <a:latin typeface="Times New Roman"/>
+            </a:endParaRPr>
+          </a:p>
+        </p:txBody>
+      </p:sp>
+      <p:sp>
+        <p:nvSpPr>
+          <p:cNvPr id="83" name="PlaceHolder 4"/>
+          <p:cNvSpPr>
+            <a:spLocks noGrp="1"/>
+          </p:cNvSpPr>
+          <p:nvPr>
+            <p:ph type="dt"/>
+          </p:nvPr>
+        </p:nvSpPr>
+        <p:spPr>
+          <a:xfrm>
+            <a:off x="4278960" y="0"/>
+            <a:ext cx="3280680" cy="534240"/>
+          </a:xfrm>
+          <a:prstGeom prst="rect">
+            <a:avLst/>
+          </a:prstGeom>
+        </p:spPr>
+        <p:txBody>
+          <a:bodyPr lIns="0" rIns="0" tIns="0" bIns="0">
+            <a:noAutofit/>
+          </a:bodyPr>
+          <a:p>
+            <a:pPr algn="r"/>
+            <a:r>
+              <a:rPr b="0" lang="en-US" sz="1400" spc="-1" strike="noStrike">
+                <a:latin typeface="Times New Roman"/>
+              </a:rPr>
+              <a:t>&lt;date/time&gt;</a:t>
+            </a:r>
+            <a:endParaRPr b="0" lang="en-US" sz="1400" spc="-1" strike="noStrike">
+              <a:latin typeface="Times New Roman"/>
+            </a:endParaRPr>
+          </a:p>
+        </p:txBody>
+      </p:sp>
+      <p:sp>
+        <p:nvSpPr>
+          <p:cNvPr id="84" name="PlaceHolder 5"/>
+          <p:cNvSpPr>
+            <a:spLocks noGrp="1"/>
+          </p:cNvSpPr>
+          <p:nvPr>
+            <p:ph type="ftr"/>
+          </p:nvPr>
+        </p:nvSpPr>
+        <p:spPr>
+          <a:xfrm>
+            <a:off x="0" y="10157400"/>
+            <a:ext cx="3280680" cy="534240"/>
+          </a:xfrm>
+          <a:prstGeom prst="rect">
+            <a:avLst/>
+          </a:prstGeom>
+        </p:spPr>
+        <p:txBody>
+          <a:bodyPr lIns="0" rIns="0" tIns="0" bIns="0" anchor="b">
+            <a:noAutofit/>
+          </a:bodyPr>
+          <a:p>
+            <a:r>
+              <a:rPr b="0" lang="en-US" sz="1400" spc="-1" strike="noStrike">
+                <a:latin typeface="Times New Roman"/>
+              </a:rPr>
+              <a:t>&lt;footer&gt;</a:t>
+            </a:r>
+            <a:endParaRPr b="0" lang="en-US" sz="1400" spc="-1" strike="noStrike">
+              <a:latin typeface="Times New Roman"/>
+            </a:endParaRPr>
+          </a:p>
+        </p:txBody>
+      </p:sp>
+      <p:sp>
+        <p:nvSpPr>
+          <p:cNvPr id="85" name="PlaceHolder 6"/>
+          <p:cNvSpPr>
+            <a:spLocks noGrp="1"/>
+          </p:cNvSpPr>
+          <p:nvPr>
+            <p:ph type="sldNum"/>
+          </p:nvPr>
+        </p:nvSpPr>
+        <p:spPr>
+          <a:xfrm>
+            <a:off x="4278960" y="10157400"/>
+            <a:ext cx="3280680" cy="534240"/>
+          </a:xfrm>
+          <a:prstGeom prst="rect">
+            <a:avLst/>
+          </a:prstGeom>
+        </p:spPr>
+        <p:txBody>
+          <a:bodyPr lIns="0" rIns="0" tIns="0" bIns="0" anchor="b">
+            <a:noAutofit/>
+          </a:bodyPr>
+          <a:p>
+            <a:pPr algn="r"/>
+            <a:fld id="{BECC2816-D2E8-4E27-9EC3-6F1F474103C0}" type="slidenum">
+              <a:rPr b="0" lang="en-US" sz="1400" spc="-1" strike="noStrike">
+                <a:latin typeface="Times New Roman"/>
+              </a:rPr>
+              <a:t>&lt;number&gt;</a:t>
             </a:fld>
-            <a:endParaRPr lang="en-US" sz="1200" b="0" strike="noStrike" spc="-1">
-              <a:latin typeface="Arial"/>
+            <a:endParaRPr b="0" lang="en-US" sz="1400" spc="-1" strike="noStrike">
+              <a:latin typeface="Times New Roman"/>
             </a:endParaRPr>
           </a:p>
         </p:txBody>
       </p:sp>
     </p:spTree>
   </p:cSld>
-  <p:clrMapOvr>
-    <a:masterClrMapping/>
-  </p:clrMapOvr>
-</p:notes>
+  <p:clrMap bg1="lt1" bg2="lt2" tx1="dk1" tx2="dk2" accent1="accent1" accent2="accent2" accent3="accent3" accent4="accent4" accent5="accent5" accent6="accent6" hlink="hlink" folHlink="folHlink"/>
+</p:notesMaster>
 </file>
 
 <file path=ppt/notesSlides/notesSlide2.xml><?xml version="1.0" encoding="utf-8"?>
-<p:notes xmlns:a="http://schemas.openxmlformats.org/drawingml/2006/main" xmlns:r="http://schemas.openxmlformats.org/officeDocument/2006/relationships" xmlns:p="http://schemas.openxmlformats.org/presentationml/2006/main">
+<p:notes xmlns:a="http://schemas.openxmlformats.org/drawingml/2006/main" xmlns:p="http://schemas.openxmlformats.org/presentationml/2006/main" xmlns:r="http://schemas.openxmlformats.org/officeDocument/2006/relationships" xmlns:p14="http://schemas.microsoft.com/office/powerpoint/2010/main" xmlns:p15="http://schemas.microsoft.com/office/powerpoint/2012/main" xmlns:mc="http://schemas.openxmlformats.org/markup-compatibility/2006">
   <p:cSld>
     <p:spTree>
       <p:nvGrpSpPr>
@@ -596,9 +357,9 @@
       </p:grpSpPr>
       <p:sp>
         <p:nvSpPr>
-          <p:cNvPr id="167" name="PlaceHolder 1"/>
+          <p:cNvPr id="164" name="PlaceHolder 1"/>
           <p:cNvSpPr>
-            <a:spLocks noGrp="1" noRot="1" noChangeAspect="1"/>
+            <a:spLocks noGrp="1"/>
           </p:cNvSpPr>
           <p:nvPr>
             <p:ph type="sldImg"/>
@@ -607,16 +368,16 @@
         <p:spPr>
           <a:xfrm>
             <a:off x="685800" y="1143000"/>
-            <a:ext cx="5484813" cy="3084513"/>
-          </a:xfrm>
-          <a:prstGeom prst="rect">
-            <a:avLst/>
-          </a:prstGeom>
-        </p:spPr>
-      </p:sp>
-      <p:sp>
-        <p:nvSpPr>
-          <p:cNvPr id="168" name="PlaceHolder 2"/>
+            <a:ext cx="5484600" cy="3084120"/>
+          </a:xfrm>
+          <a:prstGeom prst="rect">
+            <a:avLst/>
+          </a:prstGeom>
+        </p:spPr>
+      </p:sp>
+      <p:sp>
+        <p:nvSpPr>
+          <p:cNvPr id="165" name="PlaceHolder 2"/>
           <p:cNvSpPr>
             <a:spLocks noGrp="1"/>
           </p:cNvSpPr>
@@ -627,34 +388,33 @@
         <p:spPr>
           <a:xfrm>
             <a:off x="685800" y="4400640"/>
-            <a:ext cx="5484600" cy="3598560"/>
-          </a:xfrm>
-          <a:prstGeom prst="rect">
-            <a:avLst/>
-          </a:prstGeom>
-        </p:spPr>
-        <p:txBody>
-          <a:bodyPr lIns="0" tIns="0" rIns="0" bIns="0">
+            <a:ext cx="5484240" cy="3598200"/>
+          </a:xfrm>
+          <a:prstGeom prst="rect">
+            <a:avLst/>
+          </a:prstGeom>
+        </p:spPr>
+        <p:txBody>
+          <a:bodyPr lIns="0" rIns="0" tIns="0" bIns="0">
             <a:noAutofit/>
           </a:bodyPr>
-          <a:lstStyle/>
-          <a:p>
-            <a:endParaRPr lang="en-US" sz="2000" b="0" strike="noStrike" spc="-1">
-              <a:latin typeface="Arial"/>
-            </a:endParaRPr>
-          </a:p>
-        </p:txBody>
-      </p:sp>
-      <p:sp>
-        <p:nvSpPr>
-          <p:cNvPr id="169" name="CustomShape 3"/>
+          <a:p>
+            <a:endParaRPr b="0" lang="en-US" sz="2000" spc="-1" strike="noStrike">
+              <a:latin typeface="Arial"/>
+            </a:endParaRPr>
+          </a:p>
+        </p:txBody>
+      </p:sp>
+      <p:sp>
+        <p:nvSpPr>
+          <p:cNvPr id="166" name="CustomShape 3"/>
           <p:cNvSpPr/>
           <p:nvPr/>
         </p:nvSpPr>
         <p:spPr>
           <a:xfrm>
             <a:off x="3884760" y="8685360"/>
-            <a:ext cx="2970000" cy="456840"/>
+            <a:ext cx="2969640" cy="456480"/>
           </a:xfrm>
           <a:prstGeom prst="rect">
             <a:avLst/>
@@ -665,38 +425,32 @@
           </a:ln>
         </p:spPr>
         <p:style>
-          <a:lnRef idx="0">
-            <a:scrgbClr r="0" g="0" b="0"/>
-          </a:lnRef>
-          <a:fillRef idx="0">
-            <a:scrgbClr r="0" g="0" b="0"/>
-          </a:fillRef>
-          <a:effectRef idx="0">
-            <a:scrgbClr r="0" g="0" b="0"/>
-          </a:effectRef>
+          <a:lnRef idx="0"/>
+          <a:fillRef idx="0"/>
+          <a:effectRef idx="0"/>
           <a:fontRef idx="minor"/>
         </p:style>
         <p:txBody>
-          <a:bodyPr lIns="90000" tIns="45000" rIns="90000" bIns="45000" anchor="b">
+          <a:bodyPr lIns="90000" rIns="90000" tIns="45000" bIns="45000" anchor="b">
             <a:noAutofit/>
           </a:bodyPr>
-          <a:lstStyle/>
           <a:p>
             <a:pPr algn="r">
               <a:lnSpc>
                 <a:spcPct val="100000"/>
               </a:lnSpc>
             </a:pPr>
-            <a:fld id="{3CDE5B07-F1DB-4D12-873F-EE849240DDA3}" type="slidenum">
-              <a:rPr lang="en-US" sz="1200" b="0" strike="noStrike" spc="-1">
+            <a:fld id="{13A6C7FB-8A16-490F-AE89-287D5F3A22AB}" type="slidenum">
+              <a:rPr b="0" lang="en-US" sz="1200" spc="-1" strike="noStrike">
                 <a:solidFill>
                   <a:srgbClr val="000000"/>
                 </a:solidFill>
                 <a:latin typeface="Times New Roman"/>
-              </a:rPr>
-              <a:t>3</a:t>
+                <a:ea typeface="+mn-ea"/>
+              </a:rPr>
+              <a:t>&lt;number&gt;</a:t>
             </a:fld>
-            <a:endParaRPr lang="en-US" sz="1200" b="0" strike="noStrike" spc="-1">
+            <a:endParaRPr b="0" lang="en-US" sz="1200" spc="-1" strike="noStrike">
               <a:latin typeface="Arial"/>
             </a:endParaRPr>
           </a:p>
@@ -704,14 +458,11 @@
       </p:sp>
     </p:spTree>
   </p:cSld>
-  <p:clrMapOvr>
-    <a:masterClrMapping/>
-  </p:clrMapOvr>
 </p:notes>
 </file>
 
 <file path=ppt/notesSlides/notesSlide3.xml><?xml version="1.0" encoding="utf-8"?>
-<p:notes xmlns:a="http://schemas.openxmlformats.org/drawingml/2006/main" xmlns:r="http://schemas.openxmlformats.org/officeDocument/2006/relationships" xmlns:p="http://schemas.openxmlformats.org/presentationml/2006/main">
+<p:notes xmlns:a="http://schemas.openxmlformats.org/drawingml/2006/main" xmlns:p="http://schemas.openxmlformats.org/presentationml/2006/main" xmlns:r="http://schemas.openxmlformats.org/officeDocument/2006/relationships" xmlns:p14="http://schemas.microsoft.com/office/powerpoint/2010/main" xmlns:p15="http://schemas.microsoft.com/office/powerpoint/2012/main" xmlns:mc="http://schemas.openxmlformats.org/markup-compatibility/2006">
   <p:cSld>
     <p:spTree>
       <p:nvGrpSpPr>
@@ -729,9 +480,9 @@
       </p:grpSpPr>
       <p:sp>
         <p:nvSpPr>
-          <p:cNvPr id="170" name="PlaceHolder 1"/>
+          <p:cNvPr id="167" name="PlaceHolder 1"/>
           <p:cNvSpPr>
-            <a:spLocks noGrp="1" noRot="1" noChangeAspect="1"/>
+            <a:spLocks noGrp="1"/>
           </p:cNvSpPr>
           <p:nvPr>
             <p:ph type="sldImg"/>
@@ -740,7 +491,130 @@
         <p:spPr>
           <a:xfrm>
             <a:off x="685800" y="1143000"/>
-            <a:ext cx="5484813" cy="3084513"/>
+            <a:ext cx="5484600" cy="3084120"/>
+          </a:xfrm>
+          <a:prstGeom prst="rect">
+            <a:avLst/>
+          </a:prstGeom>
+        </p:spPr>
+      </p:sp>
+      <p:sp>
+        <p:nvSpPr>
+          <p:cNvPr id="168" name="PlaceHolder 2"/>
+          <p:cNvSpPr>
+            <a:spLocks noGrp="1"/>
+          </p:cNvSpPr>
+          <p:nvPr>
+            <p:ph type="body"/>
+          </p:nvPr>
+        </p:nvSpPr>
+        <p:spPr>
+          <a:xfrm>
+            <a:off x="685800" y="4400640"/>
+            <a:ext cx="5484240" cy="3598200"/>
+          </a:xfrm>
+          <a:prstGeom prst="rect">
+            <a:avLst/>
+          </a:prstGeom>
+        </p:spPr>
+        <p:txBody>
+          <a:bodyPr lIns="0" rIns="0" tIns="0" bIns="0">
+            <a:noAutofit/>
+          </a:bodyPr>
+          <a:p>
+            <a:endParaRPr b="0" lang="en-US" sz="2000" spc="-1" strike="noStrike">
+              <a:latin typeface="Arial"/>
+            </a:endParaRPr>
+          </a:p>
+        </p:txBody>
+      </p:sp>
+      <p:sp>
+        <p:nvSpPr>
+          <p:cNvPr id="169" name="CustomShape 3"/>
+          <p:cNvSpPr/>
+          <p:nvPr/>
+        </p:nvSpPr>
+        <p:spPr>
+          <a:xfrm>
+            <a:off x="3884760" y="8685360"/>
+            <a:ext cx="2969640" cy="456480"/>
+          </a:xfrm>
+          <a:prstGeom prst="rect">
+            <a:avLst/>
+          </a:prstGeom>
+          <a:noFill/>
+          <a:ln w="0">
+            <a:noFill/>
+          </a:ln>
+        </p:spPr>
+        <p:style>
+          <a:lnRef idx="0"/>
+          <a:fillRef idx="0"/>
+          <a:effectRef idx="0"/>
+          <a:fontRef idx="minor"/>
+        </p:style>
+        <p:txBody>
+          <a:bodyPr lIns="90000" rIns="90000" tIns="45000" bIns="45000" anchor="b">
+            <a:noAutofit/>
+          </a:bodyPr>
+          <a:p>
+            <a:pPr algn="r">
+              <a:lnSpc>
+                <a:spcPct val="100000"/>
+              </a:lnSpc>
+            </a:pPr>
+            <a:fld id="{FC66C462-AD11-4DD8-B940-F28DEB4E3D7D}" type="slidenum">
+              <a:rPr b="0" lang="en-US" sz="1200" spc="-1" strike="noStrike">
+                <a:solidFill>
+                  <a:srgbClr val="000000"/>
+                </a:solidFill>
+                <a:latin typeface="Times New Roman"/>
+                <a:ea typeface="+mn-ea"/>
+              </a:rPr>
+              <a:t>&lt;number&gt;</a:t>
+            </a:fld>
+            <a:endParaRPr b="0" lang="en-US" sz="1200" spc="-1" strike="noStrike">
+              <a:latin typeface="Arial"/>
+            </a:endParaRPr>
+          </a:p>
+        </p:txBody>
+      </p:sp>
+    </p:spTree>
+  </p:cSld>
+</p:notes>
+</file>
+
+<file path=ppt/notesSlides/notesSlide4.xml><?xml version="1.0" encoding="utf-8"?>
+<p:notes xmlns:a="http://schemas.openxmlformats.org/drawingml/2006/main" xmlns:p="http://schemas.openxmlformats.org/presentationml/2006/main" xmlns:r="http://schemas.openxmlformats.org/officeDocument/2006/relationships" xmlns:p14="http://schemas.microsoft.com/office/powerpoint/2010/main" xmlns:p15="http://schemas.microsoft.com/office/powerpoint/2012/main" xmlns:mc="http://schemas.openxmlformats.org/markup-compatibility/2006">
+  <p:cSld>
+    <p:spTree>
+      <p:nvGrpSpPr>
+        <p:cNvPr id="1" name=""/>
+        <p:cNvGrpSpPr/>
+        <p:nvPr/>
+      </p:nvGrpSpPr>
+      <p:grpSpPr>
+        <a:xfrm>
+          <a:off x="0" y="0"/>
+          <a:ext cx="0" cy="0"/>
+          <a:chOff x="0" y="0"/>
+          <a:chExt cx="0" cy="0"/>
+        </a:xfrm>
+      </p:grpSpPr>
+      <p:sp>
+        <p:nvSpPr>
+          <p:cNvPr id="170" name="PlaceHolder 1"/>
+          <p:cNvSpPr>
+            <a:spLocks noGrp="1"/>
+          </p:cNvSpPr>
+          <p:nvPr>
+            <p:ph type="sldImg"/>
+          </p:nvPr>
+        </p:nvSpPr>
+        <p:spPr>
+          <a:xfrm>
+            <a:off x="685800" y="1143000"/>
+            <a:ext cx="5484600" cy="3084120"/>
           </a:xfrm>
           <a:prstGeom prst="rect">
             <a:avLst/>
@@ -760,19 +634,18 @@
         <p:spPr>
           <a:xfrm>
             <a:off x="685800" y="4400640"/>
-            <a:ext cx="5484600" cy="3598560"/>
-          </a:xfrm>
-          <a:prstGeom prst="rect">
-            <a:avLst/>
-          </a:prstGeom>
-        </p:spPr>
-        <p:txBody>
-          <a:bodyPr lIns="0" tIns="0" rIns="0" bIns="0">
+            <a:ext cx="5484240" cy="3598200"/>
+          </a:xfrm>
+          <a:prstGeom prst="rect">
+            <a:avLst/>
+          </a:prstGeom>
+        </p:spPr>
+        <p:txBody>
+          <a:bodyPr lIns="0" rIns="0" tIns="0" bIns="0">
             <a:noAutofit/>
           </a:bodyPr>
-          <a:lstStyle/>
-          <a:p>
-            <a:endParaRPr lang="en-US" sz="2000" b="0" strike="noStrike" spc="-1">
+          <a:p>
+            <a:endParaRPr b="0" lang="en-US" sz="2000" spc="-1" strike="noStrike">
               <a:latin typeface="Arial"/>
             </a:endParaRPr>
           </a:p>
@@ -787,7 +660,7 @@
         <p:spPr>
           <a:xfrm>
             <a:off x="3884760" y="8685360"/>
-            <a:ext cx="2970000" cy="456840"/>
+            <a:ext cx="2969640" cy="456480"/>
           </a:xfrm>
           <a:prstGeom prst="rect">
             <a:avLst/>
@@ -798,38 +671,32 @@
           </a:ln>
         </p:spPr>
         <p:style>
-          <a:lnRef idx="0">
-            <a:scrgbClr r="0" g="0" b="0"/>
-          </a:lnRef>
-          <a:fillRef idx="0">
-            <a:scrgbClr r="0" g="0" b="0"/>
-          </a:fillRef>
-          <a:effectRef idx="0">
-            <a:scrgbClr r="0" g="0" b="0"/>
-          </a:effectRef>
+          <a:lnRef idx="0"/>
+          <a:fillRef idx="0"/>
+          <a:effectRef idx="0"/>
           <a:fontRef idx="minor"/>
         </p:style>
         <p:txBody>
-          <a:bodyPr lIns="90000" tIns="45000" rIns="90000" bIns="45000" anchor="b">
+          <a:bodyPr lIns="90000" rIns="90000" tIns="45000" bIns="45000" anchor="b">
             <a:noAutofit/>
           </a:bodyPr>
-          <a:lstStyle/>
           <a:p>
             <a:pPr algn="r">
               <a:lnSpc>
                 <a:spcPct val="100000"/>
               </a:lnSpc>
             </a:pPr>
-            <a:fld id="{BED467CF-39DB-43BE-8766-EF6D8516F4A8}" type="slidenum">
-              <a:rPr lang="en-US" sz="1200" b="0" strike="noStrike" spc="-1">
+            <a:fld id="{DF957554-2824-4EED-98FF-73BE7252DBFA}" type="slidenum">
+              <a:rPr b="0" lang="en-US" sz="1200" spc="-1" strike="noStrike">
                 <a:solidFill>
                   <a:srgbClr val="000000"/>
                 </a:solidFill>
                 <a:latin typeface="Times New Roman"/>
-              </a:rPr>
-              <a:t>4</a:t>
+                <a:ea typeface="+mn-ea"/>
+              </a:rPr>
+              <a:t>&lt;number&gt;</a:t>
             </a:fld>
-            <a:endParaRPr lang="en-US" sz="1200" b="0" strike="noStrike" spc="-1">
+            <a:endParaRPr b="0" lang="en-US" sz="1200" spc="-1" strike="noStrike">
               <a:latin typeface="Arial"/>
             </a:endParaRPr>
           </a:p>
@@ -837,14 +704,11 @@
       </p:sp>
     </p:spTree>
   </p:cSld>
-  <p:clrMapOvr>
-    <a:masterClrMapping/>
-  </p:clrMapOvr>
 </p:notes>
 </file>
 
 <file path=ppt/slideLayouts/slideLayout1.xml><?xml version="1.0" encoding="utf-8"?>
-<p:sldLayout xmlns:a="http://schemas.openxmlformats.org/drawingml/2006/main" xmlns:r="http://schemas.openxmlformats.org/officeDocument/2006/relationships" xmlns:p="http://schemas.openxmlformats.org/presentationml/2006/main" type="blank" preserve="1">
+<p:sldLayout xmlns:a="http://schemas.openxmlformats.org/drawingml/2006/main" xmlns:p="http://schemas.openxmlformats.org/presentationml/2006/main" xmlns:r="http://schemas.openxmlformats.org/officeDocument/2006/relationships" xmlns:p14="http://schemas.microsoft.com/office/powerpoint/2010/main" xmlns:p15="http://schemas.microsoft.com/office/powerpoint/2012/main" xmlns:mc="http://schemas.openxmlformats.org/markup-compatibility/2006" type="blank" preserve="1">
   <p:cSld name="Blank Slide">
     <p:spTree>
       <p:nvGrpSpPr>
@@ -862,14 +726,11 @@
       </p:grpSpPr>
     </p:spTree>
   </p:cSld>
-  <p:clrMapOvr>
-    <a:masterClrMapping/>
-  </p:clrMapOvr>
 </p:sldLayout>
 </file>
 
 <file path=ppt/slideLayouts/slideLayout10.xml><?xml version="1.0" encoding="utf-8"?>
-<p:sldLayout xmlns:a="http://schemas.openxmlformats.org/drawingml/2006/main" xmlns:r="http://schemas.openxmlformats.org/officeDocument/2006/relationships" xmlns:p="http://schemas.openxmlformats.org/presentationml/2006/main" type="objOverTx" preserve="1">
+<p:sldLayout xmlns:a="http://schemas.openxmlformats.org/drawingml/2006/main" xmlns:p="http://schemas.openxmlformats.org/presentationml/2006/main" xmlns:r="http://schemas.openxmlformats.org/officeDocument/2006/relationships" xmlns:p14="http://schemas.microsoft.com/office/powerpoint/2010/main" xmlns:p15="http://schemas.microsoft.com/office/powerpoint/2012/main" xmlns:mc="http://schemas.openxmlformats.org/markup-compatibility/2006" type="objOverTx" preserve="1">
   <p:cSld name="Title, Content over Content">
     <p:spTree>
       <p:nvGrpSpPr>
@@ -905,13 +766,14 @@
           </a:prstGeom>
         </p:spPr>
         <p:txBody>
-          <a:bodyPr lIns="0" tIns="0" rIns="0" bIns="0" anchor="ctr">
+          <a:bodyPr lIns="0" rIns="0" tIns="0" bIns="0" anchor="ctr">
             <a:noAutofit/>
           </a:bodyPr>
-          <a:lstStyle/>
-          <a:p>
-            <a:pPr algn="ctr"/>
-            <a:endParaRPr lang="en-US" sz="4400" b="0" strike="noStrike" spc="-1">
+          <a:p>
+            <a:endParaRPr b="0" lang="en-US" sz="1800" spc="-1" strike="noStrike">
+              <a:solidFill>
+                <a:srgbClr val="000000"/>
+              </a:solidFill>
               <a:latin typeface="Arial"/>
             </a:endParaRPr>
           </a:p>
@@ -937,12 +799,14 @@
           </a:prstGeom>
         </p:spPr>
         <p:txBody>
-          <a:bodyPr lIns="0" tIns="0" rIns="0" bIns="0">
+          <a:bodyPr lIns="0" rIns="0" tIns="0" bIns="0">
             <a:normAutofit/>
           </a:bodyPr>
-          <a:lstStyle/>
-          <a:p>
-            <a:endParaRPr lang="en-US" sz="3200" b="0" strike="noStrike" spc="-1">
+          <a:p>
+            <a:endParaRPr b="0" lang="en-US" sz="2800" spc="-1" strike="noStrike">
+              <a:solidFill>
+                <a:srgbClr val="000000"/>
+              </a:solidFill>
               <a:latin typeface="Arial"/>
             </a:endParaRPr>
           </a:p>
@@ -968,12 +832,14 @@
           </a:prstGeom>
         </p:spPr>
         <p:txBody>
-          <a:bodyPr lIns="0" tIns="0" rIns="0" bIns="0">
+          <a:bodyPr lIns="0" rIns="0" tIns="0" bIns="0">
             <a:normAutofit/>
           </a:bodyPr>
-          <a:lstStyle/>
-          <a:p>
-            <a:endParaRPr lang="en-US" sz="3200" b="0" strike="noStrike" spc="-1">
+          <a:p>
+            <a:endParaRPr b="0" lang="en-US" sz="2800" spc="-1" strike="noStrike">
+              <a:solidFill>
+                <a:srgbClr val="000000"/>
+              </a:solidFill>
               <a:latin typeface="Arial"/>
             </a:endParaRPr>
           </a:p>
@@ -981,14 +847,11 @@
       </p:sp>
     </p:spTree>
   </p:cSld>
-  <p:clrMapOvr>
-    <a:masterClrMapping/>
-  </p:clrMapOvr>
 </p:sldLayout>
 </file>
 
 <file path=ppt/slideLayouts/slideLayout11.xml><?xml version="1.0" encoding="utf-8"?>
-<p:sldLayout xmlns:a="http://schemas.openxmlformats.org/drawingml/2006/main" xmlns:r="http://schemas.openxmlformats.org/officeDocument/2006/relationships" xmlns:p="http://schemas.openxmlformats.org/presentationml/2006/main" type="fourObj" preserve="1">
+<p:sldLayout xmlns:a="http://schemas.openxmlformats.org/drawingml/2006/main" xmlns:p="http://schemas.openxmlformats.org/presentationml/2006/main" xmlns:r="http://schemas.openxmlformats.org/officeDocument/2006/relationships" xmlns:p14="http://schemas.microsoft.com/office/powerpoint/2010/main" xmlns:p15="http://schemas.microsoft.com/office/powerpoint/2012/main" xmlns:mc="http://schemas.openxmlformats.org/markup-compatibility/2006" type="fourObj" preserve="1">
   <p:cSld name="Title, 4 Content">
     <p:spTree>
       <p:nvGrpSpPr>
@@ -1024,13 +887,14 @@
           </a:prstGeom>
         </p:spPr>
         <p:txBody>
-          <a:bodyPr lIns="0" tIns="0" rIns="0" bIns="0" anchor="ctr">
+          <a:bodyPr lIns="0" rIns="0" tIns="0" bIns="0" anchor="ctr">
             <a:noAutofit/>
           </a:bodyPr>
-          <a:lstStyle/>
-          <a:p>
-            <a:pPr algn="ctr"/>
-            <a:endParaRPr lang="en-US" sz="4400" b="0" strike="noStrike" spc="-1">
+          <a:p>
+            <a:endParaRPr b="0" lang="en-US" sz="1800" spc="-1" strike="noStrike">
+              <a:solidFill>
+                <a:srgbClr val="000000"/>
+              </a:solidFill>
               <a:latin typeface="Arial"/>
             </a:endParaRPr>
           </a:p>
@@ -1056,12 +920,14 @@
           </a:prstGeom>
         </p:spPr>
         <p:txBody>
-          <a:bodyPr lIns="0" tIns="0" rIns="0" bIns="0">
+          <a:bodyPr lIns="0" rIns="0" tIns="0" bIns="0">
             <a:normAutofit/>
           </a:bodyPr>
-          <a:lstStyle/>
-          <a:p>
-            <a:endParaRPr lang="en-US" sz="3200" b="0" strike="noStrike" spc="-1">
+          <a:p>
+            <a:endParaRPr b="0" lang="en-US" sz="2800" spc="-1" strike="noStrike">
+              <a:solidFill>
+                <a:srgbClr val="000000"/>
+              </a:solidFill>
               <a:latin typeface="Arial"/>
             </a:endParaRPr>
           </a:p>
@@ -1087,12 +953,14 @@
           </a:prstGeom>
         </p:spPr>
         <p:txBody>
-          <a:bodyPr lIns="0" tIns="0" rIns="0" bIns="0">
+          <a:bodyPr lIns="0" rIns="0" tIns="0" bIns="0">
             <a:normAutofit/>
           </a:bodyPr>
-          <a:lstStyle/>
-          <a:p>
-            <a:endParaRPr lang="en-US" sz="3200" b="0" strike="noStrike" spc="-1">
+          <a:p>
+            <a:endParaRPr b="0" lang="en-US" sz="2800" spc="-1" strike="noStrike">
+              <a:solidFill>
+                <a:srgbClr val="000000"/>
+              </a:solidFill>
               <a:latin typeface="Arial"/>
             </a:endParaRPr>
           </a:p>
@@ -1118,12 +986,14 @@
           </a:prstGeom>
         </p:spPr>
         <p:txBody>
-          <a:bodyPr lIns="0" tIns="0" rIns="0" bIns="0">
+          <a:bodyPr lIns="0" rIns="0" tIns="0" bIns="0">
             <a:normAutofit/>
           </a:bodyPr>
-          <a:lstStyle/>
-          <a:p>
-            <a:endParaRPr lang="en-US" sz="3200" b="0" strike="noStrike" spc="-1">
+          <a:p>
+            <a:endParaRPr b="0" lang="en-US" sz="2800" spc="-1" strike="noStrike">
+              <a:solidFill>
+                <a:srgbClr val="000000"/>
+              </a:solidFill>
               <a:latin typeface="Arial"/>
             </a:endParaRPr>
           </a:p>
@@ -1149,12 +1019,14 @@
           </a:prstGeom>
         </p:spPr>
         <p:txBody>
-          <a:bodyPr lIns="0" tIns="0" rIns="0" bIns="0">
+          <a:bodyPr lIns="0" rIns="0" tIns="0" bIns="0">
             <a:normAutofit/>
           </a:bodyPr>
-          <a:lstStyle/>
-          <a:p>
-            <a:endParaRPr lang="en-US" sz="3200" b="0" strike="noStrike" spc="-1">
+          <a:p>
+            <a:endParaRPr b="0" lang="en-US" sz="2800" spc="-1" strike="noStrike">
+              <a:solidFill>
+                <a:srgbClr val="000000"/>
+              </a:solidFill>
               <a:latin typeface="Arial"/>
             </a:endParaRPr>
           </a:p>
@@ -1162,14 +1034,11 @@
       </p:sp>
     </p:spTree>
   </p:cSld>
-  <p:clrMapOvr>
-    <a:masterClrMapping/>
-  </p:clrMapOvr>
 </p:sldLayout>
 </file>
 
 <file path=ppt/slideLayouts/slideLayout12.xml><?xml version="1.0" encoding="utf-8"?>
-<p:sldLayout xmlns:a="http://schemas.openxmlformats.org/drawingml/2006/main" xmlns:r="http://schemas.openxmlformats.org/officeDocument/2006/relationships" xmlns:p="http://schemas.openxmlformats.org/presentationml/2006/main" type="blank" preserve="1">
+<p:sldLayout xmlns:a="http://schemas.openxmlformats.org/drawingml/2006/main" xmlns:p="http://schemas.openxmlformats.org/presentationml/2006/main" xmlns:r="http://schemas.openxmlformats.org/officeDocument/2006/relationships" xmlns:p14="http://schemas.microsoft.com/office/powerpoint/2010/main" xmlns:p15="http://schemas.microsoft.com/office/powerpoint/2012/main" xmlns:mc="http://schemas.openxmlformats.org/markup-compatibility/2006" type="blank" preserve="1">
   <p:cSld name="Title, 6 Content">
     <p:spTree>
       <p:nvGrpSpPr>
@@ -1205,13 +1074,14 @@
           </a:prstGeom>
         </p:spPr>
         <p:txBody>
-          <a:bodyPr lIns="0" tIns="0" rIns="0" bIns="0" anchor="ctr">
+          <a:bodyPr lIns="0" rIns="0" tIns="0" bIns="0" anchor="ctr">
             <a:noAutofit/>
           </a:bodyPr>
-          <a:lstStyle/>
-          <a:p>
-            <a:pPr algn="ctr"/>
-            <a:endParaRPr lang="en-US" sz="4400" b="0" strike="noStrike" spc="-1">
+          <a:p>
+            <a:endParaRPr b="0" lang="en-US" sz="1800" spc="-1" strike="noStrike">
+              <a:solidFill>
+                <a:srgbClr val="000000"/>
+              </a:solidFill>
               <a:latin typeface="Arial"/>
             </a:endParaRPr>
           </a:p>
@@ -1237,12 +1107,14 @@
           </a:prstGeom>
         </p:spPr>
         <p:txBody>
-          <a:bodyPr lIns="0" tIns="0" rIns="0" bIns="0">
+          <a:bodyPr lIns="0" rIns="0" tIns="0" bIns="0">
             <a:normAutofit/>
           </a:bodyPr>
-          <a:lstStyle/>
-          <a:p>
-            <a:endParaRPr lang="en-US" sz="3200" b="0" strike="noStrike" spc="-1">
+          <a:p>
+            <a:endParaRPr b="0" lang="en-US" sz="2800" spc="-1" strike="noStrike">
+              <a:solidFill>
+                <a:srgbClr val="000000"/>
+              </a:solidFill>
               <a:latin typeface="Arial"/>
             </a:endParaRPr>
           </a:p>
@@ -1268,12 +1140,14 @@
           </a:prstGeom>
         </p:spPr>
         <p:txBody>
-          <a:bodyPr lIns="0" tIns="0" rIns="0" bIns="0">
+          <a:bodyPr lIns="0" rIns="0" tIns="0" bIns="0">
             <a:normAutofit/>
           </a:bodyPr>
-          <a:lstStyle/>
-          <a:p>
-            <a:endParaRPr lang="en-US" sz="3200" b="0" strike="noStrike" spc="-1">
+          <a:p>
+            <a:endParaRPr b="0" lang="en-US" sz="2800" spc="-1" strike="noStrike">
+              <a:solidFill>
+                <a:srgbClr val="000000"/>
+              </a:solidFill>
               <a:latin typeface="Arial"/>
             </a:endParaRPr>
           </a:p>
@@ -1299,12 +1173,14 @@
           </a:prstGeom>
         </p:spPr>
         <p:txBody>
-          <a:bodyPr lIns="0" tIns="0" rIns="0" bIns="0">
+          <a:bodyPr lIns="0" rIns="0" tIns="0" bIns="0">
             <a:normAutofit/>
           </a:bodyPr>
-          <a:lstStyle/>
-          <a:p>
-            <a:endParaRPr lang="en-US" sz="3200" b="0" strike="noStrike" spc="-1">
+          <a:p>
+            <a:endParaRPr b="0" lang="en-US" sz="2800" spc="-1" strike="noStrike">
+              <a:solidFill>
+                <a:srgbClr val="000000"/>
+              </a:solidFill>
               <a:latin typeface="Arial"/>
             </a:endParaRPr>
           </a:p>
@@ -1330,12 +1206,14 @@
           </a:prstGeom>
         </p:spPr>
         <p:txBody>
-          <a:bodyPr lIns="0" tIns="0" rIns="0" bIns="0">
+          <a:bodyPr lIns="0" rIns="0" tIns="0" bIns="0">
             <a:normAutofit/>
           </a:bodyPr>
-          <a:lstStyle/>
-          <a:p>
-            <a:endParaRPr lang="en-US" sz="3200" b="0" strike="noStrike" spc="-1">
+          <a:p>
+            <a:endParaRPr b="0" lang="en-US" sz="2800" spc="-1" strike="noStrike">
+              <a:solidFill>
+                <a:srgbClr val="000000"/>
+              </a:solidFill>
               <a:latin typeface="Arial"/>
             </a:endParaRPr>
           </a:p>
@@ -1361,12 +1239,14 @@
           </a:prstGeom>
         </p:spPr>
         <p:txBody>
-          <a:bodyPr lIns="0" tIns="0" rIns="0" bIns="0">
+          <a:bodyPr lIns="0" rIns="0" tIns="0" bIns="0">
             <a:normAutofit/>
           </a:bodyPr>
-          <a:lstStyle/>
-          <a:p>
-            <a:endParaRPr lang="en-US" sz="3200" b="0" strike="noStrike" spc="-1">
+          <a:p>
+            <a:endParaRPr b="0" lang="en-US" sz="2800" spc="-1" strike="noStrike">
+              <a:solidFill>
+                <a:srgbClr val="000000"/>
+              </a:solidFill>
               <a:latin typeface="Arial"/>
             </a:endParaRPr>
           </a:p>
@@ -1392,12 +1272,14 @@
           </a:prstGeom>
         </p:spPr>
         <p:txBody>
-          <a:bodyPr lIns="0" tIns="0" rIns="0" bIns="0">
+          <a:bodyPr lIns="0" rIns="0" tIns="0" bIns="0">
             <a:normAutofit/>
           </a:bodyPr>
-          <a:lstStyle/>
-          <a:p>
-            <a:endParaRPr lang="en-US" sz="3200" b="0" strike="noStrike" spc="-1">
+          <a:p>
+            <a:endParaRPr b="0" lang="en-US" sz="2800" spc="-1" strike="noStrike">
+              <a:solidFill>
+                <a:srgbClr val="000000"/>
+              </a:solidFill>
               <a:latin typeface="Arial"/>
             </a:endParaRPr>
           </a:p>
@@ -1405,14 +1287,11 @@
       </p:sp>
     </p:spTree>
   </p:cSld>
-  <p:clrMapOvr>
-    <a:masterClrMapping/>
-  </p:clrMapOvr>
 </p:sldLayout>
 </file>
 
 <file path=ppt/slideLayouts/slideLayout13.xml><?xml version="1.0" encoding="utf-8"?>
-<p:sldLayout xmlns:a="http://schemas.openxmlformats.org/drawingml/2006/main" xmlns:r="http://schemas.openxmlformats.org/officeDocument/2006/relationships" xmlns:p="http://schemas.openxmlformats.org/presentationml/2006/main" type="blank" preserve="1">
+<p:sldLayout xmlns:a="http://schemas.openxmlformats.org/drawingml/2006/main" xmlns:p="http://schemas.openxmlformats.org/presentationml/2006/main" xmlns:r="http://schemas.openxmlformats.org/officeDocument/2006/relationships" xmlns:p14="http://schemas.microsoft.com/office/powerpoint/2010/main" xmlns:p15="http://schemas.microsoft.com/office/powerpoint/2012/main" xmlns:mc="http://schemas.openxmlformats.org/markup-compatibility/2006" type="blank" preserve="1">
   <p:cSld name="Blank Slide">
     <p:spTree>
       <p:nvGrpSpPr>
@@ -1430,14 +1309,11 @@
       </p:grpSpPr>
     </p:spTree>
   </p:cSld>
-  <p:clrMapOvr>
-    <a:masterClrMapping/>
-  </p:clrMapOvr>
 </p:sldLayout>
 </file>
 
 <file path=ppt/slideLayouts/slideLayout14.xml><?xml version="1.0" encoding="utf-8"?>
-<p:sldLayout xmlns:a="http://schemas.openxmlformats.org/drawingml/2006/main" xmlns:r="http://schemas.openxmlformats.org/officeDocument/2006/relationships" xmlns:p="http://schemas.openxmlformats.org/presentationml/2006/main" type="tx" preserve="1">
+<p:sldLayout xmlns:a="http://schemas.openxmlformats.org/drawingml/2006/main" xmlns:p="http://schemas.openxmlformats.org/presentationml/2006/main" xmlns:r="http://schemas.openxmlformats.org/officeDocument/2006/relationships" xmlns:p14="http://schemas.microsoft.com/office/powerpoint/2010/main" xmlns:p15="http://schemas.microsoft.com/office/powerpoint/2012/main" xmlns:mc="http://schemas.openxmlformats.org/markup-compatibility/2006" type="tx" preserve="1">
   <p:cSld name="Title Slide">
     <p:spTree>
       <p:nvGrpSpPr>
@@ -1473,13 +1349,14 @@
           </a:prstGeom>
         </p:spPr>
         <p:txBody>
-          <a:bodyPr lIns="0" tIns="0" rIns="0" bIns="0" anchor="ctr">
+          <a:bodyPr lIns="0" rIns="0" tIns="0" bIns="0" anchor="ctr">
             <a:noAutofit/>
           </a:bodyPr>
-          <a:lstStyle/>
-          <a:p>
-            <a:pPr algn="ctr"/>
-            <a:endParaRPr lang="en-US" sz="4400" b="0" strike="noStrike" spc="-1">
+          <a:p>
+            <a:endParaRPr b="0" lang="en-US" sz="1800" spc="-1" strike="noStrike">
+              <a:solidFill>
+                <a:srgbClr val="000000"/>
+              </a:solidFill>
               <a:latin typeface="Arial"/>
             </a:endParaRPr>
           </a:p>
@@ -1505,13 +1382,12 @@
           </a:prstGeom>
         </p:spPr>
         <p:txBody>
-          <a:bodyPr lIns="0" tIns="0" rIns="0" bIns="0" anchor="ctr">
+          <a:bodyPr lIns="0" rIns="0" tIns="0" bIns="0" anchor="ctr">
             <a:noAutofit/>
           </a:bodyPr>
-          <a:lstStyle/>
           <a:p>
             <a:pPr algn="ctr"/>
-            <a:endParaRPr lang="en-US" sz="3200" b="0" strike="noStrike" spc="-1">
+            <a:endParaRPr b="0" lang="en-US" sz="3200" spc="-1" strike="noStrike">
               <a:latin typeface="Arial"/>
             </a:endParaRPr>
           </a:p>
@@ -1519,14 +1395,11 @@
       </p:sp>
     </p:spTree>
   </p:cSld>
-  <p:clrMapOvr>
-    <a:masterClrMapping/>
-  </p:clrMapOvr>
 </p:sldLayout>
 </file>
 
 <file path=ppt/slideLayouts/slideLayout15.xml><?xml version="1.0" encoding="utf-8"?>
-<p:sldLayout xmlns:a="http://schemas.openxmlformats.org/drawingml/2006/main" xmlns:r="http://schemas.openxmlformats.org/officeDocument/2006/relationships" xmlns:p="http://schemas.openxmlformats.org/presentationml/2006/main" type="obj" preserve="1">
+<p:sldLayout xmlns:a="http://schemas.openxmlformats.org/drawingml/2006/main" xmlns:p="http://schemas.openxmlformats.org/presentationml/2006/main" xmlns:r="http://schemas.openxmlformats.org/officeDocument/2006/relationships" xmlns:p14="http://schemas.microsoft.com/office/powerpoint/2010/main" xmlns:p15="http://schemas.microsoft.com/office/powerpoint/2012/main" xmlns:mc="http://schemas.openxmlformats.org/markup-compatibility/2006" type="obj" preserve="1">
   <p:cSld name="Title, Content">
     <p:spTree>
       <p:nvGrpSpPr>
@@ -1562,13 +1435,14 @@
           </a:prstGeom>
         </p:spPr>
         <p:txBody>
-          <a:bodyPr lIns="0" tIns="0" rIns="0" bIns="0" anchor="ctr">
+          <a:bodyPr lIns="0" rIns="0" tIns="0" bIns="0" anchor="ctr">
             <a:noAutofit/>
           </a:bodyPr>
-          <a:lstStyle/>
-          <a:p>
-            <a:pPr algn="ctr"/>
-            <a:endParaRPr lang="en-US" sz="4400" b="0" strike="noStrike" spc="-1">
+          <a:p>
+            <a:endParaRPr b="0" lang="en-US" sz="1800" spc="-1" strike="noStrike">
+              <a:solidFill>
+                <a:srgbClr val="000000"/>
+              </a:solidFill>
               <a:latin typeface="Arial"/>
             </a:endParaRPr>
           </a:p>
@@ -1594,12 +1468,14 @@
           </a:prstGeom>
         </p:spPr>
         <p:txBody>
-          <a:bodyPr lIns="0" tIns="0" rIns="0" bIns="0">
+          <a:bodyPr lIns="0" rIns="0" tIns="0" bIns="0">
             <a:normAutofit/>
           </a:bodyPr>
-          <a:lstStyle/>
-          <a:p>
-            <a:endParaRPr lang="en-US" sz="3200" b="0" strike="noStrike" spc="-1">
+          <a:p>
+            <a:endParaRPr b="0" lang="en-US" sz="2800" spc="-1" strike="noStrike">
+              <a:solidFill>
+                <a:srgbClr val="000000"/>
+              </a:solidFill>
               <a:latin typeface="Arial"/>
             </a:endParaRPr>
           </a:p>
@@ -1607,14 +1483,11 @@
       </p:sp>
     </p:spTree>
   </p:cSld>
-  <p:clrMapOvr>
-    <a:masterClrMapping/>
-  </p:clrMapOvr>
 </p:sldLayout>
 </file>
 
 <file path=ppt/slideLayouts/slideLayout16.xml><?xml version="1.0" encoding="utf-8"?>
-<p:sldLayout xmlns:a="http://schemas.openxmlformats.org/drawingml/2006/main" xmlns:r="http://schemas.openxmlformats.org/officeDocument/2006/relationships" xmlns:p="http://schemas.openxmlformats.org/presentationml/2006/main" type="twoObj" preserve="1">
+<p:sldLayout xmlns:a="http://schemas.openxmlformats.org/drawingml/2006/main" xmlns:p="http://schemas.openxmlformats.org/presentationml/2006/main" xmlns:r="http://schemas.openxmlformats.org/officeDocument/2006/relationships" xmlns:p14="http://schemas.microsoft.com/office/powerpoint/2010/main" xmlns:p15="http://schemas.microsoft.com/office/powerpoint/2012/main" xmlns:mc="http://schemas.openxmlformats.org/markup-compatibility/2006" type="twoObj" preserve="1">
   <p:cSld name="Title, 2 Content">
     <p:spTree>
       <p:nvGrpSpPr>
@@ -1650,13 +1523,14 @@
           </a:prstGeom>
         </p:spPr>
         <p:txBody>
-          <a:bodyPr lIns="0" tIns="0" rIns="0" bIns="0" anchor="ctr">
+          <a:bodyPr lIns="0" rIns="0" tIns="0" bIns="0" anchor="ctr">
             <a:noAutofit/>
           </a:bodyPr>
-          <a:lstStyle/>
-          <a:p>
-            <a:pPr algn="ctr"/>
-            <a:endParaRPr lang="en-US" sz="4400" b="0" strike="noStrike" spc="-1">
+          <a:p>
+            <a:endParaRPr b="0" lang="en-US" sz="1800" spc="-1" strike="noStrike">
+              <a:solidFill>
+                <a:srgbClr val="000000"/>
+              </a:solidFill>
               <a:latin typeface="Arial"/>
             </a:endParaRPr>
           </a:p>
@@ -1682,12 +1556,14 @@
           </a:prstGeom>
         </p:spPr>
         <p:txBody>
-          <a:bodyPr lIns="0" tIns="0" rIns="0" bIns="0">
+          <a:bodyPr lIns="0" rIns="0" tIns="0" bIns="0">
             <a:normAutofit/>
           </a:bodyPr>
-          <a:lstStyle/>
-          <a:p>
-            <a:endParaRPr lang="en-US" sz="3200" b="0" strike="noStrike" spc="-1">
+          <a:p>
+            <a:endParaRPr b="0" lang="en-US" sz="2800" spc="-1" strike="noStrike">
+              <a:solidFill>
+                <a:srgbClr val="000000"/>
+              </a:solidFill>
               <a:latin typeface="Arial"/>
             </a:endParaRPr>
           </a:p>
@@ -1713,12 +1589,14 @@
           </a:prstGeom>
         </p:spPr>
         <p:txBody>
-          <a:bodyPr lIns="0" tIns="0" rIns="0" bIns="0">
+          <a:bodyPr lIns="0" rIns="0" tIns="0" bIns="0">
             <a:normAutofit/>
           </a:bodyPr>
-          <a:lstStyle/>
-          <a:p>
-            <a:endParaRPr lang="en-US" sz="3200" b="0" strike="noStrike" spc="-1">
+          <a:p>
+            <a:endParaRPr b="0" lang="en-US" sz="2800" spc="-1" strike="noStrike">
+              <a:solidFill>
+                <a:srgbClr val="000000"/>
+              </a:solidFill>
               <a:latin typeface="Arial"/>
             </a:endParaRPr>
           </a:p>
@@ -1726,14 +1604,11 @@
       </p:sp>
     </p:spTree>
   </p:cSld>
-  <p:clrMapOvr>
-    <a:masterClrMapping/>
-  </p:clrMapOvr>
 </p:sldLayout>
 </file>
 
 <file path=ppt/slideLayouts/slideLayout17.xml><?xml version="1.0" encoding="utf-8"?>
-<p:sldLayout xmlns:a="http://schemas.openxmlformats.org/drawingml/2006/main" xmlns:r="http://schemas.openxmlformats.org/officeDocument/2006/relationships" xmlns:p="http://schemas.openxmlformats.org/presentationml/2006/main" type="titleOnly" preserve="1">
+<p:sldLayout xmlns:a="http://schemas.openxmlformats.org/drawingml/2006/main" xmlns:p="http://schemas.openxmlformats.org/presentationml/2006/main" xmlns:r="http://schemas.openxmlformats.org/officeDocument/2006/relationships" xmlns:p14="http://schemas.microsoft.com/office/powerpoint/2010/main" xmlns:p15="http://schemas.microsoft.com/office/powerpoint/2012/main" xmlns:mc="http://schemas.openxmlformats.org/markup-compatibility/2006" type="titleOnly" preserve="1">
   <p:cSld name="Title Only">
     <p:spTree>
       <p:nvGrpSpPr>
@@ -1769,13 +1644,14 @@
           </a:prstGeom>
         </p:spPr>
         <p:txBody>
-          <a:bodyPr lIns="0" tIns="0" rIns="0" bIns="0" anchor="ctr">
+          <a:bodyPr lIns="0" rIns="0" tIns="0" bIns="0" anchor="ctr">
             <a:noAutofit/>
           </a:bodyPr>
-          <a:lstStyle/>
-          <a:p>
-            <a:pPr algn="ctr"/>
-            <a:endParaRPr lang="en-US" sz="4400" b="0" strike="noStrike" spc="-1">
+          <a:p>
+            <a:endParaRPr b="0" lang="en-US" sz="1800" spc="-1" strike="noStrike">
+              <a:solidFill>
+                <a:srgbClr val="000000"/>
+              </a:solidFill>
               <a:latin typeface="Arial"/>
             </a:endParaRPr>
           </a:p>
@@ -1783,14 +1659,11 @@
       </p:sp>
     </p:spTree>
   </p:cSld>
-  <p:clrMapOvr>
-    <a:masterClrMapping/>
-  </p:clrMapOvr>
 </p:sldLayout>
 </file>
 
 <file path=ppt/slideLayouts/slideLayout18.xml><?xml version="1.0" encoding="utf-8"?>
-<p:sldLayout xmlns:a="http://schemas.openxmlformats.org/drawingml/2006/main" xmlns:r="http://schemas.openxmlformats.org/officeDocument/2006/relationships" xmlns:p="http://schemas.openxmlformats.org/presentationml/2006/main" type="objOnly" preserve="1">
+<p:sldLayout xmlns:a="http://schemas.openxmlformats.org/drawingml/2006/main" xmlns:p="http://schemas.openxmlformats.org/presentationml/2006/main" xmlns:r="http://schemas.openxmlformats.org/officeDocument/2006/relationships" xmlns:p14="http://schemas.microsoft.com/office/powerpoint/2010/main" xmlns:p15="http://schemas.microsoft.com/office/powerpoint/2012/main" xmlns:mc="http://schemas.openxmlformats.org/markup-compatibility/2006" type="objOnly" preserve="1">
   <p:cSld name="Centered Text">
     <p:spTree>
       <p:nvGrpSpPr>
@@ -1826,13 +1699,12 @@
           </a:prstGeom>
         </p:spPr>
         <p:txBody>
-          <a:bodyPr lIns="0" tIns="0" rIns="0" bIns="0" anchor="ctr">
+          <a:bodyPr lIns="0" rIns="0" tIns="0" bIns="0" anchor="ctr">
             <a:noAutofit/>
           </a:bodyPr>
-          <a:lstStyle/>
           <a:p>
             <a:pPr algn="ctr"/>
-            <a:endParaRPr lang="en-US" sz="3200" b="0" strike="noStrike" spc="-1">
+            <a:endParaRPr b="0" lang="en-US" sz="3200" spc="-1" strike="noStrike">
               <a:latin typeface="Arial"/>
             </a:endParaRPr>
           </a:p>
@@ -1840,14 +1712,11 @@
       </p:sp>
     </p:spTree>
   </p:cSld>
-  <p:clrMapOvr>
-    <a:masterClrMapping/>
-  </p:clrMapOvr>
 </p:sldLayout>
 </file>
 
 <file path=ppt/slideLayouts/slideLayout19.xml><?xml version="1.0" encoding="utf-8"?>
-<p:sldLayout xmlns:a="http://schemas.openxmlformats.org/drawingml/2006/main" xmlns:r="http://schemas.openxmlformats.org/officeDocument/2006/relationships" xmlns:p="http://schemas.openxmlformats.org/presentationml/2006/main" type="twoObjAndObj" preserve="1">
+<p:sldLayout xmlns:a="http://schemas.openxmlformats.org/drawingml/2006/main" xmlns:p="http://schemas.openxmlformats.org/presentationml/2006/main" xmlns:r="http://schemas.openxmlformats.org/officeDocument/2006/relationships" xmlns:p14="http://schemas.microsoft.com/office/powerpoint/2010/main" xmlns:p15="http://schemas.microsoft.com/office/powerpoint/2012/main" xmlns:mc="http://schemas.openxmlformats.org/markup-compatibility/2006" type="twoObjAndObj" preserve="1">
   <p:cSld name="Title, 2 Content and Content">
     <p:spTree>
       <p:nvGrpSpPr>
@@ -1883,13 +1752,14 @@
           </a:prstGeom>
         </p:spPr>
         <p:txBody>
-          <a:bodyPr lIns="0" tIns="0" rIns="0" bIns="0" anchor="ctr">
+          <a:bodyPr lIns="0" rIns="0" tIns="0" bIns="0" anchor="ctr">
             <a:noAutofit/>
           </a:bodyPr>
-          <a:lstStyle/>
-          <a:p>
-            <a:pPr algn="ctr"/>
-            <a:endParaRPr lang="en-US" sz="4400" b="0" strike="noStrike" spc="-1">
+          <a:p>
+            <a:endParaRPr b="0" lang="en-US" sz="1800" spc="-1" strike="noStrike">
+              <a:solidFill>
+                <a:srgbClr val="000000"/>
+              </a:solidFill>
               <a:latin typeface="Arial"/>
             </a:endParaRPr>
           </a:p>
@@ -1915,12 +1785,14 @@
           </a:prstGeom>
         </p:spPr>
         <p:txBody>
-          <a:bodyPr lIns="0" tIns="0" rIns="0" bIns="0">
+          <a:bodyPr lIns="0" rIns="0" tIns="0" bIns="0">
             <a:normAutofit/>
           </a:bodyPr>
-          <a:lstStyle/>
-          <a:p>
-            <a:endParaRPr lang="en-US" sz="3200" b="0" strike="noStrike" spc="-1">
+          <a:p>
+            <a:endParaRPr b="0" lang="en-US" sz="2800" spc="-1" strike="noStrike">
+              <a:solidFill>
+                <a:srgbClr val="000000"/>
+              </a:solidFill>
               <a:latin typeface="Arial"/>
             </a:endParaRPr>
           </a:p>
@@ -1946,12 +1818,14 @@
           </a:prstGeom>
         </p:spPr>
         <p:txBody>
-          <a:bodyPr lIns="0" tIns="0" rIns="0" bIns="0">
+          <a:bodyPr lIns="0" rIns="0" tIns="0" bIns="0">
             <a:normAutofit/>
           </a:bodyPr>
-          <a:lstStyle/>
-          <a:p>
-            <a:endParaRPr lang="en-US" sz="3200" b="0" strike="noStrike" spc="-1">
+          <a:p>
+            <a:endParaRPr b="0" lang="en-US" sz="2800" spc="-1" strike="noStrike">
+              <a:solidFill>
+                <a:srgbClr val="000000"/>
+              </a:solidFill>
               <a:latin typeface="Arial"/>
             </a:endParaRPr>
           </a:p>
@@ -1977,12 +1851,14 @@
           </a:prstGeom>
         </p:spPr>
         <p:txBody>
-          <a:bodyPr lIns="0" tIns="0" rIns="0" bIns="0">
+          <a:bodyPr lIns="0" rIns="0" tIns="0" bIns="0">
             <a:normAutofit/>
           </a:bodyPr>
-          <a:lstStyle/>
-          <a:p>
-            <a:endParaRPr lang="en-US" sz="3200" b="0" strike="noStrike" spc="-1">
+          <a:p>
+            <a:endParaRPr b="0" lang="en-US" sz="2800" spc="-1" strike="noStrike">
+              <a:solidFill>
+                <a:srgbClr val="000000"/>
+              </a:solidFill>
               <a:latin typeface="Arial"/>
             </a:endParaRPr>
           </a:p>
@@ -1990,14 +1866,11 @@
       </p:sp>
     </p:spTree>
   </p:cSld>
-  <p:clrMapOvr>
-    <a:masterClrMapping/>
-  </p:clrMapOvr>
 </p:sldLayout>
 </file>
 
 <file path=ppt/slideLayouts/slideLayout2.xml><?xml version="1.0" encoding="utf-8"?>
-<p:sldLayout xmlns:a="http://schemas.openxmlformats.org/drawingml/2006/main" xmlns:r="http://schemas.openxmlformats.org/officeDocument/2006/relationships" xmlns:p="http://schemas.openxmlformats.org/presentationml/2006/main" type="tx" preserve="1">
+<p:sldLayout xmlns:a="http://schemas.openxmlformats.org/drawingml/2006/main" xmlns:p="http://schemas.openxmlformats.org/presentationml/2006/main" xmlns:r="http://schemas.openxmlformats.org/officeDocument/2006/relationships" xmlns:p14="http://schemas.microsoft.com/office/powerpoint/2010/main" xmlns:p15="http://schemas.microsoft.com/office/powerpoint/2012/main" xmlns:mc="http://schemas.openxmlformats.org/markup-compatibility/2006" type="tx" preserve="1">
   <p:cSld name="Title Slide">
     <p:spTree>
       <p:nvGrpSpPr>
@@ -2033,13 +1906,14 @@
           </a:prstGeom>
         </p:spPr>
         <p:txBody>
-          <a:bodyPr lIns="0" tIns="0" rIns="0" bIns="0" anchor="ctr">
+          <a:bodyPr lIns="0" rIns="0" tIns="0" bIns="0" anchor="ctr">
             <a:noAutofit/>
           </a:bodyPr>
-          <a:lstStyle/>
-          <a:p>
-            <a:pPr algn="ctr"/>
-            <a:endParaRPr lang="en-US" sz="4400" b="0" strike="noStrike" spc="-1">
+          <a:p>
+            <a:endParaRPr b="0" lang="en-US" sz="1800" spc="-1" strike="noStrike">
+              <a:solidFill>
+                <a:srgbClr val="000000"/>
+              </a:solidFill>
               <a:latin typeface="Arial"/>
             </a:endParaRPr>
           </a:p>
@@ -2065,13 +1939,12 @@
           </a:prstGeom>
         </p:spPr>
         <p:txBody>
-          <a:bodyPr lIns="0" tIns="0" rIns="0" bIns="0" anchor="ctr">
+          <a:bodyPr lIns="0" rIns="0" tIns="0" bIns="0" anchor="ctr">
             <a:noAutofit/>
           </a:bodyPr>
-          <a:lstStyle/>
           <a:p>
             <a:pPr algn="ctr"/>
-            <a:endParaRPr lang="en-US" sz="3200" b="0" strike="noStrike" spc="-1">
+            <a:endParaRPr b="0" lang="en-US" sz="3200" spc="-1" strike="noStrike">
               <a:latin typeface="Arial"/>
             </a:endParaRPr>
           </a:p>
@@ -2079,14 +1952,11 @@
       </p:sp>
     </p:spTree>
   </p:cSld>
-  <p:clrMapOvr>
-    <a:masterClrMapping/>
-  </p:clrMapOvr>
 </p:sldLayout>
 </file>
 
 <file path=ppt/slideLayouts/slideLayout20.xml><?xml version="1.0" encoding="utf-8"?>
-<p:sldLayout xmlns:a="http://schemas.openxmlformats.org/drawingml/2006/main" xmlns:r="http://schemas.openxmlformats.org/officeDocument/2006/relationships" xmlns:p="http://schemas.openxmlformats.org/presentationml/2006/main" type="objAndTwoObj" preserve="1">
+<p:sldLayout xmlns:a="http://schemas.openxmlformats.org/drawingml/2006/main" xmlns:p="http://schemas.openxmlformats.org/presentationml/2006/main" xmlns:r="http://schemas.openxmlformats.org/officeDocument/2006/relationships" xmlns:p14="http://schemas.microsoft.com/office/powerpoint/2010/main" xmlns:p15="http://schemas.microsoft.com/office/powerpoint/2012/main" xmlns:mc="http://schemas.openxmlformats.org/markup-compatibility/2006" type="objAndTwoObj" preserve="1">
   <p:cSld name="Title Content and 2 Content">
     <p:spTree>
       <p:nvGrpSpPr>
@@ -2122,13 +1992,14 @@
           </a:prstGeom>
         </p:spPr>
         <p:txBody>
-          <a:bodyPr lIns="0" tIns="0" rIns="0" bIns="0" anchor="ctr">
+          <a:bodyPr lIns="0" rIns="0" tIns="0" bIns="0" anchor="ctr">
             <a:noAutofit/>
           </a:bodyPr>
-          <a:lstStyle/>
-          <a:p>
-            <a:pPr algn="ctr"/>
-            <a:endParaRPr lang="en-US" sz="4400" b="0" strike="noStrike" spc="-1">
+          <a:p>
+            <a:endParaRPr b="0" lang="en-US" sz="1800" spc="-1" strike="noStrike">
+              <a:solidFill>
+                <a:srgbClr val="000000"/>
+              </a:solidFill>
               <a:latin typeface="Arial"/>
             </a:endParaRPr>
           </a:p>
@@ -2154,12 +2025,14 @@
           </a:prstGeom>
         </p:spPr>
         <p:txBody>
-          <a:bodyPr lIns="0" tIns="0" rIns="0" bIns="0">
+          <a:bodyPr lIns="0" rIns="0" tIns="0" bIns="0">
             <a:normAutofit/>
           </a:bodyPr>
-          <a:lstStyle/>
-          <a:p>
-            <a:endParaRPr lang="en-US" sz="3200" b="0" strike="noStrike" spc="-1">
+          <a:p>
+            <a:endParaRPr b="0" lang="en-US" sz="2800" spc="-1" strike="noStrike">
+              <a:solidFill>
+                <a:srgbClr val="000000"/>
+              </a:solidFill>
               <a:latin typeface="Arial"/>
             </a:endParaRPr>
           </a:p>
@@ -2185,12 +2058,14 @@
           </a:prstGeom>
         </p:spPr>
         <p:txBody>
-          <a:bodyPr lIns="0" tIns="0" rIns="0" bIns="0">
+          <a:bodyPr lIns="0" rIns="0" tIns="0" bIns="0">
             <a:normAutofit/>
           </a:bodyPr>
-          <a:lstStyle/>
-          <a:p>
-            <a:endParaRPr lang="en-US" sz="3200" b="0" strike="noStrike" spc="-1">
+          <a:p>
+            <a:endParaRPr b="0" lang="en-US" sz="2800" spc="-1" strike="noStrike">
+              <a:solidFill>
+                <a:srgbClr val="000000"/>
+              </a:solidFill>
               <a:latin typeface="Arial"/>
             </a:endParaRPr>
           </a:p>
@@ -2216,12 +2091,14 @@
           </a:prstGeom>
         </p:spPr>
         <p:txBody>
-          <a:bodyPr lIns="0" tIns="0" rIns="0" bIns="0">
+          <a:bodyPr lIns="0" rIns="0" tIns="0" bIns="0">
             <a:normAutofit/>
           </a:bodyPr>
-          <a:lstStyle/>
-          <a:p>
-            <a:endParaRPr lang="en-US" sz="3200" b="0" strike="noStrike" spc="-1">
+          <a:p>
+            <a:endParaRPr b="0" lang="en-US" sz="2800" spc="-1" strike="noStrike">
+              <a:solidFill>
+                <a:srgbClr val="000000"/>
+              </a:solidFill>
               <a:latin typeface="Arial"/>
             </a:endParaRPr>
           </a:p>
@@ -2229,14 +2106,11 @@
       </p:sp>
     </p:spTree>
   </p:cSld>
-  <p:clrMapOvr>
-    <a:masterClrMapping/>
-  </p:clrMapOvr>
 </p:sldLayout>
 </file>
 
 <file path=ppt/slideLayouts/slideLayout21.xml><?xml version="1.0" encoding="utf-8"?>
-<p:sldLayout xmlns:a="http://schemas.openxmlformats.org/drawingml/2006/main" xmlns:r="http://schemas.openxmlformats.org/officeDocument/2006/relationships" xmlns:p="http://schemas.openxmlformats.org/presentationml/2006/main" type="twoObjOverTx" preserve="1">
+<p:sldLayout xmlns:a="http://schemas.openxmlformats.org/drawingml/2006/main" xmlns:p="http://schemas.openxmlformats.org/presentationml/2006/main" xmlns:r="http://schemas.openxmlformats.org/officeDocument/2006/relationships" xmlns:p14="http://schemas.microsoft.com/office/powerpoint/2010/main" xmlns:p15="http://schemas.microsoft.com/office/powerpoint/2012/main" xmlns:mc="http://schemas.openxmlformats.org/markup-compatibility/2006" type="twoObjOverTx" preserve="1">
   <p:cSld name="Title, 2 Content over Content">
     <p:spTree>
       <p:nvGrpSpPr>
@@ -2272,13 +2146,14 @@
           </a:prstGeom>
         </p:spPr>
         <p:txBody>
-          <a:bodyPr lIns="0" tIns="0" rIns="0" bIns="0" anchor="ctr">
+          <a:bodyPr lIns="0" rIns="0" tIns="0" bIns="0" anchor="ctr">
             <a:noAutofit/>
           </a:bodyPr>
-          <a:lstStyle/>
-          <a:p>
-            <a:pPr algn="ctr"/>
-            <a:endParaRPr lang="en-US" sz="4400" b="0" strike="noStrike" spc="-1">
+          <a:p>
+            <a:endParaRPr b="0" lang="en-US" sz="1800" spc="-1" strike="noStrike">
+              <a:solidFill>
+                <a:srgbClr val="000000"/>
+              </a:solidFill>
               <a:latin typeface="Arial"/>
             </a:endParaRPr>
           </a:p>
@@ -2304,12 +2179,14 @@
           </a:prstGeom>
         </p:spPr>
         <p:txBody>
-          <a:bodyPr lIns="0" tIns="0" rIns="0" bIns="0">
+          <a:bodyPr lIns="0" rIns="0" tIns="0" bIns="0">
             <a:normAutofit/>
           </a:bodyPr>
-          <a:lstStyle/>
-          <a:p>
-            <a:endParaRPr lang="en-US" sz="3200" b="0" strike="noStrike" spc="-1">
+          <a:p>
+            <a:endParaRPr b="0" lang="en-US" sz="2800" spc="-1" strike="noStrike">
+              <a:solidFill>
+                <a:srgbClr val="000000"/>
+              </a:solidFill>
               <a:latin typeface="Arial"/>
             </a:endParaRPr>
           </a:p>
@@ -2335,12 +2212,14 @@
           </a:prstGeom>
         </p:spPr>
         <p:txBody>
-          <a:bodyPr lIns="0" tIns="0" rIns="0" bIns="0">
+          <a:bodyPr lIns="0" rIns="0" tIns="0" bIns="0">
             <a:normAutofit/>
           </a:bodyPr>
-          <a:lstStyle/>
-          <a:p>
-            <a:endParaRPr lang="en-US" sz="3200" b="0" strike="noStrike" spc="-1">
+          <a:p>
+            <a:endParaRPr b="0" lang="en-US" sz="2800" spc="-1" strike="noStrike">
+              <a:solidFill>
+                <a:srgbClr val="000000"/>
+              </a:solidFill>
               <a:latin typeface="Arial"/>
             </a:endParaRPr>
           </a:p>
@@ -2366,12 +2245,14 @@
           </a:prstGeom>
         </p:spPr>
         <p:txBody>
-          <a:bodyPr lIns="0" tIns="0" rIns="0" bIns="0">
+          <a:bodyPr lIns="0" rIns="0" tIns="0" bIns="0">
             <a:normAutofit/>
           </a:bodyPr>
-          <a:lstStyle/>
-          <a:p>
-            <a:endParaRPr lang="en-US" sz="3200" b="0" strike="noStrike" spc="-1">
+          <a:p>
+            <a:endParaRPr b="0" lang="en-US" sz="2800" spc="-1" strike="noStrike">
+              <a:solidFill>
+                <a:srgbClr val="000000"/>
+              </a:solidFill>
               <a:latin typeface="Arial"/>
             </a:endParaRPr>
           </a:p>
@@ -2379,14 +2260,11 @@
       </p:sp>
     </p:spTree>
   </p:cSld>
-  <p:clrMapOvr>
-    <a:masterClrMapping/>
-  </p:clrMapOvr>
 </p:sldLayout>
 </file>
 
 <file path=ppt/slideLayouts/slideLayout22.xml><?xml version="1.0" encoding="utf-8"?>
-<p:sldLayout xmlns:a="http://schemas.openxmlformats.org/drawingml/2006/main" xmlns:r="http://schemas.openxmlformats.org/officeDocument/2006/relationships" xmlns:p="http://schemas.openxmlformats.org/presentationml/2006/main" type="objOverTx" preserve="1">
+<p:sldLayout xmlns:a="http://schemas.openxmlformats.org/drawingml/2006/main" xmlns:p="http://schemas.openxmlformats.org/presentationml/2006/main" xmlns:r="http://schemas.openxmlformats.org/officeDocument/2006/relationships" xmlns:p14="http://schemas.microsoft.com/office/powerpoint/2010/main" xmlns:p15="http://schemas.microsoft.com/office/powerpoint/2012/main" xmlns:mc="http://schemas.openxmlformats.org/markup-compatibility/2006" type="objOverTx" preserve="1">
   <p:cSld name="Title, Content over Content">
     <p:spTree>
       <p:nvGrpSpPr>
@@ -2422,13 +2300,14 @@
           </a:prstGeom>
         </p:spPr>
         <p:txBody>
-          <a:bodyPr lIns="0" tIns="0" rIns="0" bIns="0" anchor="ctr">
+          <a:bodyPr lIns="0" rIns="0" tIns="0" bIns="0" anchor="ctr">
             <a:noAutofit/>
           </a:bodyPr>
-          <a:lstStyle/>
-          <a:p>
-            <a:pPr algn="ctr"/>
-            <a:endParaRPr lang="en-US" sz="4400" b="0" strike="noStrike" spc="-1">
+          <a:p>
+            <a:endParaRPr b="0" lang="en-US" sz="1800" spc="-1" strike="noStrike">
+              <a:solidFill>
+                <a:srgbClr val="000000"/>
+              </a:solidFill>
               <a:latin typeface="Arial"/>
             </a:endParaRPr>
           </a:p>
@@ -2454,12 +2333,14 @@
           </a:prstGeom>
         </p:spPr>
         <p:txBody>
-          <a:bodyPr lIns="0" tIns="0" rIns="0" bIns="0">
+          <a:bodyPr lIns="0" rIns="0" tIns="0" bIns="0">
             <a:normAutofit/>
           </a:bodyPr>
-          <a:lstStyle/>
-          <a:p>
-            <a:endParaRPr lang="en-US" sz="3200" b="0" strike="noStrike" spc="-1">
+          <a:p>
+            <a:endParaRPr b="0" lang="en-US" sz="2800" spc="-1" strike="noStrike">
+              <a:solidFill>
+                <a:srgbClr val="000000"/>
+              </a:solidFill>
               <a:latin typeface="Arial"/>
             </a:endParaRPr>
           </a:p>
@@ -2485,12 +2366,14 @@
           </a:prstGeom>
         </p:spPr>
         <p:txBody>
-          <a:bodyPr lIns="0" tIns="0" rIns="0" bIns="0">
+          <a:bodyPr lIns="0" rIns="0" tIns="0" bIns="0">
             <a:normAutofit/>
           </a:bodyPr>
-          <a:lstStyle/>
-          <a:p>
-            <a:endParaRPr lang="en-US" sz="3200" b="0" strike="noStrike" spc="-1">
+          <a:p>
+            <a:endParaRPr b="0" lang="en-US" sz="2800" spc="-1" strike="noStrike">
+              <a:solidFill>
+                <a:srgbClr val="000000"/>
+              </a:solidFill>
               <a:latin typeface="Arial"/>
             </a:endParaRPr>
           </a:p>
@@ -2498,14 +2381,11 @@
       </p:sp>
     </p:spTree>
   </p:cSld>
-  <p:clrMapOvr>
-    <a:masterClrMapping/>
-  </p:clrMapOvr>
 </p:sldLayout>
 </file>
 
 <file path=ppt/slideLayouts/slideLayout23.xml><?xml version="1.0" encoding="utf-8"?>
-<p:sldLayout xmlns:a="http://schemas.openxmlformats.org/drawingml/2006/main" xmlns:r="http://schemas.openxmlformats.org/officeDocument/2006/relationships" xmlns:p="http://schemas.openxmlformats.org/presentationml/2006/main" type="fourObj" preserve="1">
+<p:sldLayout xmlns:a="http://schemas.openxmlformats.org/drawingml/2006/main" xmlns:p="http://schemas.openxmlformats.org/presentationml/2006/main" xmlns:r="http://schemas.openxmlformats.org/officeDocument/2006/relationships" xmlns:p14="http://schemas.microsoft.com/office/powerpoint/2010/main" xmlns:p15="http://schemas.microsoft.com/office/powerpoint/2012/main" xmlns:mc="http://schemas.openxmlformats.org/markup-compatibility/2006" type="fourObj" preserve="1">
   <p:cSld name="Title, 4 Content">
     <p:spTree>
       <p:nvGrpSpPr>
@@ -2541,13 +2421,14 @@
           </a:prstGeom>
         </p:spPr>
         <p:txBody>
-          <a:bodyPr lIns="0" tIns="0" rIns="0" bIns="0" anchor="ctr">
+          <a:bodyPr lIns="0" rIns="0" tIns="0" bIns="0" anchor="ctr">
             <a:noAutofit/>
           </a:bodyPr>
-          <a:lstStyle/>
-          <a:p>
-            <a:pPr algn="ctr"/>
-            <a:endParaRPr lang="en-US" sz="4400" b="0" strike="noStrike" spc="-1">
+          <a:p>
+            <a:endParaRPr b="0" lang="en-US" sz="1800" spc="-1" strike="noStrike">
+              <a:solidFill>
+                <a:srgbClr val="000000"/>
+              </a:solidFill>
               <a:latin typeface="Arial"/>
             </a:endParaRPr>
           </a:p>
@@ -2573,12 +2454,14 @@
           </a:prstGeom>
         </p:spPr>
         <p:txBody>
-          <a:bodyPr lIns="0" tIns="0" rIns="0" bIns="0">
+          <a:bodyPr lIns="0" rIns="0" tIns="0" bIns="0">
             <a:normAutofit/>
           </a:bodyPr>
-          <a:lstStyle/>
-          <a:p>
-            <a:endParaRPr lang="en-US" sz="3200" b="0" strike="noStrike" spc="-1">
+          <a:p>
+            <a:endParaRPr b="0" lang="en-US" sz="2800" spc="-1" strike="noStrike">
+              <a:solidFill>
+                <a:srgbClr val="000000"/>
+              </a:solidFill>
               <a:latin typeface="Arial"/>
             </a:endParaRPr>
           </a:p>
@@ -2604,12 +2487,14 @@
           </a:prstGeom>
         </p:spPr>
         <p:txBody>
-          <a:bodyPr lIns="0" tIns="0" rIns="0" bIns="0">
+          <a:bodyPr lIns="0" rIns="0" tIns="0" bIns="0">
             <a:normAutofit/>
           </a:bodyPr>
-          <a:lstStyle/>
-          <a:p>
-            <a:endParaRPr lang="en-US" sz="3200" b="0" strike="noStrike" spc="-1">
+          <a:p>
+            <a:endParaRPr b="0" lang="en-US" sz="2800" spc="-1" strike="noStrike">
+              <a:solidFill>
+                <a:srgbClr val="000000"/>
+              </a:solidFill>
               <a:latin typeface="Arial"/>
             </a:endParaRPr>
           </a:p>
@@ -2635,12 +2520,14 @@
           </a:prstGeom>
         </p:spPr>
         <p:txBody>
-          <a:bodyPr lIns="0" tIns="0" rIns="0" bIns="0">
+          <a:bodyPr lIns="0" rIns="0" tIns="0" bIns="0">
             <a:normAutofit/>
           </a:bodyPr>
-          <a:lstStyle/>
-          <a:p>
-            <a:endParaRPr lang="en-US" sz="3200" b="0" strike="noStrike" spc="-1">
+          <a:p>
+            <a:endParaRPr b="0" lang="en-US" sz="2800" spc="-1" strike="noStrike">
+              <a:solidFill>
+                <a:srgbClr val="000000"/>
+              </a:solidFill>
               <a:latin typeface="Arial"/>
             </a:endParaRPr>
           </a:p>
@@ -2666,12 +2553,14 @@
           </a:prstGeom>
         </p:spPr>
         <p:txBody>
-          <a:bodyPr lIns="0" tIns="0" rIns="0" bIns="0">
+          <a:bodyPr lIns="0" rIns="0" tIns="0" bIns="0">
             <a:normAutofit/>
           </a:bodyPr>
-          <a:lstStyle/>
-          <a:p>
-            <a:endParaRPr lang="en-US" sz="3200" b="0" strike="noStrike" spc="-1">
+          <a:p>
+            <a:endParaRPr b="0" lang="en-US" sz="2800" spc="-1" strike="noStrike">
+              <a:solidFill>
+                <a:srgbClr val="000000"/>
+              </a:solidFill>
               <a:latin typeface="Arial"/>
             </a:endParaRPr>
           </a:p>
@@ -2679,14 +2568,11 @@
       </p:sp>
     </p:spTree>
   </p:cSld>
-  <p:clrMapOvr>
-    <a:masterClrMapping/>
-  </p:clrMapOvr>
 </p:sldLayout>
 </file>
 
 <file path=ppt/slideLayouts/slideLayout24.xml><?xml version="1.0" encoding="utf-8"?>
-<p:sldLayout xmlns:a="http://schemas.openxmlformats.org/drawingml/2006/main" xmlns:r="http://schemas.openxmlformats.org/officeDocument/2006/relationships" xmlns:p="http://schemas.openxmlformats.org/presentationml/2006/main" type="blank" preserve="1">
+<p:sldLayout xmlns:a="http://schemas.openxmlformats.org/drawingml/2006/main" xmlns:p="http://schemas.openxmlformats.org/presentationml/2006/main" xmlns:r="http://schemas.openxmlformats.org/officeDocument/2006/relationships" xmlns:p14="http://schemas.microsoft.com/office/powerpoint/2010/main" xmlns:p15="http://schemas.microsoft.com/office/powerpoint/2012/main" xmlns:mc="http://schemas.openxmlformats.org/markup-compatibility/2006" type="blank" preserve="1">
   <p:cSld name="Title, 6 Content">
     <p:spTree>
       <p:nvGrpSpPr>
@@ -2722,13 +2608,14 @@
           </a:prstGeom>
         </p:spPr>
         <p:txBody>
-          <a:bodyPr lIns="0" tIns="0" rIns="0" bIns="0" anchor="ctr">
+          <a:bodyPr lIns="0" rIns="0" tIns="0" bIns="0" anchor="ctr">
             <a:noAutofit/>
           </a:bodyPr>
-          <a:lstStyle/>
-          <a:p>
-            <a:pPr algn="ctr"/>
-            <a:endParaRPr lang="en-US" sz="4400" b="0" strike="noStrike" spc="-1">
+          <a:p>
+            <a:endParaRPr b="0" lang="en-US" sz="1800" spc="-1" strike="noStrike">
+              <a:solidFill>
+                <a:srgbClr val="000000"/>
+              </a:solidFill>
               <a:latin typeface="Arial"/>
             </a:endParaRPr>
           </a:p>
@@ -2754,12 +2641,14 @@
           </a:prstGeom>
         </p:spPr>
         <p:txBody>
-          <a:bodyPr lIns="0" tIns="0" rIns="0" bIns="0">
+          <a:bodyPr lIns="0" rIns="0" tIns="0" bIns="0">
             <a:normAutofit/>
           </a:bodyPr>
-          <a:lstStyle/>
-          <a:p>
-            <a:endParaRPr lang="en-US" sz="3200" b="0" strike="noStrike" spc="-1">
+          <a:p>
+            <a:endParaRPr b="0" lang="en-US" sz="2800" spc="-1" strike="noStrike">
+              <a:solidFill>
+                <a:srgbClr val="000000"/>
+              </a:solidFill>
               <a:latin typeface="Arial"/>
             </a:endParaRPr>
           </a:p>
@@ -2785,12 +2674,14 @@
           </a:prstGeom>
         </p:spPr>
         <p:txBody>
-          <a:bodyPr lIns="0" tIns="0" rIns="0" bIns="0">
+          <a:bodyPr lIns="0" rIns="0" tIns="0" bIns="0">
             <a:normAutofit/>
           </a:bodyPr>
-          <a:lstStyle/>
-          <a:p>
-            <a:endParaRPr lang="en-US" sz="3200" b="0" strike="noStrike" spc="-1">
+          <a:p>
+            <a:endParaRPr b="0" lang="en-US" sz="2800" spc="-1" strike="noStrike">
+              <a:solidFill>
+                <a:srgbClr val="000000"/>
+              </a:solidFill>
               <a:latin typeface="Arial"/>
             </a:endParaRPr>
           </a:p>
@@ -2816,12 +2707,14 @@
           </a:prstGeom>
         </p:spPr>
         <p:txBody>
-          <a:bodyPr lIns="0" tIns="0" rIns="0" bIns="0">
+          <a:bodyPr lIns="0" rIns="0" tIns="0" bIns="0">
             <a:normAutofit/>
           </a:bodyPr>
-          <a:lstStyle/>
-          <a:p>
-            <a:endParaRPr lang="en-US" sz="3200" b="0" strike="noStrike" spc="-1">
+          <a:p>
+            <a:endParaRPr b="0" lang="en-US" sz="2800" spc="-1" strike="noStrike">
+              <a:solidFill>
+                <a:srgbClr val="000000"/>
+              </a:solidFill>
               <a:latin typeface="Arial"/>
             </a:endParaRPr>
           </a:p>
@@ -2847,12 +2740,14 @@
           </a:prstGeom>
         </p:spPr>
         <p:txBody>
-          <a:bodyPr lIns="0" tIns="0" rIns="0" bIns="0">
+          <a:bodyPr lIns="0" rIns="0" tIns="0" bIns="0">
             <a:normAutofit/>
           </a:bodyPr>
-          <a:lstStyle/>
-          <a:p>
-            <a:endParaRPr lang="en-US" sz="3200" b="0" strike="noStrike" spc="-1">
+          <a:p>
+            <a:endParaRPr b="0" lang="en-US" sz="2800" spc="-1" strike="noStrike">
+              <a:solidFill>
+                <a:srgbClr val="000000"/>
+              </a:solidFill>
               <a:latin typeface="Arial"/>
             </a:endParaRPr>
           </a:p>
@@ -2878,12 +2773,14 @@
           </a:prstGeom>
         </p:spPr>
         <p:txBody>
-          <a:bodyPr lIns="0" tIns="0" rIns="0" bIns="0">
+          <a:bodyPr lIns="0" rIns="0" tIns="0" bIns="0">
             <a:normAutofit/>
           </a:bodyPr>
-          <a:lstStyle/>
-          <a:p>
-            <a:endParaRPr lang="en-US" sz="3200" b="0" strike="noStrike" spc="-1">
+          <a:p>
+            <a:endParaRPr b="0" lang="en-US" sz="2800" spc="-1" strike="noStrike">
+              <a:solidFill>
+                <a:srgbClr val="000000"/>
+              </a:solidFill>
               <a:latin typeface="Arial"/>
             </a:endParaRPr>
           </a:p>
@@ -2909,12 +2806,14 @@
           </a:prstGeom>
         </p:spPr>
         <p:txBody>
-          <a:bodyPr lIns="0" tIns="0" rIns="0" bIns="0">
+          <a:bodyPr lIns="0" rIns="0" tIns="0" bIns="0">
             <a:normAutofit/>
           </a:bodyPr>
-          <a:lstStyle/>
-          <a:p>
-            <a:endParaRPr lang="en-US" sz="3200" b="0" strike="noStrike" spc="-1">
+          <a:p>
+            <a:endParaRPr b="0" lang="en-US" sz="2800" spc="-1" strike="noStrike">
+              <a:solidFill>
+                <a:srgbClr val="000000"/>
+              </a:solidFill>
               <a:latin typeface="Arial"/>
             </a:endParaRPr>
           </a:p>
@@ -2922,14 +2821,11 @@
       </p:sp>
     </p:spTree>
   </p:cSld>
-  <p:clrMapOvr>
-    <a:masterClrMapping/>
-  </p:clrMapOvr>
 </p:sldLayout>
 </file>
 
 <file path=ppt/slideLayouts/slideLayout3.xml><?xml version="1.0" encoding="utf-8"?>
-<p:sldLayout xmlns:a="http://schemas.openxmlformats.org/drawingml/2006/main" xmlns:r="http://schemas.openxmlformats.org/officeDocument/2006/relationships" xmlns:p="http://schemas.openxmlformats.org/presentationml/2006/main" type="obj" preserve="1">
+<p:sldLayout xmlns:a="http://schemas.openxmlformats.org/drawingml/2006/main" xmlns:p="http://schemas.openxmlformats.org/presentationml/2006/main" xmlns:r="http://schemas.openxmlformats.org/officeDocument/2006/relationships" xmlns:p14="http://schemas.microsoft.com/office/powerpoint/2010/main" xmlns:p15="http://schemas.microsoft.com/office/powerpoint/2012/main" xmlns:mc="http://schemas.openxmlformats.org/markup-compatibility/2006" type="obj" preserve="1">
   <p:cSld name="Title, Content">
     <p:spTree>
       <p:nvGrpSpPr>
@@ -2965,13 +2861,14 @@
           </a:prstGeom>
         </p:spPr>
         <p:txBody>
-          <a:bodyPr lIns="0" tIns="0" rIns="0" bIns="0" anchor="ctr">
+          <a:bodyPr lIns="0" rIns="0" tIns="0" bIns="0" anchor="ctr">
             <a:noAutofit/>
           </a:bodyPr>
-          <a:lstStyle/>
-          <a:p>
-            <a:pPr algn="ctr"/>
-            <a:endParaRPr lang="en-US" sz="4400" b="0" strike="noStrike" spc="-1">
+          <a:p>
+            <a:endParaRPr b="0" lang="en-US" sz="1800" spc="-1" strike="noStrike">
+              <a:solidFill>
+                <a:srgbClr val="000000"/>
+              </a:solidFill>
               <a:latin typeface="Arial"/>
             </a:endParaRPr>
           </a:p>
@@ -2997,12 +2894,14 @@
           </a:prstGeom>
         </p:spPr>
         <p:txBody>
-          <a:bodyPr lIns="0" tIns="0" rIns="0" bIns="0">
+          <a:bodyPr lIns="0" rIns="0" tIns="0" bIns="0">
             <a:normAutofit/>
           </a:bodyPr>
-          <a:lstStyle/>
-          <a:p>
-            <a:endParaRPr lang="en-US" sz="3200" b="0" strike="noStrike" spc="-1">
+          <a:p>
+            <a:endParaRPr b="0" lang="en-US" sz="2800" spc="-1" strike="noStrike">
+              <a:solidFill>
+                <a:srgbClr val="000000"/>
+              </a:solidFill>
               <a:latin typeface="Arial"/>
             </a:endParaRPr>
           </a:p>
@@ -3010,14 +2909,11 @@
       </p:sp>
     </p:spTree>
   </p:cSld>
-  <p:clrMapOvr>
-    <a:masterClrMapping/>
-  </p:clrMapOvr>
 </p:sldLayout>
 </file>
 
 <file path=ppt/slideLayouts/slideLayout4.xml><?xml version="1.0" encoding="utf-8"?>
-<p:sldLayout xmlns:a="http://schemas.openxmlformats.org/drawingml/2006/main" xmlns:r="http://schemas.openxmlformats.org/officeDocument/2006/relationships" xmlns:p="http://schemas.openxmlformats.org/presentationml/2006/main" type="twoObj" preserve="1">
+<p:sldLayout xmlns:a="http://schemas.openxmlformats.org/drawingml/2006/main" xmlns:p="http://schemas.openxmlformats.org/presentationml/2006/main" xmlns:r="http://schemas.openxmlformats.org/officeDocument/2006/relationships" xmlns:p14="http://schemas.microsoft.com/office/powerpoint/2010/main" xmlns:p15="http://schemas.microsoft.com/office/powerpoint/2012/main" xmlns:mc="http://schemas.openxmlformats.org/markup-compatibility/2006" type="twoObj" preserve="1">
   <p:cSld name="Title, 2 Content">
     <p:spTree>
       <p:nvGrpSpPr>
@@ -3053,13 +2949,14 @@
           </a:prstGeom>
         </p:spPr>
         <p:txBody>
-          <a:bodyPr lIns="0" tIns="0" rIns="0" bIns="0" anchor="ctr">
+          <a:bodyPr lIns="0" rIns="0" tIns="0" bIns="0" anchor="ctr">
             <a:noAutofit/>
           </a:bodyPr>
-          <a:lstStyle/>
-          <a:p>
-            <a:pPr algn="ctr"/>
-            <a:endParaRPr lang="en-US" sz="4400" b="0" strike="noStrike" spc="-1">
+          <a:p>
+            <a:endParaRPr b="0" lang="en-US" sz="1800" spc="-1" strike="noStrike">
+              <a:solidFill>
+                <a:srgbClr val="000000"/>
+              </a:solidFill>
               <a:latin typeface="Arial"/>
             </a:endParaRPr>
           </a:p>
@@ -3085,12 +2982,14 @@
           </a:prstGeom>
         </p:spPr>
         <p:txBody>
-          <a:bodyPr lIns="0" tIns="0" rIns="0" bIns="0">
+          <a:bodyPr lIns="0" rIns="0" tIns="0" bIns="0">
             <a:normAutofit/>
           </a:bodyPr>
-          <a:lstStyle/>
-          <a:p>
-            <a:endParaRPr lang="en-US" sz="3200" b="0" strike="noStrike" spc="-1">
+          <a:p>
+            <a:endParaRPr b="0" lang="en-US" sz="2800" spc="-1" strike="noStrike">
+              <a:solidFill>
+                <a:srgbClr val="000000"/>
+              </a:solidFill>
               <a:latin typeface="Arial"/>
             </a:endParaRPr>
           </a:p>
@@ -3116,12 +3015,14 @@
           </a:prstGeom>
         </p:spPr>
         <p:txBody>
-          <a:bodyPr lIns="0" tIns="0" rIns="0" bIns="0">
+          <a:bodyPr lIns="0" rIns="0" tIns="0" bIns="0">
             <a:normAutofit/>
           </a:bodyPr>
-          <a:lstStyle/>
-          <a:p>
-            <a:endParaRPr lang="en-US" sz="3200" b="0" strike="noStrike" spc="-1">
+          <a:p>
+            <a:endParaRPr b="0" lang="en-US" sz="2800" spc="-1" strike="noStrike">
+              <a:solidFill>
+                <a:srgbClr val="000000"/>
+              </a:solidFill>
               <a:latin typeface="Arial"/>
             </a:endParaRPr>
           </a:p>
@@ -3129,14 +3030,11 @@
       </p:sp>
     </p:spTree>
   </p:cSld>
-  <p:clrMapOvr>
-    <a:masterClrMapping/>
-  </p:clrMapOvr>
 </p:sldLayout>
 </file>
 
 <file path=ppt/slideLayouts/slideLayout5.xml><?xml version="1.0" encoding="utf-8"?>
-<p:sldLayout xmlns:a="http://schemas.openxmlformats.org/drawingml/2006/main" xmlns:r="http://schemas.openxmlformats.org/officeDocument/2006/relationships" xmlns:p="http://schemas.openxmlformats.org/presentationml/2006/main" type="titleOnly" preserve="1">
+<p:sldLayout xmlns:a="http://schemas.openxmlformats.org/drawingml/2006/main" xmlns:p="http://schemas.openxmlformats.org/presentationml/2006/main" xmlns:r="http://schemas.openxmlformats.org/officeDocument/2006/relationships" xmlns:p14="http://schemas.microsoft.com/office/powerpoint/2010/main" xmlns:p15="http://schemas.microsoft.com/office/powerpoint/2012/main" xmlns:mc="http://schemas.openxmlformats.org/markup-compatibility/2006" type="titleOnly" preserve="1">
   <p:cSld name="Title Only">
     <p:spTree>
       <p:nvGrpSpPr>
@@ -3172,13 +3070,14 @@
           </a:prstGeom>
         </p:spPr>
         <p:txBody>
-          <a:bodyPr lIns="0" tIns="0" rIns="0" bIns="0" anchor="ctr">
+          <a:bodyPr lIns="0" rIns="0" tIns="0" bIns="0" anchor="ctr">
             <a:noAutofit/>
           </a:bodyPr>
-          <a:lstStyle/>
-          <a:p>
-            <a:pPr algn="ctr"/>
-            <a:endParaRPr lang="en-US" sz="4400" b="0" strike="noStrike" spc="-1">
+          <a:p>
+            <a:endParaRPr b="0" lang="en-US" sz="1800" spc="-1" strike="noStrike">
+              <a:solidFill>
+                <a:srgbClr val="000000"/>
+              </a:solidFill>
               <a:latin typeface="Arial"/>
             </a:endParaRPr>
           </a:p>
@@ -3186,14 +3085,11 @@
       </p:sp>
     </p:spTree>
   </p:cSld>
-  <p:clrMapOvr>
-    <a:masterClrMapping/>
-  </p:clrMapOvr>
 </p:sldLayout>
 </file>
 
 <file path=ppt/slideLayouts/slideLayout6.xml><?xml version="1.0" encoding="utf-8"?>
-<p:sldLayout xmlns:a="http://schemas.openxmlformats.org/drawingml/2006/main" xmlns:r="http://schemas.openxmlformats.org/officeDocument/2006/relationships" xmlns:p="http://schemas.openxmlformats.org/presentationml/2006/main" type="objOnly" preserve="1">
+<p:sldLayout xmlns:a="http://schemas.openxmlformats.org/drawingml/2006/main" xmlns:p="http://schemas.openxmlformats.org/presentationml/2006/main" xmlns:r="http://schemas.openxmlformats.org/officeDocument/2006/relationships" xmlns:p14="http://schemas.microsoft.com/office/powerpoint/2010/main" xmlns:p15="http://schemas.microsoft.com/office/powerpoint/2012/main" xmlns:mc="http://schemas.openxmlformats.org/markup-compatibility/2006" type="objOnly" preserve="1">
   <p:cSld name="Centered Text">
     <p:spTree>
       <p:nvGrpSpPr>
@@ -3229,13 +3125,12 @@
           </a:prstGeom>
         </p:spPr>
         <p:txBody>
-          <a:bodyPr lIns="0" tIns="0" rIns="0" bIns="0" anchor="ctr">
+          <a:bodyPr lIns="0" rIns="0" tIns="0" bIns="0" anchor="ctr">
             <a:noAutofit/>
           </a:bodyPr>
-          <a:lstStyle/>
           <a:p>
             <a:pPr algn="ctr"/>
-            <a:endParaRPr lang="en-US" sz="3200" b="0" strike="noStrike" spc="-1">
+            <a:endParaRPr b="0" lang="en-US" sz="3200" spc="-1" strike="noStrike">
               <a:latin typeface="Arial"/>
             </a:endParaRPr>
           </a:p>
@@ -3243,14 +3138,11 @@
       </p:sp>
     </p:spTree>
   </p:cSld>
-  <p:clrMapOvr>
-    <a:masterClrMapping/>
-  </p:clrMapOvr>
 </p:sldLayout>
 </file>
 
 <file path=ppt/slideLayouts/slideLayout7.xml><?xml version="1.0" encoding="utf-8"?>
-<p:sldLayout xmlns:a="http://schemas.openxmlformats.org/drawingml/2006/main" xmlns:r="http://schemas.openxmlformats.org/officeDocument/2006/relationships" xmlns:p="http://schemas.openxmlformats.org/presentationml/2006/main" type="twoObjAndObj" preserve="1">
+<p:sldLayout xmlns:a="http://schemas.openxmlformats.org/drawingml/2006/main" xmlns:p="http://schemas.openxmlformats.org/presentationml/2006/main" xmlns:r="http://schemas.openxmlformats.org/officeDocument/2006/relationships" xmlns:p14="http://schemas.microsoft.com/office/powerpoint/2010/main" xmlns:p15="http://schemas.microsoft.com/office/powerpoint/2012/main" xmlns:mc="http://schemas.openxmlformats.org/markup-compatibility/2006" type="twoObjAndObj" preserve="1">
   <p:cSld name="Title, 2 Content and Content">
     <p:spTree>
       <p:nvGrpSpPr>
@@ -3286,13 +3178,14 @@
           </a:prstGeom>
         </p:spPr>
         <p:txBody>
-          <a:bodyPr lIns="0" tIns="0" rIns="0" bIns="0" anchor="ctr">
+          <a:bodyPr lIns="0" rIns="0" tIns="0" bIns="0" anchor="ctr">
             <a:noAutofit/>
           </a:bodyPr>
-          <a:lstStyle/>
-          <a:p>
-            <a:pPr algn="ctr"/>
-            <a:endParaRPr lang="en-US" sz="4400" b="0" strike="noStrike" spc="-1">
+          <a:p>
+            <a:endParaRPr b="0" lang="en-US" sz="1800" spc="-1" strike="noStrike">
+              <a:solidFill>
+                <a:srgbClr val="000000"/>
+              </a:solidFill>
               <a:latin typeface="Arial"/>
             </a:endParaRPr>
           </a:p>
@@ -3318,12 +3211,14 @@
           </a:prstGeom>
         </p:spPr>
         <p:txBody>
-          <a:bodyPr lIns="0" tIns="0" rIns="0" bIns="0">
+          <a:bodyPr lIns="0" rIns="0" tIns="0" bIns="0">
             <a:normAutofit/>
           </a:bodyPr>
-          <a:lstStyle/>
-          <a:p>
-            <a:endParaRPr lang="en-US" sz="3200" b="0" strike="noStrike" spc="-1">
+          <a:p>
+            <a:endParaRPr b="0" lang="en-US" sz="2800" spc="-1" strike="noStrike">
+              <a:solidFill>
+                <a:srgbClr val="000000"/>
+              </a:solidFill>
               <a:latin typeface="Arial"/>
             </a:endParaRPr>
           </a:p>
@@ -3349,12 +3244,14 @@
           </a:prstGeom>
         </p:spPr>
         <p:txBody>
-          <a:bodyPr lIns="0" tIns="0" rIns="0" bIns="0">
+          <a:bodyPr lIns="0" rIns="0" tIns="0" bIns="0">
             <a:normAutofit/>
           </a:bodyPr>
-          <a:lstStyle/>
-          <a:p>
-            <a:endParaRPr lang="en-US" sz="3200" b="0" strike="noStrike" spc="-1">
+          <a:p>
+            <a:endParaRPr b="0" lang="en-US" sz="2800" spc="-1" strike="noStrike">
+              <a:solidFill>
+                <a:srgbClr val="000000"/>
+              </a:solidFill>
               <a:latin typeface="Arial"/>
             </a:endParaRPr>
           </a:p>
@@ -3380,12 +3277,14 @@
           </a:prstGeom>
         </p:spPr>
         <p:txBody>
-          <a:bodyPr lIns="0" tIns="0" rIns="0" bIns="0">
+          <a:bodyPr lIns="0" rIns="0" tIns="0" bIns="0">
             <a:normAutofit/>
           </a:bodyPr>
-          <a:lstStyle/>
-          <a:p>
-            <a:endParaRPr lang="en-US" sz="3200" b="0" strike="noStrike" spc="-1">
+          <a:p>
+            <a:endParaRPr b="0" lang="en-US" sz="2800" spc="-1" strike="noStrike">
+              <a:solidFill>
+                <a:srgbClr val="000000"/>
+              </a:solidFill>
               <a:latin typeface="Arial"/>
             </a:endParaRPr>
           </a:p>
@@ -3393,14 +3292,11 @@
       </p:sp>
     </p:spTree>
   </p:cSld>
-  <p:clrMapOvr>
-    <a:masterClrMapping/>
-  </p:clrMapOvr>
 </p:sldLayout>
 </file>
 
 <file path=ppt/slideLayouts/slideLayout8.xml><?xml version="1.0" encoding="utf-8"?>
-<p:sldLayout xmlns:a="http://schemas.openxmlformats.org/drawingml/2006/main" xmlns:r="http://schemas.openxmlformats.org/officeDocument/2006/relationships" xmlns:p="http://schemas.openxmlformats.org/presentationml/2006/main" type="objAndTwoObj" preserve="1">
+<p:sldLayout xmlns:a="http://schemas.openxmlformats.org/drawingml/2006/main" xmlns:p="http://schemas.openxmlformats.org/presentationml/2006/main" xmlns:r="http://schemas.openxmlformats.org/officeDocument/2006/relationships" xmlns:p14="http://schemas.microsoft.com/office/powerpoint/2010/main" xmlns:p15="http://schemas.microsoft.com/office/powerpoint/2012/main" xmlns:mc="http://schemas.openxmlformats.org/markup-compatibility/2006" type="objAndTwoObj" preserve="1">
   <p:cSld name="Title Content and 2 Content">
     <p:spTree>
       <p:nvGrpSpPr>
@@ -3436,13 +3332,14 @@
           </a:prstGeom>
         </p:spPr>
         <p:txBody>
-          <a:bodyPr lIns="0" tIns="0" rIns="0" bIns="0" anchor="ctr">
+          <a:bodyPr lIns="0" rIns="0" tIns="0" bIns="0" anchor="ctr">
             <a:noAutofit/>
           </a:bodyPr>
-          <a:lstStyle/>
-          <a:p>
-            <a:pPr algn="ctr"/>
-            <a:endParaRPr lang="en-US" sz="4400" b="0" strike="noStrike" spc="-1">
+          <a:p>
+            <a:endParaRPr b="0" lang="en-US" sz="1800" spc="-1" strike="noStrike">
+              <a:solidFill>
+                <a:srgbClr val="000000"/>
+              </a:solidFill>
               <a:latin typeface="Arial"/>
             </a:endParaRPr>
           </a:p>
@@ -3468,12 +3365,14 @@
           </a:prstGeom>
         </p:spPr>
         <p:txBody>
-          <a:bodyPr lIns="0" tIns="0" rIns="0" bIns="0">
+          <a:bodyPr lIns="0" rIns="0" tIns="0" bIns="0">
             <a:normAutofit/>
           </a:bodyPr>
-          <a:lstStyle/>
-          <a:p>
-            <a:endParaRPr lang="en-US" sz="3200" b="0" strike="noStrike" spc="-1">
+          <a:p>
+            <a:endParaRPr b="0" lang="en-US" sz="2800" spc="-1" strike="noStrike">
+              <a:solidFill>
+                <a:srgbClr val="000000"/>
+              </a:solidFill>
               <a:latin typeface="Arial"/>
             </a:endParaRPr>
           </a:p>
@@ -3499,12 +3398,14 @@
           </a:prstGeom>
         </p:spPr>
         <p:txBody>
-          <a:bodyPr lIns="0" tIns="0" rIns="0" bIns="0">
+          <a:bodyPr lIns="0" rIns="0" tIns="0" bIns="0">
             <a:normAutofit/>
           </a:bodyPr>
-          <a:lstStyle/>
-          <a:p>
-            <a:endParaRPr lang="en-US" sz="3200" b="0" strike="noStrike" spc="-1">
+          <a:p>
+            <a:endParaRPr b="0" lang="en-US" sz="2800" spc="-1" strike="noStrike">
+              <a:solidFill>
+                <a:srgbClr val="000000"/>
+              </a:solidFill>
               <a:latin typeface="Arial"/>
             </a:endParaRPr>
           </a:p>
@@ -3530,12 +3431,14 @@
           </a:prstGeom>
         </p:spPr>
         <p:txBody>
-          <a:bodyPr lIns="0" tIns="0" rIns="0" bIns="0">
+          <a:bodyPr lIns="0" rIns="0" tIns="0" bIns="0">
             <a:normAutofit/>
           </a:bodyPr>
-          <a:lstStyle/>
-          <a:p>
-            <a:endParaRPr lang="en-US" sz="3200" b="0" strike="noStrike" spc="-1">
+          <a:p>
+            <a:endParaRPr b="0" lang="en-US" sz="2800" spc="-1" strike="noStrike">
+              <a:solidFill>
+                <a:srgbClr val="000000"/>
+              </a:solidFill>
               <a:latin typeface="Arial"/>
             </a:endParaRPr>
           </a:p>
@@ -3543,14 +3446,11 @@
       </p:sp>
     </p:spTree>
   </p:cSld>
-  <p:clrMapOvr>
-    <a:masterClrMapping/>
-  </p:clrMapOvr>
 </p:sldLayout>
 </file>
 
 <file path=ppt/slideLayouts/slideLayout9.xml><?xml version="1.0" encoding="utf-8"?>
-<p:sldLayout xmlns:a="http://schemas.openxmlformats.org/drawingml/2006/main" xmlns:r="http://schemas.openxmlformats.org/officeDocument/2006/relationships" xmlns:p="http://schemas.openxmlformats.org/presentationml/2006/main" type="twoObjOverTx" preserve="1">
+<p:sldLayout xmlns:a="http://schemas.openxmlformats.org/drawingml/2006/main" xmlns:p="http://schemas.openxmlformats.org/presentationml/2006/main" xmlns:r="http://schemas.openxmlformats.org/officeDocument/2006/relationships" xmlns:p14="http://schemas.microsoft.com/office/powerpoint/2010/main" xmlns:p15="http://schemas.microsoft.com/office/powerpoint/2012/main" xmlns:mc="http://schemas.openxmlformats.org/markup-compatibility/2006" type="twoObjOverTx" preserve="1">
   <p:cSld name="Title, 2 Content over Content">
     <p:spTree>
       <p:nvGrpSpPr>
@@ -3586,13 +3486,14 @@
           </a:prstGeom>
         </p:spPr>
         <p:txBody>
-          <a:bodyPr lIns="0" tIns="0" rIns="0" bIns="0" anchor="ctr">
+          <a:bodyPr lIns="0" rIns="0" tIns="0" bIns="0" anchor="ctr">
             <a:noAutofit/>
           </a:bodyPr>
-          <a:lstStyle/>
-          <a:p>
-            <a:pPr algn="ctr"/>
-            <a:endParaRPr lang="en-US" sz="4400" b="0" strike="noStrike" spc="-1">
+          <a:p>
+            <a:endParaRPr b="0" lang="en-US" sz="1800" spc="-1" strike="noStrike">
+              <a:solidFill>
+                <a:srgbClr val="000000"/>
+              </a:solidFill>
               <a:latin typeface="Arial"/>
             </a:endParaRPr>
           </a:p>
@@ -3618,12 +3519,14 @@
           </a:prstGeom>
         </p:spPr>
         <p:txBody>
-          <a:bodyPr lIns="0" tIns="0" rIns="0" bIns="0">
+          <a:bodyPr lIns="0" rIns="0" tIns="0" bIns="0">
             <a:normAutofit/>
           </a:bodyPr>
-          <a:lstStyle/>
-          <a:p>
-            <a:endParaRPr lang="en-US" sz="3200" b="0" strike="noStrike" spc="-1">
+          <a:p>
+            <a:endParaRPr b="0" lang="en-US" sz="2800" spc="-1" strike="noStrike">
+              <a:solidFill>
+                <a:srgbClr val="000000"/>
+              </a:solidFill>
               <a:latin typeface="Arial"/>
             </a:endParaRPr>
           </a:p>
@@ -3649,12 +3552,14 @@
           </a:prstGeom>
         </p:spPr>
         <p:txBody>
-          <a:bodyPr lIns="0" tIns="0" rIns="0" bIns="0">
+          <a:bodyPr lIns="0" rIns="0" tIns="0" bIns="0">
             <a:normAutofit/>
           </a:bodyPr>
-          <a:lstStyle/>
-          <a:p>
-            <a:endParaRPr lang="en-US" sz="3200" b="0" strike="noStrike" spc="-1">
+          <a:p>
+            <a:endParaRPr b="0" lang="en-US" sz="2800" spc="-1" strike="noStrike">
+              <a:solidFill>
+                <a:srgbClr val="000000"/>
+              </a:solidFill>
               <a:latin typeface="Arial"/>
             </a:endParaRPr>
           </a:p>
@@ -3680,12 +3585,14 @@
           </a:prstGeom>
         </p:spPr>
         <p:txBody>
-          <a:bodyPr lIns="0" tIns="0" rIns="0" bIns="0">
+          <a:bodyPr lIns="0" rIns="0" tIns="0" bIns="0">
             <a:normAutofit/>
           </a:bodyPr>
-          <a:lstStyle/>
-          <a:p>
-            <a:endParaRPr lang="en-US" sz="3200" b="0" strike="noStrike" spc="-1">
+          <a:p>
+            <a:endParaRPr b="0" lang="en-US" sz="2800" spc="-1" strike="noStrike">
+              <a:solidFill>
+                <a:srgbClr val="000000"/>
+              </a:solidFill>
               <a:latin typeface="Arial"/>
             </a:endParaRPr>
           </a:p>
@@ -3693,21 +3600,17 @@
       </p:sp>
     </p:spTree>
   </p:cSld>
-  <p:clrMapOvr>
-    <a:masterClrMapping/>
-  </p:clrMapOvr>
 </p:sldLayout>
 </file>
 
 <file path=ppt/slideMasters/slideMaster1.xml><?xml version="1.0" encoding="utf-8"?>
-<p:sldMaster xmlns:a="http://schemas.openxmlformats.org/drawingml/2006/main" xmlns:r="http://schemas.openxmlformats.org/officeDocument/2006/relationships" xmlns:p="http://schemas.openxmlformats.org/presentationml/2006/main">
+<p:sldMaster xmlns:a="http://schemas.openxmlformats.org/drawingml/2006/main" xmlns:p="http://schemas.openxmlformats.org/presentationml/2006/main" xmlns:r="http://schemas.openxmlformats.org/officeDocument/2006/relationships" xmlns:p14="http://schemas.microsoft.com/office/powerpoint/2010/main" xmlns:p15="http://schemas.microsoft.com/office/powerpoint/2012/main" xmlns:mc="http://schemas.openxmlformats.org/markup-compatibility/2006">
   <p:cSld>
     <p:bg>
       <p:bgPr>
         <a:solidFill>
-          <a:srgbClr val="FFFFFF"/>
+          <a:srgbClr val="ffffff"/>
         </a:solidFill>
-        <a:effectLst/>
       </p:bgPr>
     </p:bg>
     <p:spTree>
@@ -3726,7 +3629,7 @@
       </p:grpSpPr>
       <p:sp>
         <p:nvSpPr>
-          <p:cNvPr id="2" name="PlaceHolder 1"/>
+          <p:cNvPr id="0" name="PlaceHolder 1"/>
           <p:cNvSpPr>
             <a:spLocks noGrp="1"/>
           </p:cNvSpPr>
@@ -3744,24 +3647,49 @@
           </a:prstGeom>
         </p:spPr>
         <p:txBody>
-          <a:bodyPr lIns="0" tIns="0" rIns="0" bIns="0" anchor="ctr">
+          <a:bodyPr lIns="0" rIns="0" tIns="0" bIns="0" anchor="ctr">
             <a:noAutofit/>
           </a:bodyPr>
-          <a:lstStyle/>
-          <a:p>
-            <a:pPr algn="ctr"/>
-            <a:r>
-              <a:rPr lang="en-US" sz="4400" b="0" strike="noStrike" spc="-1">
+          <a:p>
+            <a:r>
+              <a:rPr b="0" lang="en-US" sz="1800" spc="-1" strike="noStrike">
+                <a:solidFill>
+                  <a:srgbClr val="000000"/>
+                </a:solidFill>
                 <a:latin typeface="Arial"/>
               </a:rPr>
-              <a:t>Click to edit the title text format</a:t>
-            </a:r>
-          </a:p>
-        </p:txBody>
-      </p:sp>
-      <p:sp>
-        <p:nvSpPr>
-          <p:cNvPr id="3" name="PlaceHolder 2"/>
+              <a:t>Click to edit </a:t>
+            </a:r>
+            <a:r>
+              <a:rPr b="0" lang="en-US" sz="1800" spc="-1" strike="noStrike">
+                <a:solidFill>
+                  <a:srgbClr val="000000"/>
+                </a:solidFill>
+                <a:latin typeface="Arial"/>
+              </a:rPr>
+              <a:t>the title text </a:t>
+            </a:r>
+            <a:r>
+              <a:rPr b="0" lang="en-US" sz="1800" spc="-1" strike="noStrike">
+                <a:solidFill>
+                  <a:srgbClr val="000000"/>
+                </a:solidFill>
+                <a:latin typeface="Arial"/>
+              </a:rPr>
+              <a:t>format</a:t>
+            </a:r>
+            <a:endParaRPr b="0" lang="en-US" sz="1800" spc="-1" strike="noStrike">
+              <a:solidFill>
+                <a:srgbClr val="000000"/>
+              </a:solidFill>
+              <a:latin typeface="Arial"/>
+            </a:endParaRPr>
+          </a:p>
+        </p:txBody>
+      </p:sp>
+      <p:sp>
+        <p:nvSpPr>
+          <p:cNvPr id="1" name="PlaceHolder 2"/>
           <p:cNvSpPr>
             <a:spLocks noGrp="1"/>
           </p:cNvSpPr>
@@ -3779,10 +3707,9 @@
           </a:prstGeom>
         </p:spPr>
         <p:txBody>
-          <a:bodyPr lIns="0" tIns="0" rIns="0" bIns="0">
+          <a:bodyPr lIns="0" rIns="0" tIns="0" bIns="0">
             <a:normAutofit/>
           </a:bodyPr>
-          <a:lstStyle/>
           <a:p>
             <a:pPr marL="432000" indent="-324000">
               <a:spcBef>
@@ -3796,14 +3723,23 @@
               <a:buChar char=""/>
             </a:pPr>
             <a:r>
-              <a:rPr lang="en-US" sz="3200" b="0" strike="noStrike" spc="-1">
+              <a:rPr b="0" lang="en-US" sz="2800" spc="-1" strike="noStrike">
+                <a:solidFill>
+                  <a:srgbClr val="000000"/>
+                </a:solidFill>
                 <a:latin typeface="Arial"/>
               </a:rPr>
               <a:t>Click to edit the outline text format</a:t>
             </a:r>
-          </a:p>
-          <a:p>
-            <a:pPr marL="864000" lvl="1" indent="-324000">
+            <a:endParaRPr b="0" lang="en-US" sz="2800" spc="-1" strike="noStrike">
+              <a:solidFill>
+                <a:srgbClr val="000000"/>
+              </a:solidFill>
+              <a:latin typeface="Arial"/>
+            </a:endParaRPr>
+          </a:p>
+          <a:p>
+            <a:pPr lvl="1" marL="864000" indent="-324000">
               <a:spcBef>
                 <a:spcPts val="1134"/>
               </a:spcBef>
@@ -3815,14 +3751,23 @@
               <a:buChar char=""/>
             </a:pPr>
             <a:r>
-              <a:rPr lang="en-US" sz="2800" b="0" strike="noStrike" spc="-1">
+              <a:rPr b="0" lang="en-US" sz="2000" spc="-1" strike="noStrike">
+                <a:solidFill>
+                  <a:srgbClr val="000000"/>
+                </a:solidFill>
                 <a:latin typeface="Arial"/>
               </a:rPr>
               <a:t>Second Outline Level</a:t>
             </a:r>
-          </a:p>
-          <a:p>
-            <a:pPr marL="1296000" lvl="2" indent="-288000">
+            <a:endParaRPr b="0" lang="en-US" sz="2000" spc="-1" strike="noStrike">
+              <a:solidFill>
+                <a:srgbClr val="000000"/>
+              </a:solidFill>
+              <a:latin typeface="Arial"/>
+            </a:endParaRPr>
+          </a:p>
+          <a:p>
+            <a:pPr lvl="2" marL="1296000" indent="-288000">
               <a:spcBef>
                 <a:spcPts val="850"/>
               </a:spcBef>
@@ -3834,14 +3779,23 @@
               <a:buChar char=""/>
             </a:pPr>
             <a:r>
-              <a:rPr lang="en-US" sz="2400" b="0" strike="noStrike" spc="-1">
+              <a:rPr b="0" lang="en-US" sz="1800" spc="-1" strike="noStrike">
+                <a:solidFill>
+                  <a:srgbClr val="000000"/>
+                </a:solidFill>
                 <a:latin typeface="Arial"/>
               </a:rPr>
               <a:t>Third Outline Level</a:t>
             </a:r>
-          </a:p>
-          <a:p>
-            <a:pPr marL="1728000" lvl="3" indent="-216000">
+            <a:endParaRPr b="0" lang="en-US" sz="1800" spc="-1" strike="noStrike">
+              <a:solidFill>
+                <a:srgbClr val="000000"/>
+              </a:solidFill>
+              <a:latin typeface="Arial"/>
+            </a:endParaRPr>
+          </a:p>
+          <a:p>
+            <a:pPr lvl="3" marL="1728000" indent="-216000">
               <a:spcBef>
                 <a:spcPts val="567"/>
               </a:spcBef>
@@ -3853,14 +3807,23 @@
               <a:buChar char=""/>
             </a:pPr>
             <a:r>
-              <a:rPr lang="en-US" sz="2000" b="0" strike="noStrike" spc="-1">
+              <a:rPr b="0" lang="en-US" sz="1800" spc="-1" strike="noStrike">
+                <a:solidFill>
+                  <a:srgbClr val="000000"/>
+                </a:solidFill>
                 <a:latin typeface="Arial"/>
               </a:rPr>
               <a:t>Fourth Outline Level</a:t>
             </a:r>
-          </a:p>
-          <a:p>
-            <a:pPr marL="2160000" lvl="4" indent="-216000">
+            <a:endParaRPr b="0" lang="en-US" sz="1800" spc="-1" strike="noStrike">
+              <a:solidFill>
+                <a:srgbClr val="000000"/>
+              </a:solidFill>
+              <a:latin typeface="Arial"/>
+            </a:endParaRPr>
+          </a:p>
+          <a:p>
+            <a:pPr lvl="4" marL="2160000" indent="-216000">
               <a:spcBef>
                 <a:spcPts val="283"/>
               </a:spcBef>
@@ -3872,14 +3835,23 @@
               <a:buChar char=""/>
             </a:pPr>
             <a:r>
-              <a:rPr lang="en-US" sz="2000" b="0" strike="noStrike" spc="-1">
+              <a:rPr b="0" lang="en-US" sz="2000" spc="-1" strike="noStrike">
+                <a:solidFill>
+                  <a:srgbClr val="000000"/>
+                </a:solidFill>
                 <a:latin typeface="Arial"/>
               </a:rPr>
               <a:t>Fifth Outline Level</a:t>
             </a:r>
-          </a:p>
-          <a:p>
-            <a:pPr marL="2592000" lvl="5" indent="-216000">
+            <a:endParaRPr b="0" lang="en-US" sz="2000" spc="-1" strike="noStrike">
+              <a:solidFill>
+                <a:srgbClr val="000000"/>
+              </a:solidFill>
+              <a:latin typeface="Arial"/>
+            </a:endParaRPr>
+          </a:p>
+          <a:p>
+            <a:pPr lvl="5" marL="2592000" indent="-216000">
               <a:spcBef>
                 <a:spcPts val="283"/>
               </a:spcBef>
@@ -3891,14 +3863,23 @@
               <a:buChar char=""/>
             </a:pPr>
             <a:r>
-              <a:rPr lang="en-US" sz="2000" b="0" strike="noStrike" spc="-1">
+              <a:rPr b="0" lang="en-US" sz="2000" spc="-1" strike="noStrike">
+                <a:solidFill>
+                  <a:srgbClr val="000000"/>
+                </a:solidFill>
                 <a:latin typeface="Arial"/>
               </a:rPr>
               <a:t>Sixth Outline Level</a:t>
             </a:r>
-          </a:p>
-          <a:p>
-            <a:pPr marL="3024000" lvl="6" indent="-216000">
+            <a:endParaRPr b="0" lang="en-US" sz="2000" spc="-1" strike="noStrike">
+              <a:solidFill>
+                <a:srgbClr val="000000"/>
+              </a:solidFill>
+              <a:latin typeface="Arial"/>
+            </a:endParaRPr>
+          </a:p>
+          <a:p>
+            <a:pPr lvl="6" marL="3024000" indent="-216000">
               <a:spcBef>
                 <a:spcPts val="283"/>
               </a:spcBef>
@@ -3910,323 +3891,51 @@
               <a:buChar char=""/>
             </a:pPr>
             <a:r>
-              <a:rPr lang="en-US" sz="2000" b="0" strike="noStrike" spc="-1">
+              <a:rPr b="0" lang="en-US" sz="2000" spc="-1" strike="noStrike">
+                <a:solidFill>
+                  <a:srgbClr val="000000"/>
+                </a:solidFill>
                 <a:latin typeface="Arial"/>
               </a:rPr>
               <a:t>Seventh Outline Level</a:t>
             </a:r>
+            <a:endParaRPr b="0" lang="en-US" sz="2000" spc="-1" strike="noStrike">
+              <a:solidFill>
+                <a:srgbClr val="000000"/>
+              </a:solidFill>
+              <a:latin typeface="Arial"/>
+            </a:endParaRPr>
           </a:p>
         </p:txBody>
       </p:sp>
     </p:spTree>
   </p:cSld>
-  <p:clrMap bg1="lt1" tx1="dk1" bg2="lt2" tx2="dk2" accent1="accent1" accent2="accent2" accent3="accent3" accent4="accent4" accent5="accent5" accent6="accent6" hlink="hlink" folHlink="folHlink"/>
+  <p:clrMap bg1="lt1" bg2="lt2" tx1="dk1" tx2="dk2" accent1="accent1" accent2="accent2" accent3="accent3" accent4="accent4" accent5="accent5" accent6="accent6" hlink="hlink" folHlink="folHlink"/>
   <p:sldLayoutIdLst>
-    <p:sldLayoutId id="2147483649" r:id="rId1"/>
-    <p:sldLayoutId id="2147483650" r:id="rId2"/>
-    <p:sldLayoutId id="2147483651" r:id="rId3"/>
-    <p:sldLayoutId id="2147483652" r:id="rId4"/>
-    <p:sldLayoutId id="2147483653" r:id="rId5"/>
-    <p:sldLayoutId id="2147483654" r:id="rId6"/>
-    <p:sldLayoutId id="2147483655" r:id="rId7"/>
-    <p:sldLayoutId id="2147483656" r:id="rId8"/>
-    <p:sldLayoutId id="2147483657" r:id="rId9"/>
-    <p:sldLayoutId id="2147483658" r:id="rId10"/>
-    <p:sldLayoutId id="2147483659" r:id="rId11"/>
-    <p:sldLayoutId id="2147483660" r:id="rId12"/>
+    <p:sldLayoutId id="2147483649" r:id="rId2"/>
+    <p:sldLayoutId id="2147483650" r:id="rId3"/>
+    <p:sldLayoutId id="2147483651" r:id="rId4"/>
+    <p:sldLayoutId id="2147483652" r:id="rId5"/>
+    <p:sldLayoutId id="2147483653" r:id="rId6"/>
+    <p:sldLayoutId id="2147483654" r:id="rId7"/>
+    <p:sldLayoutId id="2147483655" r:id="rId8"/>
+    <p:sldLayoutId id="2147483656" r:id="rId9"/>
+    <p:sldLayoutId id="2147483657" r:id="rId10"/>
+    <p:sldLayoutId id="2147483658" r:id="rId11"/>
+    <p:sldLayoutId id="2147483659" r:id="rId12"/>
+    <p:sldLayoutId id="2147483660" r:id="rId13"/>
   </p:sldLayoutIdLst>
-  <p:txStyles>
-    <p:titleStyle>
-      <a:lvl1pPr algn="l" defTabSz="914400" rtl="0" eaLnBrk="1" latinLnBrk="0" hangingPunct="1">
-        <a:lnSpc>
-          <a:spcPct val="90000"/>
-        </a:lnSpc>
-        <a:spcBef>
-          <a:spcPct val="0"/>
-        </a:spcBef>
-        <a:buNone/>
-        <a:defRPr sz="4400" kern="1200">
-          <a:solidFill>
-            <a:schemeClr val="tx1"/>
-          </a:solidFill>
-          <a:latin typeface="+mj-lt"/>
-          <a:ea typeface="+mj-ea"/>
-          <a:cs typeface="+mj-cs"/>
-        </a:defRPr>
-      </a:lvl1pPr>
-    </p:titleStyle>
-    <p:bodyStyle>
-      <a:lvl1pPr marL="228600" indent="-228600" algn="l" defTabSz="914400" rtl="0" eaLnBrk="1" latinLnBrk="0" hangingPunct="1">
-        <a:lnSpc>
-          <a:spcPct val="90000"/>
-        </a:lnSpc>
-        <a:spcBef>
-          <a:spcPts val="1000"/>
-        </a:spcBef>
-        <a:buFont typeface="Arial" panose="020B0604020202020204" pitchFamily="34" charset="0"/>
-        <a:buChar char="•"/>
-        <a:defRPr sz="2800" kern="1200">
-          <a:solidFill>
-            <a:schemeClr val="tx1"/>
-          </a:solidFill>
-          <a:latin typeface="+mn-lt"/>
-          <a:ea typeface="+mn-ea"/>
-          <a:cs typeface="+mn-cs"/>
-        </a:defRPr>
-      </a:lvl1pPr>
-      <a:lvl2pPr marL="685800" indent="-228600" algn="l" defTabSz="914400" rtl="0" eaLnBrk="1" latinLnBrk="0" hangingPunct="1">
-        <a:lnSpc>
-          <a:spcPct val="90000"/>
-        </a:lnSpc>
-        <a:spcBef>
-          <a:spcPts val="500"/>
-        </a:spcBef>
-        <a:buFont typeface="Arial" panose="020B0604020202020204" pitchFamily="34" charset="0"/>
-        <a:buChar char="•"/>
-        <a:defRPr sz="2400" kern="1200">
-          <a:solidFill>
-            <a:schemeClr val="tx1"/>
-          </a:solidFill>
-          <a:latin typeface="+mn-lt"/>
-          <a:ea typeface="+mn-ea"/>
-          <a:cs typeface="+mn-cs"/>
-        </a:defRPr>
-      </a:lvl2pPr>
-      <a:lvl3pPr marL="1143000" indent="-228600" algn="l" defTabSz="914400" rtl="0" eaLnBrk="1" latinLnBrk="0" hangingPunct="1">
-        <a:lnSpc>
-          <a:spcPct val="90000"/>
-        </a:lnSpc>
-        <a:spcBef>
-          <a:spcPts val="500"/>
-        </a:spcBef>
-        <a:buFont typeface="Arial" panose="020B0604020202020204" pitchFamily="34" charset="0"/>
-        <a:buChar char="•"/>
-        <a:defRPr sz="2000" kern="1200">
-          <a:solidFill>
-            <a:schemeClr val="tx1"/>
-          </a:solidFill>
-          <a:latin typeface="+mn-lt"/>
-          <a:ea typeface="+mn-ea"/>
-          <a:cs typeface="+mn-cs"/>
-        </a:defRPr>
-      </a:lvl3pPr>
-      <a:lvl4pPr marL="1600200" indent="-228600" algn="l" defTabSz="914400" rtl="0" eaLnBrk="1" latinLnBrk="0" hangingPunct="1">
-        <a:lnSpc>
-          <a:spcPct val="90000"/>
-        </a:lnSpc>
-        <a:spcBef>
-          <a:spcPts val="500"/>
-        </a:spcBef>
-        <a:buFont typeface="Arial" panose="020B0604020202020204" pitchFamily="34" charset="0"/>
-        <a:buChar char="•"/>
-        <a:defRPr sz="1800" kern="1200">
-          <a:solidFill>
-            <a:schemeClr val="tx1"/>
-          </a:solidFill>
-          <a:latin typeface="+mn-lt"/>
-          <a:ea typeface="+mn-ea"/>
-          <a:cs typeface="+mn-cs"/>
-        </a:defRPr>
-      </a:lvl4pPr>
-      <a:lvl5pPr marL="2057400" indent="-228600" algn="l" defTabSz="914400" rtl="0" eaLnBrk="1" latinLnBrk="0" hangingPunct="1">
-        <a:lnSpc>
-          <a:spcPct val="90000"/>
-        </a:lnSpc>
-        <a:spcBef>
-          <a:spcPts val="500"/>
-        </a:spcBef>
-        <a:buFont typeface="Arial" panose="020B0604020202020204" pitchFamily="34" charset="0"/>
-        <a:buChar char="•"/>
-        <a:defRPr sz="1800" kern="1200">
-          <a:solidFill>
-            <a:schemeClr val="tx1"/>
-          </a:solidFill>
-          <a:latin typeface="+mn-lt"/>
-          <a:ea typeface="+mn-ea"/>
-          <a:cs typeface="+mn-cs"/>
-        </a:defRPr>
-      </a:lvl5pPr>
-      <a:lvl6pPr marL="2514600" indent="-228600" algn="l" defTabSz="914400" rtl="0" eaLnBrk="1" latinLnBrk="0" hangingPunct="1">
-        <a:lnSpc>
-          <a:spcPct val="90000"/>
-        </a:lnSpc>
-        <a:spcBef>
-          <a:spcPts val="500"/>
-        </a:spcBef>
-        <a:buFont typeface="Arial" panose="020B0604020202020204" pitchFamily="34" charset="0"/>
-        <a:buChar char="•"/>
-        <a:defRPr sz="1800" kern="1200">
-          <a:solidFill>
-            <a:schemeClr val="tx1"/>
-          </a:solidFill>
-          <a:latin typeface="+mn-lt"/>
-          <a:ea typeface="+mn-ea"/>
-          <a:cs typeface="+mn-cs"/>
-        </a:defRPr>
-      </a:lvl6pPr>
-      <a:lvl7pPr marL="2971800" indent="-228600" algn="l" defTabSz="914400" rtl="0" eaLnBrk="1" latinLnBrk="0" hangingPunct="1">
-        <a:lnSpc>
-          <a:spcPct val="90000"/>
-        </a:lnSpc>
-        <a:spcBef>
-          <a:spcPts val="500"/>
-        </a:spcBef>
-        <a:buFont typeface="Arial" panose="020B0604020202020204" pitchFamily="34" charset="0"/>
-        <a:buChar char="•"/>
-        <a:defRPr sz="1800" kern="1200">
-          <a:solidFill>
-            <a:schemeClr val="tx1"/>
-          </a:solidFill>
-          <a:latin typeface="+mn-lt"/>
-          <a:ea typeface="+mn-ea"/>
-          <a:cs typeface="+mn-cs"/>
-        </a:defRPr>
-      </a:lvl7pPr>
-      <a:lvl8pPr marL="3429000" indent="-228600" algn="l" defTabSz="914400" rtl="0" eaLnBrk="1" latinLnBrk="0" hangingPunct="1">
-        <a:lnSpc>
-          <a:spcPct val="90000"/>
-        </a:lnSpc>
-        <a:spcBef>
-          <a:spcPts val="500"/>
-        </a:spcBef>
-        <a:buFont typeface="Arial" panose="020B0604020202020204" pitchFamily="34" charset="0"/>
-        <a:buChar char="•"/>
-        <a:defRPr sz="1800" kern="1200">
-          <a:solidFill>
-            <a:schemeClr val="tx1"/>
-          </a:solidFill>
-          <a:latin typeface="+mn-lt"/>
-          <a:ea typeface="+mn-ea"/>
-          <a:cs typeface="+mn-cs"/>
-        </a:defRPr>
-      </a:lvl8pPr>
-      <a:lvl9pPr marL="3886200" indent="-228600" algn="l" defTabSz="914400" rtl="0" eaLnBrk="1" latinLnBrk="0" hangingPunct="1">
-        <a:lnSpc>
-          <a:spcPct val="90000"/>
-        </a:lnSpc>
-        <a:spcBef>
-          <a:spcPts val="500"/>
-        </a:spcBef>
-        <a:buFont typeface="Arial" panose="020B0604020202020204" pitchFamily="34" charset="0"/>
-        <a:buChar char="•"/>
-        <a:defRPr sz="1800" kern="1200">
-          <a:solidFill>
-            <a:schemeClr val="tx1"/>
-          </a:solidFill>
-          <a:latin typeface="+mn-lt"/>
-          <a:ea typeface="+mn-ea"/>
-          <a:cs typeface="+mn-cs"/>
-        </a:defRPr>
-      </a:lvl9pPr>
-    </p:bodyStyle>
-    <p:otherStyle>
-      <a:defPPr>
-        <a:defRPr lang="en-US"/>
-      </a:defPPr>
-      <a:lvl1pPr marL="0" algn="l" defTabSz="914400" rtl="0" eaLnBrk="1" latinLnBrk="0" hangingPunct="1">
-        <a:defRPr sz="1800" kern="1200">
-          <a:solidFill>
-            <a:schemeClr val="tx1"/>
-          </a:solidFill>
-          <a:latin typeface="+mn-lt"/>
-          <a:ea typeface="+mn-ea"/>
-          <a:cs typeface="+mn-cs"/>
-        </a:defRPr>
-      </a:lvl1pPr>
-      <a:lvl2pPr marL="457200" algn="l" defTabSz="914400" rtl="0" eaLnBrk="1" latinLnBrk="0" hangingPunct="1">
-        <a:defRPr sz="1800" kern="1200">
-          <a:solidFill>
-            <a:schemeClr val="tx1"/>
-          </a:solidFill>
-          <a:latin typeface="+mn-lt"/>
-          <a:ea typeface="+mn-ea"/>
-          <a:cs typeface="+mn-cs"/>
-        </a:defRPr>
-      </a:lvl2pPr>
-      <a:lvl3pPr marL="914400" algn="l" defTabSz="914400" rtl="0" eaLnBrk="1" latinLnBrk="0" hangingPunct="1">
-        <a:defRPr sz="1800" kern="1200">
-          <a:solidFill>
-            <a:schemeClr val="tx1"/>
-          </a:solidFill>
-          <a:latin typeface="+mn-lt"/>
-          <a:ea typeface="+mn-ea"/>
-          <a:cs typeface="+mn-cs"/>
-        </a:defRPr>
-      </a:lvl3pPr>
-      <a:lvl4pPr marL="1371600" algn="l" defTabSz="914400" rtl="0" eaLnBrk="1" latinLnBrk="0" hangingPunct="1">
-        <a:defRPr sz="1800" kern="1200">
-          <a:solidFill>
-            <a:schemeClr val="tx1"/>
-          </a:solidFill>
-          <a:latin typeface="+mn-lt"/>
-          <a:ea typeface="+mn-ea"/>
-          <a:cs typeface="+mn-cs"/>
-        </a:defRPr>
-      </a:lvl4pPr>
-      <a:lvl5pPr marL="1828800" algn="l" defTabSz="914400" rtl="0" eaLnBrk="1" latinLnBrk="0" hangingPunct="1">
-        <a:defRPr sz="1800" kern="1200">
-          <a:solidFill>
-            <a:schemeClr val="tx1"/>
-          </a:solidFill>
-          <a:latin typeface="+mn-lt"/>
-          <a:ea typeface="+mn-ea"/>
-          <a:cs typeface="+mn-cs"/>
-        </a:defRPr>
-      </a:lvl5pPr>
-      <a:lvl6pPr marL="2286000" algn="l" defTabSz="914400" rtl="0" eaLnBrk="1" latinLnBrk="0" hangingPunct="1">
-        <a:defRPr sz="1800" kern="1200">
-          <a:solidFill>
-            <a:schemeClr val="tx1"/>
-          </a:solidFill>
-          <a:latin typeface="+mn-lt"/>
-          <a:ea typeface="+mn-ea"/>
-          <a:cs typeface="+mn-cs"/>
-        </a:defRPr>
-      </a:lvl6pPr>
-      <a:lvl7pPr marL="2743200" algn="l" defTabSz="914400" rtl="0" eaLnBrk="1" latinLnBrk="0" hangingPunct="1">
-        <a:defRPr sz="1800" kern="1200">
-          <a:solidFill>
-            <a:schemeClr val="tx1"/>
-          </a:solidFill>
-          <a:latin typeface="+mn-lt"/>
-          <a:ea typeface="+mn-ea"/>
-          <a:cs typeface="+mn-cs"/>
-        </a:defRPr>
-      </a:lvl7pPr>
-      <a:lvl8pPr marL="3200400" algn="l" defTabSz="914400" rtl="0" eaLnBrk="1" latinLnBrk="0" hangingPunct="1">
-        <a:defRPr sz="1800" kern="1200">
-          <a:solidFill>
-            <a:schemeClr val="tx1"/>
-          </a:solidFill>
-          <a:latin typeface="+mn-lt"/>
-          <a:ea typeface="+mn-ea"/>
-          <a:cs typeface="+mn-cs"/>
-        </a:defRPr>
-      </a:lvl8pPr>
-      <a:lvl9pPr marL="3657600" algn="l" defTabSz="914400" rtl="0" eaLnBrk="1" latinLnBrk="0" hangingPunct="1">
-        <a:defRPr sz="1800" kern="1200">
-          <a:solidFill>
-            <a:schemeClr val="tx1"/>
-          </a:solidFill>
-          <a:latin typeface="+mn-lt"/>
-          <a:ea typeface="+mn-ea"/>
-          <a:cs typeface="+mn-cs"/>
-        </a:defRPr>
-      </a:lvl9pPr>
-    </p:otherStyle>
-  </p:txStyles>
 </p:sldMaster>
 </file>
 
 <file path=ppt/slideMasters/slideMaster2.xml><?xml version="1.0" encoding="utf-8"?>
-<p:sldMaster xmlns:a="http://schemas.openxmlformats.org/drawingml/2006/main" xmlns:r="http://schemas.openxmlformats.org/officeDocument/2006/relationships" xmlns:p="http://schemas.openxmlformats.org/presentationml/2006/main">
+<p:sldMaster xmlns:a="http://schemas.openxmlformats.org/drawingml/2006/main" xmlns:p="http://schemas.openxmlformats.org/presentationml/2006/main" xmlns:r="http://schemas.openxmlformats.org/officeDocument/2006/relationships" xmlns:p14="http://schemas.microsoft.com/office/powerpoint/2010/main" xmlns:p15="http://schemas.microsoft.com/office/powerpoint/2012/main" xmlns:mc="http://schemas.openxmlformats.org/markup-compatibility/2006">
   <p:cSld>
     <p:bg>
       <p:bgPr>
         <a:solidFill>
-          <a:srgbClr val="FFFFFF"/>
+          <a:srgbClr val="ffffff"/>
         </a:solidFill>
-        <a:effectLst/>
       </p:bgPr>
     </p:bg>
     <p:spTree>
@@ -4252,7 +3961,7 @@
         <p:spPr>
           <a:xfrm>
             <a:off x="7218720" y="6472800"/>
-            <a:ext cx="2032560" cy="363240"/>
+            <a:ext cx="2032200" cy="362880"/>
           </a:xfrm>
           <a:prstGeom prst="rect">
             <a:avLst/>
@@ -4263,22 +3972,15 @@
           </a:ln>
         </p:spPr>
         <p:style>
-          <a:lnRef idx="0">
-            <a:scrgbClr r="0" g="0" b="0"/>
-          </a:lnRef>
-          <a:fillRef idx="0">
-            <a:scrgbClr r="0" g="0" b="0"/>
-          </a:fillRef>
-          <a:effectRef idx="0">
-            <a:scrgbClr r="0" g="0" b="0"/>
-          </a:effectRef>
+          <a:lnRef idx="0"/>
+          <a:fillRef idx="0"/>
+          <a:effectRef idx="0"/>
           <a:fontRef idx="minor"/>
         </p:style>
         <p:txBody>
-          <a:bodyPr lIns="90000" tIns="45000" rIns="90000" bIns="45000" anchor="ctr">
+          <a:bodyPr lIns="90000" rIns="90000" tIns="45000" bIns="45000" anchor="ctr">
             <a:noAutofit/>
           </a:bodyPr>
-          <a:lstStyle/>
           <a:p>
             <a:pPr>
               <a:lnSpc>
@@ -4286,16 +3988,16 @@
               </a:lnSpc>
             </a:pPr>
             <a:r>
-              <a:rPr lang="en-US" sz="1200" b="0" strike="noStrike" spc="-1">
-                <a:solidFill>
-                  <a:srgbClr val="8B8B8B"/>
+              <a:rPr b="0" lang="en-US" sz="1200" spc="-1" strike="noStrike">
+                <a:solidFill>
+                  <a:srgbClr val="8b8b8b"/>
                 </a:solidFill>
                 <a:latin typeface="Calibri"/>
                 <a:ea typeface="DejaVu Sans"/>
               </a:rPr>
               <a:t>David von Oheimb, Siemens</a:t>
             </a:r>
-            <a:endParaRPr lang="en-US" sz="1200" b="0" strike="noStrike" spc="-1">
+            <a:endParaRPr b="0" lang="en-US" sz="1200" spc="-1" strike="noStrike">
               <a:latin typeface="Arial"/>
             </a:endParaRPr>
           </a:p>
@@ -4310,7 +4012,7 @@
         <p:spPr>
           <a:xfrm>
             <a:off x="4032000" y="6472800"/>
-            <a:ext cx="1295280" cy="363240"/>
+            <a:ext cx="1294920" cy="362880"/>
           </a:xfrm>
           <a:prstGeom prst="rect">
             <a:avLst/>
@@ -4321,22 +4023,15 @@
           </a:ln>
         </p:spPr>
         <p:style>
-          <a:lnRef idx="0">
-            <a:scrgbClr r="0" g="0" b="0"/>
-          </a:lnRef>
-          <a:fillRef idx="0">
-            <a:scrgbClr r="0" g="0" b="0"/>
-          </a:fillRef>
-          <a:effectRef idx="0">
-            <a:scrgbClr r="0" g="0" b="0"/>
-          </a:effectRef>
+          <a:lnRef idx="0"/>
+          <a:fillRef idx="0"/>
+          <a:effectRef idx="0"/>
           <a:fontRef idx="minor"/>
         </p:style>
         <p:txBody>
-          <a:bodyPr lIns="90000" tIns="45000" rIns="90000" bIns="45000" anchor="ctr">
+          <a:bodyPr lIns="90000" rIns="90000" tIns="45000" bIns="45000" anchor="ctr">
             <a:noAutofit/>
           </a:bodyPr>
-          <a:lstStyle/>
           <a:p>
             <a:pPr>
               <a:lnSpc>
@@ -4344,16 +4039,16 @@
               </a:lnSpc>
             </a:pPr>
             <a:r>
-              <a:rPr lang="en-US" sz="1200" b="0" strike="noStrike" spc="-1" dirty="0">
-                <a:solidFill>
-                  <a:srgbClr val="8B8B8B"/>
+              <a:rPr b="0" lang="en-US" sz="1200" spc="-1" strike="noStrike">
+                <a:solidFill>
+                  <a:srgbClr val="8b8b8b"/>
                 </a:solidFill>
                 <a:latin typeface="Calibri"/>
                 <a:ea typeface="DejaVu Sans"/>
               </a:rPr>
-              <a:t>2022-July-08</a:t>
-            </a:r>
-            <a:endParaRPr lang="en-US" sz="1200" b="0" strike="noStrike" spc="-1" dirty="0">
+              <a:t>2022-July-25</a:t>
+            </a:r>
+            <a:endParaRPr b="0" lang="en-US" sz="1200" spc="-1" strike="noStrike">
               <a:latin typeface="Arial"/>
             </a:endParaRPr>
           </a:p>
@@ -4368,7 +4063,7 @@
         <p:spPr>
           <a:xfrm>
             <a:off x="846720" y="6508800"/>
-            <a:ext cx="1265400" cy="363240"/>
+            <a:ext cx="1265040" cy="362880"/>
           </a:xfrm>
           <a:prstGeom prst="rect">
             <a:avLst/>
@@ -4379,22 +4074,15 @@
           </a:ln>
         </p:spPr>
         <p:style>
-          <a:lnRef idx="0">
-            <a:scrgbClr r="0" g="0" b="0"/>
-          </a:lnRef>
-          <a:fillRef idx="0">
-            <a:scrgbClr r="0" g="0" b="0"/>
-          </a:fillRef>
-          <a:effectRef idx="0">
-            <a:scrgbClr r="0" g="0" b="0"/>
-          </a:effectRef>
+          <a:lnRef idx="0"/>
+          <a:fillRef idx="0"/>
+          <a:effectRef idx="0"/>
           <a:fontRef idx="minor"/>
         </p:style>
         <p:txBody>
-          <a:bodyPr lIns="90000" tIns="45000" rIns="90000" bIns="45000" anchor="ctr">
+          <a:bodyPr lIns="90000" rIns="90000" tIns="45000" bIns="45000" anchor="ctr">
             <a:noAutofit/>
           </a:bodyPr>
-          <a:lstStyle/>
           <a:p>
             <a:pPr>
               <a:lnSpc>
@@ -4402,16 +4090,26 @@
               </a:lnSpc>
             </a:pPr>
             <a:r>
-              <a:rPr lang="en-US" sz="1200" b="0" strike="noStrike" spc="-1">
-                <a:solidFill>
-                  <a:srgbClr val="8B8B8B"/>
+              <a:rPr b="0" lang="en-US" sz="1200" spc="-1" strike="noStrike">
+                <a:solidFill>
+                  <a:srgbClr val="8b8b8b"/>
                 </a:solidFill>
                 <a:latin typeface="Calibri"/>
                 <a:ea typeface="DejaVu Sans"/>
               </a:rPr>
-              <a:t>BRSKI-AE status	</a:t>
-            </a:r>
-            <a:endParaRPr lang="en-US" sz="1200" b="0" strike="noStrike" spc="-1">
+              <a:t>BRSKI-AE status</a:t>
+            </a:r>
+            <a:r>
+              <a:rPr b="0" lang="en-US" sz="1200" spc="-1" strike="noStrike">
+                <a:solidFill>
+                  <a:srgbClr val="8b8b8b"/>
+                </a:solidFill>
+                <a:latin typeface="Calibri"/>
+                <a:ea typeface="DejaVu Sans"/>
+              </a:rPr>
+              <a:t>	</a:t>
+            </a:r>
+            <a:endParaRPr b="0" lang="en-US" sz="1200" spc="-1" strike="noStrike">
               <a:latin typeface="Arial"/>
             </a:endParaRPr>
           </a:p>
@@ -4426,7 +4124,7 @@
         <p:spPr>
           <a:xfrm>
             <a:off x="11016000" y="6472800"/>
-            <a:ext cx="899280" cy="363240"/>
+            <a:ext cx="898920" cy="362880"/>
           </a:xfrm>
           <a:prstGeom prst="rect">
             <a:avLst/>
@@ -4437,39 +4135,32 @@
           </a:ln>
         </p:spPr>
         <p:style>
-          <a:lnRef idx="0">
-            <a:scrgbClr r="0" g="0" b="0"/>
-          </a:lnRef>
-          <a:fillRef idx="0">
-            <a:scrgbClr r="0" g="0" b="0"/>
-          </a:fillRef>
-          <a:effectRef idx="0">
-            <a:scrgbClr r="0" g="0" b="0"/>
-          </a:effectRef>
+          <a:lnRef idx="0"/>
+          <a:fillRef idx="0"/>
+          <a:effectRef idx="0"/>
           <a:fontRef idx="minor"/>
         </p:style>
         <p:txBody>
-          <a:bodyPr lIns="90000" tIns="45000" rIns="90000" bIns="45000" anchor="ctr">
+          <a:bodyPr lIns="90000" rIns="90000" tIns="45000" bIns="45000" anchor="ctr">
             <a:noAutofit/>
           </a:bodyPr>
-          <a:lstStyle/>
           <a:p>
             <a:pPr>
               <a:lnSpc>
                 <a:spcPct val="100000"/>
               </a:lnSpc>
             </a:pPr>
-            <a:fld id="{C879CFB2-BD86-463D-9D34-CB507D9CAC38}" type="slidenum">
-              <a:rPr lang="en-US" sz="1200" b="0" strike="noStrike" spc="-1">
-                <a:solidFill>
-                  <a:srgbClr val="8B8B8B"/>
+            <a:fld id="{DF6AE67E-FC53-408D-A5ED-5DF1050CD617}" type="slidenum">
+              <a:rPr b="0" lang="en-US" sz="1200" spc="-1" strike="noStrike">
+                <a:solidFill>
+                  <a:srgbClr val="8b8b8b"/>
                 </a:solidFill>
                 <a:latin typeface="Calibri"/>
                 <a:ea typeface="DejaVu Sans"/>
               </a:rPr>
-              <a:t>‹#›</a:t>
+              <a:t>&lt;number&gt;</a:t>
             </a:fld>
-            <a:endParaRPr lang="en-US" sz="1200" b="0" strike="noStrike" spc="-1">
+            <a:endParaRPr b="0" lang="en-US" sz="1200" spc="-1" strike="noStrike">
               <a:latin typeface="Arial"/>
             </a:endParaRPr>
           </a:p>
@@ -4495,18 +4186,52 @@
           </a:prstGeom>
         </p:spPr>
         <p:txBody>
-          <a:bodyPr lIns="0" tIns="0" rIns="0" bIns="0" anchor="ctr">
+          <a:bodyPr lIns="0" rIns="0" tIns="0" bIns="0" anchor="ctr">
             <a:noAutofit/>
           </a:bodyPr>
-          <a:lstStyle/>
-          <a:p>
-            <a:pPr algn="ctr"/>
-            <a:r>
-              <a:rPr lang="en-US" sz="4400" b="0" strike="noStrike" spc="-1">
+          <a:p>
+            <a:r>
+              <a:rPr b="0" lang="en-US" sz="1800" spc="-1" strike="noStrike">
+                <a:solidFill>
+                  <a:srgbClr val="000000"/>
+                </a:solidFill>
                 <a:latin typeface="Arial"/>
               </a:rPr>
-              <a:t>Click to edit the title text format</a:t>
-            </a:r>
+              <a:t>Click to </a:t>
+            </a:r>
+            <a:r>
+              <a:rPr b="0" lang="en-US" sz="1800" spc="-1" strike="noStrike">
+                <a:solidFill>
+                  <a:srgbClr val="000000"/>
+                </a:solidFill>
+                <a:latin typeface="Arial"/>
+              </a:rPr>
+              <a:t>edit the </a:t>
+            </a:r>
+            <a:r>
+              <a:rPr b="0" lang="en-US" sz="1800" spc="-1" strike="noStrike">
+                <a:solidFill>
+                  <a:srgbClr val="000000"/>
+                </a:solidFill>
+                <a:latin typeface="Arial"/>
+              </a:rPr>
+              <a:t>title text </a:t>
+            </a:r>
+            <a:r>
+              <a:rPr b="0" lang="en-US" sz="1800" spc="-1" strike="noStrike">
+                <a:solidFill>
+                  <a:srgbClr val="000000"/>
+                </a:solidFill>
+                <a:latin typeface="Arial"/>
+              </a:rPr>
+              <a:t>format</a:t>
+            </a:r>
+            <a:endParaRPr b="0" lang="en-US" sz="1800" spc="-1" strike="noStrike">
+              <a:solidFill>
+                <a:srgbClr val="000000"/>
+              </a:solidFill>
+              <a:latin typeface="Arial"/>
+            </a:endParaRPr>
           </a:p>
         </p:txBody>
       </p:sp>
@@ -4530,10 +4255,9 @@
           </a:prstGeom>
         </p:spPr>
         <p:txBody>
-          <a:bodyPr lIns="0" tIns="0" rIns="0" bIns="0">
+          <a:bodyPr lIns="0" rIns="0" tIns="0" bIns="0">
             <a:normAutofit/>
           </a:bodyPr>
-          <a:lstStyle/>
           <a:p>
             <a:pPr marL="432000" indent="-324000">
               <a:spcBef>
@@ -4547,14 +4271,23 @@
               <a:buChar char=""/>
             </a:pPr>
             <a:r>
-              <a:rPr lang="en-US" sz="3200" b="0" strike="noStrike" spc="-1">
+              <a:rPr b="0" lang="en-US" sz="2800" spc="-1" strike="noStrike">
+                <a:solidFill>
+                  <a:srgbClr val="000000"/>
+                </a:solidFill>
                 <a:latin typeface="Arial"/>
               </a:rPr>
               <a:t>Click to edit the outline text format</a:t>
             </a:r>
-          </a:p>
-          <a:p>
-            <a:pPr marL="864000" lvl="1" indent="-324000">
+            <a:endParaRPr b="0" lang="en-US" sz="2800" spc="-1" strike="noStrike">
+              <a:solidFill>
+                <a:srgbClr val="000000"/>
+              </a:solidFill>
+              <a:latin typeface="Arial"/>
+            </a:endParaRPr>
+          </a:p>
+          <a:p>
+            <a:pPr lvl="1" marL="864000" indent="-324000">
               <a:spcBef>
                 <a:spcPts val="1134"/>
               </a:spcBef>
@@ -4566,14 +4299,23 @@
               <a:buChar char=""/>
             </a:pPr>
             <a:r>
-              <a:rPr lang="en-US" sz="2800" b="0" strike="noStrike" spc="-1">
+              <a:rPr b="0" lang="en-US" sz="2000" spc="-1" strike="noStrike">
+                <a:solidFill>
+                  <a:srgbClr val="000000"/>
+                </a:solidFill>
                 <a:latin typeface="Arial"/>
               </a:rPr>
               <a:t>Second Outline Level</a:t>
             </a:r>
-          </a:p>
-          <a:p>
-            <a:pPr marL="1296000" lvl="2" indent="-288000">
+            <a:endParaRPr b="0" lang="en-US" sz="2000" spc="-1" strike="noStrike">
+              <a:solidFill>
+                <a:srgbClr val="000000"/>
+              </a:solidFill>
+              <a:latin typeface="Arial"/>
+            </a:endParaRPr>
+          </a:p>
+          <a:p>
+            <a:pPr lvl="2" marL="1296000" indent="-288000">
               <a:spcBef>
                 <a:spcPts val="850"/>
               </a:spcBef>
@@ -4585,14 +4327,23 @@
               <a:buChar char=""/>
             </a:pPr>
             <a:r>
-              <a:rPr lang="en-US" sz="2400" b="0" strike="noStrike" spc="-1">
+              <a:rPr b="0" lang="en-US" sz="1800" spc="-1" strike="noStrike">
+                <a:solidFill>
+                  <a:srgbClr val="000000"/>
+                </a:solidFill>
                 <a:latin typeface="Arial"/>
               </a:rPr>
               <a:t>Third Outline Level</a:t>
             </a:r>
-          </a:p>
-          <a:p>
-            <a:pPr marL="1728000" lvl="3" indent="-216000">
+            <a:endParaRPr b="0" lang="en-US" sz="1800" spc="-1" strike="noStrike">
+              <a:solidFill>
+                <a:srgbClr val="000000"/>
+              </a:solidFill>
+              <a:latin typeface="Arial"/>
+            </a:endParaRPr>
+          </a:p>
+          <a:p>
+            <a:pPr lvl="3" marL="1728000" indent="-216000">
               <a:spcBef>
                 <a:spcPts val="567"/>
               </a:spcBef>
@@ -4604,14 +4355,23 @@
               <a:buChar char=""/>
             </a:pPr>
             <a:r>
-              <a:rPr lang="en-US" sz="2000" b="0" strike="noStrike" spc="-1">
+              <a:rPr b="0" lang="en-US" sz="1800" spc="-1" strike="noStrike">
+                <a:solidFill>
+                  <a:srgbClr val="000000"/>
+                </a:solidFill>
                 <a:latin typeface="Arial"/>
               </a:rPr>
               <a:t>Fourth Outline Level</a:t>
             </a:r>
-          </a:p>
-          <a:p>
-            <a:pPr marL="2160000" lvl="4" indent="-216000">
+            <a:endParaRPr b="0" lang="en-US" sz="1800" spc="-1" strike="noStrike">
+              <a:solidFill>
+                <a:srgbClr val="000000"/>
+              </a:solidFill>
+              <a:latin typeface="Arial"/>
+            </a:endParaRPr>
+          </a:p>
+          <a:p>
+            <a:pPr lvl="4" marL="2160000" indent="-216000">
               <a:spcBef>
                 <a:spcPts val="283"/>
               </a:spcBef>
@@ -4623,14 +4383,23 @@
               <a:buChar char=""/>
             </a:pPr>
             <a:r>
-              <a:rPr lang="en-US" sz="2000" b="0" strike="noStrike" spc="-1">
+              <a:rPr b="0" lang="en-US" sz="2000" spc="-1" strike="noStrike">
+                <a:solidFill>
+                  <a:srgbClr val="000000"/>
+                </a:solidFill>
                 <a:latin typeface="Arial"/>
               </a:rPr>
               <a:t>Fifth Outline Level</a:t>
             </a:r>
-          </a:p>
-          <a:p>
-            <a:pPr marL="2592000" lvl="5" indent="-216000">
+            <a:endParaRPr b="0" lang="en-US" sz="2000" spc="-1" strike="noStrike">
+              <a:solidFill>
+                <a:srgbClr val="000000"/>
+              </a:solidFill>
+              <a:latin typeface="Arial"/>
+            </a:endParaRPr>
+          </a:p>
+          <a:p>
+            <a:pPr lvl="5" marL="2592000" indent="-216000">
               <a:spcBef>
                 <a:spcPts val="283"/>
               </a:spcBef>
@@ -4642,14 +4411,23 @@
               <a:buChar char=""/>
             </a:pPr>
             <a:r>
-              <a:rPr lang="en-US" sz="2000" b="0" strike="noStrike" spc="-1">
+              <a:rPr b="0" lang="en-US" sz="2000" spc="-1" strike="noStrike">
+                <a:solidFill>
+                  <a:srgbClr val="000000"/>
+                </a:solidFill>
                 <a:latin typeface="Arial"/>
               </a:rPr>
               <a:t>Sixth Outline Level</a:t>
             </a:r>
-          </a:p>
-          <a:p>
-            <a:pPr marL="3024000" lvl="6" indent="-216000">
+            <a:endParaRPr b="0" lang="en-US" sz="2000" spc="-1" strike="noStrike">
+              <a:solidFill>
+                <a:srgbClr val="000000"/>
+              </a:solidFill>
+              <a:latin typeface="Arial"/>
+            </a:endParaRPr>
+          </a:p>
+          <a:p>
+            <a:pPr lvl="6" marL="3024000" indent="-216000">
               <a:spcBef>
                 <a:spcPts val="283"/>
               </a:spcBef>
@@ -4661,316 +4439,45 @@
               <a:buChar char=""/>
             </a:pPr>
             <a:r>
-              <a:rPr lang="en-US" sz="2000" b="0" strike="noStrike" spc="-1">
+              <a:rPr b="0" lang="en-US" sz="2000" spc="-1" strike="noStrike">
+                <a:solidFill>
+                  <a:srgbClr val="000000"/>
+                </a:solidFill>
                 <a:latin typeface="Arial"/>
               </a:rPr>
               <a:t>Seventh Outline Level</a:t>
             </a:r>
+            <a:endParaRPr b="0" lang="en-US" sz="2000" spc="-1" strike="noStrike">
+              <a:solidFill>
+                <a:srgbClr val="000000"/>
+              </a:solidFill>
+              <a:latin typeface="Arial"/>
+            </a:endParaRPr>
           </a:p>
         </p:txBody>
       </p:sp>
     </p:spTree>
   </p:cSld>
-  <p:clrMap bg1="lt1" tx1="dk1" bg2="lt2" tx2="dk2" accent1="accent1" accent2="accent2" accent3="accent3" accent4="accent4" accent5="accent5" accent6="accent6" hlink="hlink" folHlink="folHlink"/>
+  <p:clrMap bg1="lt1" bg2="lt2" tx1="dk1" tx2="dk2" accent1="accent1" accent2="accent2" accent3="accent3" accent4="accent4" accent5="accent5" accent6="accent6" hlink="hlink" folHlink="folHlink"/>
   <p:sldLayoutIdLst>
-    <p:sldLayoutId id="2147483662" r:id="rId1"/>
-    <p:sldLayoutId id="2147483663" r:id="rId2"/>
-    <p:sldLayoutId id="2147483664" r:id="rId3"/>
-    <p:sldLayoutId id="2147483665" r:id="rId4"/>
-    <p:sldLayoutId id="2147483666" r:id="rId5"/>
-    <p:sldLayoutId id="2147483667" r:id="rId6"/>
-    <p:sldLayoutId id="2147483668" r:id="rId7"/>
-    <p:sldLayoutId id="2147483669" r:id="rId8"/>
-    <p:sldLayoutId id="2147483670" r:id="rId9"/>
-    <p:sldLayoutId id="2147483671" r:id="rId10"/>
-    <p:sldLayoutId id="2147483672" r:id="rId11"/>
-    <p:sldLayoutId id="2147483673" r:id="rId12"/>
+    <p:sldLayoutId id="2147483662" r:id="rId2"/>
+    <p:sldLayoutId id="2147483663" r:id="rId3"/>
+    <p:sldLayoutId id="2147483664" r:id="rId4"/>
+    <p:sldLayoutId id="2147483665" r:id="rId5"/>
+    <p:sldLayoutId id="2147483666" r:id="rId6"/>
+    <p:sldLayoutId id="2147483667" r:id="rId7"/>
+    <p:sldLayoutId id="2147483668" r:id="rId8"/>
+    <p:sldLayoutId id="2147483669" r:id="rId9"/>
+    <p:sldLayoutId id="2147483670" r:id="rId10"/>
+    <p:sldLayoutId id="2147483671" r:id="rId11"/>
+    <p:sldLayoutId id="2147483672" r:id="rId12"/>
+    <p:sldLayoutId id="2147483673" r:id="rId13"/>
   </p:sldLayoutIdLst>
-  <p:txStyles>
-    <p:titleStyle>
-      <a:lvl1pPr algn="l" defTabSz="914400" rtl="0" eaLnBrk="1" latinLnBrk="0" hangingPunct="1">
-        <a:lnSpc>
-          <a:spcPct val="90000"/>
-        </a:lnSpc>
-        <a:spcBef>
-          <a:spcPct val="0"/>
-        </a:spcBef>
-        <a:buNone/>
-        <a:defRPr sz="4400" kern="1200">
-          <a:solidFill>
-            <a:schemeClr val="tx1"/>
-          </a:solidFill>
-          <a:latin typeface="+mj-lt"/>
-          <a:ea typeface="+mj-ea"/>
-          <a:cs typeface="+mj-cs"/>
-        </a:defRPr>
-      </a:lvl1pPr>
-    </p:titleStyle>
-    <p:bodyStyle>
-      <a:lvl1pPr marL="228600" indent="-228600" algn="l" defTabSz="914400" rtl="0" eaLnBrk="1" latinLnBrk="0" hangingPunct="1">
-        <a:lnSpc>
-          <a:spcPct val="90000"/>
-        </a:lnSpc>
-        <a:spcBef>
-          <a:spcPts val="1000"/>
-        </a:spcBef>
-        <a:buFont typeface="Arial" panose="020B0604020202020204" pitchFamily="34" charset="0"/>
-        <a:buChar char="•"/>
-        <a:defRPr sz="2800" kern="1200">
-          <a:solidFill>
-            <a:schemeClr val="tx1"/>
-          </a:solidFill>
-          <a:latin typeface="+mn-lt"/>
-          <a:ea typeface="+mn-ea"/>
-          <a:cs typeface="+mn-cs"/>
-        </a:defRPr>
-      </a:lvl1pPr>
-      <a:lvl2pPr marL="685800" indent="-228600" algn="l" defTabSz="914400" rtl="0" eaLnBrk="1" latinLnBrk="0" hangingPunct="1">
-        <a:lnSpc>
-          <a:spcPct val="90000"/>
-        </a:lnSpc>
-        <a:spcBef>
-          <a:spcPts val="500"/>
-        </a:spcBef>
-        <a:buFont typeface="Arial" panose="020B0604020202020204" pitchFamily="34" charset="0"/>
-        <a:buChar char="•"/>
-        <a:defRPr sz="2400" kern="1200">
-          <a:solidFill>
-            <a:schemeClr val="tx1"/>
-          </a:solidFill>
-          <a:latin typeface="+mn-lt"/>
-          <a:ea typeface="+mn-ea"/>
-          <a:cs typeface="+mn-cs"/>
-        </a:defRPr>
-      </a:lvl2pPr>
-      <a:lvl3pPr marL="1143000" indent="-228600" algn="l" defTabSz="914400" rtl="0" eaLnBrk="1" latinLnBrk="0" hangingPunct="1">
-        <a:lnSpc>
-          <a:spcPct val="90000"/>
-        </a:lnSpc>
-        <a:spcBef>
-          <a:spcPts val="500"/>
-        </a:spcBef>
-        <a:buFont typeface="Arial" panose="020B0604020202020204" pitchFamily="34" charset="0"/>
-        <a:buChar char="•"/>
-        <a:defRPr sz="2000" kern="1200">
-          <a:solidFill>
-            <a:schemeClr val="tx1"/>
-          </a:solidFill>
-          <a:latin typeface="+mn-lt"/>
-          <a:ea typeface="+mn-ea"/>
-          <a:cs typeface="+mn-cs"/>
-        </a:defRPr>
-      </a:lvl3pPr>
-      <a:lvl4pPr marL="1600200" indent="-228600" algn="l" defTabSz="914400" rtl="0" eaLnBrk="1" latinLnBrk="0" hangingPunct="1">
-        <a:lnSpc>
-          <a:spcPct val="90000"/>
-        </a:lnSpc>
-        <a:spcBef>
-          <a:spcPts val="500"/>
-        </a:spcBef>
-        <a:buFont typeface="Arial" panose="020B0604020202020204" pitchFamily="34" charset="0"/>
-        <a:buChar char="•"/>
-        <a:defRPr sz="1800" kern="1200">
-          <a:solidFill>
-            <a:schemeClr val="tx1"/>
-          </a:solidFill>
-          <a:latin typeface="+mn-lt"/>
-          <a:ea typeface="+mn-ea"/>
-          <a:cs typeface="+mn-cs"/>
-        </a:defRPr>
-      </a:lvl4pPr>
-      <a:lvl5pPr marL="2057400" indent="-228600" algn="l" defTabSz="914400" rtl="0" eaLnBrk="1" latinLnBrk="0" hangingPunct="1">
-        <a:lnSpc>
-          <a:spcPct val="90000"/>
-        </a:lnSpc>
-        <a:spcBef>
-          <a:spcPts val="500"/>
-        </a:spcBef>
-        <a:buFont typeface="Arial" panose="020B0604020202020204" pitchFamily="34" charset="0"/>
-        <a:buChar char="•"/>
-        <a:defRPr sz="1800" kern="1200">
-          <a:solidFill>
-            <a:schemeClr val="tx1"/>
-          </a:solidFill>
-          <a:latin typeface="+mn-lt"/>
-          <a:ea typeface="+mn-ea"/>
-          <a:cs typeface="+mn-cs"/>
-        </a:defRPr>
-      </a:lvl5pPr>
-      <a:lvl6pPr marL="2514600" indent="-228600" algn="l" defTabSz="914400" rtl="0" eaLnBrk="1" latinLnBrk="0" hangingPunct="1">
-        <a:lnSpc>
-          <a:spcPct val="90000"/>
-        </a:lnSpc>
-        <a:spcBef>
-          <a:spcPts val="500"/>
-        </a:spcBef>
-        <a:buFont typeface="Arial" panose="020B0604020202020204" pitchFamily="34" charset="0"/>
-        <a:buChar char="•"/>
-        <a:defRPr sz="1800" kern="1200">
-          <a:solidFill>
-            <a:schemeClr val="tx1"/>
-          </a:solidFill>
-          <a:latin typeface="+mn-lt"/>
-          <a:ea typeface="+mn-ea"/>
-          <a:cs typeface="+mn-cs"/>
-        </a:defRPr>
-      </a:lvl6pPr>
-      <a:lvl7pPr marL="2971800" indent="-228600" algn="l" defTabSz="914400" rtl="0" eaLnBrk="1" latinLnBrk="0" hangingPunct="1">
-        <a:lnSpc>
-          <a:spcPct val="90000"/>
-        </a:lnSpc>
-        <a:spcBef>
-          <a:spcPts val="500"/>
-        </a:spcBef>
-        <a:buFont typeface="Arial" panose="020B0604020202020204" pitchFamily="34" charset="0"/>
-        <a:buChar char="•"/>
-        <a:defRPr sz="1800" kern="1200">
-          <a:solidFill>
-            <a:schemeClr val="tx1"/>
-          </a:solidFill>
-          <a:latin typeface="+mn-lt"/>
-          <a:ea typeface="+mn-ea"/>
-          <a:cs typeface="+mn-cs"/>
-        </a:defRPr>
-      </a:lvl7pPr>
-      <a:lvl8pPr marL="3429000" indent="-228600" algn="l" defTabSz="914400" rtl="0" eaLnBrk="1" latinLnBrk="0" hangingPunct="1">
-        <a:lnSpc>
-          <a:spcPct val="90000"/>
-        </a:lnSpc>
-        <a:spcBef>
-          <a:spcPts val="500"/>
-        </a:spcBef>
-        <a:buFont typeface="Arial" panose="020B0604020202020204" pitchFamily="34" charset="0"/>
-        <a:buChar char="•"/>
-        <a:defRPr sz="1800" kern="1200">
-          <a:solidFill>
-            <a:schemeClr val="tx1"/>
-          </a:solidFill>
-          <a:latin typeface="+mn-lt"/>
-          <a:ea typeface="+mn-ea"/>
-          <a:cs typeface="+mn-cs"/>
-        </a:defRPr>
-      </a:lvl8pPr>
-      <a:lvl9pPr marL="3886200" indent="-228600" algn="l" defTabSz="914400" rtl="0" eaLnBrk="1" latinLnBrk="0" hangingPunct="1">
-        <a:lnSpc>
-          <a:spcPct val="90000"/>
-        </a:lnSpc>
-        <a:spcBef>
-          <a:spcPts val="500"/>
-        </a:spcBef>
-        <a:buFont typeface="Arial" panose="020B0604020202020204" pitchFamily="34" charset="0"/>
-        <a:buChar char="•"/>
-        <a:defRPr sz="1800" kern="1200">
-          <a:solidFill>
-            <a:schemeClr val="tx1"/>
-          </a:solidFill>
-          <a:latin typeface="+mn-lt"/>
-          <a:ea typeface="+mn-ea"/>
-          <a:cs typeface="+mn-cs"/>
-        </a:defRPr>
-      </a:lvl9pPr>
-    </p:bodyStyle>
-    <p:otherStyle>
-      <a:defPPr>
-        <a:defRPr lang="en-US"/>
-      </a:defPPr>
-      <a:lvl1pPr marL="0" algn="l" defTabSz="914400" rtl="0" eaLnBrk="1" latinLnBrk="0" hangingPunct="1">
-        <a:defRPr sz="1800" kern="1200">
-          <a:solidFill>
-            <a:schemeClr val="tx1"/>
-          </a:solidFill>
-          <a:latin typeface="+mn-lt"/>
-          <a:ea typeface="+mn-ea"/>
-          <a:cs typeface="+mn-cs"/>
-        </a:defRPr>
-      </a:lvl1pPr>
-      <a:lvl2pPr marL="457200" algn="l" defTabSz="914400" rtl="0" eaLnBrk="1" latinLnBrk="0" hangingPunct="1">
-        <a:defRPr sz="1800" kern="1200">
-          <a:solidFill>
-            <a:schemeClr val="tx1"/>
-          </a:solidFill>
-          <a:latin typeface="+mn-lt"/>
-          <a:ea typeface="+mn-ea"/>
-          <a:cs typeface="+mn-cs"/>
-        </a:defRPr>
-      </a:lvl2pPr>
-      <a:lvl3pPr marL="914400" algn="l" defTabSz="914400" rtl="0" eaLnBrk="1" latinLnBrk="0" hangingPunct="1">
-        <a:defRPr sz="1800" kern="1200">
-          <a:solidFill>
-            <a:schemeClr val="tx1"/>
-          </a:solidFill>
-          <a:latin typeface="+mn-lt"/>
-          <a:ea typeface="+mn-ea"/>
-          <a:cs typeface="+mn-cs"/>
-        </a:defRPr>
-      </a:lvl3pPr>
-      <a:lvl4pPr marL="1371600" algn="l" defTabSz="914400" rtl="0" eaLnBrk="1" latinLnBrk="0" hangingPunct="1">
-        <a:defRPr sz="1800" kern="1200">
-          <a:solidFill>
-            <a:schemeClr val="tx1"/>
-          </a:solidFill>
-          <a:latin typeface="+mn-lt"/>
-          <a:ea typeface="+mn-ea"/>
-          <a:cs typeface="+mn-cs"/>
-        </a:defRPr>
-      </a:lvl4pPr>
-      <a:lvl5pPr marL="1828800" algn="l" defTabSz="914400" rtl="0" eaLnBrk="1" latinLnBrk="0" hangingPunct="1">
-        <a:defRPr sz="1800" kern="1200">
-          <a:solidFill>
-            <a:schemeClr val="tx1"/>
-          </a:solidFill>
-          <a:latin typeface="+mn-lt"/>
-          <a:ea typeface="+mn-ea"/>
-          <a:cs typeface="+mn-cs"/>
-        </a:defRPr>
-      </a:lvl5pPr>
-      <a:lvl6pPr marL="2286000" algn="l" defTabSz="914400" rtl="0" eaLnBrk="1" latinLnBrk="0" hangingPunct="1">
-        <a:defRPr sz="1800" kern="1200">
-          <a:solidFill>
-            <a:schemeClr val="tx1"/>
-          </a:solidFill>
-          <a:latin typeface="+mn-lt"/>
-          <a:ea typeface="+mn-ea"/>
-          <a:cs typeface="+mn-cs"/>
-        </a:defRPr>
-      </a:lvl6pPr>
-      <a:lvl7pPr marL="2743200" algn="l" defTabSz="914400" rtl="0" eaLnBrk="1" latinLnBrk="0" hangingPunct="1">
-        <a:defRPr sz="1800" kern="1200">
-          <a:solidFill>
-            <a:schemeClr val="tx1"/>
-          </a:solidFill>
-          <a:latin typeface="+mn-lt"/>
-          <a:ea typeface="+mn-ea"/>
-          <a:cs typeface="+mn-cs"/>
-        </a:defRPr>
-      </a:lvl7pPr>
-      <a:lvl8pPr marL="3200400" algn="l" defTabSz="914400" rtl="0" eaLnBrk="1" latinLnBrk="0" hangingPunct="1">
-        <a:defRPr sz="1800" kern="1200">
-          <a:solidFill>
-            <a:schemeClr val="tx1"/>
-          </a:solidFill>
-          <a:latin typeface="+mn-lt"/>
-          <a:ea typeface="+mn-ea"/>
-          <a:cs typeface="+mn-cs"/>
-        </a:defRPr>
-      </a:lvl8pPr>
-      <a:lvl9pPr marL="3657600" algn="l" defTabSz="914400" rtl="0" eaLnBrk="1" latinLnBrk="0" hangingPunct="1">
-        <a:defRPr sz="1800" kern="1200">
-          <a:solidFill>
-            <a:schemeClr val="tx1"/>
-          </a:solidFill>
-          <a:latin typeface="+mn-lt"/>
-          <a:ea typeface="+mn-ea"/>
-          <a:cs typeface="+mn-cs"/>
-        </a:defRPr>
-      </a:lvl9pPr>
-    </p:otherStyle>
-  </p:txStyles>
 </p:sldMaster>
 </file>
 
 <file path=ppt/slides/slide1.xml><?xml version="1.0" encoding="utf-8"?>
-<p:sld xmlns:a="http://schemas.openxmlformats.org/drawingml/2006/main" xmlns:r="http://schemas.openxmlformats.org/officeDocument/2006/relationships" xmlns:p="http://schemas.openxmlformats.org/presentationml/2006/main">
+<p:sld xmlns:a="http://schemas.openxmlformats.org/drawingml/2006/main" xmlns:p="http://schemas.openxmlformats.org/presentationml/2006/main" xmlns:r="http://schemas.openxmlformats.org/officeDocument/2006/relationships" xmlns:p14="http://schemas.microsoft.com/office/powerpoint/2010/main" xmlns:p15="http://schemas.microsoft.com/office/powerpoint/2012/main" xmlns:mc="http://schemas.openxmlformats.org/markup-compatibility/2006">
   <p:cSld>
     <p:spTree>
       <p:nvGrpSpPr>
@@ -4995,7 +4502,7 @@
         <p:spPr>
           <a:xfrm>
             <a:off x="219960" y="770760"/>
-            <a:ext cx="11682360" cy="1587240"/>
+            <a:ext cx="11682000" cy="1586880"/>
           </a:xfrm>
           <a:prstGeom prst="rect">
             <a:avLst/>
@@ -5006,22 +4513,15 @@
           </a:ln>
         </p:spPr>
         <p:style>
-          <a:lnRef idx="0">
-            <a:scrgbClr r="0" g="0" b="0"/>
-          </a:lnRef>
-          <a:fillRef idx="0">
-            <a:scrgbClr r="0" g="0" b="0"/>
-          </a:fillRef>
-          <a:effectRef idx="0">
-            <a:scrgbClr r="0" g="0" b="0"/>
-          </a:effectRef>
+          <a:lnRef idx="0"/>
+          <a:fillRef idx="0"/>
+          <a:effectRef idx="0"/>
           <a:fontRef idx="minor"/>
         </p:style>
         <p:txBody>
-          <a:bodyPr lIns="90000" tIns="45000" rIns="90000" bIns="45000" anchor="b">
+          <a:bodyPr lIns="90000" rIns="90000" tIns="45000" bIns="45000" anchor="b">
             <a:normAutofit fontScale="77000"/>
           </a:bodyPr>
-          <a:lstStyle/>
           <a:p>
             <a:pPr algn="ctr">
               <a:lnSpc>
@@ -5029,7 +4529,7 @@
               </a:lnSpc>
             </a:pPr>
             <a:r>
-              <a:rPr lang="en-US" sz="4400" b="0" strike="noStrike" spc="-1">
+              <a:rPr b="0" lang="en-US" sz="4400" spc="-1" strike="noStrike">
                 <a:solidFill>
                   <a:srgbClr val="000000"/>
                 </a:solidFill>
@@ -5040,7 +4540,7 @@
             </a:r>
             <a:br/>
             <a:r>
-              <a:rPr lang="en-US" sz="4400" b="0" strike="noStrike" spc="-1">
+              <a:rPr b="0" lang="en-US" sz="4400" spc="-1" strike="noStrike">
                 <a:solidFill>
                   <a:srgbClr val="000000"/>
                 </a:solidFill>
@@ -5049,7 +4549,7 @@
               </a:rPr>
               <a:t>Alternative Enrollment Protocols in BRSKI</a:t>
             </a:r>
-            <a:endParaRPr lang="en-US" sz="4400" b="0" strike="noStrike" spc="-1">
+            <a:endParaRPr b="0" lang="en-US" sz="4400" spc="-1" strike="noStrike">
               <a:latin typeface="Arial"/>
             </a:endParaRPr>
           </a:p>
@@ -5064,7 +4564,7 @@
         <p:spPr>
           <a:xfrm>
             <a:off x="432720" y="2359800"/>
-            <a:ext cx="11469600" cy="4157280"/>
+            <a:ext cx="11469240" cy="4156920"/>
           </a:xfrm>
           <a:prstGeom prst="rect">
             <a:avLst/>
@@ -5075,22 +4575,15 @@
           </a:ln>
         </p:spPr>
         <p:style>
-          <a:lnRef idx="0">
-            <a:scrgbClr r="0" g="0" b="0"/>
-          </a:lnRef>
-          <a:fillRef idx="0">
-            <a:scrgbClr r="0" g="0" b="0"/>
-          </a:fillRef>
-          <a:effectRef idx="0">
-            <a:scrgbClr r="0" g="0" b="0"/>
-          </a:effectRef>
+          <a:lnRef idx="0"/>
+          <a:fillRef idx="0"/>
+          <a:effectRef idx="0"/>
           <a:fontRef idx="minor"/>
         </p:style>
         <p:txBody>
-          <a:bodyPr lIns="90000" tIns="45000" rIns="90000" bIns="45000">
+          <a:bodyPr lIns="90000" rIns="90000" tIns="45000" bIns="45000">
             <a:normAutofit/>
           </a:bodyPr>
-          <a:lstStyle/>
           <a:p>
             <a:pPr algn="ctr">
               <a:lnSpc>
@@ -5100,10 +4593,10 @@
                 <a:spcPts val="1001"/>
               </a:spcBef>
               <a:tabLst>
-                <a:tab pos="0" algn="l"/>
+                <a:tab algn="l" pos="0"/>
               </a:tabLst>
             </a:pPr>
-            <a:endParaRPr lang="en-US" sz="1800" b="0" strike="noStrike" spc="-1">
+            <a:endParaRPr b="0" lang="en-US" sz="1800" spc="-1" strike="noStrike">
               <a:latin typeface="Arial"/>
             </a:endParaRPr>
           </a:p>
@@ -5116,23 +4609,23 @@
                 <a:spcPts val="1001"/>
               </a:spcBef>
               <a:tabLst>
-                <a:tab pos="0" algn="l"/>
+                <a:tab algn="l" pos="0"/>
               </a:tabLst>
             </a:pPr>
             <a:r>
-              <a:rPr lang="en-US" sz="2400" b="0" u="sng" strike="noStrike" spc="-1">
-                <a:solidFill>
-                  <a:srgbClr val="0563C1"/>
+              <a:rPr b="0" lang="en-US" sz="2400" spc="-1" strike="noStrike" u="sng">
+                <a:solidFill>
+                  <a:srgbClr val="0563c1"/>
                 </a:solidFill>
                 <a:uFillTx/>
                 <a:latin typeface="Calibri"/>
                 <a:ea typeface="DejaVu Sans"/>
-                <a:hlinkClick r:id="rId2"/>
+                <a:hlinkClick r:id="rId1"/>
               </a:rPr>
               <a:t>draft-ietf-anima-brski-ae</a:t>
             </a:r>
             <a:r>
-              <a:rPr lang="en-US" sz="2400" b="0" strike="noStrike" spc="-1">
+              <a:rPr b="0" lang="en-US" sz="2400" spc="-1" strike="noStrike">
                 <a:solidFill>
                   <a:srgbClr val="000000"/>
                 </a:solidFill>
@@ -5142,7 +4635,7 @@
               <a:t>-02</a:t>
             </a:r>
             <a:br/>
-            <a:endParaRPr lang="en-US" sz="2400" b="0" strike="noStrike" spc="-1">
+            <a:endParaRPr b="0" lang="en-US" sz="2400" spc="-1" strike="noStrike">
               <a:latin typeface="Arial"/>
             </a:endParaRPr>
           </a:p>
@@ -5155,11 +4648,11 @@
                 <a:spcPts val="1001"/>
               </a:spcBef>
               <a:tabLst>
-                <a:tab pos="0" algn="l"/>
+                <a:tab algn="l" pos="0"/>
               </a:tabLst>
             </a:pPr>
             <a:r>
-              <a:rPr lang="en-US" sz="2400" b="0" strike="noStrike" spc="-1">
+              <a:rPr b="0" lang="en-US" sz="2400" spc="-1" strike="noStrike">
                 <a:solidFill>
                   <a:srgbClr val="000000"/>
                 </a:solidFill>
@@ -5169,9 +4662,9 @@
               <a:t> </a:t>
             </a:r>
             <a:r>
-              <a:rPr lang="en-US" sz="2200" b="1" u="sng" strike="noStrike" spc="-1">
-                <a:solidFill>
-                  <a:srgbClr val="0563C1"/>
+              <a:rPr b="1" lang="en-US" sz="2200" spc="-1" strike="noStrike" u="sng">
+                <a:solidFill>
+                  <a:srgbClr val="0563c1"/>
                 </a:solidFill>
                 <a:uFillTx/>
                 <a:latin typeface="FreeMono"/>
@@ -5180,7 +4673,7 @@
               </a:rPr>
               <a:t>https://datatracker.ietf.org/doc/html/draft-ietf-anima-brski-ae</a:t>
             </a:r>
-            <a:endParaRPr lang="en-US" sz="2200" b="0" strike="noStrike" spc="-1">
+            <a:endParaRPr b="0" lang="en-US" sz="2200" spc="-1" strike="noStrike">
               <a:latin typeface="Arial"/>
             </a:endParaRPr>
           </a:p>
@@ -5193,11 +4686,11 @@
                 <a:spcPts val="1001"/>
               </a:spcBef>
               <a:tabLst>
-                <a:tab pos="0" algn="l"/>
+                <a:tab algn="l" pos="0"/>
               </a:tabLst>
             </a:pPr>
             <a:r>
-              <a:rPr lang="en-US" sz="2200" b="0" strike="noStrike" spc="-1">
+              <a:rPr b="0" lang="en-US" sz="2200" spc="-1" strike="noStrike">
                 <a:solidFill>
                   <a:srgbClr val="000000"/>
                 </a:solidFill>
@@ -5207,9 +4700,9 @@
               <a:t>Repo URL: </a:t>
             </a:r>
             <a:r>
-              <a:rPr lang="en-US" sz="2200" b="1" u="sng" strike="noStrike" spc="-1">
-                <a:solidFill>
-                  <a:srgbClr val="0563C1"/>
+              <a:rPr b="1" lang="en-US" sz="2200" spc="-1" strike="noStrike" u="sng">
+                <a:solidFill>
+                  <a:srgbClr val="0563c1"/>
                 </a:solidFill>
                 <a:uFillTx/>
                 <a:latin typeface="FreeMono"/>
@@ -5218,7 +4711,7 @@
               </a:rPr>
               <a:t>https://github.com/anima-wg/anima-brski-ae</a:t>
             </a:r>
-            <a:endParaRPr lang="en-US" sz="2200" b="0" strike="noStrike" spc="-1">
+            <a:endParaRPr b="0" lang="en-US" sz="2200" spc="-1" strike="noStrike">
               <a:latin typeface="Arial"/>
             </a:endParaRPr>
           </a:p>
@@ -5231,10 +4724,10 @@
                 <a:spcPts val="1001"/>
               </a:spcBef>
               <a:tabLst>
-                <a:tab pos="0" algn="l"/>
+                <a:tab algn="l" pos="0"/>
               </a:tabLst>
             </a:pPr>
-            <a:endParaRPr lang="en-US" sz="2200" b="0" strike="noStrike" spc="-1">
+            <a:endParaRPr b="0" lang="en-US" sz="2200" spc="-1" strike="noStrike">
               <a:latin typeface="Arial"/>
             </a:endParaRPr>
           </a:p>
@@ -5247,40 +4740,20 @@
                 <a:spcPts val="1001"/>
               </a:spcBef>
               <a:tabLst>
-                <a:tab pos="0" algn="l"/>
+                <a:tab algn="l" pos="0"/>
               </a:tabLst>
             </a:pPr>
             <a:r>
-              <a:rPr lang="en-US" sz="2400" b="0" strike="noStrike" spc="-1">
+              <a:rPr b="0" lang="en-US" sz="2400" spc="-1" strike="noStrike">
                 <a:solidFill>
                   <a:srgbClr val="000000"/>
                 </a:solidFill>
                 <a:latin typeface="Calibri"/>
                 <a:ea typeface="DejaVu Sans"/>
               </a:rPr>
-              <a:t>David von Oheimb (Ed.), </a:t>
-            </a:r>
-            <a:r>
-              <a:rPr lang="en-US" sz="2400" b="1" strike="noStrike" spc="-1">
-                <a:solidFill>
-                  <a:srgbClr val="000000"/>
-                </a:solidFill>
-                <a:latin typeface="Calibri"/>
-                <a:ea typeface="DejaVu Sans"/>
-              </a:rPr>
-              <a:t>Steffen Fries</a:t>
-            </a:r>
-            <a:r>
-              <a:rPr lang="en-US" sz="2400" b="0" strike="noStrike" spc="-1">
-                <a:solidFill>
-                  <a:srgbClr val="000000"/>
-                </a:solidFill>
-                <a:latin typeface="Calibri"/>
-                <a:ea typeface="DejaVu Sans"/>
-              </a:rPr>
-              <a:t>, Hendrik Brockhaus, Eliot Lear</a:t>
-            </a:r>
-            <a:endParaRPr lang="en-US" sz="2400" b="0" strike="noStrike" spc="-1">
+              <a:t>David von Oheimb (Ed.), Steffen Fries, Hendrik Brockhaus, Eliot Lear</a:t>
+            </a:r>
+            <a:endParaRPr b="0" lang="en-US" sz="2400" spc="-1" strike="noStrike">
               <a:latin typeface="Arial"/>
             </a:endParaRPr>
           </a:p>
@@ -5293,10 +4766,10 @@
                 <a:spcPts val="1001"/>
               </a:spcBef>
               <a:tabLst>
-                <a:tab pos="0" algn="l"/>
+                <a:tab algn="l" pos="0"/>
               </a:tabLst>
             </a:pPr>
-            <a:endParaRPr lang="en-US" sz="2400" b="0" strike="noStrike" spc="-1">
+            <a:endParaRPr b="0" lang="en-US" sz="2400" spc="-1" strike="noStrike">
               <a:latin typeface="Arial"/>
             </a:endParaRPr>
           </a:p>
@@ -5309,11 +4782,11 @@
                 <a:spcPts val="1001"/>
               </a:spcBef>
               <a:tabLst>
-                <a:tab pos="0" algn="l"/>
+                <a:tab algn="l" pos="0"/>
               </a:tabLst>
             </a:pPr>
             <a:r>
-              <a:rPr lang="en-US" sz="2400" b="0" strike="noStrike" spc="-1">
+              <a:rPr b="0" lang="en-US" sz="2400" spc="-1" strike="noStrike">
                 <a:solidFill>
                   <a:srgbClr val="000000"/>
                 </a:solidFill>
@@ -5322,7 +4795,7 @@
               </a:rPr>
               <a:t>IETF 114 – ANIMA Working Group</a:t>
             </a:r>
-            <a:endParaRPr lang="en-US" sz="2400" b="0" strike="noStrike" spc="-1">
+            <a:endParaRPr b="0" lang="en-US" sz="2400" spc="-1" strike="noStrike">
               <a:latin typeface="Arial"/>
             </a:endParaRPr>
           </a:p>
@@ -5335,10 +4808,10 @@
                 <a:spcPts val="1001"/>
               </a:spcBef>
               <a:tabLst>
-                <a:tab pos="0" algn="l"/>
+                <a:tab algn="l" pos="0"/>
               </a:tabLst>
             </a:pPr>
-            <a:endParaRPr lang="en-US" sz="2400" b="0" strike="noStrike" spc="-1">
+            <a:endParaRPr b="0" lang="en-US" sz="2400" spc="-1" strike="noStrike">
               <a:latin typeface="Arial"/>
             </a:endParaRPr>
           </a:p>
@@ -5346,14 +4819,19 @@
       </p:sp>
     </p:spTree>
   </p:cSld>
-  <p:clrMapOvr>
-    <a:masterClrMapping/>
-  </p:clrMapOvr>
+  <mc:AlternateContent>
+    <mc:Choice Requires="p14">
+      <p:transition spd="slow" p14:dur="2000"/>
+    </mc:Choice>
+    <mc:Fallback>
+      <p:transition spd="slow"/>
+    </mc:Fallback>
+  </mc:AlternateContent>
 </p:sld>
 </file>
 
 <file path=ppt/slides/slide2.xml><?xml version="1.0" encoding="utf-8"?>
-<p:sld xmlns:a="http://schemas.openxmlformats.org/drawingml/2006/main" xmlns:r="http://schemas.openxmlformats.org/officeDocument/2006/relationships" xmlns:p="http://schemas.openxmlformats.org/presentationml/2006/main">
+<p:sld xmlns:a="http://schemas.openxmlformats.org/drawingml/2006/main" xmlns:p="http://schemas.openxmlformats.org/presentationml/2006/main" xmlns:r="http://schemas.openxmlformats.org/officeDocument/2006/relationships" xmlns:p14="http://schemas.microsoft.com/office/powerpoint/2010/main" xmlns:p15="http://schemas.microsoft.com/office/powerpoint/2012/main" xmlns:mc="http://schemas.openxmlformats.org/markup-compatibility/2006">
   <p:cSld>
     <p:spTree>
       <p:nvGrpSpPr>
@@ -5378,13 +4856,13 @@
         <p:spPr>
           <a:xfrm>
             <a:off x="9000000" y="1502640"/>
-            <a:ext cx="1658880" cy="4831920"/>
+            <a:ext cx="1658520" cy="4831560"/>
           </a:xfrm>
           <a:prstGeom prst="rect">
             <a:avLst/>
           </a:prstGeom>
           <a:solidFill>
-            <a:srgbClr val="DDDDDD">
+            <a:srgbClr val="dddddd">
               <a:alpha val="38000"/>
             </a:srgbClr>
           </a:solidFill>
@@ -5393,15 +4871,9 @@
           </a:ln>
         </p:spPr>
         <p:style>
-          <a:lnRef idx="0">
-            <a:scrgbClr r="0" g="0" b="0"/>
-          </a:lnRef>
-          <a:fillRef idx="0">
-            <a:scrgbClr r="0" g="0" b="0"/>
-          </a:fillRef>
-          <a:effectRef idx="0">
-            <a:scrgbClr r="0" g="0" b="0"/>
-          </a:effectRef>
+          <a:lnRef idx="0"/>
+          <a:fillRef idx="0"/>
+          <a:effectRef idx="0"/>
           <a:fontRef idx="minor"/>
         </p:style>
       </p:sp>
@@ -5414,13 +4886,13 @@
         <p:spPr>
           <a:xfrm>
             <a:off x="2023560" y="1511640"/>
-            <a:ext cx="2716200" cy="4822920"/>
+            <a:ext cx="2715840" cy="4822560"/>
           </a:xfrm>
           <a:prstGeom prst="rect">
             <a:avLst/>
           </a:prstGeom>
           <a:solidFill>
-            <a:srgbClr val="FFF2CC">
+            <a:srgbClr val="fff2cc">
               <a:alpha val="60000"/>
             </a:srgbClr>
           </a:solidFill>
@@ -5429,15 +4901,9 @@
           </a:ln>
         </p:spPr>
         <p:style>
-          <a:lnRef idx="0">
-            <a:scrgbClr r="0" g="0" b="0"/>
-          </a:lnRef>
-          <a:fillRef idx="0">
-            <a:scrgbClr r="0" g="0" b="0"/>
-          </a:fillRef>
-          <a:effectRef idx="0">
-            <a:scrgbClr r="0" g="0" b="0"/>
-          </a:effectRef>
+          <a:lnRef idx="0"/>
+          <a:fillRef idx="0"/>
+          <a:effectRef idx="0"/>
           <a:fontRef idx="minor"/>
         </p:style>
       </p:sp>
@@ -5450,13 +4916,13 @@
         <p:spPr>
           <a:xfrm>
             <a:off x="1997640" y="2277000"/>
-            <a:ext cx="2776320" cy="1325880"/>
+            <a:ext cx="2775960" cy="1325520"/>
           </a:xfrm>
           <a:prstGeom prst="rect">
             <a:avLst/>
           </a:prstGeom>
           <a:solidFill>
-            <a:srgbClr val="FFC000"/>
+            <a:srgbClr val="ffc000"/>
           </a:solidFill>
           <a:ln>
             <a:noFill/>
@@ -5486,13 +4952,13 @@
         <p:spPr>
           <a:xfrm>
             <a:off x="2369880" y="2105280"/>
-            <a:ext cx="2100600" cy="327600"/>
+            <a:ext cx="2100240" cy="327240"/>
           </a:xfrm>
           <a:prstGeom prst="rect">
             <a:avLst/>
           </a:prstGeom>
           <a:solidFill>
-            <a:srgbClr val="FFF2CC">
+            <a:srgbClr val="fff2cc">
               <a:alpha val="60000"/>
             </a:srgbClr>
           </a:solidFill>
@@ -5501,22 +4967,15 @@
           </a:ln>
         </p:spPr>
         <p:style>
-          <a:lnRef idx="0">
-            <a:scrgbClr r="0" g="0" b="0"/>
-          </a:lnRef>
-          <a:fillRef idx="0">
-            <a:scrgbClr r="0" g="0" b="0"/>
-          </a:fillRef>
-          <a:effectRef idx="0">
-            <a:scrgbClr r="0" g="0" b="0"/>
-          </a:effectRef>
+          <a:lnRef idx="0"/>
+          <a:fillRef idx="0"/>
+          <a:effectRef idx="0"/>
           <a:fontRef idx="minor"/>
         </p:style>
         <p:txBody>
-          <a:bodyPr lIns="90000" tIns="45000" rIns="90000" bIns="45000" anchor="ctr">
+          <a:bodyPr lIns="90000" rIns="90000" tIns="45000" bIns="45000" anchor="ctr">
             <a:noAutofit/>
           </a:bodyPr>
-          <a:lstStyle/>
           <a:p>
             <a:pPr algn="ctr">
               <a:lnSpc>
@@ -5524,7 +4983,7 @@
               </a:lnSpc>
             </a:pPr>
             <a:r>
-              <a:rPr lang="en-US" sz="800" b="0" strike="noStrike" spc="-1">
+              <a:rPr b="0" lang="en-US" sz="800" spc="-1" strike="noStrike">
                 <a:solidFill>
                   <a:srgbClr val="000000"/>
                 </a:solidFill>
@@ -5533,7 +4992,7 @@
               </a:rPr>
               <a:t>TLS with provisional accept of registrar certificate</a:t>
             </a:r>
-            <a:endParaRPr lang="en-US" sz="800" b="0" strike="noStrike" spc="-1">
+            <a:endParaRPr b="0" lang="en-US" sz="800" spc="-1" strike="noStrike">
               <a:latin typeface="Arial"/>
             </a:endParaRPr>
           </a:p>
@@ -5548,13 +5007,13 @@
         <p:spPr>
           <a:xfrm>
             <a:off x="2369880" y="3535560"/>
-            <a:ext cx="2100600" cy="180720"/>
+            <a:ext cx="2100240" cy="180360"/>
           </a:xfrm>
           <a:prstGeom prst="rect">
             <a:avLst/>
           </a:prstGeom>
           <a:solidFill>
-            <a:srgbClr val="FFF2CC">
+            <a:srgbClr val="fff2cc">
               <a:alpha val="60000"/>
             </a:srgbClr>
           </a:solidFill>
@@ -5563,22 +5022,15 @@
           </a:ln>
         </p:spPr>
         <p:style>
-          <a:lnRef idx="0">
-            <a:scrgbClr r="0" g="0" b="0"/>
-          </a:lnRef>
-          <a:fillRef idx="0">
-            <a:scrgbClr r="0" g="0" b="0"/>
-          </a:fillRef>
-          <a:effectRef idx="0">
-            <a:scrgbClr r="0" g="0" b="0"/>
-          </a:effectRef>
+          <a:lnRef idx="0"/>
+          <a:fillRef idx="0"/>
+          <a:effectRef idx="0"/>
           <a:fontRef idx="minor"/>
         </p:style>
         <p:txBody>
-          <a:bodyPr lIns="90000" tIns="45000" rIns="90000" bIns="45000" anchor="ctr">
+          <a:bodyPr lIns="90000" rIns="90000" tIns="45000" bIns="45000" anchor="ctr">
             <a:noAutofit/>
           </a:bodyPr>
-          <a:lstStyle/>
           <a:p>
             <a:pPr algn="ctr">
               <a:lnSpc>
@@ -5586,7 +5038,7 @@
               </a:lnSpc>
             </a:pPr>
             <a:r>
-              <a:rPr lang="en-US" sz="800" b="0" strike="noStrike" spc="-1">
+              <a:rPr b="0" lang="en-US" sz="800" spc="-1" strike="noStrike">
                 <a:solidFill>
                   <a:srgbClr val="000000"/>
                 </a:solidFill>
@@ -5595,7 +5047,7 @@
               </a:rPr>
               <a:t>Accept registrar certificate</a:t>
             </a:r>
-            <a:endParaRPr lang="en-US" sz="800" b="0" strike="noStrike" spc="-1">
+            <a:endParaRPr b="0" lang="en-US" sz="800" spc="-1" strike="noStrike">
               <a:latin typeface="Arial"/>
             </a:endParaRPr>
           </a:p>
@@ -5610,13 +5062,13 @@
         <p:spPr>
           <a:xfrm>
             <a:off x="4790520" y="1502640"/>
-            <a:ext cx="4104360" cy="4831920"/>
+            <a:ext cx="4104000" cy="4831560"/>
           </a:xfrm>
           <a:prstGeom prst="rect">
             <a:avLst/>
           </a:prstGeom>
           <a:solidFill>
-            <a:srgbClr val="F9D9D3">
+            <a:srgbClr val="f9d9d3">
               <a:alpha val="38000"/>
             </a:srgbClr>
           </a:solidFill>
@@ -5625,15 +5077,9 @@
           </a:ln>
         </p:spPr>
         <p:style>
-          <a:lnRef idx="0">
-            <a:scrgbClr r="0" g="0" b="0"/>
-          </a:lnRef>
-          <a:fillRef idx="0">
-            <a:scrgbClr r="0" g="0" b="0"/>
-          </a:fillRef>
-          <a:effectRef idx="0">
-            <a:scrgbClr r="0" g="0" b="0"/>
-          </a:effectRef>
+          <a:lnRef idx="0"/>
+          <a:fillRef idx="0"/>
+          <a:effectRef idx="0"/>
           <a:fontRef idx="minor"/>
         </p:style>
       </p:sp>
@@ -5646,13 +5092,12 @@
         <p:spPr>
           <a:xfrm>
             <a:off x="2232000" y="2700000"/>
-            <a:ext cx="2528280" cy="360"/>
+            <a:ext cx="2527920" cy="360"/>
           </a:xfrm>
           <a:custGeom>
             <a:avLst/>
             <a:gdLst/>
             <a:ahLst/>
-            <a:cxnLst/>
             <a:rect l="l" t="t" r="r" b="b"/>
             <a:pathLst>
               <a:path w="21600" h="21600">
@@ -5668,22 +5113,16 @@
           <a:noFill/>
           <a:ln w="6350">
             <a:solidFill>
-              <a:srgbClr val="4472C4"/>
+              <a:srgbClr val="4472c4"/>
             </a:solidFill>
             <a:miter/>
-            <a:tailEnd type="triangle" w="med" len="med"/>
+            <a:tailEnd len="med" type="triangle" w="med"/>
           </a:ln>
         </p:spPr>
         <p:style>
-          <a:lnRef idx="0">
-            <a:scrgbClr r="0" g="0" b="0"/>
-          </a:lnRef>
-          <a:fillRef idx="0">
-            <a:scrgbClr r="0" g="0" b="0"/>
-          </a:fillRef>
-          <a:effectRef idx="0">
-            <a:scrgbClr r="0" g="0" b="0"/>
-          </a:effectRef>
+          <a:lnRef idx="0"/>
+          <a:fillRef idx="0"/>
+          <a:effectRef idx="0"/>
           <a:fontRef idx="minor"/>
         </p:style>
       </p:sp>
@@ -5696,7 +5135,7 @@
         <p:spPr>
           <a:xfrm>
             <a:off x="2198520" y="2514240"/>
-            <a:ext cx="2561760" cy="211320"/>
+            <a:ext cx="2561400" cy="211320"/>
           </a:xfrm>
           <a:prstGeom prst="rect">
             <a:avLst/>
@@ -5707,22 +5146,15 @@
           </a:ln>
         </p:spPr>
         <p:style>
-          <a:lnRef idx="0">
-            <a:scrgbClr r="0" g="0" b="0"/>
-          </a:lnRef>
-          <a:fillRef idx="0">
-            <a:scrgbClr r="0" g="0" b="0"/>
-          </a:fillRef>
-          <a:effectRef idx="0">
-            <a:scrgbClr r="0" g="0" b="0"/>
-          </a:effectRef>
+          <a:lnRef idx="0"/>
+          <a:fillRef idx="0"/>
+          <a:effectRef idx="0"/>
           <a:fontRef idx="minor"/>
         </p:style>
         <p:txBody>
-          <a:bodyPr lIns="90000" tIns="45000" rIns="90000" bIns="45000">
+          <a:bodyPr lIns="90000" rIns="90000" tIns="45000" bIns="45000">
             <a:spAutoFit/>
           </a:bodyPr>
-          <a:lstStyle/>
           <a:p>
             <a:pPr algn="ctr">
               <a:lnSpc>
@@ -5730,7 +5162,7 @@
               </a:lnSpc>
             </a:pPr>
             <a:r>
-              <a:rPr lang="en-US" sz="800" b="0" strike="noStrike" spc="-1">
+              <a:rPr b="0" lang="en-US" sz="800" spc="-1" strike="noStrike">
                 <a:solidFill>
                   <a:srgbClr val="000000"/>
                 </a:solidFill>
@@ -5739,7 +5171,7 @@
               </a:rPr>
               <a:t>Voucher-request {S/N, reg-cert, …}</a:t>
             </a:r>
-            <a:endParaRPr lang="en-US" sz="800" b="0" strike="noStrike" spc="-1">
+            <a:endParaRPr b="0" lang="en-US" sz="800" spc="-1" strike="noStrike">
               <a:latin typeface="Arial"/>
             </a:endParaRPr>
           </a:p>
@@ -5753,14 +5185,13 @@
         </p:nvSpPr>
         <p:spPr>
           <a:xfrm flipH="1">
-            <a:off x="2261880" y="3498840"/>
-            <a:ext cx="2496960" cy="360"/>
+            <a:off x="2261160" y="3498840"/>
+            <a:ext cx="2496600" cy="360"/>
           </a:xfrm>
           <a:custGeom>
             <a:avLst/>
             <a:gdLst/>
             <a:ahLst/>
-            <a:cxnLst/>
             <a:rect l="l" t="t" r="r" b="b"/>
             <a:pathLst>
               <a:path w="21600" h="21600">
@@ -5776,22 +5207,16 @@
           <a:noFill/>
           <a:ln w="6350">
             <a:solidFill>
-              <a:srgbClr val="4472C4"/>
+              <a:srgbClr val="4472c4"/>
             </a:solidFill>
             <a:miter/>
-            <a:tailEnd type="triangle" w="med" len="med"/>
+            <a:tailEnd len="med" type="triangle" w="med"/>
           </a:ln>
         </p:spPr>
         <p:style>
-          <a:lnRef idx="0">
-            <a:scrgbClr r="0" g="0" b="0"/>
-          </a:lnRef>
-          <a:fillRef idx="0">
-            <a:scrgbClr r="0" g="0" b="0"/>
-          </a:fillRef>
-          <a:effectRef idx="0">
-            <a:scrgbClr r="0" g="0" b="0"/>
-          </a:effectRef>
+          <a:lnRef idx="0"/>
+          <a:fillRef idx="0"/>
+          <a:effectRef idx="0"/>
           <a:fontRef idx="minor"/>
         </p:style>
       </p:sp>
@@ -5804,7 +5229,7 @@
         <p:spPr>
           <a:xfrm>
             <a:off x="5352120" y="1943640"/>
-            <a:ext cx="1820520" cy="576360"/>
+            <a:ext cx="1820160" cy="576360"/>
           </a:xfrm>
           <a:prstGeom prst="rect">
             <a:avLst/>
@@ -5815,24 +5240,17 @@
           </a:ln>
         </p:spPr>
         <p:style>
-          <a:lnRef idx="0">
-            <a:scrgbClr r="0" g="0" b="0"/>
-          </a:lnRef>
-          <a:fillRef idx="0">
-            <a:scrgbClr r="0" g="0" b="0"/>
-          </a:fillRef>
-          <a:effectRef idx="0">
-            <a:scrgbClr r="0" g="0" b="0"/>
-          </a:effectRef>
+          <a:lnRef idx="0"/>
+          <a:fillRef idx="0"/>
+          <a:effectRef idx="0"/>
           <a:fontRef idx="minor"/>
         </p:style>
         <p:txBody>
-          <a:bodyPr lIns="90000" tIns="45000" rIns="90000" bIns="45000">
+          <a:bodyPr lIns="90000" rIns="90000" tIns="45000" bIns="45000">
             <a:spAutoFit/>
           </a:bodyPr>
-          <a:lstStyle/>
-          <a:p>
-            <a:pPr marL="84960" indent="-83160">
+          <a:p>
+            <a:pPr marL="84960" indent="-82800">
               <a:lnSpc>
                 <a:spcPct val="100000"/>
               </a:lnSpc>
@@ -5843,7 +5261,7 @@
               <a:buChar char="•"/>
             </a:pPr>
             <a:r>
-              <a:rPr lang="en-US" sz="800" b="0" strike="noStrike" spc="-1">
+              <a:rPr b="0" lang="en-US" sz="800" spc="-1" strike="noStrike">
                 <a:solidFill>
                   <a:srgbClr val="000000"/>
                 </a:solidFill>
@@ -5852,12 +5270,12 @@
               </a:rPr>
               <a:t>S/N verification</a:t>
             </a:r>
-            <a:endParaRPr lang="en-US" sz="800" b="0" strike="noStrike" spc="-1">
-              <a:latin typeface="Arial"/>
-            </a:endParaRPr>
-          </a:p>
-          <a:p>
-            <a:pPr marL="84960" indent="-83160">
+            <a:endParaRPr b="0" lang="en-US" sz="800" spc="-1" strike="noStrike">
+              <a:latin typeface="Arial"/>
+            </a:endParaRPr>
+          </a:p>
+          <a:p>
+            <a:pPr marL="84960" indent="-82800">
               <a:lnSpc>
                 <a:spcPct val="100000"/>
               </a:lnSpc>
@@ -5868,7 +5286,7 @@
               <a:buChar char="•"/>
             </a:pPr>
             <a:r>
-              <a:rPr lang="en-US" sz="800" b="0" strike="noStrike" spc="-1">
+              <a:rPr b="0" lang="en-US" sz="800" spc="-1" strike="noStrike">
                 <a:solidFill>
                   <a:srgbClr val="000000"/>
                 </a:solidFill>
@@ -5877,7 +5295,7 @@
               </a:rPr>
               <a:t>Verification of pledge signature and IDevID (pledge)</a:t>
             </a:r>
-            <a:endParaRPr lang="en-US" sz="800" b="0" strike="noStrike" spc="-1">
+            <a:endParaRPr b="0" lang="en-US" sz="800" spc="-1" strike="noStrike">
               <a:latin typeface="Arial"/>
             </a:endParaRPr>
           </a:p>
@@ -5891,14 +5309,13 @@
         </p:nvSpPr>
         <p:spPr>
           <a:xfrm flipV="1">
-            <a:off x="5580360" y="2850840"/>
-            <a:ext cx="5083200" cy="6120"/>
+            <a:off x="5580360" y="2850480"/>
+            <a:ext cx="5082840" cy="5760"/>
           </a:xfrm>
           <a:custGeom>
             <a:avLst/>
             <a:gdLst/>
             <a:ahLst/>
-            <a:cxnLst/>
             <a:rect l="l" t="t" r="r" b="b"/>
             <a:pathLst>
               <a:path w="21600" h="21600">
@@ -5914,22 +5331,16 @@
           <a:noFill/>
           <a:ln w="6350">
             <a:solidFill>
-              <a:srgbClr val="4472C4"/>
+              <a:srgbClr val="4472c4"/>
             </a:solidFill>
             <a:miter/>
-            <a:tailEnd type="triangle" w="med" len="med"/>
+            <a:tailEnd len="med" type="triangle" w="med"/>
           </a:ln>
         </p:spPr>
         <p:style>
-          <a:lnRef idx="0">
-            <a:scrgbClr r="0" g="0" b="0"/>
-          </a:lnRef>
-          <a:fillRef idx="0">
-            <a:scrgbClr r="0" g="0" b="0"/>
-          </a:fillRef>
-          <a:effectRef idx="0">
-            <a:scrgbClr r="0" g="0" b="0"/>
-          </a:effectRef>
+          <a:lnRef idx="0"/>
+          <a:fillRef idx="0"/>
+          <a:effectRef idx="0"/>
           <a:fontRef idx="minor"/>
         </p:style>
       </p:sp>
@@ -5942,7 +5353,7 @@
         <p:spPr>
           <a:xfrm>
             <a:off x="6446880" y="2684880"/>
-            <a:ext cx="3070080" cy="211320"/>
+            <a:ext cx="3069720" cy="211320"/>
           </a:xfrm>
           <a:prstGeom prst="rect">
             <a:avLst/>
@@ -5953,22 +5364,15 @@
           </a:ln>
         </p:spPr>
         <p:style>
-          <a:lnRef idx="0">
-            <a:scrgbClr r="0" g="0" b="0"/>
-          </a:lnRef>
-          <a:fillRef idx="0">
-            <a:scrgbClr r="0" g="0" b="0"/>
-          </a:fillRef>
-          <a:effectRef idx="0">
-            <a:scrgbClr r="0" g="0" b="0"/>
-          </a:effectRef>
+          <a:lnRef idx="0"/>
+          <a:fillRef idx="0"/>
+          <a:effectRef idx="0"/>
           <a:fontRef idx="minor"/>
         </p:style>
         <p:txBody>
-          <a:bodyPr lIns="90000" tIns="45000" rIns="90000" bIns="45000">
+          <a:bodyPr lIns="90000" rIns="90000" tIns="45000" bIns="45000">
             <a:spAutoFit/>
           </a:bodyPr>
-          <a:lstStyle/>
           <a:p>
             <a:pPr algn="ctr">
               <a:lnSpc>
@@ -5976,7 +5380,7 @@
               </a:lnSpc>
             </a:pPr>
             <a:r>
-              <a:rPr lang="en-US" sz="800" b="0" strike="noStrike" spc="-1">
+              <a:rPr b="0" lang="en-US" sz="800" spc="-1" strike="noStrike">
                 <a:solidFill>
                   <a:srgbClr val="000000"/>
                 </a:solidFill>
@@ -5985,7 +5389,7 @@
               </a:rPr>
               <a:t>Voucher-request {prior-signed-voucher, …}</a:t>
             </a:r>
-            <a:endParaRPr lang="en-US" sz="800" b="0" strike="noStrike" spc="-1">
+            <a:endParaRPr b="0" lang="en-US" sz="800" spc="-1" strike="noStrike">
               <a:latin typeface="Arial"/>
             </a:endParaRPr>
           </a:p>
@@ -5999,8 +5403,8 @@
         </p:nvSpPr>
         <p:spPr>
           <a:xfrm rot="16200000">
-            <a:off x="10170360" y="2267640"/>
-            <a:ext cx="1797120" cy="698040"/>
+            <a:off x="10170720" y="2268000"/>
+            <a:ext cx="1796760" cy="698040"/>
           </a:xfrm>
           <a:prstGeom prst="rect">
             <a:avLst/>
@@ -6011,24 +5415,17 @@
           </a:ln>
         </p:spPr>
         <p:style>
-          <a:lnRef idx="0">
-            <a:scrgbClr r="0" g="0" b="0"/>
-          </a:lnRef>
-          <a:fillRef idx="0">
-            <a:scrgbClr r="0" g="0" b="0"/>
-          </a:fillRef>
-          <a:effectRef idx="0">
-            <a:scrgbClr r="0" g="0" b="0"/>
-          </a:effectRef>
+          <a:lnRef idx="0"/>
+          <a:fillRef idx="0"/>
+          <a:effectRef idx="0"/>
           <a:fontRef idx="minor"/>
         </p:style>
         <p:txBody>
-          <a:bodyPr lIns="90000" tIns="45000" rIns="90000" bIns="45000">
+          <a:bodyPr lIns="90000" rIns="90000" tIns="45000" bIns="45000">
             <a:spAutoFit/>
           </a:bodyPr>
-          <a:lstStyle/>
-          <a:p>
-            <a:pPr marL="84960" indent="-83160">
+          <a:p>
+            <a:pPr marL="84960" indent="-82800">
               <a:lnSpc>
                 <a:spcPct val="100000"/>
               </a:lnSpc>
@@ -6039,7 +5436,7 @@
               <a:buChar char="•"/>
             </a:pPr>
             <a:r>
-              <a:rPr lang="en-US" sz="800" b="0" strike="noStrike" spc="-1">
+              <a:rPr b="0" lang="en-US" sz="800" spc="-1" strike="noStrike">
                 <a:solidFill>
                   <a:srgbClr val="000000"/>
                 </a:solidFill>
@@ -6048,12 +5445,12 @@
               </a:rPr>
               <a:t>S/N verification</a:t>
             </a:r>
-            <a:endParaRPr lang="en-US" sz="800" b="0" strike="noStrike" spc="-1">
-              <a:latin typeface="Arial"/>
-            </a:endParaRPr>
-          </a:p>
-          <a:p>
-            <a:pPr marL="84960" indent="-83160">
+            <a:endParaRPr b="0" lang="en-US" sz="800" spc="-1" strike="noStrike">
+              <a:latin typeface="Arial"/>
+            </a:endParaRPr>
+          </a:p>
+          <a:p>
+            <a:pPr marL="84960" indent="-82800">
               <a:lnSpc>
                 <a:spcPct val="100000"/>
               </a:lnSpc>
@@ -6064,7 +5461,7 @@
               <a:buChar char="•"/>
             </a:pPr>
             <a:r>
-              <a:rPr lang="en-US" sz="800" b="0" strike="noStrike" spc="-1">
+              <a:rPr b="0" lang="en-US" sz="800" spc="-1" strike="noStrike">
                 <a:solidFill>
                   <a:srgbClr val="000000"/>
                 </a:solidFill>
@@ -6073,12 +5470,12 @@
               </a:rPr>
               <a:t>Verification „reg-cert“ in prior-signed-voucher</a:t>
             </a:r>
-            <a:endParaRPr lang="en-US" sz="800" b="0" strike="noStrike" spc="-1">
-              <a:latin typeface="Arial"/>
-            </a:endParaRPr>
-          </a:p>
-          <a:p>
-            <a:pPr marL="84960" indent="-83160">
+            <a:endParaRPr b="0" lang="en-US" sz="800" spc="-1" strike="noStrike">
+              <a:latin typeface="Arial"/>
+            </a:endParaRPr>
+          </a:p>
+          <a:p>
+            <a:pPr marL="84960" indent="-82800">
               <a:lnSpc>
                 <a:spcPct val="100000"/>
               </a:lnSpc>
@@ -6089,7 +5486,7 @@
               <a:buChar char="•"/>
             </a:pPr>
             <a:r>
-              <a:rPr lang="en-US" sz="800" b="0" strike="noStrike" spc="-1">
+              <a:rPr b="0" lang="en-US" sz="800" spc="-1" strike="noStrike">
                 <a:solidFill>
                   <a:srgbClr val="000000"/>
                 </a:solidFill>
@@ -6098,7 +5495,7 @@
               </a:rPr>
               <a:t>Issues voucher with assertion proximity</a:t>
             </a:r>
-            <a:endParaRPr lang="en-US" sz="800" b="0" strike="noStrike" spc="-1">
+            <a:endParaRPr b="0" lang="en-US" sz="800" spc="-1" strike="noStrike">
               <a:latin typeface="Arial"/>
             </a:endParaRPr>
           </a:p>
@@ -6112,14 +5509,13 @@
         </p:nvSpPr>
         <p:spPr>
           <a:xfrm flipH="1" flipV="1">
-            <a:off x="4793040" y="3398400"/>
-            <a:ext cx="5843880" cy="360"/>
+            <a:off x="4793040" y="3397680"/>
+            <a:ext cx="5843520" cy="360"/>
           </a:xfrm>
           <a:custGeom>
             <a:avLst/>
             <a:gdLst/>
             <a:ahLst/>
-            <a:cxnLst/>
             <a:rect l="l" t="t" r="r" b="b"/>
             <a:pathLst>
               <a:path w="21600" h="21600">
@@ -6135,22 +5531,16 @@
           <a:noFill/>
           <a:ln w="6350">
             <a:solidFill>
-              <a:srgbClr val="4472C4"/>
+              <a:srgbClr val="4472c4"/>
             </a:solidFill>
             <a:miter/>
-            <a:tailEnd type="triangle" w="med" len="med"/>
+            <a:tailEnd len="med" type="triangle" w="med"/>
           </a:ln>
         </p:spPr>
         <p:style>
-          <a:lnRef idx="0">
-            <a:scrgbClr r="0" g="0" b="0"/>
-          </a:lnRef>
-          <a:fillRef idx="0">
-            <a:scrgbClr r="0" g="0" b="0"/>
-          </a:fillRef>
-          <a:effectRef idx="0">
-            <a:scrgbClr r="0" g="0" b="0"/>
-          </a:effectRef>
+          <a:lnRef idx="0"/>
+          <a:fillRef idx="0"/>
+          <a:effectRef idx="0"/>
           <a:fontRef idx="minor"/>
         </p:style>
       </p:sp>
@@ -6174,22 +5564,15 @@
           </a:ln>
         </p:spPr>
         <p:style>
-          <a:lnRef idx="0">
-            <a:scrgbClr r="0" g="0" b="0"/>
-          </a:lnRef>
-          <a:fillRef idx="0">
-            <a:scrgbClr r="0" g="0" b="0"/>
-          </a:fillRef>
-          <a:effectRef idx="0">
-            <a:scrgbClr r="0" g="0" b="0"/>
-          </a:effectRef>
+          <a:lnRef idx="0"/>
+          <a:fillRef idx="0"/>
+          <a:effectRef idx="0"/>
           <a:fontRef idx="minor"/>
         </p:style>
         <p:txBody>
-          <a:bodyPr wrap="none" lIns="90000" tIns="45000" rIns="90000" bIns="45000">
+          <a:bodyPr wrap="none" lIns="90000" rIns="90000" tIns="45000" bIns="45000">
             <a:spAutoFit/>
           </a:bodyPr>
-          <a:lstStyle/>
           <a:p>
             <a:pPr algn="ctr">
               <a:lnSpc>
@@ -6197,7 +5580,7 @@
               </a:lnSpc>
             </a:pPr>
             <a:r>
-              <a:rPr lang="en-US" sz="800" b="0" strike="noStrike" spc="-1">
+              <a:rPr b="0" lang="en-US" sz="800" spc="-1" strike="noStrike">
                 <a:solidFill>
                   <a:srgbClr val="000000"/>
                 </a:solidFill>
@@ -6206,7 +5589,7 @@
               </a:rPr>
               <a:t>Voucher {reg-cert, assertion, …}</a:t>
             </a:r>
-            <a:endParaRPr lang="en-US" sz="800" b="0" strike="noStrike" spc="-1">
+            <a:endParaRPr b="0" lang="en-US" sz="800" spc="-1" strike="noStrike">
               <a:latin typeface="Arial"/>
             </a:endParaRPr>
           </a:p>
@@ -6221,7 +5604,7 @@
         <p:spPr>
           <a:xfrm>
             <a:off x="2157840" y="3322080"/>
-            <a:ext cx="2515680" cy="211320"/>
+            <a:ext cx="2515320" cy="211320"/>
           </a:xfrm>
           <a:prstGeom prst="rect">
             <a:avLst/>
@@ -6232,22 +5615,15 @@
           </a:ln>
         </p:spPr>
         <p:style>
-          <a:lnRef idx="0">
-            <a:scrgbClr r="0" g="0" b="0"/>
-          </a:lnRef>
-          <a:fillRef idx="0">
-            <a:scrgbClr r="0" g="0" b="0"/>
-          </a:fillRef>
-          <a:effectRef idx="0">
-            <a:scrgbClr r="0" g="0" b="0"/>
-          </a:effectRef>
+          <a:lnRef idx="0"/>
+          <a:fillRef idx="0"/>
+          <a:effectRef idx="0"/>
           <a:fontRef idx="minor"/>
         </p:style>
         <p:txBody>
-          <a:bodyPr lIns="90000" tIns="45000" rIns="90000" bIns="45000">
+          <a:bodyPr lIns="90000" rIns="90000" tIns="45000" bIns="45000">
             <a:spAutoFit/>
           </a:bodyPr>
-          <a:lstStyle/>
           <a:p>
             <a:pPr algn="ctr">
               <a:lnSpc>
@@ -6255,7 +5631,7 @@
               </a:lnSpc>
             </a:pPr>
             <a:r>
-              <a:rPr lang="en-US" sz="800" b="0" strike="noStrike" spc="-1">
+              <a:rPr b="0" lang="en-US" sz="800" spc="-1" strike="noStrike">
                 <a:solidFill>
                   <a:srgbClr val="000000"/>
                 </a:solidFill>
@@ -6264,7 +5640,7 @@
               </a:rPr>
               <a:t>Voucher {reg-cert, assertion, …}</a:t>
             </a:r>
-            <a:endParaRPr lang="en-US" sz="800" b="0" strike="noStrike" spc="-1">
+            <a:endParaRPr b="0" lang="en-US" sz="800" spc="-1" strike="noStrike">
               <a:latin typeface="Arial"/>
             </a:endParaRPr>
           </a:p>
@@ -6279,13 +5655,13 @@
         <p:spPr>
           <a:xfrm>
             <a:off x="1449360" y="1261800"/>
-            <a:ext cx="912240" cy="531360"/>
+            <a:ext cx="911880" cy="531000"/>
           </a:xfrm>
           <a:prstGeom prst="rect">
             <a:avLst/>
           </a:prstGeom>
           <a:solidFill>
-            <a:srgbClr val="4472C4"/>
+            <a:srgbClr val="4472c4"/>
           </a:solidFill>
           <a:ln w="12700">
             <a:solidFill>
@@ -6295,22 +5671,15 @@
           </a:ln>
         </p:spPr>
         <p:style>
-          <a:lnRef idx="0">
-            <a:scrgbClr r="0" g="0" b="0"/>
-          </a:lnRef>
-          <a:fillRef idx="0">
-            <a:scrgbClr r="0" g="0" b="0"/>
-          </a:fillRef>
-          <a:effectRef idx="0">
-            <a:scrgbClr r="0" g="0" b="0"/>
-          </a:effectRef>
+          <a:lnRef idx="0"/>
+          <a:fillRef idx="0"/>
+          <a:effectRef idx="0"/>
           <a:fontRef idx="minor"/>
         </p:style>
         <p:txBody>
-          <a:bodyPr lIns="90000" tIns="45000" rIns="90000" bIns="45000" anchor="ctr">
+          <a:bodyPr lIns="90000" rIns="90000" tIns="45000" bIns="45000" anchor="ctr">
             <a:noAutofit/>
           </a:bodyPr>
-          <a:lstStyle/>
           <a:p>
             <a:pPr algn="ctr">
               <a:lnSpc>
@@ -6318,16 +5687,16 @@
               </a:lnSpc>
             </a:pPr>
             <a:r>
-              <a:rPr lang="en-US" sz="1400" b="0" strike="noStrike" spc="-1">
-                <a:solidFill>
-                  <a:srgbClr val="FFFFFF"/>
+              <a:rPr b="0" lang="en-US" sz="1400" spc="-1" strike="noStrike">
+                <a:solidFill>
+                  <a:srgbClr val="ffffff"/>
                 </a:solidFill>
                 <a:latin typeface="Calibri"/>
                 <a:ea typeface="DejaVu Sans"/>
               </a:rPr>
               <a:t>Pledge (caller)</a:t>
             </a:r>
-            <a:endParaRPr lang="en-US" sz="1400" b="0" strike="noStrike" spc="-1">
+            <a:endParaRPr b="0" lang="en-US" sz="1400" spc="-1" strike="noStrike">
               <a:latin typeface="Arial"/>
             </a:endParaRPr>
           </a:p>
@@ -6342,13 +5711,13 @@
         <p:spPr>
           <a:xfrm>
             <a:off x="3600000" y="1261800"/>
-            <a:ext cx="1880640" cy="525600"/>
+            <a:ext cx="1880280" cy="525240"/>
           </a:xfrm>
           <a:prstGeom prst="rect">
             <a:avLst/>
           </a:prstGeom>
           <a:solidFill>
-            <a:srgbClr val="4472C4"/>
+            <a:srgbClr val="4472c4"/>
           </a:solidFill>
           <a:ln w="12700">
             <a:solidFill>
@@ -6358,22 +5727,15 @@
           </a:ln>
         </p:spPr>
         <p:style>
-          <a:lnRef idx="0">
-            <a:scrgbClr r="0" g="0" b="0"/>
-          </a:lnRef>
-          <a:fillRef idx="0">
-            <a:scrgbClr r="0" g="0" b="0"/>
-          </a:fillRef>
-          <a:effectRef idx="0">
-            <a:scrgbClr r="0" g="0" b="0"/>
-          </a:effectRef>
+          <a:lnRef idx="0"/>
+          <a:fillRef idx="0"/>
+          <a:effectRef idx="0"/>
           <a:fontRef idx="minor"/>
         </p:style>
         <p:txBody>
-          <a:bodyPr lIns="90000" tIns="45000" rIns="90000" bIns="45000" anchor="ctr">
+          <a:bodyPr lIns="90000" rIns="90000" tIns="45000" bIns="45000" anchor="ctr">
             <a:noAutofit/>
           </a:bodyPr>
-          <a:lstStyle/>
           <a:p>
             <a:pPr algn="ctr">
               <a:lnSpc>
@@ -6381,9 +5743,9 @@
               </a:lnSpc>
             </a:pPr>
             <a:r>
-              <a:rPr lang="en-US" sz="1350" b="0" strike="noStrike" spc="-1">
-                <a:solidFill>
-                  <a:srgbClr val="FFFFFF"/>
+              <a:rPr b="0" lang="en-US" sz="1350" spc="-1" strike="noStrike">
+                <a:solidFill>
+                  <a:srgbClr val="ffffff"/>
                 </a:solidFill>
                 <a:latin typeface="Calibri"/>
                 <a:ea typeface="DejaVu Sans"/>
@@ -6391,9 +5753,9 @@
               <a:t>Domain Registrar, </a:t>
             </a:r>
             <a:r>
-              <a:rPr lang="en-US" sz="1350" b="0" strike="noStrike" spc="-1">
-                <a:solidFill>
-                  <a:srgbClr val="FF860D"/>
+              <a:rPr b="0" lang="en-US" sz="1350" spc="-1" strike="noStrike">
+                <a:solidFill>
+                  <a:srgbClr val="ff860d"/>
                 </a:solidFill>
                 <a:latin typeface="Calibri"/>
                 <a:ea typeface="DejaVu Sans"/>
@@ -6402,9 +5764,9 @@
             </a:r>
             <a:br/>
             <a:r>
-              <a:rPr lang="en-US" sz="1350" b="1" strike="noStrike" spc="-1">
-                <a:solidFill>
-                  <a:srgbClr val="FF860D"/>
+              <a:rPr b="1" lang="en-US" sz="1350" spc="-1" strike="noStrike">
+                <a:solidFill>
+                  <a:srgbClr val="ff860d"/>
                 </a:solidFill>
                 <a:latin typeface="Calibri"/>
                 <a:ea typeface="DejaVu Sans"/>
@@ -6412,9 +5774,9 @@
               <a:t>LRA / enrollment</a:t>
             </a:r>
             <a:r>
-              <a:rPr lang="en-US" sz="1350" b="1" strike="noStrike" spc="-1">
-                <a:solidFill>
-                  <a:srgbClr val="FFA6A6"/>
+              <a:rPr b="1" lang="en-US" sz="1350" spc="-1" strike="noStrike">
+                <a:solidFill>
+                  <a:srgbClr val="ffa6a6"/>
                 </a:solidFill>
                 <a:latin typeface="Calibri"/>
                 <a:ea typeface="DejaVu Sans"/>
@@ -6422,16 +5784,16 @@
               <a:t> </a:t>
             </a:r>
             <a:r>
-              <a:rPr lang="en-US" sz="1350" b="1" strike="noStrike" spc="-1">
-                <a:solidFill>
-                  <a:srgbClr val="FF860D"/>
+              <a:rPr b="1" lang="en-US" sz="1350" spc="-1" strike="noStrike">
+                <a:solidFill>
+                  <a:srgbClr val="ff860d"/>
                 </a:solidFill>
                 <a:latin typeface="Calibri"/>
                 <a:ea typeface="DejaVu Sans"/>
               </a:rPr>
               <a:t>proxy</a:t>
             </a:r>
-            <a:endParaRPr lang="en-US" sz="1350" b="0" strike="noStrike" spc="-1">
+            <a:endParaRPr b="0" lang="en-US" sz="1350" spc="-1" strike="noStrike">
               <a:latin typeface="Arial"/>
             </a:endParaRPr>
           </a:p>
@@ -6446,13 +5808,13 @@
         <p:spPr>
           <a:xfrm>
             <a:off x="8591760" y="1261800"/>
-            <a:ext cx="607320" cy="547560"/>
+            <a:ext cx="606960" cy="547200"/>
           </a:xfrm>
           <a:prstGeom prst="rect">
             <a:avLst/>
           </a:prstGeom>
           <a:solidFill>
-            <a:srgbClr val="4472C4"/>
+            <a:srgbClr val="4472c4"/>
           </a:solidFill>
           <a:ln w="12700">
             <a:solidFill>
@@ -6462,22 +5824,15 @@
           </a:ln>
         </p:spPr>
         <p:style>
-          <a:lnRef idx="0">
-            <a:scrgbClr r="0" g="0" b="0"/>
-          </a:lnRef>
-          <a:fillRef idx="0">
-            <a:scrgbClr r="0" g="0" b="0"/>
-          </a:fillRef>
-          <a:effectRef idx="0">
-            <a:scrgbClr r="0" g="0" b="0"/>
-          </a:effectRef>
+          <a:lnRef idx="0"/>
+          <a:fillRef idx="0"/>
+          <a:effectRef idx="0"/>
           <a:fontRef idx="minor"/>
         </p:style>
         <p:txBody>
-          <a:bodyPr lIns="90000" tIns="45000" rIns="90000" bIns="45000" anchor="ctr">
+          <a:bodyPr lIns="90000" rIns="90000" tIns="45000" bIns="45000" anchor="ctr">
             <a:noAutofit/>
           </a:bodyPr>
-          <a:lstStyle/>
           <a:p>
             <a:pPr algn="ctr">
               <a:lnSpc>
@@ -6485,9 +5840,9 @@
               </a:lnSpc>
             </a:pPr>
             <a:r>
-              <a:rPr lang="en-US" sz="1350" b="0" strike="noStrike" spc="-1">
-                <a:solidFill>
-                  <a:srgbClr val="FFFFFF"/>
+              <a:rPr b="0" lang="en-US" sz="1350" spc="-1" strike="noStrike">
+                <a:solidFill>
+                  <a:srgbClr val="ffffff"/>
                 </a:solidFill>
                 <a:latin typeface="Calibri"/>
                 <a:ea typeface="DejaVu Sans"/>
@@ -6496,16 +5851,16 @@
             </a:r>
             <a:br/>
             <a:r>
-              <a:rPr lang="en-US" sz="1350" b="0" strike="noStrike" spc="-1">
-                <a:solidFill>
-                  <a:srgbClr val="FFFFFF"/>
+              <a:rPr b="0" lang="en-US" sz="1350" spc="-1" strike="noStrike">
+                <a:solidFill>
+                  <a:srgbClr val="ffffff"/>
                 </a:solidFill>
                 <a:latin typeface="Calibri"/>
                 <a:ea typeface="DejaVu Sans"/>
               </a:rPr>
               <a:t>CA</a:t>
             </a:r>
-            <a:endParaRPr lang="en-US" sz="1350" b="0" strike="noStrike" spc="-1">
+            <a:endParaRPr b="0" lang="en-US" sz="1350" spc="-1" strike="noStrike">
               <a:latin typeface="Arial"/>
             </a:endParaRPr>
           </a:p>
@@ -6520,13 +5875,13 @@
         <p:spPr>
           <a:xfrm>
             <a:off x="10209600" y="1261800"/>
-            <a:ext cx="912240" cy="531360"/>
+            <a:ext cx="911880" cy="531000"/>
           </a:xfrm>
           <a:prstGeom prst="rect">
             <a:avLst/>
           </a:prstGeom>
           <a:solidFill>
-            <a:srgbClr val="4472C4"/>
+            <a:srgbClr val="4472c4"/>
           </a:solidFill>
           <a:ln w="12700">
             <a:solidFill>
@@ -6536,22 +5891,15 @@
           </a:ln>
         </p:spPr>
         <p:style>
-          <a:lnRef idx="0">
-            <a:scrgbClr r="0" g="0" b="0"/>
-          </a:lnRef>
-          <a:fillRef idx="0">
-            <a:scrgbClr r="0" g="0" b="0"/>
-          </a:fillRef>
-          <a:effectRef idx="0">
-            <a:scrgbClr r="0" g="0" b="0"/>
-          </a:effectRef>
+          <a:lnRef idx="0"/>
+          <a:fillRef idx="0"/>
+          <a:effectRef idx="0"/>
           <a:fontRef idx="minor"/>
         </p:style>
         <p:txBody>
-          <a:bodyPr lIns="90000" tIns="45000" rIns="90000" bIns="45000" anchor="ctr">
+          <a:bodyPr lIns="90000" rIns="90000" tIns="45000" bIns="45000" anchor="ctr">
             <a:noAutofit/>
           </a:bodyPr>
-          <a:lstStyle/>
           <a:p>
             <a:pPr algn="ctr">
               <a:lnSpc>
@@ -6559,16 +5907,16 @@
               </a:lnSpc>
             </a:pPr>
             <a:r>
-              <a:rPr lang="en-US" sz="1400" b="0" strike="noStrike" spc="-1">
-                <a:solidFill>
-                  <a:srgbClr val="FFFFFF"/>
+              <a:rPr b="0" lang="en-US" sz="1400" spc="-1" strike="noStrike">
+                <a:solidFill>
+                  <a:srgbClr val="ffffff"/>
                 </a:solidFill>
                 <a:latin typeface="Calibri"/>
                 <a:ea typeface="DejaVu Sans"/>
               </a:rPr>
               <a:t>MASA</a:t>
             </a:r>
-            <a:endParaRPr lang="en-US" sz="1400" b="0" strike="noStrike" spc="-1">
+            <a:endParaRPr b="0" lang="en-US" sz="1400" spc="-1" strike="noStrike">
               <a:latin typeface="Arial"/>
             </a:endParaRPr>
           </a:p>
@@ -6583,7 +5931,7 @@
         <p:spPr>
           <a:xfrm>
             <a:off x="2178000" y="5178240"/>
-            <a:ext cx="1960560" cy="333000"/>
+            <a:ext cx="1960200" cy="333000"/>
           </a:xfrm>
           <a:prstGeom prst="rect">
             <a:avLst/>
@@ -6594,22 +5942,15 @@
           </a:ln>
         </p:spPr>
         <p:style>
-          <a:lnRef idx="0">
-            <a:scrgbClr r="0" g="0" b="0"/>
-          </a:lnRef>
-          <a:fillRef idx="0">
-            <a:scrgbClr r="0" g="0" b="0"/>
-          </a:fillRef>
-          <a:effectRef idx="0">
-            <a:scrgbClr r="0" g="0" b="0"/>
-          </a:effectRef>
+          <a:lnRef idx="0"/>
+          <a:fillRef idx="0"/>
+          <a:effectRef idx="0"/>
           <a:fontRef idx="minor"/>
         </p:style>
         <p:txBody>
-          <a:bodyPr lIns="90000" tIns="45000" rIns="90000" bIns="45000">
+          <a:bodyPr lIns="90000" rIns="90000" tIns="45000" bIns="45000">
             <a:spAutoFit/>
           </a:bodyPr>
-          <a:lstStyle/>
           <a:p>
             <a:pPr algn="ctr">
               <a:lnSpc>
@@ -6617,7 +5958,7 @@
               </a:lnSpc>
             </a:pPr>
             <a:r>
-              <a:rPr lang="en-US" sz="800" b="0" strike="noStrike" spc="-1">
+              <a:rPr b="0" lang="en-US" sz="800" spc="-1" strike="noStrike">
                 <a:solidFill>
                   <a:srgbClr val="000000"/>
                 </a:solidFill>
@@ -6628,7 +5969,7 @@
             </a:r>
             <a:br/>
             <a:r>
-              <a:rPr lang="en-US" sz="800" b="0" strike="noStrike" spc="-1">
+              <a:rPr b="0" lang="en-US" sz="800" spc="-1" strike="noStrike">
                 <a:solidFill>
                   <a:srgbClr val="000000"/>
                 </a:solidFill>
@@ -6637,7 +5978,7 @@
               </a:rPr>
               <a:t> (self-contained)</a:t>
             </a:r>
-            <a:endParaRPr lang="en-US" sz="800" b="0" strike="noStrike" spc="-1">
+            <a:endParaRPr b="0" lang="en-US" sz="800" spc="-1" strike="noStrike">
               <a:latin typeface="Arial"/>
             </a:endParaRPr>
           </a:p>
@@ -6652,13 +5993,12 @@
         <p:spPr>
           <a:xfrm>
             <a:off x="2025360" y="5493960"/>
-            <a:ext cx="2723400" cy="360"/>
+            <a:ext cx="2723040" cy="360"/>
           </a:xfrm>
           <a:custGeom>
             <a:avLst/>
             <a:gdLst/>
             <a:ahLst/>
-            <a:cxnLst/>
             <a:rect l="l" t="t" r="r" b="b"/>
             <a:pathLst>
               <a:path w="21600" h="21600">
@@ -6674,22 +6014,16 @@
           <a:noFill/>
           <a:ln w="6350">
             <a:solidFill>
-              <a:srgbClr val="4472C4"/>
+              <a:srgbClr val="4472c4"/>
             </a:solidFill>
             <a:miter/>
-            <a:tailEnd type="triangle" w="med" len="med"/>
+            <a:tailEnd len="med" type="triangle" w="med"/>
           </a:ln>
         </p:spPr>
         <p:style>
-          <a:lnRef idx="0">
-            <a:scrgbClr r="0" g="0" b="0"/>
-          </a:lnRef>
-          <a:fillRef idx="0">
-            <a:scrgbClr r="0" g="0" b="0"/>
-          </a:fillRef>
-          <a:effectRef idx="0">
-            <a:scrgbClr r="0" g="0" b="0"/>
-          </a:effectRef>
+          <a:lnRef idx="0"/>
+          <a:fillRef idx="0"/>
+          <a:effectRef idx="0"/>
           <a:fontRef idx="minor"/>
         </p:style>
       </p:sp>
@@ -6709,21 +6043,15 @@
           </a:prstGeom>
           <a:ln w="6350">
             <a:solidFill>
-              <a:srgbClr val="FFFFFF"/>
+              <a:srgbClr val="ffffff"/>
             </a:solidFill>
             <a:miter/>
           </a:ln>
         </p:spPr>
         <p:style>
-          <a:lnRef idx="0">
-            <a:scrgbClr r="0" g="0" b="0"/>
-          </a:lnRef>
-          <a:fillRef idx="0">
-            <a:scrgbClr r="0" g="0" b="0"/>
-          </a:fillRef>
-          <a:effectRef idx="0">
-            <a:scrgbClr r="0" g="0" b="0"/>
-          </a:effectRef>
+          <a:lnRef idx="0"/>
+          <a:fillRef idx="0"/>
+          <a:effectRef idx="0"/>
           <a:fontRef idx="minor"/>
         </p:style>
       </p:sp>
@@ -6743,21 +6071,15 @@
           </a:prstGeom>
           <a:ln w="6350">
             <a:solidFill>
-              <a:srgbClr val="FFFFFF"/>
+              <a:srgbClr val="ffffff"/>
             </a:solidFill>
             <a:miter/>
           </a:ln>
         </p:spPr>
         <p:style>
-          <a:lnRef idx="0">
-            <a:scrgbClr r="0" g="0" b="0"/>
-          </a:lnRef>
-          <a:fillRef idx="0">
-            <a:scrgbClr r="0" g="0" b="0"/>
-          </a:fillRef>
-          <a:effectRef idx="0">
-            <a:scrgbClr r="0" g="0" b="0"/>
-          </a:effectRef>
+          <a:lnRef idx="0"/>
+          <a:fillRef idx="0"/>
+          <a:effectRef idx="0"/>
           <a:fontRef idx="minor"/>
         </p:style>
       </p:sp>
@@ -6769,14 +6091,13 @@
         </p:nvSpPr>
         <p:spPr>
           <a:xfrm flipH="1">
-            <a:off x="2022120" y="4523400"/>
-            <a:ext cx="2725200" cy="360"/>
+            <a:off x="2021400" y="4523400"/>
+            <a:ext cx="2724840" cy="360"/>
           </a:xfrm>
           <a:custGeom>
             <a:avLst/>
             <a:gdLst/>
             <a:ahLst/>
-            <a:cxnLst/>
             <a:rect l="l" t="t" r="r" b="b"/>
             <a:pathLst>
               <a:path w="21600" h="21600">
@@ -6792,22 +6113,16 @@
           <a:noFill/>
           <a:ln w="6350">
             <a:solidFill>
-              <a:srgbClr val="4472C4"/>
+              <a:srgbClr val="4472c4"/>
             </a:solidFill>
             <a:miter/>
-            <a:tailEnd type="triangle" w="med" len="med"/>
+            <a:tailEnd len="med" type="triangle" w="med"/>
           </a:ln>
         </p:spPr>
         <p:style>
-          <a:lnRef idx="0">
-            <a:scrgbClr r="0" g="0" b="0"/>
-          </a:lnRef>
-          <a:fillRef idx="0">
-            <a:scrgbClr r="0" g="0" b="0"/>
-          </a:fillRef>
-          <a:effectRef idx="0">
-            <a:scrgbClr r="0" g="0" b="0"/>
-          </a:effectRef>
+          <a:lnRef idx="0"/>
+          <a:fillRef idx="0"/>
+          <a:effectRef idx="0"/>
           <a:fontRef idx="minor"/>
         </p:style>
       </p:sp>
@@ -6820,7 +6135,7 @@
         <p:spPr>
           <a:xfrm>
             <a:off x="2113560" y="5593680"/>
-            <a:ext cx="2561760" cy="211320"/>
+            <a:ext cx="2561400" cy="211320"/>
           </a:xfrm>
           <a:prstGeom prst="rect">
             <a:avLst/>
@@ -6831,22 +6146,15 @@
           </a:ln>
         </p:spPr>
         <p:style>
-          <a:lnRef idx="0">
-            <a:scrgbClr r="0" g="0" b="0"/>
-          </a:lnRef>
-          <a:fillRef idx="0">
-            <a:scrgbClr r="0" g="0" b="0"/>
-          </a:fillRef>
-          <a:effectRef idx="0">
-            <a:scrgbClr r="0" g="0" b="0"/>
-          </a:effectRef>
+          <a:lnRef idx="0"/>
+          <a:fillRef idx="0"/>
+          <a:effectRef idx="0"/>
           <a:fontRef idx="minor"/>
         </p:style>
         <p:txBody>
-          <a:bodyPr lIns="90000" tIns="45000" rIns="90000" bIns="45000">
+          <a:bodyPr lIns="90000" rIns="90000" tIns="45000" bIns="45000">
             <a:spAutoFit/>
           </a:bodyPr>
-          <a:lstStyle/>
           <a:p>
             <a:pPr algn="ctr">
               <a:lnSpc>
@@ -6854,7 +6162,7 @@
               </a:lnSpc>
             </a:pPr>
             <a:r>
-              <a:rPr lang="en-US" sz="800" b="0" strike="noStrike" spc="-1">
+              <a:rPr b="0" lang="en-US" sz="800" spc="-1" strike="noStrike">
                 <a:solidFill>
                   <a:srgbClr val="000000"/>
                 </a:solidFill>
@@ -6863,7 +6171,7 @@
               </a:rPr>
               <a:t>Certification response (LDevID cert)</a:t>
             </a:r>
-            <a:endParaRPr lang="en-US" sz="800" b="0" strike="noStrike" spc="-1">
+            <a:endParaRPr b="0" lang="en-US" sz="800" spc="-1" strike="noStrike">
               <a:latin typeface="Arial"/>
             </a:endParaRPr>
           </a:p>
@@ -6878,7 +6186,7 @@
         <p:spPr>
           <a:xfrm>
             <a:off x="2372400" y="1287360"/>
-            <a:ext cx="1046880" cy="454680"/>
+            <a:ext cx="1046520" cy="454680"/>
           </a:xfrm>
           <a:prstGeom prst="rect">
             <a:avLst/>
@@ -6889,24 +6197,17 @@
           </a:ln>
         </p:spPr>
         <p:style>
-          <a:lnRef idx="0">
-            <a:scrgbClr r="0" g="0" b="0"/>
-          </a:lnRef>
-          <a:fillRef idx="0">
-            <a:scrgbClr r="0" g="0" b="0"/>
-          </a:fillRef>
-          <a:effectRef idx="0">
-            <a:scrgbClr r="0" g="0" b="0"/>
-          </a:effectRef>
+          <a:lnRef idx="0"/>
+          <a:fillRef idx="0"/>
+          <a:effectRef idx="0"/>
           <a:fontRef idx="minor"/>
         </p:style>
         <p:txBody>
-          <a:bodyPr lIns="90000" tIns="45000" rIns="90000" bIns="45000">
+          <a:bodyPr lIns="90000" rIns="90000" tIns="45000" bIns="45000">
             <a:spAutoFit/>
           </a:bodyPr>
-          <a:lstStyle/>
-          <a:p>
-            <a:pPr marL="85680" indent="-83880">
+          <a:p>
+            <a:pPr marL="85680" indent="-83520">
               <a:lnSpc>
                 <a:spcPct val="100000"/>
               </a:lnSpc>
@@ -6917,7 +6218,7 @@
               <a:buChar char="•"/>
             </a:pPr>
             <a:r>
-              <a:rPr lang="en-US" sz="800" b="0" strike="noStrike" spc="-1">
+              <a:rPr b="0" lang="en-US" sz="800" spc="-1" strike="noStrike">
                 <a:solidFill>
                   <a:srgbClr val="000000"/>
                 </a:solidFill>
@@ -6926,12 +6227,12 @@
               </a:rPr>
               <a:t>IDevID</a:t>
             </a:r>
-            <a:endParaRPr lang="en-US" sz="800" b="0" strike="noStrike" spc="-1">
-              <a:latin typeface="Arial"/>
-            </a:endParaRPr>
-          </a:p>
-          <a:p>
-            <a:pPr marL="85680" indent="-83880">
+            <a:endParaRPr b="0" lang="en-US" sz="800" spc="-1" strike="noStrike">
+              <a:latin typeface="Arial"/>
+            </a:endParaRPr>
+          </a:p>
+          <a:p>
+            <a:pPr marL="85680" indent="-83520">
               <a:lnSpc>
                 <a:spcPct val="100000"/>
               </a:lnSpc>
@@ -6942,7 +6243,7 @@
               <a:buChar char="•"/>
             </a:pPr>
             <a:r>
-              <a:rPr lang="en-US" sz="800" b="0" strike="noStrike" spc="-1">
+              <a:rPr b="0" lang="en-US" sz="800" spc="-1" strike="noStrike">
                 <a:solidFill>
                   <a:srgbClr val="000000"/>
                 </a:solidFill>
@@ -6951,7 +6252,7 @@
               </a:rPr>
               <a:t>Manufacturer trust anchor</a:t>
             </a:r>
-            <a:endParaRPr lang="en-US" sz="800" b="0" strike="noStrike" spc="-1">
+            <a:endParaRPr b="0" lang="en-US" sz="800" spc="-1" strike="noStrike">
               <a:latin typeface="Arial"/>
             </a:endParaRPr>
           </a:p>
@@ -6966,7 +6267,7 @@
         <p:spPr>
           <a:xfrm>
             <a:off x="5445360" y="1327320"/>
-            <a:ext cx="1568160" cy="454680"/>
+            <a:ext cx="1567800" cy="454680"/>
           </a:xfrm>
           <a:prstGeom prst="rect">
             <a:avLst/>
@@ -6977,24 +6278,17 @@
           </a:ln>
         </p:spPr>
         <p:style>
-          <a:lnRef idx="0">
-            <a:scrgbClr r="0" g="0" b="0"/>
-          </a:lnRef>
-          <a:fillRef idx="0">
-            <a:scrgbClr r="0" g="0" b="0"/>
-          </a:fillRef>
-          <a:effectRef idx="0">
-            <a:scrgbClr r="0" g="0" b="0"/>
-          </a:effectRef>
+          <a:lnRef idx="0"/>
+          <a:fillRef idx="0"/>
+          <a:effectRef idx="0"/>
           <a:fontRef idx="minor"/>
         </p:style>
         <p:txBody>
-          <a:bodyPr lIns="90000" tIns="45000" rIns="90000" bIns="45000">
+          <a:bodyPr lIns="90000" rIns="90000" tIns="45000" bIns="45000">
             <a:spAutoFit/>
           </a:bodyPr>
-          <a:lstStyle/>
-          <a:p>
-            <a:pPr marL="84960" indent="-83160">
+          <a:p>
+            <a:pPr marL="84960" indent="-82800">
               <a:lnSpc>
                 <a:spcPct val="100000"/>
               </a:lnSpc>
@@ -7005,7 +6299,7 @@
               <a:buChar char="•"/>
             </a:pPr>
             <a:r>
-              <a:rPr lang="en-US" sz="800" b="0" strike="noStrike" spc="-1">
+              <a:rPr b="0" lang="en-US" sz="800" spc="-1" strike="noStrike">
                 <a:solidFill>
                   <a:srgbClr val="000000"/>
                 </a:solidFill>
@@ -7014,12 +6308,12 @@
               </a:rPr>
               <a:t>LDevID (Reg)</a:t>
             </a:r>
-            <a:endParaRPr lang="en-US" sz="800" b="0" strike="noStrike" spc="-1">
-              <a:latin typeface="Arial"/>
-            </a:endParaRPr>
-          </a:p>
-          <a:p>
-            <a:pPr marL="84960" indent="-83160">
+            <a:endParaRPr b="0" lang="en-US" sz="800" spc="-1" strike="noStrike">
+              <a:latin typeface="Arial"/>
+            </a:endParaRPr>
+          </a:p>
+          <a:p>
+            <a:pPr marL="84960" indent="-82800">
               <a:lnSpc>
                 <a:spcPct val="100000"/>
               </a:lnSpc>
@@ -7030,7 +6324,7 @@
               <a:buChar char="•"/>
             </a:pPr>
             <a:r>
-              <a:rPr lang="en-US" sz="800" b="0" strike="noStrike" spc="-1">
+              <a:rPr b="0" lang="en-US" sz="800" spc="-1" strike="noStrike">
                 <a:solidFill>
                   <a:srgbClr val="000000"/>
                 </a:solidFill>
@@ -7039,12 +6333,12 @@
               </a:rPr>
               <a:t>IDevID Cert CA</a:t>
             </a:r>
-            <a:endParaRPr lang="en-US" sz="800" b="0" strike="noStrike" spc="-1">
-              <a:latin typeface="Arial"/>
-            </a:endParaRPr>
-          </a:p>
-          <a:p>
-            <a:pPr marL="84960" indent="-83160">
+            <a:endParaRPr b="0" lang="en-US" sz="800" spc="-1" strike="noStrike">
+              <a:latin typeface="Arial"/>
+            </a:endParaRPr>
+          </a:p>
+          <a:p>
+            <a:pPr marL="84960" indent="-82800">
               <a:lnSpc>
                 <a:spcPct val="100000"/>
               </a:lnSpc>
@@ -7055,7 +6349,7 @@
               <a:buChar char="•"/>
             </a:pPr>
             <a:r>
-              <a:rPr lang="en-US" sz="800" b="0" strike="noStrike" spc="-1">
+              <a:rPr b="0" lang="en-US" sz="800" spc="-1" strike="noStrike">
                 <a:solidFill>
                   <a:srgbClr val="000000"/>
                 </a:solidFill>
@@ -7064,7 +6358,7 @@
               </a:rPr>
               <a:t>S/N Pledge</a:t>
             </a:r>
-            <a:endParaRPr lang="en-US" sz="800" b="0" strike="noStrike" spc="-1">
+            <a:endParaRPr b="0" lang="en-US" sz="800" spc="-1" strike="noStrike">
               <a:latin typeface="Arial"/>
             </a:endParaRPr>
           </a:p>
@@ -7079,7 +6373,7 @@
         <p:spPr>
           <a:xfrm>
             <a:off x="9164160" y="1327320"/>
-            <a:ext cx="1008360" cy="333000"/>
+            <a:ext cx="1008000" cy="333000"/>
           </a:xfrm>
           <a:prstGeom prst="rect">
             <a:avLst/>
@@ -7090,24 +6384,17 @@
           </a:ln>
         </p:spPr>
         <p:style>
-          <a:lnRef idx="0">
-            <a:scrgbClr r="0" g="0" b="0"/>
-          </a:lnRef>
-          <a:fillRef idx="0">
-            <a:scrgbClr r="0" g="0" b="0"/>
-          </a:fillRef>
-          <a:effectRef idx="0">
-            <a:scrgbClr r="0" g="0" b="0"/>
-          </a:effectRef>
+          <a:lnRef idx="0"/>
+          <a:fillRef idx="0"/>
+          <a:effectRef idx="0"/>
           <a:fontRef idx="minor"/>
         </p:style>
         <p:txBody>
-          <a:bodyPr lIns="90000" tIns="45000" rIns="90000" bIns="45000">
+          <a:bodyPr lIns="90000" rIns="90000" tIns="45000" bIns="45000">
             <a:spAutoFit/>
           </a:bodyPr>
-          <a:lstStyle/>
-          <a:p>
-            <a:pPr marL="84960" indent="-83160">
+          <a:p>
+            <a:pPr marL="84960" indent="-82800">
               <a:lnSpc>
                 <a:spcPct val="100000"/>
               </a:lnSpc>
@@ -7118,7 +6405,7 @@
               <a:buChar char="•"/>
             </a:pPr>
             <a:r>
-              <a:rPr lang="en-US" sz="800" b="0" strike="noStrike" spc="-1">
+              <a:rPr b="0" lang="en-US" sz="800" spc="-1" strike="noStrike">
                 <a:solidFill>
                   <a:srgbClr val="000000"/>
                 </a:solidFill>
@@ -7127,7 +6414,7 @@
               </a:rPr>
               <a:t>PKI CA credentials </a:t>
             </a:r>
-            <a:endParaRPr lang="en-US" sz="800" b="0" strike="noStrike" spc="-1">
+            <a:endParaRPr b="0" lang="en-US" sz="800" spc="-1" strike="noStrike">
               <a:latin typeface="Arial"/>
             </a:endParaRPr>
           </a:p>
@@ -7142,7 +6429,7 @@
         <p:spPr>
           <a:xfrm>
             <a:off x="11123640" y="1287360"/>
-            <a:ext cx="976320" cy="333000"/>
+            <a:ext cx="975960" cy="333000"/>
           </a:xfrm>
           <a:prstGeom prst="rect">
             <a:avLst/>
@@ -7153,24 +6440,17 @@
           </a:ln>
         </p:spPr>
         <p:style>
-          <a:lnRef idx="0">
-            <a:scrgbClr r="0" g="0" b="0"/>
-          </a:lnRef>
-          <a:fillRef idx="0">
-            <a:scrgbClr r="0" g="0" b="0"/>
-          </a:fillRef>
-          <a:effectRef idx="0">
-            <a:scrgbClr r="0" g="0" b="0"/>
-          </a:effectRef>
+          <a:lnRef idx="0"/>
+          <a:fillRef idx="0"/>
+          <a:effectRef idx="0"/>
           <a:fontRef idx="minor"/>
         </p:style>
         <p:txBody>
-          <a:bodyPr lIns="90000" tIns="45000" rIns="90000" bIns="45000">
+          <a:bodyPr lIns="90000" rIns="90000" tIns="45000" bIns="45000">
             <a:spAutoFit/>
           </a:bodyPr>
-          <a:lstStyle/>
-          <a:p>
-            <a:pPr marL="84960" indent="-83160">
+          <a:p>
+            <a:pPr marL="84960" indent="-82800">
               <a:lnSpc>
                 <a:spcPct val="100000"/>
               </a:lnSpc>
@@ -7181,7 +6461,7 @@
               <a:buChar char="•"/>
             </a:pPr>
             <a:r>
-              <a:rPr lang="en-US" sz="800" b="0" strike="noStrike" spc="-1">
+              <a:rPr b="0" lang="en-US" sz="800" spc="-1" strike="noStrike">
                 <a:solidFill>
                   <a:srgbClr val="000000"/>
                 </a:solidFill>
@@ -7190,7 +6470,7 @@
               </a:rPr>
               <a:t>MASA credentials</a:t>
             </a:r>
-            <a:endParaRPr lang="en-US" sz="800" b="0" strike="noStrike" spc="-1">
+            <a:endParaRPr b="0" lang="en-US" sz="800" spc="-1" strike="noStrike">
               <a:latin typeface="Arial"/>
             </a:endParaRPr>
           </a:p>
@@ -7198,7 +6478,202 @@
       </p:sp>
       <p:pic>
         <p:nvPicPr>
-          <p:cNvPr id="118" name="Picture 170"/>
+          <p:cNvPr id="118" name="Picture 170" descr=""/>
+          <p:cNvPicPr/>
+          <p:nvPr/>
+        </p:nvPicPr>
+        <p:blipFill>
+          <a:blip r:embed="rId1"/>
+          <a:stretch/>
+        </p:blipFill>
+        <p:spPr>
+          <a:xfrm>
+            <a:off x="10173240" y="3145320"/>
+            <a:ext cx="283680" cy="593640"/>
+          </a:xfrm>
+          <a:prstGeom prst="rect">
+            <a:avLst/>
+          </a:prstGeom>
+          <a:ln w="0">
+            <a:noFill/>
+          </a:ln>
+        </p:spPr>
+      </p:pic>
+      <p:sp>
+        <p:nvSpPr>
+          <p:cNvPr id="119" name="Line 31"/>
+          <p:cNvSpPr/>
+          <p:nvPr/>
+        </p:nvSpPr>
+        <p:spPr>
+          <a:xfrm>
+            <a:off x="1828440" y="4017240"/>
+            <a:ext cx="8811720" cy="24120"/>
+          </a:xfrm>
+          <a:prstGeom prst="line">
+            <a:avLst/>
+          </a:prstGeom>
+          <a:ln w="22225">
+            <a:solidFill>
+              <a:srgbClr val="ffffff"/>
+            </a:solidFill>
+            <a:miter/>
+          </a:ln>
+        </p:spPr>
+        <p:style>
+          <a:lnRef idx="0"/>
+          <a:fillRef idx="0"/>
+          <a:effectRef idx="0"/>
+          <a:fontRef idx="minor"/>
+        </p:style>
+      </p:sp>
+      <p:sp>
+        <p:nvSpPr>
+          <p:cNvPr id="120" name="CustomShape 32"/>
+          <p:cNvSpPr/>
+          <p:nvPr/>
+        </p:nvSpPr>
+        <p:spPr>
+          <a:xfrm>
+            <a:off x="169200" y="2315880"/>
+            <a:ext cx="731160" cy="1063080"/>
+          </a:xfrm>
+          <a:prstGeom prst="rect">
+            <a:avLst/>
+          </a:prstGeom>
+          <a:solidFill>
+            <a:srgbClr val="f2f2f2"/>
+          </a:solidFill>
+          <a:ln w="0">
+            <a:solidFill>
+              <a:srgbClr val="000000"/>
+            </a:solidFill>
+          </a:ln>
+        </p:spPr>
+        <p:style>
+          <a:lnRef idx="0"/>
+          <a:fillRef idx="0"/>
+          <a:effectRef idx="0"/>
+          <a:fontRef idx="minor"/>
+        </p:style>
+        <p:txBody>
+          <a:bodyPr lIns="90000" rIns="90000" tIns="45000" bIns="45000">
+            <a:spAutoFit/>
+          </a:bodyPr>
+          <a:p>
+            <a:pPr>
+              <a:lnSpc>
+                <a:spcPct val="100000"/>
+              </a:lnSpc>
+            </a:pPr>
+            <a:r>
+              <a:rPr b="0" lang="en-US" sz="800" spc="-1" strike="noStrike">
+                <a:solidFill>
+                  <a:srgbClr val="000000"/>
+                </a:solidFill>
+                <a:latin typeface="Courier New"/>
+                <a:ea typeface="DejaVu Sans"/>
+              </a:rPr>
+              <a:t>Initial</a:t>
+            </a:r>
+            <a:br/>
+            <a:r>
+              <a:rPr b="0" lang="en-US" sz="800" spc="-1" strike="noStrike">
+                <a:solidFill>
+                  <a:srgbClr val="000000"/>
+                </a:solidFill>
+                <a:latin typeface="Courier New"/>
+                <a:ea typeface="DejaVu Sans"/>
+              </a:rPr>
+              <a:t>steps: Voucher request/response handling as in BRSKI</a:t>
+            </a:r>
+            <a:endParaRPr b="0" lang="en-US" sz="800" spc="-1" strike="noStrike">
+              <a:latin typeface="Arial"/>
+            </a:endParaRPr>
+          </a:p>
+        </p:txBody>
+      </p:sp>
+      <p:sp>
+        <p:nvSpPr>
+          <p:cNvPr id="121" name="CustomShape 33"/>
+          <p:cNvSpPr/>
+          <p:nvPr/>
+        </p:nvSpPr>
+        <p:spPr>
+          <a:xfrm>
+            <a:off x="172800" y="4198320"/>
+            <a:ext cx="1265400" cy="819720"/>
+          </a:xfrm>
+          <a:prstGeom prst="rect">
+            <a:avLst/>
+          </a:prstGeom>
+          <a:solidFill>
+            <a:srgbClr val="f2f2f2"/>
+          </a:solidFill>
+          <a:ln w="0">
+            <a:solidFill>
+              <a:srgbClr val="000000"/>
+            </a:solidFill>
+          </a:ln>
+        </p:spPr>
+        <p:style>
+          <a:lnRef idx="0"/>
+          <a:fillRef idx="0"/>
+          <a:effectRef idx="0"/>
+          <a:fontRef idx="minor"/>
+        </p:style>
+        <p:txBody>
+          <a:bodyPr lIns="90000" rIns="90000" tIns="45000" bIns="45000">
+            <a:spAutoFit/>
+          </a:bodyPr>
+          <a:p>
+            <a:pPr>
+              <a:lnSpc>
+                <a:spcPct val="100000"/>
+              </a:lnSpc>
+            </a:pPr>
+            <a:r>
+              <a:rPr b="0" lang="en-US" sz="800" spc="-1" strike="noStrike">
+                <a:solidFill>
+                  <a:srgbClr val="000000"/>
+                </a:solidFill>
+                <a:latin typeface="Courier New"/>
+                <a:ea typeface="DejaVu Sans"/>
+              </a:rPr>
+              <a:t>Adapted step: Application of alternative enrollment protocol (e.g., Lightweight CMP)</a:t>
+            </a:r>
+            <a:endParaRPr b="0" lang="en-US" sz="800" spc="-1" strike="noStrike">
+              <a:latin typeface="Arial"/>
+            </a:endParaRPr>
+          </a:p>
+        </p:txBody>
+      </p:sp>
+      <p:pic>
+        <p:nvPicPr>
+          <p:cNvPr id="122" name="Picture 177" descr=""/>
+          <p:cNvPicPr/>
+          <p:nvPr/>
+        </p:nvPicPr>
+        <p:blipFill>
+          <a:blip r:embed="rId2"/>
+          <a:stretch/>
+        </p:blipFill>
+        <p:spPr>
+          <a:xfrm>
+            <a:off x="1928160" y="3235680"/>
+            <a:ext cx="283680" cy="593640"/>
+          </a:xfrm>
+          <a:prstGeom prst="rect">
+            <a:avLst/>
+          </a:prstGeom>
+          <a:ln w="0">
+            <a:noFill/>
+          </a:ln>
+        </p:spPr>
+      </p:pic>
+      <p:pic>
+        <p:nvPicPr>
+          <p:cNvPr id="123" name="Picture 178" descr=""/>
           <p:cNvPicPr/>
           <p:nvPr/>
         </p:nvPicPr>
@@ -7208,8 +6683,8 @@
         </p:blipFill>
         <p:spPr>
           <a:xfrm>
-            <a:off x="10173240" y="3145320"/>
-            <a:ext cx="284040" cy="594000"/>
+            <a:off x="1522800" y="2092680"/>
+            <a:ext cx="692280" cy="699840"/>
           </a:xfrm>
           <a:prstGeom prst="rect">
             <a:avLst/>
@@ -7219,201 +6694,9 @@
           </a:ln>
         </p:spPr>
       </p:pic>
-      <p:sp>
-        <p:nvSpPr>
-          <p:cNvPr id="119" name="Line 31"/>
-          <p:cNvSpPr/>
-          <p:nvPr/>
-        </p:nvSpPr>
-        <p:spPr>
-          <a:xfrm>
-            <a:off x="1828440" y="4017240"/>
-            <a:ext cx="8811720" cy="24120"/>
-          </a:xfrm>
-          <a:prstGeom prst="line">
-            <a:avLst/>
-          </a:prstGeom>
-          <a:ln w="22225">
-            <a:solidFill>
-              <a:srgbClr val="FFFFFF"/>
-            </a:solidFill>
-            <a:miter/>
-          </a:ln>
-        </p:spPr>
-        <p:style>
-          <a:lnRef idx="0">
-            <a:scrgbClr r="0" g="0" b="0"/>
-          </a:lnRef>
-          <a:fillRef idx="0">
-            <a:scrgbClr r="0" g="0" b="0"/>
-          </a:fillRef>
-          <a:effectRef idx="0">
-            <a:scrgbClr r="0" g="0" b="0"/>
-          </a:effectRef>
-          <a:fontRef idx="minor"/>
-        </p:style>
-      </p:sp>
-      <p:sp>
-        <p:nvSpPr>
-          <p:cNvPr id="120" name="CustomShape 32"/>
-          <p:cNvSpPr/>
-          <p:nvPr/>
-        </p:nvSpPr>
-        <p:spPr>
-          <a:xfrm>
-            <a:off x="169200" y="2315880"/>
-            <a:ext cx="731520" cy="1063080"/>
-          </a:xfrm>
-          <a:prstGeom prst="rect">
-            <a:avLst/>
-          </a:prstGeom>
-          <a:solidFill>
-            <a:srgbClr val="F2F2F2"/>
-          </a:solidFill>
-          <a:ln w="0">
-            <a:solidFill>
-              <a:srgbClr val="000000"/>
-            </a:solidFill>
-          </a:ln>
-        </p:spPr>
-        <p:style>
-          <a:lnRef idx="0">
-            <a:scrgbClr r="0" g="0" b="0"/>
-          </a:lnRef>
-          <a:fillRef idx="0">
-            <a:scrgbClr r="0" g="0" b="0"/>
-          </a:fillRef>
-          <a:effectRef idx="0">
-            <a:scrgbClr r="0" g="0" b="0"/>
-          </a:effectRef>
-          <a:fontRef idx="minor"/>
-        </p:style>
-        <p:txBody>
-          <a:bodyPr lIns="90000" tIns="45000" rIns="90000" bIns="45000">
-            <a:spAutoFit/>
-          </a:bodyPr>
-          <a:lstStyle/>
-          <a:p>
-            <a:pPr>
-              <a:lnSpc>
-                <a:spcPct val="100000"/>
-              </a:lnSpc>
-            </a:pPr>
-            <a:r>
-              <a:rPr lang="en-US" sz="800" b="0" strike="noStrike" spc="-1">
-                <a:solidFill>
-                  <a:srgbClr val="000000"/>
-                </a:solidFill>
-                <a:latin typeface="Courier New"/>
-                <a:ea typeface="DejaVu Sans"/>
-              </a:rPr>
-              <a:t>Initial</a:t>
-            </a:r>
-            <a:br/>
-            <a:r>
-              <a:rPr lang="en-US" sz="800" b="0" strike="noStrike" spc="-1">
-                <a:solidFill>
-                  <a:srgbClr val="000000"/>
-                </a:solidFill>
-                <a:latin typeface="Courier New"/>
-                <a:ea typeface="DejaVu Sans"/>
-              </a:rPr>
-              <a:t>steps: Voucher request/response handling as in BRSKI</a:t>
-            </a:r>
-            <a:endParaRPr lang="en-US" sz="800" b="0" strike="noStrike" spc="-1">
-              <a:latin typeface="Arial"/>
-            </a:endParaRPr>
-          </a:p>
-        </p:txBody>
-      </p:sp>
-      <p:sp>
-        <p:nvSpPr>
-          <p:cNvPr id="121" name="CustomShape 33"/>
-          <p:cNvSpPr/>
-          <p:nvPr/>
-        </p:nvSpPr>
-        <p:spPr>
-          <a:xfrm>
-            <a:off x="172800" y="4198320"/>
-            <a:ext cx="1265760" cy="819720"/>
-          </a:xfrm>
-          <a:prstGeom prst="rect">
-            <a:avLst/>
-          </a:prstGeom>
-          <a:solidFill>
-            <a:srgbClr val="F2F2F2"/>
-          </a:solidFill>
-          <a:ln w="0">
-            <a:solidFill>
-              <a:srgbClr val="000000"/>
-            </a:solidFill>
-          </a:ln>
-        </p:spPr>
-        <p:style>
-          <a:lnRef idx="0">
-            <a:scrgbClr r="0" g="0" b="0"/>
-          </a:lnRef>
-          <a:fillRef idx="0">
-            <a:scrgbClr r="0" g="0" b="0"/>
-          </a:fillRef>
-          <a:effectRef idx="0">
-            <a:scrgbClr r="0" g="0" b="0"/>
-          </a:effectRef>
-          <a:fontRef idx="minor"/>
-        </p:style>
-        <p:txBody>
-          <a:bodyPr lIns="90000" tIns="45000" rIns="90000" bIns="45000">
-            <a:spAutoFit/>
-          </a:bodyPr>
-          <a:lstStyle/>
-          <a:p>
-            <a:pPr>
-              <a:lnSpc>
-                <a:spcPct val="100000"/>
-              </a:lnSpc>
-            </a:pPr>
-            <a:r>
-              <a:rPr lang="en-US" sz="800" b="0" strike="noStrike" spc="-1">
-                <a:solidFill>
-                  <a:srgbClr val="000000"/>
-                </a:solidFill>
-                <a:latin typeface="Courier New"/>
-                <a:ea typeface="DejaVu Sans"/>
-              </a:rPr>
-              <a:t>Adapted step: Application of alternative enrollment protocol (e.g., Lightweight CMP)</a:t>
-            </a:r>
-            <a:endParaRPr lang="en-US" sz="800" b="0" strike="noStrike" spc="-1">
-              <a:latin typeface="Arial"/>
-            </a:endParaRPr>
-          </a:p>
-        </p:txBody>
-      </p:sp>
       <p:pic>
         <p:nvPicPr>
-          <p:cNvPr id="122" name="Picture 177"/>
-          <p:cNvPicPr/>
-          <p:nvPr/>
-        </p:nvPicPr>
-        <p:blipFill>
-          <a:blip r:embed="rId3"/>
-          <a:stretch/>
-        </p:blipFill>
-        <p:spPr>
-          <a:xfrm>
-            <a:off x="1928160" y="3235680"/>
-            <a:ext cx="284040" cy="594000"/>
-          </a:xfrm>
-          <a:prstGeom prst="rect">
-            <a:avLst/>
-          </a:prstGeom>
-          <a:ln w="0">
-            <a:noFill/>
-          </a:ln>
-        </p:spPr>
-      </p:pic>
-      <p:pic>
-        <p:nvPicPr>
-          <p:cNvPr id="123" name="Picture 178"/>
+          <p:cNvPr id="124" name="Picture 179" descr=""/>
           <p:cNvPicPr/>
           <p:nvPr/>
         </p:nvPicPr>
@@ -7423,8 +6706,8 @@
         </p:blipFill>
         <p:spPr>
           <a:xfrm>
-            <a:off x="1522800" y="2092680"/>
-            <a:ext cx="692640" cy="700200"/>
+            <a:off x="4848840" y="2512080"/>
+            <a:ext cx="789120" cy="758880"/>
           </a:xfrm>
           <a:prstGeom prst="rect">
             <a:avLst/>
@@ -7434,29 +6717,6 @@
           </a:ln>
         </p:spPr>
       </p:pic>
-      <p:pic>
-        <p:nvPicPr>
-          <p:cNvPr id="124" name="Picture 179"/>
-          <p:cNvPicPr/>
-          <p:nvPr/>
-        </p:nvPicPr>
-        <p:blipFill>
-          <a:blip r:embed="rId5"/>
-          <a:stretch/>
-        </p:blipFill>
-        <p:spPr>
-          <a:xfrm>
-            <a:off x="4848840" y="2512080"/>
-            <a:ext cx="789480" cy="759240"/>
-          </a:xfrm>
-          <a:prstGeom prst="rect">
-            <a:avLst/>
-          </a:prstGeom>
-          <a:ln w="0">
-            <a:noFill/>
-          </a:ln>
-        </p:spPr>
-      </p:pic>
       <p:sp>
         <p:nvSpPr>
           <p:cNvPr id="125" name="CustomShape 34"/>
@@ -7466,7 +6726,7 @@
         <p:spPr>
           <a:xfrm>
             <a:off x="2042280" y="4125240"/>
-            <a:ext cx="2561760" cy="211320"/>
+            <a:ext cx="2561400" cy="211320"/>
           </a:xfrm>
           <a:prstGeom prst="rect">
             <a:avLst/>
@@ -7477,22 +6737,15 @@
           </a:ln>
         </p:spPr>
         <p:style>
-          <a:lnRef idx="0">
-            <a:scrgbClr r="0" g="0" b="0"/>
-          </a:lnRef>
-          <a:fillRef idx="0">
-            <a:scrgbClr r="0" g="0" b="0"/>
-          </a:fillRef>
-          <a:effectRef idx="0">
-            <a:scrgbClr r="0" g="0" b="0"/>
-          </a:effectRef>
+          <a:lnRef idx="0"/>
+          <a:fillRef idx="0"/>
+          <a:effectRef idx="0"/>
           <a:fontRef idx="minor"/>
         </p:style>
         <p:txBody>
-          <a:bodyPr lIns="90000" tIns="45000" rIns="90000" bIns="45000">
+          <a:bodyPr lIns="90000" rIns="90000" tIns="45000" bIns="45000">
             <a:spAutoFit/>
           </a:bodyPr>
-          <a:lstStyle/>
           <a:p>
             <a:pPr algn="ctr">
               <a:lnSpc>
@@ -7500,7 +6753,7 @@
               </a:lnSpc>
             </a:pPr>
             <a:r>
-              <a:rPr lang="en-US" sz="800" b="0" strike="noStrike" spc="-1">
+              <a:rPr b="0" lang="en-US" sz="800" spc="-1" strike="noStrike">
                 <a:solidFill>
                   <a:srgbClr val="000000"/>
                 </a:solidFill>
@@ -7509,7 +6762,7 @@
               </a:rPr>
               <a:t>Request CA certificates (opt.)</a:t>
             </a:r>
-            <a:endParaRPr lang="en-US" sz="800" b="0" strike="noStrike" spc="-1">
+            <a:endParaRPr b="0" lang="en-US" sz="800" spc="-1" strike="noStrike">
               <a:latin typeface="Arial"/>
             </a:endParaRPr>
           </a:p>
@@ -7524,13 +6777,12 @@
         <p:spPr>
           <a:xfrm>
             <a:off x="2025360" y="4302000"/>
-            <a:ext cx="2723400" cy="360"/>
+            <a:ext cx="2723040" cy="360"/>
           </a:xfrm>
           <a:custGeom>
             <a:avLst/>
             <a:gdLst/>
             <a:ahLst/>
-            <a:cxnLst/>
             <a:rect l="l" t="t" r="r" b="b"/>
             <a:pathLst>
               <a:path w="21600" h="21600">
@@ -7546,22 +6798,16 @@
           <a:noFill/>
           <a:ln w="6350">
             <a:solidFill>
-              <a:srgbClr val="4472C4"/>
+              <a:srgbClr val="4472c4"/>
             </a:solidFill>
             <a:miter/>
-            <a:tailEnd type="triangle" w="med" len="med"/>
+            <a:tailEnd len="med" type="triangle" w="med"/>
           </a:ln>
         </p:spPr>
         <p:style>
-          <a:lnRef idx="0">
-            <a:scrgbClr r="0" g="0" b="0"/>
-          </a:lnRef>
-          <a:fillRef idx="0">
-            <a:scrgbClr r="0" g="0" b="0"/>
-          </a:fillRef>
-          <a:effectRef idx="0">
-            <a:scrgbClr r="0" g="0" b="0"/>
-          </a:effectRef>
+          <a:lnRef idx="0"/>
+          <a:fillRef idx="0"/>
+          <a:effectRef idx="0"/>
           <a:fontRef idx="minor"/>
         </p:style>
       </p:sp>
@@ -7574,7 +6820,7 @@
         <p:spPr>
           <a:xfrm>
             <a:off x="2042280" y="4336920"/>
-            <a:ext cx="2561760" cy="211320"/>
+            <a:ext cx="2561400" cy="211320"/>
           </a:xfrm>
           <a:prstGeom prst="rect">
             <a:avLst/>
@@ -7585,22 +6831,15 @@
           </a:ln>
         </p:spPr>
         <p:style>
-          <a:lnRef idx="0">
-            <a:scrgbClr r="0" g="0" b="0"/>
-          </a:lnRef>
-          <a:fillRef idx="0">
-            <a:scrgbClr r="0" g="0" b="0"/>
-          </a:fillRef>
-          <a:effectRef idx="0">
-            <a:scrgbClr r="0" g="0" b="0"/>
-          </a:effectRef>
+          <a:lnRef idx="0"/>
+          <a:fillRef idx="0"/>
+          <a:effectRef idx="0"/>
           <a:fontRef idx="minor"/>
         </p:style>
         <p:txBody>
-          <a:bodyPr lIns="90000" tIns="45000" rIns="90000" bIns="45000">
+          <a:bodyPr lIns="90000" rIns="90000" tIns="45000" bIns="45000">
             <a:spAutoFit/>
           </a:bodyPr>
-          <a:lstStyle/>
           <a:p>
             <a:pPr algn="ctr">
               <a:lnSpc>
@@ -7608,7 +6847,7 @@
               </a:lnSpc>
             </a:pPr>
             <a:r>
-              <a:rPr lang="en-US" sz="800" b="0" strike="noStrike" spc="-1">
+              <a:rPr b="0" lang="en-US" sz="800" spc="-1" strike="noStrike">
                 <a:solidFill>
                   <a:srgbClr val="000000"/>
                 </a:solidFill>
@@ -7617,7 +6856,7 @@
               </a:rPr>
               <a:t>CA certificates (opt.)</a:t>
             </a:r>
-            <a:endParaRPr lang="en-US" sz="800" b="0" strike="noStrike" spc="-1">
+            <a:endParaRPr b="0" lang="en-US" sz="800" spc="-1" strike="noStrike">
               <a:latin typeface="Arial"/>
             </a:endParaRPr>
           </a:p>
@@ -7631,14 +6870,13 @@
         </p:nvSpPr>
         <p:spPr>
           <a:xfrm flipH="1">
-            <a:off x="2022120" y="5797800"/>
-            <a:ext cx="2725200" cy="360"/>
+            <a:off x="2021400" y="5797800"/>
+            <a:ext cx="2724840" cy="360"/>
           </a:xfrm>
           <a:custGeom>
             <a:avLst/>
             <a:gdLst/>
             <a:ahLst/>
-            <a:cxnLst/>
             <a:rect l="l" t="t" r="r" b="b"/>
             <a:pathLst>
               <a:path w="21600" h="21600">
@@ -7654,22 +6892,16 @@
           <a:noFill/>
           <a:ln w="6350">
             <a:solidFill>
-              <a:srgbClr val="4472C4"/>
+              <a:srgbClr val="4472c4"/>
             </a:solidFill>
             <a:miter/>
-            <a:tailEnd type="triangle" w="med" len="med"/>
+            <a:tailEnd len="med" type="triangle" w="med"/>
           </a:ln>
         </p:spPr>
         <p:style>
-          <a:lnRef idx="0">
-            <a:scrgbClr r="0" g="0" b="0"/>
-          </a:lnRef>
-          <a:fillRef idx="0">
-            <a:scrgbClr r="0" g="0" b="0"/>
-          </a:fillRef>
-          <a:effectRef idx="0">
-            <a:scrgbClr r="0" g="0" b="0"/>
-          </a:effectRef>
+          <a:lnRef idx="0"/>
+          <a:fillRef idx="0"/>
+          <a:effectRef idx="0"/>
           <a:fontRef idx="minor"/>
         </p:style>
       </p:sp>
@@ -7681,14 +6913,13 @@
         </p:nvSpPr>
         <p:spPr>
           <a:xfrm flipH="1">
-            <a:off x="2022120" y="5023440"/>
-            <a:ext cx="2725200" cy="360"/>
+            <a:off x="2021400" y="5023440"/>
+            <a:ext cx="2724840" cy="360"/>
           </a:xfrm>
           <a:custGeom>
             <a:avLst/>
             <a:gdLst/>
             <a:ahLst/>
-            <a:cxnLst/>
             <a:rect l="l" t="t" r="r" b="b"/>
             <a:pathLst>
               <a:path w="21600" h="21600">
@@ -7704,22 +6935,16 @@
           <a:noFill/>
           <a:ln w="6350">
             <a:solidFill>
-              <a:srgbClr val="4472C4"/>
+              <a:srgbClr val="4472c4"/>
             </a:solidFill>
             <a:miter/>
-            <a:tailEnd type="triangle" w="med" len="med"/>
+            <a:tailEnd len="med" type="triangle" w="med"/>
           </a:ln>
         </p:spPr>
         <p:style>
-          <a:lnRef idx="0">
-            <a:scrgbClr r="0" g="0" b="0"/>
-          </a:lnRef>
-          <a:fillRef idx="0">
-            <a:scrgbClr r="0" g="0" b="0"/>
-          </a:fillRef>
-          <a:effectRef idx="0">
-            <a:scrgbClr r="0" g="0" b="0"/>
-          </a:effectRef>
+          <a:lnRef idx="0"/>
+          <a:fillRef idx="0"/>
+          <a:effectRef idx="0"/>
           <a:fontRef idx="minor"/>
         </p:style>
       </p:sp>
@@ -7732,7 +6957,7 @@
         <p:spPr>
           <a:xfrm>
             <a:off x="2042280" y="4625280"/>
-            <a:ext cx="2561760" cy="211320"/>
+            <a:ext cx="2561400" cy="211320"/>
           </a:xfrm>
           <a:prstGeom prst="rect">
             <a:avLst/>
@@ -7743,22 +6968,15 @@
           </a:ln>
         </p:spPr>
         <p:style>
-          <a:lnRef idx="0">
-            <a:scrgbClr r="0" g="0" b="0"/>
-          </a:lnRef>
-          <a:fillRef idx="0">
-            <a:scrgbClr r="0" g="0" b="0"/>
-          </a:fillRef>
-          <a:effectRef idx="0">
-            <a:scrgbClr r="0" g="0" b="0"/>
-          </a:effectRef>
+          <a:lnRef idx="0"/>
+          <a:fillRef idx="0"/>
+          <a:effectRef idx="0"/>
           <a:fontRef idx="minor"/>
         </p:style>
         <p:txBody>
-          <a:bodyPr lIns="90000" tIns="45000" rIns="90000" bIns="45000">
+          <a:bodyPr lIns="90000" rIns="90000" tIns="45000" bIns="45000">
             <a:spAutoFit/>
           </a:bodyPr>
-          <a:lstStyle/>
           <a:p>
             <a:pPr algn="ctr">
               <a:lnSpc>
@@ -7766,7 +6984,7 @@
               </a:lnSpc>
             </a:pPr>
             <a:r>
-              <a:rPr lang="en-US" sz="800" b="0" strike="noStrike" spc="-1">
+              <a:rPr b="0" lang="en-US" sz="800" spc="-1" strike="noStrike">
                 <a:solidFill>
                   <a:srgbClr val="000000"/>
                 </a:solidFill>
@@ -7775,7 +6993,7 @@
               </a:rPr>
               <a:t>Request certificate attributes (opt.)</a:t>
             </a:r>
-            <a:endParaRPr lang="en-US" sz="800" b="0" strike="noStrike" spc="-1">
+            <a:endParaRPr b="0" lang="en-US" sz="800" spc="-1" strike="noStrike">
               <a:latin typeface="Arial"/>
             </a:endParaRPr>
           </a:p>
@@ -7790,13 +7008,12 @@
         <p:spPr>
           <a:xfrm>
             <a:off x="2025360" y="4802040"/>
-            <a:ext cx="2723400" cy="360"/>
+            <a:ext cx="2723040" cy="360"/>
           </a:xfrm>
           <a:custGeom>
             <a:avLst/>
             <a:gdLst/>
             <a:ahLst/>
-            <a:cxnLst/>
             <a:rect l="l" t="t" r="r" b="b"/>
             <a:pathLst>
               <a:path w="21600" h="21600">
@@ -7812,22 +7029,16 @@
           <a:noFill/>
           <a:ln w="6350">
             <a:solidFill>
-              <a:srgbClr val="4472C4"/>
+              <a:srgbClr val="4472c4"/>
             </a:solidFill>
             <a:miter/>
-            <a:tailEnd type="triangle" w="med" len="med"/>
+            <a:tailEnd len="med" type="triangle" w="med"/>
           </a:ln>
         </p:spPr>
         <p:style>
-          <a:lnRef idx="0">
-            <a:scrgbClr r="0" g="0" b="0"/>
-          </a:lnRef>
-          <a:fillRef idx="0">
-            <a:scrgbClr r="0" g="0" b="0"/>
-          </a:fillRef>
-          <a:effectRef idx="0">
-            <a:scrgbClr r="0" g="0" b="0"/>
-          </a:effectRef>
+          <a:lnRef idx="0"/>
+          <a:fillRef idx="0"/>
+          <a:effectRef idx="0"/>
           <a:fontRef idx="minor"/>
         </p:style>
       </p:sp>
@@ -7840,7 +7051,7 @@
         <p:spPr>
           <a:xfrm>
             <a:off x="2042280" y="4836960"/>
-            <a:ext cx="2561760" cy="211320"/>
+            <a:ext cx="2561400" cy="211320"/>
           </a:xfrm>
           <a:prstGeom prst="rect">
             <a:avLst/>
@@ -7851,22 +7062,15 @@
           </a:ln>
         </p:spPr>
         <p:style>
-          <a:lnRef idx="0">
-            <a:scrgbClr r="0" g="0" b="0"/>
-          </a:lnRef>
-          <a:fillRef idx="0">
-            <a:scrgbClr r="0" g="0" b="0"/>
-          </a:fillRef>
-          <a:effectRef idx="0">
-            <a:scrgbClr r="0" g="0" b="0"/>
-          </a:effectRef>
+          <a:lnRef idx="0"/>
+          <a:fillRef idx="0"/>
+          <a:effectRef idx="0"/>
           <a:fontRef idx="minor"/>
         </p:style>
         <p:txBody>
-          <a:bodyPr lIns="90000" tIns="45000" rIns="90000" bIns="45000">
+          <a:bodyPr lIns="90000" rIns="90000" tIns="45000" bIns="45000">
             <a:spAutoFit/>
           </a:bodyPr>
-          <a:lstStyle/>
           <a:p>
             <a:pPr algn="ctr">
               <a:lnSpc>
@@ -7874,7 +7078,7 @@
               </a:lnSpc>
             </a:pPr>
             <a:r>
-              <a:rPr lang="en-US" sz="800" b="0" strike="noStrike" spc="-1">
+              <a:rPr b="0" lang="en-US" sz="800" spc="-1" strike="noStrike">
                 <a:solidFill>
                   <a:srgbClr val="000000"/>
                 </a:solidFill>
@@ -7883,7 +7087,7 @@
               </a:rPr>
               <a:t>Certificate attributes (opt.)</a:t>
             </a:r>
-            <a:endParaRPr lang="en-US" sz="800" b="0" strike="noStrike" spc="-1">
+            <a:endParaRPr b="0" lang="en-US" sz="800" spc="-1" strike="noStrike">
               <a:latin typeface="Arial"/>
             </a:endParaRPr>
           </a:p>
@@ -7891,7 +7095,61 @@
       </p:sp>
       <p:pic>
         <p:nvPicPr>
-          <p:cNvPr id="133" name="Picture 188"/>
+          <p:cNvPr id="133" name="Picture 188" descr=""/>
+          <p:cNvPicPr/>
+          <p:nvPr/>
+        </p:nvPicPr>
+        <p:blipFill>
+          <a:blip r:embed="rId5"/>
+          <a:stretch/>
+        </p:blipFill>
+        <p:spPr>
+          <a:xfrm>
+            <a:off x="1655280" y="5128560"/>
+            <a:ext cx="484200" cy="526320"/>
+          </a:xfrm>
+          <a:prstGeom prst="rect">
+            <a:avLst/>
+          </a:prstGeom>
+          <a:ln w="0">
+            <a:noFill/>
+          </a:ln>
+        </p:spPr>
+      </p:pic>
+      <p:sp>
+        <p:nvSpPr>
+          <p:cNvPr id="134" name="CustomShape 42"/>
+          <p:cNvSpPr/>
+          <p:nvPr/>
+        </p:nvSpPr>
+        <p:spPr>
+          <a:xfrm>
+            <a:off x="1672920" y="5676480"/>
+            <a:ext cx="322560" cy="237960"/>
+          </a:xfrm>
+          <a:prstGeom prst="rect">
+            <a:avLst/>
+          </a:prstGeom>
+          <a:solidFill>
+            <a:srgbClr val="ffffff"/>
+          </a:solidFill>
+          <a:ln w="12700">
+            <a:solidFill>
+              <a:srgbClr val="ffffff"/>
+            </a:solidFill>
+            <a:miter/>
+          </a:ln>
+        </p:spPr>
+        <p:style>
+          <a:lnRef idx="0"/>
+          <a:fillRef idx="0"/>
+          <a:effectRef idx="0"/>
+          <a:fontRef idx="minor"/>
+        </p:style>
+      </p:sp>
+      <p:pic>
+        <p:nvPicPr>
+          <p:cNvPr id="135" name="Graphic 190" descr=""/>
           <p:cNvPicPr/>
           <p:nvPr/>
         </p:nvPicPr>
@@ -7901,8 +7159,8 @@
         </p:blipFill>
         <p:spPr>
           <a:xfrm>
-            <a:off x="1655280" y="5128560"/>
-            <a:ext cx="484560" cy="526680"/>
+            <a:off x="1672920" y="5637240"/>
+            <a:ext cx="308160" cy="308160"/>
           </a:xfrm>
           <a:prstGeom prst="rect">
             <a:avLst/>
@@ -7912,46 +7170,9 @@
           </a:ln>
         </p:spPr>
       </p:pic>
-      <p:sp>
-        <p:nvSpPr>
-          <p:cNvPr id="134" name="CustomShape 42"/>
-          <p:cNvSpPr/>
-          <p:nvPr/>
-        </p:nvSpPr>
-        <p:spPr>
-          <a:xfrm>
-            <a:off x="1672920" y="5676480"/>
-            <a:ext cx="322920" cy="238320"/>
-          </a:xfrm>
-          <a:prstGeom prst="rect">
-            <a:avLst/>
-          </a:prstGeom>
-          <a:solidFill>
-            <a:srgbClr val="FFFFFF"/>
-          </a:solidFill>
-          <a:ln w="12700">
-            <a:solidFill>
-              <a:srgbClr val="FFFFFF"/>
-            </a:solidFill>
-            <a:miter/>
-          </a:ln>
-        </p:spPr>
-        <p:style>
-          <a:lnRef idx="0">
-            <a:scrgbClr r="0" g="0" b="0"/>
-          </a:lnRef>
-          <a:fillRef idx="0">
-            <a:scrgbClr r="0" g="0" b="0"/>
-          </a:fillRef>
-          <a:effectRef idx="0">
-            <a:scrgbClr r="0" g="0" b="0"/>
-          </a:effectRef>
-          <a:fontRef idx="minor"/>
-        </p:style>
-      </p:sp>
       <p:pic>
         <p:nvPicPr>
-          <p:cNvPr id="135" name="Graphic 190"/>
+          <p:cNvPr id="136" name="Graphic 191" descr=""/>
           <p:cNvPicPr/>
           <p:nvPr/>
         </p:nvPicPr>
@@ -7961,8 +7182,8 @@
         </p:blipFill>
         <p:spPr>
           <a:xfrm>
-            <a:off x="1672920" y="5637240"/>
-            <a:ext cx="308520" cy="308520"/>
+            <a:off x="8944560" y="5639400"/>
+            <a:ext cx="308160" cy="308160"/>
           </a:xfrm>
           <a:prstGeom prst="rect">
             <a:avLst/>
@@ -7972,29 +7193,6 @@
           </a:ln>
         </p:spPr>
       </p:pic>
-      <p:pic>
-        <p:nvPicPr>
-          <p:cNvPr id="136" name="Graphic 191"/>
-          <p:cNvPicPr/>
-          <p:nvPr/>
-        </p:nvPicPr>
-        <p:blipFill>
-          <a:blip r:embed="rId7"/>
-          <a:stretch/>
-        </p:blipFill>
-        <p:spPr>
-          <a:xfrm>
-            <a:off x="8944560" y="5639400"/>
-            <a:ext cx="308520" cy="308520"/>
-          </a:xfrm>
-          <a:prstGeom prst="rect">
-            <a:avLst/>
-          </a:prstGeom>
-          <a:ln w="0">
-            <a:noFill/>
-          </a:ln>
-        </p:spPr>
-      </p:pic>
       <p:sp>
         <p:nvSpPr>
           <p:cNvPr id="137" name="CustomShape 43"/>
@@ -8004,7 +7202,7 @@
         <p:spPr>
           <a:xfrm>
             <a:off x="1045080" y="6016320"/>
-            <a:ext cx="1038960" cy="333000"/>
+            <a:ext cx="1038600" cy="333000"/>
           </a:xfrm>
           <a:prstGeom prst="rect">
             <a:avLst/>
@@ -8015,22 +7213,15 @@
           </a:ln>
         </p:spPr>
         <p:style>
-          <a:lnRef idx="0">
-            <a:scrgbClr r="0" g="0" b="0"/>
-          </a:lnRef>
-          <a:fillRef idx="0">
-            <a:scrgbClr r="0" g="0" b="0"/>
-          </a:fillRef>
-          <a:effectRef idx="0">
-            <a:scrgbClr r="0" g="0" b="0"/>
-          </a:effectRef>
+          <a:lnRef idx="0"/>
+          <a:fillRef idx="0"/>
+          <a:effectRef idx="0"/>
           <a:fontRef idx="minor"/>
         </p:style>
         <p:txBody>
-          <a:bodyPr lIns="90000" tIns="45000" rIns="90000" bIns="45000">
+          <a:bodyPr lIns="90000" rIns="90000" tIns="45000" bIns="45000">
             <a:spAutoFit/>
           </a:bodyPr>
-          <a:lstStyle/>
           <a:p>
             <a:pPr>
               <a:lnSpc>
@@ -8038,7 +7229,7 @@
               </a:lnSpc>
             </a:pPr>
             <a:r>
-              <a:rPr lang="en-US" sz="800" b="0" strike="noStrike" spc="-1">
+              <a:rPr b="0" lang="en-US" sz="800" spc="-1" strike="noStrike">
                 <a:solidFill>
                   <a:srgbClr val="000000"/>
                 </a:solidFill>
@@ -8047,7 +7238,7 @@
               </a:rPr>
               <a:t>Verification of LDevID cert</a:t>
             </a:r>
-            <a:endParaRPr lang="en-US" sz="800" b="0" strike="noStrike" spc="-1">
+            <a:endParaRPr b="0" lang="en-US" sz="800" spc="-1" strike="noStrike">
               <a:latin typeface="Arial"/>
             </a:endParaRPr>
           </a:p>
@@ -8062,7 +7253,7 @@
         <p:spPr>
           <a:xfrm>
             <a:off x="6300000" y="5162400"/>
-            <a:ext cx="1942560" cy="333000"/>
+            <a:ext cx="1942200" cy="333000"/>
           </a:xfrm>
           <a:prstGeom prst="rect">
             <a:avLst/>
@@ -8073,22 +7264,15 @@
           </a:ln>
         </p:spPr>
         <p:style>
-          <a:lnRef idx="0">
-            <a:scrgbClr r="0" g="0" b="0"/>
-          </a:lnRef>
-          <a:fillRef idx="0">
-            <a:scrgbClr r="0" g="0" b="0"/>
-          </a:fillRef>
-          <a:effectRef idx="0">
-            <a:scrgbClr r="0" g="0" b="0"/>
-          </a:effectRef>
+          <a:lnRef idx="0"/>
+          <a:fillRef idx="0"/>
+          <a:effectRef idx="0"/>
           <a:fontRef idx="minor"/>
         </p:style>
         <p:txBody>
-          <a:bodyPr lIns="90000" tIns="45000" rIns="90000" bIns="45000">
+          <a:bodyPr lIns="90000" rIns="90000" tIns="45000" bIns="45000">
             <a:spAutoFit/>
           </a:bodyPr>
-          <a:lstStyle/>
           <a:p>
             <a:pPr>
               <a:lnSpc>
@@ -8096,7 +7280,7 @@
               </a:lnSpc>
             </a:pPr>
             <a:r>
-              <a:rPr lang="en-US" sz="800" b="0" strike="noStrike" spc="-1">
+              <a:rPr b="0" lang="en-US" sz="800" spc="-1" strike="noStrike">
                 <a:solidFill>
                   <a:srgbClr val="000000"/>
                 </a:solidFill>
@@ -8105,7 +7289,7 @@
               </a:rPr>
               <a:t>Any remaining verification of request and authorization</a:t>
             </a:r>
-            <a:endParaRPr lang="en-US" sz="800" b="0" strike="noStrike" spc="-1">
+            <a:endParaRPr b="0" lang="en-US" sz="800" spc="-1" strike="noStrike">
               <a:latin typeface="Arial"/>
             </a:endParaRPr>
           </a:p>
@@ -8120,13 +7304,12 @@
         <p:spPr>
           <a:xfrm>
             <a:off x="2025360" y="3855960"/>
-            <a:ext cx="2714400" cy="360"/>
+            <a:ext cx="2714040" cy="360"/>
           </a:xfrm>
           <a:custGeom>
             <a:avLst/>
             <a:gdLst/>
             <a:ahLst/>
-            <a:cxnLst/>
             <a:rect l="l" t="t" r="r" b="b"/>
             <a:pathLst>
               <a:path w="21600" h="21600">
@@ -8142,22 +7325,16 @@
           <a:noFill/>
           <a:ln w="6350">
             <a:solidFill>
-              <a:srgbClr val="4472C4"/>
+              <a:srgbClr val="4472c4"/>
             </a:solidFill>
             <a:miter/>
-            <a:tailEnd type="triangle" w="med" len="med"/>
+            <a:tailEnd len="med" type="triangle" w="med"/>
           </a:ln>
         </p:spPr>
         <p:style>
-          <a:lnRef idx="0">
-            <a:scrgbClr r="0" g="0" b="0"/>
-          </a:lnRef>
-          <a:fillRef idx="0">
-            <a:scrgbClr r="0" g="0" b="0"/>
-          </a:fillRef>
-          <a:effectRef idx="0">
-            <a:scrgbClr r="0" g="0" b="0"/>
-          </a:effectRef>
+          <a:lnRef idx="0"/>
+          <a:fillRef idx="0"/>
+          <a:effectRef idx="0"/>
           <a:fontRef idx="minor"/>
         </p:style>
       </p:sp>
@@ -8170,7 +7347,7 @@
         <p:spPr>
           <a:xfrm>
             <a:off x="2673720" y="3673440"/>
-            <a:ext cx="1400400" cy="211320"/>
+            <a:ext cx="1400040" cy="211320"/>
           </a:xfrm>
           <a:prstGeom prst="rect">
             <a:avLst/>
@@ -8181,22 +7358,15 @@
           </a:ln>
         </p:spPr>
         <p:style>
-          <a:lnRef idx="0">
-            <a:scrgbClr r="0" g="0" b="0"/>
-          </a:lnRef>
-          <a:fillRef idx="0">
-            <a:scrgbClr r="0" g="0" b="0"/>
-          </a:fillRef>
-          <a:effectRef idx="0">
-            <a:scrgbClr r="0" g="0" b="0"/>
-          </a:effectRef>
+          <a:lnRef idx="0"/>
+          <a:fillRef idx="0"/>
+          <a:effectRef idx="0"/>
           <a:fontRef idx="minor"/>
         </p:style>
         <p:txBody>
-          <a:bodyPr lIns="90000" tIns="45000" rIns="90000" bIns="45000">
+          <a:bodyPr lIns="90000" rIns="90000" tIns="45000" bIns="45000">
             <a:spAutoFit/>
           </a:bodyPr>
-          <a:lstStyle/>
           <a:p>
             <a:pPr algn="ctr">
               <a:lnSpc>
@@ -8204,7 +7374,7 @@
               </a:lnSpc>
             </a:pPr>
             <a:r>
-              <a:rPr lang="en-US" sz="800" b="0" strike="noStrike" spc="-1">
+              <a:rPr b="0" lang="en-US" sz="800" spc="-1" strike="noStrike">
                 <a:solidFill>
                   <a:srgbClr val="000000"/>
                 </a:solidFill>
@@ -8213,7 +7383,7 @@
               </a:rPr>
               <a:t>Voucher-status</a:t>
             </a:r>
-            <a:endParaRPr lang="en-US" sz="800" b="0" strike="noStrike" spc="-1">
+            <a:endParaRPr b="0" lang="en-US" sz="800" spc="-1" strike="noStrike">
               <a:latin typeface="Arial"/>
             </a:endParaRPr>
           </a:p>
@@ -8228,13 +7398,12 @@
         <p:spPr>
           <a:xfrm>
             <a:off x="2025360" y="6210720"/>
-            <a:ext cx="2714400" cy="360"/>
+            <a:ext cx="2714040" cy="360"/>
           </a:xfrm>
           <a:custGeom>
             <a:avLst/>
             <a:gdLst/>
             <a:ahLst/>
-            <a:cxnLst/>
             <a:rect l="l" t="t" r="r" b="b"/>
             <a:pathLst>
               <a:path w="21600" h="21600">
@@ -8250,22 +7419,16 @@
           <a:noFill/>
           <a:ln w="6350">
             <a:solidFill>
-              <a:srgbClr val="4472C4"/>
+              <a:srgbClr val="4472c4"/>
             </a:solidFill>
             <a:miter/>
-            <a:tailEnd type="triangle" w="med" len="med"/>
+            <a:tailEnd len="med" type="triangle" w="med"/>
           </a:ln>
         </p:spPr>
         <p:style>
-          <a:lnRef idx="0">
-            <a:scrgbClr r="0" g="0" b="0"/>
-          </a:lnRef>
-          <a:fillRef idx="0">
-            <a:scrgbClr r="0" g="0" b="0"/>
-          </a:fillRef>
-          <a:effectRef idx="0">
-            <a:scrgbClr r="0" g="0" b="0"/>
-          </a:effectRef>
+          <a:lnRef idx="0"/>
+          <a:fillRef idx="0"/>
+          <a:effectRef idx="0"/>
           <a:fontRef idx="minor"/>
         </p:style>
       </p:sp>
@@ -8278,7 +7441,7 @@
         <p:spPr>
           <a:xfrm>
             <a:off x="2673720" y="5992200"/>
-            <a:ext cx="1400400" cy="211320"/>
+            <a:ext cx="1400040" cy="211320"/>
           </a:xfrm>
           <a:prstGeom prst="rect">
             <a:avLst/>
@@ -8289,22 +7452,15 @@
           </a:ln>
         </p:spPr>
         <p:style>
-          <a:lnRef idx="0">
-            <a:scrgbClr r="0" g="0" b="0"/>
-          </a:lnRef>
-          <a:fillRef idx="0">
-            <a:scrgbClr r="0" g="0" b="0"/>
-          </a:fillRef>
-          <a:effectRef idx="0">
-            <a:scrgbClr r="0" g="0" b="0"/>
-          </a:effectRef>
+          <a:lnRef idx="0"/>
+          <a:fillRef idx="0"/>
+          <a:effectRef idx="0"/>
           <a:fontRef idx="minor"/>
         </p:style>
         <p:txBody>
-          <a:bodyPr lIns="90000" tIns="45000" rIns="90000" bIns="45000">
+          <a:bodyPr lIns="90000" rIns="90000" tIns="45000" bIns="45000">
             <a:spAutoFit/>
           </a:bodyPr>
-          <a:lstStyle/>
           <a:p>
             <a:pPr algn="ctr">
               <a:lnSpc>
@@ -8312,7 +7468,7 @@
               </a:lnSpc>
             </a:pPr>
             <a:r>
-              <a:rPr lang="en-US" sz="800" b="0" strike="noStrike" spc="-1">
+              <a:rPr b="0" lang="en-US" sz="800" spc="-1" strike="noStrike">
                 <a:solidFill>
                   <a:srgbClr val="000000"/>
                 </a:solidFill>
@@ -8321,7 +7477,7 @@
               </a:rPr>
               <a:t>Enrollment-status</a:t>
             </a:r>
-            <a:endParaRPr lang="en-US" sz="800" b="0" strike="noStrike" spc="-1">
+            <a:endParaRPr b="0" lang="en-US" sz="800" spc="-1" strike="noStrike">
               <a:latin typeface="Arial"/>
             </a:endParaRPr>
           </a:p>
@@ -8336,13 +7492,13 @@
         <p:spPr>
           <a:xfrm>
             <a:off x="7003440" y="1261800"/>
-            <a:ext cx="591120" cy="547560"/>
+            <a:ext cx="590760" cy="547200"/>
           </a:xfrm>
           <a:prstGeom prst="rect">
             <a:avLst/>
           </a:prstGeom>
           <a:solidFill>
-            <a:srgbClr val="4472C4"/>
+            <a:srgbClr val="4472c4"/>
           </a:solidFill>
           <a:ln w="12700">
             <a:solidFill>
@@ -8352,22 +7508,15 @@
           </a:ln>
         </p:spPr>
         <p:style>
-          <a:lnRef idx="0">
-            <a:scrgbClr r="0" g="0" b="0"/>
-          </a:lnRef>
-          <a:fillRef idx="0">
-            <a:scrgbClr r="0" g="0" b="0"/>
-          </a:fillRef>
-          <a:effectRef idx="0">
-            <a:scrgbClr r="0" g="0" b="0"/>
-          </a:effectRef>
+          <a:lnRef idx="0"/>
+          <a:fillRef idx="0"/>
+          <a:effectRef idx="0"/>
           <a:fontRef idx="minor"/>
         </p:style>
         <p:txBody>
-          <a:bodyPr lIns="90000" tIns="45000" rIns="90000" bIns="45000" anchor="ctr">
+          <a:bodyPr lIns="90000" rIns="90000" tIns="45000" bIns="45000" anchor="ctr">
             <a:noAutofit/>
           </a:bodyPr>
-          <a:lstStyle/>
           <a:p>
             <a:pPr algn="ctr">
               <a:lnSpc>
@@ -8375,9 +7524,9 @@
               </a:lnSpc>
             </a:pPr>
             <a:r>
-              <a:rPr lang="en-US" sz="1350" b="0" strike="noStrike" spc="-1">
-                <a:solidFill>
-                  <a:srgbClr val="FFFFFF"/>
+              <a:rPr b="0" lang="en-US" sz="1350" spc="-1" strike="noStrike">
+                <a:solidFill>
+                  <a:srgbClr val="ffffff"/>
                 </a:solidFill>
                 <a:latin typeface="Calibri"/>
                 <a:ea typeface="DejaVu Sans"/>
@@ -8386,16 +7535,16 @@
             </a:r>
             <a:br/>
             <a:r>
-              <a:rPr lang="en-US" sz="1350" b="1" strike="noStrike" spc="-1">
-                <a:solidFill>
-                  <a:srgbClr val="FF860D"/>
+              <a:rPr b="1" lang="en-US" sz="1350" spc="-1" strike="noStrike">
+                <a:solidFill>
+                  <a:srgbClr val="ff860d"/>
                 </a:solidFill>
                 <a:latin typeface="Calibri"/>
                 <a:ea typeface="DejaVu Sans"/>
               </a:rPr>
               <a:t>RA</a:t>
             </a:r>
-            <a:endParaRPr lang="en-US" sz="1350" b="0" strike="noStrike" spc="-1">
+            <a:endParaRPr b="0" lang="en-US" sz="1350" spc="-1" strike="noStrike">
               <a:latin typeface="Arial"/>
             </a:endParaRPr>
           </a:p>
@@ -8410,7 +7559,7 @@
         <p:spPr>
           <a:xfrm>
             <a:off x="7544160" y="1343520"/>
-            <a:ext cx="1008360" cy="333000"/>
+            <a:ext cx="1008000" cy="333000"/>
           </a:xfrm>
           <a:prstGeom prst="rect">
             <a:avLst/>
@@ -8421,24 +7570,17 @@
           </a:ln>
         </p:spPr>
         <p:style>
-          <a:lnRef idx="0">
-            <a:scrgbClr r="0" g="0" b="0"/>
-          </a:lnRef>
-          <a:fillRef idx="0">
-            <a:scrgbClr r="0" g="0" b="0"/>
-          </a:fillRef>
-          <a:effectRef idx="0">
-            <a:scrgbClr r="0" g="0" b="0"/>
-          </a:effectRef>
+          <a:lnRef idx="0"/>
+          <a:fillRef idx="0"/>
+          <a:effectRef idx="0"/>
           <a:fontRef idx="minor"/>
         </p:style>
         <p:txBody>
-          <a:bodyPr lIns="90000" tIns="45000" rIns="90000" bIns="45000">
+          <a:bodyPr lIns="90000" rIns="90000" tIns="45000" bIns="45000">
             <a:spAutoFit/>
           </a:bodyPr>
-          <a:lstStyle/>
-          <a:p>
-            <a:pPr marL="84960" indent="-83160">
+          <a:p>
+            <a:pPr marL="84960" indent="-82800">
               <a:lnSpc>
                 <a:spcPct val="100000"/>
               </a:lnSpc>
@@ -8449,7 +7591,7 @@
               <a:buChar char="•"/>
             </a:pPr>
             <a:r>
-              <a:rPr lang="en-US" sz="800" b="0" strike="noStrike" spc="-1">
+              <a:rPr b="0" lang="en-US" sz="800" spc="-1" strike="noStrike">
                 <a:solidFill>
                   <a:srgbClr val="000000"/>
                 </a:solidFill>
@@ -8458,7 +7600,7 @@
               </a:rPr>
               <a:t>PKI RA credentials </a:t>
             </a:r>
-            <a:endParaRPr lang="en-US" sz="800" b="0" strike="noStrike" spc="-1">
+            <a:endParaRPr b="0" lang="en-US" sz="800" spc="-1" strike="noStrike">
               <a:latin typeface="Arial"/>
             </a:endParaRPr>
           </a:p>
@@ -8480,21 +7622,15 @@
           </a:prstGeom>
           <a:ln w="6350">
             <a:solidFill>
-              <a:srgbClr val="FFFFFF"/>
+              <a:srgbClr val="ffffff"/>
             </a:solidFill>
             <a:miter/>
           </a:ln>
         </p:spPr>
         <p:style>
-          <a:lnRef idx="0">
-            <a:scrgbClr r="0" g="0" b="0"/>
-          </a:lnRef>
-          <a:fillRef idx="0">
-            <a:scrgbClr r="0" g="0" b="0"/>
-          </a:fillRef>
-          <a:effectRef idx="0">
-            <a:scrgbClr r="0" g="0" b="0"/>
-          </a:effectRef>
+          <a:lnRef idx="0"/>
+          <a:fillRef idx="0"/>
+          <a:effectRef idx="0"/>
           <a:fontRef idx="minor"/>
         </p:style>
       </p:sp>
@@ -8507,13 +7643,12 @@
         <p:spPr>
           <a:xfrm>
             <a:off x="7297920" y="5509800"/>
-            <a:ext cx="1596600" cy="360"/>
+            <a:ext cx="1596240" cy="360"/>
           </a:xfrm>
           <a:custGeom>
             <a:avLst/>
             <a:gdLst/>
             <a:ahLst/>
-            <a:cxnLst/>
             <a:rect l="l" t="t" r="r" b="b"/>
             <a:pathLst>
               <a:path w="21600" h="21600">
@@ -8529,22 +7664,16 @@
           <a:noFill/>
           <a:ln w="6350">
             <a:solidFill>
-              <a:srgbClr val="4472C4"/>
+              <a:srgbClr val="4472c4"/>
             </a:solidFill>
             <a:miter/>
-            <a:tailEnd type="triangle" w="med" len="med"/>
+            <a:tailEnd len="med" type="triangle" w="med"/>
           </a:ln>
         </p:spPr>
         <p:style>
-          <a:lnRef idx="0">
-            <a:scrgbClr r="0" g="0" b="0"/>
-          </a:lnRef>
-          <a:fillRef idx="0">
-            <a:scrgbClr r="0" g="0" b="0"/>
-          </a:fillRef>
-          <a:effectRef idx="0">
-            <a:scrgbClr r="0" g="0" b="0"/>
-          </a:effectRef>
+          <a:lnRef idx="0"/>
+          <a:fillRef idx="0"/>
+          <a:effectRef idx="0"/>
           <a:fontRef idx="minor"/>
         </p:style>
       </p:sp>
@@ -8556,14 +7685,13 @@
         </p:nvSpPr>
         <p:spPr>
           <a:xfrm flipH="1" flipV="1">
-            <a:off x="7287480" y="5787000"/>
-            <a:ext cx="1580760" cy="360"/>
+            <a:off x="7287480" y="5786280"/>
+            <a:ext cx="1580400" cy="360"/>
           </a:xfrm>
           <a:custGeom>
             <a:avLst/>
             <a:gdLst/>
             <a:ahLst/>
-            <a:cxnLst/>
             <a:rect l="l" t="t" r="r" b="b"/>
             <a:pathLst>
               <a:path w="21600" h="21600">
@@ -8579,22 +7707,16 @@
           <a:noFill/>
           <a:ln w="6350">
             <a:solidFill>
-              <a:srgbClr val="4472C4"/>
+              <a:srgbClr val="4472c4"/>
             </a:solidFill>
             <a:miter/>
-            <a:tailEnd type="triangle" w="med" len="med"/>
+            <a:tailEnd len="med" type="triangle" w="med"/>
           </a:ln>
         </p:spPr>
         <p:style>
-          <a:lnRef idx="0">
-            <a:scrgbClr r="0" g="0" b="0"/>
-          </a:lnRef>
-          <a:fillRef idx="0">
-            <a:scrgbClr r="0" g="0" b="0"/>
-          </a:fillRef>
-          <a:effectRef idx="0">
-            <a:scrgbClr r="0" g="0" b="0"/>
-          </a:effectRef>
+          <a:lnRef idx="0"/>
+          <a:fillRef idx="0"/>
+          <a:effectRef idx="0"/>
           <a:fontRef idx="minor"/>
         </p:style>
       </p:sp>
@@ -8607,7 +7729,7 @@
         <p:spPr>
           <a:xfrm>
             <a:off x="4041720" y="5166720"/>
-            <a:ext cx="1464840" cy="333000"/>
+            <a:ext cx="1464480" cy="333000"/>
           </a:xfrm>
           <a:prstGeom prst="rect">
             <a:avLst/>
@@ -8618,22 +7740,15 @@
           </a:ln>
         </p:spPr>
         <p:style>
-          <a:lnRef idx="0">
-            <a:scrgbClr r="0" g="0" b="0"/>
-          </a:lnRef>
-          <a:fillRef idx="0">
-            <a:scrgbClr r="0" g="0" b="0"/>
-          </a:fillRef>
-          <a:effectRef idx="0">
-            <a:scrgbClr r="0" g="0" b="0"/>
-          </a:effectRef>
+          <a:lnRef idx="0"/>
+          <a:fillRef idx="0"/>
+          <a:effectRef idx="0"/>
           <a:fontRef idx="minor"/>
         </p:style>
         <p:txBody>
-          <a:bodyPr lIns="90000" tIns="45000" rIns="90000" bIns="45000">
+          <a:bodyPr lIns="90000" rIns="90000" tIns="45000" bIns="45000">
             <a:spAutoFit/>
           </a:bodyPr>
-          <a:lstStyle/>
           <a:p>
             <a:pPr>
               <a:lnSpc>
@@ -8641,7 +7756,7 @@
               </a:lnSpc>
             </a:pPr>
             <a:r>
-              <a:rPr lang="en-US" sz="800" b="0" strike="noStrike" spc="-1">
+              <a:rPr b="0" lang="en-US" sz="800" spc="-1" strike="noStrike">
                 <a:solidFill>
                   <a:srgbClr val="000000"/>
                 </a:solidFill>
@@ -8652,7 +7767,7 @@
             </a:r>
             <a:br/>
             <a:r>
-              <a:rPr lang="en-US" sz="800" b="0" strike="noStrike" spc="-1">
+              <a:rPr b="0" lang="en-US" sz="800" spc="-1" strike="noStrike">
                 <a:solidFill>
                   <a:srgbClr val="000000"/>
                 </a:solidFill>
@@ -8661,7 +7776,7 @@
               </a:rPr>
               <a:t>processing of request</a:t>
             </a:r>
-            <a:endParaRPr lang="en-US" sz="800" b="0" strike="noStrike" spc="-1">
+            <a:endParaRPr b="0" lang="en-US" sz="800" spc="-1" strike="noStrike">
               <a:latin typeface="Arial"/>
             </a:endParaRPr>
           </a:p>
@@ -8676,13 +7791,12 @@
         <p:spPr>
           <a:xfrm>
             <a:off x="4803120" y="4306680"/>
-            <a:ext cx="2495160" cy="14400"/>
+            <a:ext cx="2494800" cy="14040"/>
           </a:xfrm>
           <a:custGeom>
             <a:avLst/>
             <a:gdLst/>
             <a:ahLst/>
-            <a:cxnLst/>
             <a:rect l="l" t="t" r="r" b="b"/>
             <a:pathLst>
               <a:path w="21600" h="21600">
@@ -8698,23 +7812,17 @@
           <a:noFill/>
           <a:ln w="6350">
             <a:solidFill>
-              <a:srgbClr val="4472C4"/>
+              <a:srgbClr val="4472c4"/>
             </a:solidFill>
             <a:prstDash val="dash"/>
             <a:miter/>
-            <a:tailEnd type="triangle" w="med" len="med"/>
+            <a:tailEnd len="med" type="triangle" w="med"/>
           </a:ln>
         </p:spPr>
         <p:style>
-          <a:lnRef idx="0">
-            <a:scrgbClr r="0" g="0" b="0"/>
-          </a:lnRef>
-          <a:fillRef idx="0">
-            <a:scrgbClr r="0" g="0" b="0"/>
-          </a:fillRef>
-          <a:effectRef idx="0">
-            <a:scrgbClr r="0" g="0" b="0"/>
-          </a:effectRef>
+          <a:lnRef idx="0"/>
+          <a:fillRef idx="0"/>
+          <a:effectRef idx="0"/>
           <a:fontRef idx="minor"/>
         </p:style>
       </p:sp>
@@ -8726,14 +7834,13 @@
         </p:nvSpPr>
         <p:spPr>
           <a:xfrm flipH="1" flipV="1">
-            <a:off x="4801680" y="4537440"/>
-            <a:ext cx="2471040" cy="6120"/>
+            <a:off x="4800960" y="4537440"/>
+            <a:ext cx="2470680" cy="5760"/>
           </a:xfrm>
           <a:custGeom>
             <a:avLst/>
             <a:gdLst/>
             <a:ahLst/>
-            <a:cxnLst/>
             <a:rect l="l" t="t" r="r" b="b"/>
             <a:pathLst>
               <a:path w="21600" h="21600">
@@ -8749,23 +7856,17 @@
           <a:noFill/>
           <a:ln w="6350">
             <a:solidFill>
-              <a:srgbClr val="4472C4"/>
+              <a:srgbClr val="4472c4"/>
             </a:solidFill>
             <a:prstDash val="dash"/>
             <a:miter/>
-            <a:tailEnd type="triangle" w="med" len="med"/>
+            <a:tailEnd len="med" type="triangle" w="med"/>
           </a:ln>
         </p:spPr>
         <p:style>
-          <a:lnRef idx="0">
-            <a:scrgbClr r="0" g="0" b="0"/>
-          </a:lnRef>
-          <a:fillRef idx="0">
-            <a:scrgbClr r="0" g="0" b="0"/>
-          </a:fillRef>
-          <a:effectRef idx="0">
-            <a:scrgbClr r="0" g="0" b="0"/>
-          </a:effectRef>
+          <a:lnRef idx="0"/>
+          <a:fillRef idx="0"/>
+          <a:effectRef idx="0"/>
           <a:fontRef idx="minor"/>
         </p:style>
       </p:sp>
@@ -8778,13 +7879,12 @@
         <p:spPr>
           <a:xfrm>
             <a:off x="4771080" y="4812120"/>
-            <a:ext cx="2495160" cy="14400"/>
+            <a:ext cx="2494800" cy="14040"/>
           </a:xfrm>
           <a:custGeom>
             <a:avLst/>
             <a:gdLst/>
             <a:ahLst/>
-            <a:cxnLst/>
             <a:rect l="l" t="t" r="r" b="b"/>
             <a:pathLst>
               <a:path w="21600" h="21600">
@@ -8800,23 +7900,17 @@
           <a:noFill/>
           <a:ln w="6350">
             <a:solidFill>
-              <a:srgbClr val="4472C4"/>
+              <a:srgbClr val="4472c4"/>
             </a:solidFill>
             <a:prstDash val="dash"/>
             <a:miter/>
-            <a:tailEnd type="triangle" w="med" len="med"/>
+            <a:tailEnd len="med" type="triangle" w="med"/>
           </a:ln>
         </p:spPr>
         <p:style>
-          <a:lnRef idx="0">
-            <a:scrgbClr r="0" g="0" b="0"/>
-          </a:lnRef>
-          <a:fillRef idx="0">
-            <a:scrgbClr r="0" g="0" b="0"/>
-          </a:fillRef>
-          <a:effectRef idx="0">
-            <a:scrgbClr r="0" g="0" b="0"/>
-          </a:effectRef>
+          <a:lnRef idx="0"/>
+          <a:fillRef idx="0"/>
+          <a:effectRef idx="0"/>
           <a:fontRef idx="minor"/>
         </p:style>
       </p:sp>
@@ -8828,14 +7922,13 @@
         </p:nvSpPr>
         <p:spPr>
           <a:xfrm flipH="1" flipV="1">
-            <a:off x="4793760" y="5018400"/>
-            <a:ext cx="2471040" cy="6120"/>
+            <a:off x="4793040" y="5018400"/>
+            <a:ext cx="2470680" cy="5760"/>
           </a:xfrm>
           <a:custGeom>
             <a:avLst/>
             <a:gdLst/>
             <a:ahLst/>
-            <a:cxnLst/>
             <a:rect l="l" t="t" r="r" b="b"/>
             <a:pathLst>
               <a:path w="21600" h="21600">
@@ -8851,23 +7944,17 @@
           <a:noFill/>
           <a:ln w="6350">
             <a:solidFill>
-              <a:srgbClr val="4472C4"/>
+              <a:srgbClr val="4472c4"/>
             </a:solidFill>
             <a:prstDash val="dash"/>
             <a:miter/>
-            <a:tailEnd type="triangle" w="med" len="med"/>
+            <a:tailEnd len="med" type="triangle" w="med"/>
           </a:ln>
         </p:spPr>
         <p:style>
-          <a:lnRef idx="0">
-            <a:scrgbClr r="0" g="0" b="0"/>
-          </a:lnRef>
-          <a:fillRef idx="0">
-            <a:scrgbClr r="0" g="0" b="0"/>
-          </a:fillRef>
-          <a:effectRef idx="0">
-            <a:scrgbClr r="0" g="0" b="0"/>
-          </a:effectRef>
+          <a:lnRef idx="0"/>
+          <a:fillRef idx="0"/>
+          <a:effectRef idx="0"/>
           <a:fontRef idx="minor"/>
         </p:style>
       </p:sp>
@@ -8880,7 +7967,7 @@
         <p:spPr>
           <a:xfrm>
             <a:off x="600480" y="442800"/>
-            <a:ext cx="9862200" cy="574200"/>
+            <a:ext cx="9861840" cy="573840"/>
           </a:xfrm>
           <a:prstGeom prst="rect">
             <a:avLst/>
@@ -8891,15 +7978,9 @@
           </a:ln>
         </p:spPr>
         <p:style>
-          <a:lnRef idx="0">
-            <a:scrgbClr r="0" g="0" b="0"/>
-          </a:lnRef>
-          <a:fillRef idx="0">
-            <a:scrgbClr r="0" g="0" b="0"/>
-          </a:fillRef>
-          <a:effectRef idx="0">
-            <a:scrgbClr r="0" g="0" b="0"/>
-          </a:effectRef>
+          <a:lnRef idx="0"/>
+          <a:fillRef idx="0"/>
+          <a:effectRef idx="0"/>
           <a:fontRef idx="minor"/>
         </p:style>
       </p:sp>
@@ -8911,14 +7992,13 @@
         </p:nvSpPr>
         <p:spPr>
           <a:xfrm flipV="1">
-            <a:off x="4770720" y="3927240"/>
-            <a:ext cx="5836320" cy="16200"/>
+            <a:off x="4770720" y="3926880"/>
+            <a:ext cx="5835960" cy="15840"/>
           </a:xfrm>
           <a:custGeom>
             <a:avLst/>
             <a:gdLst/>
             <a:ahLst/>
-            <a:cxnLst/>
             <a:rect l="l" t="t" r="r" b="b"/>
             <a:pathLst>
               <a:path w="21600" h="21600">
@@ -8934,22 +8014,16 @@
           <a:noFill/>
           <a:ln w="6350">
             <a:solidFill>
-              <a:srgbClr val="4472C4"/>
+              <a:srgbClr val="4472c4"/>
             </a:solidFill>
             <a:miter/>
-            <a:tailEnd type="triangle" w="med" len="med"/>
+            <a:tailEnd len="med" type="triangle" w="med"/>
           </a:ln>
         </p:spPr>
         <p:style>
-          <a:lnRef idx="0">
-            <a:scrgbClr r="0" g="0" b="0"/>
-          </a:lnRef>
-          <a:fillRef idx="0">
-            <a:scrgbClr r="0" g="0" b="0"/>
-          </a:fillRef>
-          <a:effectRef idx="0">
-            <a:scrgbClr r="0" g="0" b="0"/>
-          </a:effectRef>
+          <a:lnRef idx="0"/>
+          <a:fillRef idx="0"/>
+          <a:effectRef idx="0"/>
           <a:fontRef idx="minor"/>
         </p:style>
       </p:sp>
@@ -8973,22 +8047,15 @@
           </a:ln>
         </p:spPr>
         <p:style>
-          <a:lnRef idx="0">
-            <a:scrgbClr r="0" g="0" b="0"/>
-          </a:lnRef>
-          <a:fillRef idx="0">
-            <a:scrgbClr r="0" g="0" b="0"/>
-          </a:fillRef>
-          <a:effectRef idx="0">
-            <a:scrgbClr r="0" g="0" b="0"/>
-          </a:effectRef>
+          <a:lnRef idx="0"/>
+          <a:fillRef idx="0"/>
+          <a:effectRef idx="0"/>
           <a:fontRef idx="minor"/>
         </p:style>
         <p:txBody>
-          <a:bodyPr wrap="none" lIns="90000" tIns="45000" rIns="90000" bIns="45000">
+          <a:bodyPr wrap="none" lIns="90000" rIns="90000" tIns="45000" bIns="45000">
             <a:spAutoFit/>
           </a:bodyPr>
-          <a:lstStyle/>
           <a:p>
             <a:pPr algn="ctr">
               <a:lnSpc>
@@ -8996,7 +8063,7 @@
               </a:lnSpc>
             </a:pPr>
             <a:r>
-              <a:rPr lang="en-US" sz="800" b="0" strike="noStrike" spc="-1">
+              <a:rPr b="0" lang="en-US" sz="800" spc="-1" strike="noStrike">
                 <a:solidFill>
                   <a:srgbClr val="000000"/>
                 </a:solidFill>
@@ -9005,7 +8072,7 @@
               </a:rPr>
               <a:t>Device audit log</a:t>
             </a:r>
-            <a:endParaRPr lang="en-US" sz="800" b="0" strike="noStrike" spc="-1">
+            <a:endParaRPr b="0" lang="en-US" sz="800" spc="-1" strike="noStrike">
               <a:latin typeface="Arial"/>
             </a:endParaRPr>
           </a:p>
@@ -9020,7 +8087,7 @@
         <p:spPr>
           <a:xfrm>
             <a:off x="838440" y="5400"/>
-            <a:ext cx="10513800" cy="1323720"/>
+            <a:ext cx="10513440" cy="1323360"/>
           </a:xfrm>
           <a:prstGeom prst="rect">
             <a:avLst/>
@@ -9031,22 +8098,15 @@
           </a:ln>
         </p:spPr>
         <p:style>
-          <a:lnRef idx="0">
-            <a:scrgbClr r="0" g="0" b="0"/>
-          </a:lnRef>
-          <a:fillRef idx="0">
-            <a:scrgbClr r="0" g="0" b="0"/>
-          </a:fillRef>
-          <a:effectRef idx="0">
-            <a:scrgbClr r="0" g="0" b="0"/>
-          </a:effectRef>
+          <a:lnRef idx="0"/>
+          <a:fillRef idx="0"/>
+          <a:effectRef idx="0"/>
           <a:fontRef idx="minor"/>
         </p:style>
         <p:txBody>
-          <a:bodyPr lIns="90000" tIns="45000" rIns="90000" bIns="45000" anchor="ctr">
+          <a:bodyPr lIns="90000" rIns="90000" tIns="45000" bIns="45000" anchor="ctr">
             <a:normAutofit/>
           </a:bodyPr>
-          <a:lstStyle/>
           <a:p>
             <a:pPr>
               <a:lnSpc>
@@ -9054,7 +8114,7 @@
               </a:lnSpc>
             </a:pPr>
             <a:r>
-              <a:rPr lang="en-US" sz="3600" b="0" strike="noStrike" spc="-1">
+              <a:rPr b="0" lang="en-US" sz="3600" spc="-1" strike="noStrike">
                 <a:solidFill>
                   <a:srgbClr val="000000"/>
                 </a:solidFill>
@@ -9063,7 +8123,7 @@
               </a:rPr>
               <a:t>BRSKI-AE: abstract protocol overview</a:t>
             </a:r>
-            <a:endParaRPr lang="en-US" sz="3600" b="0" strike="noStrike" spc="-1">
+            <a:endParaRPr b="0" lang="en-US" sz="3600" spc="-1" strike="noStrike">
               <a:latin typeface="Arial"/>
             </a:endParaRPr>
           </a:p>
@@ -9078,13 +8138,12 @@
         <p:spPr>
           <a:xfrm>
             <a:off x="72000" y="3996000"/>
-            <a:ext cx="8278560" cy="1978560"/>
+            <a:ext cx="8278200" cy="1978200"/>
           </a:xfrm>
           <a:custGeom>
             <a:avLst/>
             <a:gdLst/>
             <a:ahLst/>
-            <a:cxnLst/>
             <a:rect l="l" t="t" r="r" b="b"/>
             <a:pathLst>
               <a:path w="23002" h="5502">
@@ -9184,7 +8243,7 @@
           <a:noFill/>
           <a:ln w="36000">
             <a:solidFill>
-              <a:srgbClr val="FF5429"/>
+              <a:srgbClr val="ff5429"/>
             </a:solidFill>
             <a:custDash>
               <a:ds d="1100000" sp="500000"/>
@@ -9194,15 +8253,9 @@
           </a:ln>
         </p:spPr>
         <p:style>
-          <a:lnRef idx="0">
-            <a:scrgbClr r="0" g="0" b="0"/>
-          </a:lnRef>
-          <a:fillRef idx="0">
-            <a:scrgbClr r="0" g="0" b="0"/>
-          </a:fillRef>
-          <a:effectRef idx="0">
-            <a:scrgbClr r="0" g="0" b="0"/>
-          </a:effectRef>
+          <a:lnRef idx="0"/>
+          <a:fillRef idx="0"/>
+          <a:effectRef idx="0"/>
           <a:fontRef idx="minor"/>
         </p:style>
       </p:sp>
@@ -9215,13 +8268,12 @@
         <p:spPr>
           <a:xfrm>
             <a:off x="4771080" y="5504040"/>
-            <a:ext cx="2495160" cy="14400"/>
+            <a:ext cx="2494800" cy="14040"/>
           </a:xfrm>
           <a:custGeom>
             <a:avLst/>
             <a:gdLst/>
             <a:ahLst/>
-            <a:cxnLst/>
             <a:rect l="l" t="t" r="r" b="b"/>
             <a:pathLst>
               <a:path w="21600" h="21600">
@@ -9237,23 +8289,17 @@
           <a:noFill/>
           <a:ln w="6350">
             <a:solidFill>
-              <a:srgbClr val="4472C4"/>
+              <a:srgbClr val="4472c4"/>
             </a:solidFill>
             <a:prstDash val="dash"/>
             <a:miter/>
-            <a:tailEnd type="triangle" w="med" len="med"/>
+            <a:tailEnd len="med" type="triangle" w="med"/>
           </a:ln>
         </p:spPr>
         <p:style>
-          <a:lnRef idx="0">
-            <a:scrgbClr r="0" g="0" b="0"/>
-          </a:lnRef>
-          <a:fillRef idx="0">
-            <a:scrgbClr r="0" g="0" b="0"/>
-          </a:fillRef>
-          <a:effectRef idx="0">
-            <a:scrgbClr r="0" g="0" b="0"/>
-          </a:effectRef>
+          <a:lnRef idx="0"/>
+          <a:fillRef idx="0"/>
+          <a:effectRef idx="0"/>
           <a:fontRef idx="minor"/>
         </p:style>
       </p:sp>
@@ -9265,14 +8311,13 @@
         </p:nvSpPr>
         <p:spPr>
           <a:xfrm flipH="1" flipV="1">
-            <a:off x="4793760" y="5771160"/>
-            <a:ext cx="2471040" cy="6120"/>
+            <a:off x="4793040" y="5771160"/>
+            <a:ext cx="2470680" cy="5760"/>
           </a:xfrm>
           <a:custGeom>
             <a:avLst/>
             <a:gdLst/>
             <a:ahLst/>
-            <a:cxnLst/>
             <a:rect l="l" t="t" r="r" b="b"/>
             <a:pathLst>
               <a:path w="21600" h="21600">
@@ -9288,36 +8333,35 @@
           <a:noFill/>
           <a:ln w="6350">
             <a:solidFill>
-              <a:srgbClr val="4472C4"/>
+              <a:srgbClr val="4472c4"/>
             </a:solidFill>
             <a:prstDash val="dash"/>
             <a:miter/>
-            <a:tailEnd type="triangle" w="med" len="med"/>
+            <a:tailEnd len="med" type="triangle" w="med"/>
           </a:ln>
         </p:spPr>
         <p:style>
-          <a:lnRef idx="0">
-            <a:scrgbClr r="0" g="0" b="0"/>
-          </a:lnRef>
-          <a:fillRef idx="0">
-            <a:scrgbClr r="0" g="0" b="0"/>
-          </a:fillRef>
-          <a:effectRef idx="0">
-            <a:scrgbClr r="0" g="0" b="0"/>
-          </a:effectRef>
+          <a:lnRef idx="0"/>
+          <a:fillRef idx="0"/>
+          <a:effectRef idx="0"/>
           <a:fontRef idx="minor"/>
         </p:style>
       </p:sp>
     </p:spTree>
   </p:cSld>
-  <p:clrMapOvr>
-    <a:masterClrMapping/>
-  </p:clrMapOvr>
+  <mc:AlternateContent>
+    <mc:Choice Requires="p14">
+      <p:transition spd="slow" p14:dur="2000"/>
+    </mc:Choice>
+    <mc:Fallback>
+      <p:transition spd="slow"/>
+    </mc:Fallback>
+  </mc:AlternateContent>
 </p:sld>
 </file>
 
 <file path=ppt/slides/slide3.xml><?xml version="1.0" encoding="utf-8"?>
-<p:sld xmlns:a="http://schemas.openxmlformats.org/drawingml/2006/main" xmlns:r="http://schemas.openxmlformats.org/officeDocument/2006/relationships" xmlns:p="http://schemas.openxmlformats.org/presentationml/2006/main">
+<p:sld xmlns:a="http://schemas.openxmlformats.org/drawingml/2006/main" xmlns:p="http://schemas.openxmlformats.org/presentationml/2006/main" xmlns:r="http://schemas.openxmlformats.org/officeDocument/2006/relationships" xmlns:p14="http://schemas.microsoft.com/office/powerpoint/2010/main" xmlns:p15="http://schemas.microsoft.com/office/powerpoint/2012/main" xmlns:mc="http://schemas.openxmlformats.org/markup-compatibility/2006">
   <p:cSld>
     <p:spTree>
       <p:nvGrpSpPr>
@@ -9342,7 +8386,7 @@
         <p:spPr>
           <a:xfrm>
             <a:off x="838080" y="365040"/>
-            <a:ext cx="10513800" cy="1323720"/>
+            <a:ext cx="10513440" cy="1323360"/>
           </a:xfrm>
           <a:prstGeom prst="rect">
             <a:avLst/>
@@ -9353,22 +8397,15 @@
           </a:ln>
         </p:spPr>
         <p:style>
-          <a:lnRef idx="0">
-            <a:scrgbClr r="0" g="0" b="0"/>
-          </a:lnRef>
-          <a:fillRef idx="0">
-            <a:scrgbClr r="0" g="0" b="0"/>
-          </a:fillRef>
-          <a:effectRef idx="0">
-            <a:scrgbClr r="0" g="0" b="0"/>
-          </a:effectRef>
+          <a:lnRef idx="0"/>
+          <a:fillRef idx="0"/>
+          <a:effectRef idx="0"/>
           <a:fontRef idx="minor"/>
         </p:style>
         <p:txBody>
-          <a:bodyPr lIns="90000" tIns="45000" rIns="90000" bIns="45000" anchor="ctr">
+          <a:bodyPr lIns="90000" rIns="90000" tIns="45000" bIns="45000" anchor="ctr">
             <a:normAutofit/>
           </a:bodyPr>
-          <a:lstStyle/>
           <a:p>
             <a:pPr>
               <a:lnSpc>
@@ -9376,7 +8413,7 @@
               </a:lnSpc>
             </a:pPr>
             <a:r>
-              <a:rPr lang="en-US" sz="3600" b="0" strike="noStrike" spc="-1">
+              <a:rPr b="0" lang="en-US" sz="3600" spc="-1" strike="noStrike">
                 <a:solidFill>
                   <a:srgbClr val="000000"/>
                 </a:solidFill>
@@ -9385,7 +8422,7 @@
               </a:rPr>
               <a:t>BRSKI-AE status: changes since IETF 113 </a:t>
             </a:r>
-            <a:endParaRPr lang="en-US" sz="3600" b="0" strike="noStrike" spc="-1">
+            <a:endParaRPr b="0" lang="en-US" sz="3600" spc="-1" strike="noStrike">
               <a:latin typeface="Arial"/>
             </a:endParaRPr>
           </a:p>
@@ -9400,7 +8437,7 @@
         <p:spPr>
           <a:xfrm>
             <a:off x="838080" y="1825560"/>
-            <a:ext cx="10396440" cy="4665600"/>
+            <a:ext cx="10396080" cy="4665240"/>
           </a:xfrm>
           <a:prstGeom prst="rect">
             <a:avLst/>
@@ -9411,34 +8448,27 @@
           </a:ln>
         </p:spPr>
         <p:style>
-          <a:lnRef idx="0">
-            <a:scrgbClr r="0" g="0" b="0"/>
-          </a:lnRef>
-          <a:fillRef idx="0">
-            <a:scrgbClr r="0" g="0" b="0"/>
-          </a:fillRef>
-          <a:effectRef idx="0">
-            <a:scrgbClr r="0" g="0" b="0"/>
-          </a:effectRef>
+          <a:lnRef idx="0"/>
+          <a:fillRef idx="0"/>
+          <a:effectRef idx="0"/>
           <a:fontRef idx="minor"/>
         </p:style>
         <p:txBody>
-          <a:bodyPr lIns="90000" tIns="45000" rIns="90000" bIns="45000">
+          <a:bodyPr lIns="90000" rIns="90000" tIns="45000" bIns="45000">
             <a:noAutofit/>
           </a:bodyPr>
-          <a:lstStyle/>
           <a:p>
             <a:pPr>
               <a:lnSpc>
                 <a:spcPct val="100000"/>
               </a:lnSpc>
             </a:pPr>
-            <a:endParaRPr lang="en-US" sz="1800" b="0" strike="noStrike" spc="-1" dirty="0">
-              <a:latin typeface="Arial"/>
-            </a:endParaRPr>
-          </a:p>
-          <a:p>
-            <a:pPr marL="228600" indent="-226800">
+            <a:endParaRPr b="0" lang="en-US" sz="1800" spc="-1" strike="noStrike">
+              <a:latin typeface="Arial"/>
+            </a:endParaRPr>
+          </a:p>
+          <a:p>
+            <a:pPr marL="228600" indent="-226440">
               <a:lnSpc>
                 <a:spcPct val="100000"/>
               </a:lnSpc>
@@ -9455,7 +8485,7 @@
               <a:buChar char="•"/>
             </a:pPr>
             <a:r>
-              <a:rPr lang="en-US" sz="2200" b="0" strike="noStrike" spc="-1" dirty="0">
+              <a:rPr b="0" lang="en-US" sz="2200" spc="-1" strike="noStrike">
                 <a:solidFill>
                   <a:srgbClr val="000000"/>
                 </a:solidFill>
@@ -9464,12 +8494,12 @@
               </a:rPr>
               <a:t>From draft async-enroll-05 to draft ae-01:</a:t>
             </a:r>
-            <a:endParaRPr lang="en-US" sz="2200" b="0" strike="noStrike" spc="-1" dirty="0">
-              <a:latin typeface="Arial"/>
-            </a:endParaRPr>
-          </a:p>
-          <a:p>
-            <a:pPr marL="432000" lvl="1" indent="-215640">
+            <a:endParaRPr b="0" lang="en-US" sz="2200" spc="-1" strike="noStrike">
+              <a:latin typeface="Arial"/>
+            </a:endParaRPr>
+          </a:p>
+          <a:p>
+            <a:pPr lvl="1" marL="432000" indent="-215280">
               <a:lnSpc>
                 <a:spcPct val="100000"/>
               </a:lnSpc>
@@ -9487,61 +8517,21 @@
               <a:buChar char=""/>
             </a:pPr>
             <a:r>
-              <a:rPr lang="en-US" sz="2200" b="0" strike="noStrike" spc="-1" dirty="0">
+              <a:rPr b="0" lang="en-US" sz="2200" spc="-1" strike="noStrike">
                 <a:solidFill>
                   <a:srgbClr val="000000"/>
                 </a:solidFill>
                 <a:latin typeface="Calibri"/>
                 <a:ea typeface="DejaVu Sans"/>
               </a:rPr>
-              <a:t>Renamed the repo and files from anima-</a:t>
-            </a:r>
-            <a:r>
-              <a:rPr lang="en-US" sz="2200" b="0" strike="noStrike" spc="-1" dirty="0" err="1">
-                <a:solidFill>
-                  <a:srgbClr val="000000"/>
-                </a:solidFill>
-                <a:latin typeface="Calibri"/>
-                <a:ea typeface="DejaVu Sans"/>
-              </a:rPr>
-              <a:t>brski</a:t>
-            </a:r>
-            <a:r>
-              <a:rPr lang="en-US" sz="2200" b="0" strike="noStrike" spc="-1" dirty="0">
-                <a:solidFill>
-                  <a:srgbClr val="000000"/>
-                </a:solidFill>
-                <a:latin typeface="Calibri"/>
-                <a:ea typeface="DejaVu Sans"/>
-              </a:rPr>
-              <a:t>-async-enroll to anima-</a:t>
-            </a:r>
-            <a:r>
-              <a:rPr lang="en-US" sz="2200" b="0" strike="noStrike" spc="-1" dirty="0" err="1">
-                <a:solidFill>
-                  <a:srgbClr val="000000"/>
-                </a:solidFill>
-                <a:latin typeface="Calibri"/>
-                <a:ea typeface="DejaVu Sans"/>
-              </a:rPr>
-              <a:t>brski</a:t>
-            </a:r>
-            <a:r>
-              <a:rPr lang="en-US" sz="2200" b="0" strike="noStrike" spc="-1" dirty="0">
-                <a:solidFill>
-                  <a:srgbClr val="000000"/>
-                </a:solidFill>
-                <a:latin typeface="Calibri"/>
-                <a:ea typeface="DejaVu Sans"/>
-              </a:rPr>
-              <a:t>-ae</a:t>
-            </a:r>
-            <a:endParaRPr lang="en-US" sz="2200" b="0" strike="noStrike" spc="-1" dirty="0">
-              <a:latin typeface="Arial"/>
-            </a:endParaRPr>
-          </a:p>
-          <a:p>
-            <a:pPr marL="432000" lvl="1" indent="-215640">
+              <a:t>Renamed the repo and files from anima-brski-async-enroll to anima-brski-ae</a:t>
+            </a:r>
+            <a:endParaRPr b="0" lang="en-US" sz="2200" spc="-1" strike="noStrike">
+              <a:latin typeface="Arial"/>
+            </a:endParaRPr>
+          </a:p>
+          <a:p>
+            <a:pPr lvl="1" marL="432000" indent="-215280">
               <a:lnSpc>
                 <a:spcPct val="100000"/>
               </a:lnSpc>
@@ -9559,7 +8549,7 @@
               <a:buChar char=""/>
             </a:pPr>
             <a:r>
-              <a:rPr lang="en-US" sz="2200" b="0" strike="noStrike" spc="-1" dirty="0">
+              <a:rPr b="0" lang="en-US" sz="2200" spc="-1" strike="noStrike">
                 <a:solidFill>
                   <a:srgbClr val="000000"/>
                 </a:solidFill>
@@ -9568,12 +8558,12 @@
               </a:rPr>
               <a:t>Added graphics for abstract protocol overview as suggested by Toerless Eckert</a:t>
             </a:r>
-            <a:endParaRPr lang="en-US" sz="2200" b="0" strike="noStrike" spc="-1" dirty="0">
-              <a:latin typeface="Arial"/>
-            </a:endParaRPr>
-          </a:p>
-          <a:p>
-            <a:pPr marL="432000" lvl="1" indent="-215640">
+            <a:endParaRPr b="0" lang="en-US" sz="2200" spc="-1" strike="noStrike">
+              <a:latin typeface="Arial"/>
+            </a:endParaRPr>
+          </a:p>
+          <a:p>
+            <a:pPr lvl="1" marL="432000" indent="-215280">
               <a:lnSpc>
                 <a:spcPct val="100000"/>
               </a:lnSpc>
@@ -9591,7 +8581,7 @@
               <a:buChar char=""/>
             </a:pPr>
             <a:r>
-              <a:rPr lang="en-US" sz="2200" b="0" strike="noStrike" spc="-1" dirty="0">
+              <a:rPr b="0" lang="en-US" sz="2200" spc="-1" strike="noStrike">
                 <a:solidFill>
                   <a:srgbClr val="000000"/>
                 </a:solidFill>
@@ -9600,12 +8590,12 @@
               </a:rPr>
               <a:t>Balanced (sub-)sections and their headers</a:t>
             </a:r>
-            <a:endParaRPr lang="en-US" sz="2200" b="0" strike="noStrike" spc="-1" dirty="0">
-              <a:latin typeface="Arial"/>
-            </a:endParaRPr>
-          </a:p>
-          <a:p>
-            <a:pPr marL="432000" lvl="1" indent="-215640">
+            <a:endParaRPr b="0" lang="en-US" sz="2200" spc="-1" strike="noStrike">
+              <a:latin typeface="Arial"/>
+            </a:endParaRPr>
+          </a:p>
+          <a:p>
+            <a:pPr lvl="1" marL="432000" indent="-215280">
               <a:lnSpc>
                 <a:spcPct val="100000"/>
               </a:lnSpc>
@@ -9623,21 +8613,21 @@
               <a:buChar char=""/>
             </a:pPr>
             <a:r>
-              <a:rPr lang="en-US" sz="2200" b="0" strike="noStrike" spc="-1" dirty="0">
+              <a:rPr b="0" lang="en-US" sz="2200" spc="-1" strike="noStrike">
                 <a:solidFill>
                   <a:srgbClr val="000000"/>
                 </a:solidFill>
                 <a:latin typeface="Calibri"/>
                 <a:ea typeface="DejaVu Sans"/>
               </a:rPr>
-              <a:t>Added details on CMP instance, now called BRSKI-CMP</a:t>
-            </a:r>
-            <a:endParaRPr lang="en-US" sz="2200" b="0" strike="noStrike" spc="-1" dirty="0">
-              <a:latin typeface="Arial"/>
-            </a:endParaRPr>
-          </a:p>
-          <a:p>
-            <a:pPr marL="228600" indent="-226800">
+              <a:t>Added details on Lightweight CMP instance, now called BRSKI-CMP</a:t>
+            </a:r>
+            <a:endParaRPr b="0" lang="en-US" sz="2200" spc="-1" strike="noStrike">
+              <a:latin typeface="Arial"/>
+            </a:endParaRPr>
+          </a:p>
+          <a:p>
+            <a:pPr marL="228600" indent="-226440">
               <a:lnSpc>
                 <a:spcPct val="100000"/>
               </a:lnSpc>
@@ -9654,7 +8644,7 @@
               <a:buChar char="•"/>
             </a:pPr>
             <a:r>
-              <a:rPr lang="en-US" sz="2200" b="0" strike="noStrike" spc="-1" dirty="0">
+              <a:rPr b="0" lang="en-US" sz="2200" spc="-1" strike="noStrike">
                 <a:solidFill>
                   <a:srgbClr val="000000"/>
                 </a:solidFill>
@@ -9663,12 +8653,12 @@
               </a:rPr>
               <a:t>From draft ae-01 to draft ae-02:</a:t>
             </a:r>
-            <a:endParaRPr lang="en-US" sz="2200" b="0" strike="noStrike" spc="-1" dirty="0">
-              <a:latin typeface="Arial"/>
-            </a:endParaRPr>
-          </a:p>
-          <a:p>
-            <a:pPr marL="432000" lvl="1" indent="-215640">
+            <a:endParaRPr b="0" lang="en-US" sz="2200" spc="-1" strike="noStrike">
+              <a:latin typeface="Arial"/>
+            </a:endParaRPr>
+          </a:p>
+          <a:p>
+            <a:pPr lvl="1" marL="432000" indent="-215280">
               <a:lnSpc>
                 <a:spcPct val="100000"/>
               </a:lnSpc>
@@ -9686,7 +8676,7 @@
               <a:buChar char=""/>
             </a:pPr>
             <a:r>
-              <a:rPr lang="en-US" sz="2200" b="0" strike="noStrike" spc="-1" dirty="0">
+              <a:rPr b="0" lang="en-US" sz="2200" spc="-1" strike="noStrike">
                 <a:solidFill>
                   <a:srgbClr val="000000"/>
                 </a:solidFill>
@@ -9695,12 +8685,12 @@
               </a:rPr>
               <a:t>Architecture: clarified registrar role including RA/LRA/enrollment proxy</a:t>
             </a:r>
-            <a:endParaRPr lang="en-US" sz="2200" b="0" strike="noStrike" spc="-1" dirty="0">
-              <a:latin typeface="Arial"/>
-            </a:endParaRPr>
-          </a:p>
-          <a:p>
-            <a:pPr marL="432000" lvl="1" indent="-215640">
+            <a:endParaRPr b="0" lang="en-US" sz="2200" spc="-1" strike="noStrike">
+              <a:latin typeface="Arial"/>
+            </a:endParaRPr>
+          </a:p>
+          <a:p>
+            <a:pPr lvl="1" marL="432000" indent="-215280">
               <a:lnSpc>
                 <a:spcPct val="100000"/>
               </a:lnSpc>
@@ -9718,21 +8708,21 @@
               <a:buChar char=""/>
             </a:pPr>
             <a:r>
-              <a:rPr lang="en-US" sz="2200" b="0" strike="noStrike" spc="-1" dirty="0">
+              <a:rPr b="0" lang="en-US" sz="2200" spc="-1" strike="noStrike">
                 <a:solidFill>
                   <a:srgbClr val="000000"/>
                 </a:solidFill>
                 <a:latin typeface="Calibri"/>
                 <a:ea typeface="DejaVu Sans"/>
               </a:rPr>
-              <a:t>CMP: added reference to CoAP Transport for CMPV2 and Constrained BRSKI</a:t>
-            </a:r>
-            <a:endParaRPr lang="en-US" sz="2200" b="0" strike="noStrike" spc="-1" dirty="0">
-              <a:latin typeface="Arial"/>
-            </a:endParaRPr>
-          </a:p>
-          <a:p>
-            <a:pPr marL="228600" indent="-226800">
+              <a:t>CMP: added reference to CoAP Transport for CMPv2 and Constrained BRSKI</a:t>
+            </a:r>
+            <a:endParaRPr b="0" lang="en-US" sz="2200" spc="-1" strike="noStrike">
+              <a:latin typeface="Arial"/>
+            </a:endParaRPr>
+          </a:p>
+          <a:p>
+            <a:pPr marL="228600" indent="-226440">
               <a:lnSpc>
                 <a:spcPct val="100000"/>
               </a:lnSpc>
@@ -9748,11 +8738,11 @@
               <a:buFont typeface="Arial"/>
               <a:buChar char="•"/>
               <a:tabLst>
-                <a:tab pos="408240" algn="l"/>
+                <a:tab algn="l" pos="408240"/>
               </a:tabLst>
             </a:pPr>
             <a:r>
-              <a:rPr lang="en-US" sz="2200" b="0" strike="noStrike" spc="-1" dirty="0">
+              <a:rPr b="0" lang="en-US" sz="2200" spc="-1" strike="noStrike">
                 <a:solidFill>
                   <a:srgbClr val="000000"/>
                 </a:solidFill>
@@ -9761,7 +8751,7 @@
               </a:rPr>
               <a:t>PoC implementation done</a:t>
             </a:r>
-            <a:endParaRPr lang="en-US" sz="2200" b="0" strike="noStrike" spc="-1" dirty="0">
+            <a:endParaRPr b="0" lang="en-US" sz="2200" spc="-1" strike="noStrike">
               <a:latin typeface="Arial"/>
             </a:endParaRPr>
           </a:p>
@@ -9774,10 +8764,10 @@
                 <a:spcPts val="1001"/>
               </a:spcBef>
               <a:tabLst>
-                <a:tab pos="408240" algn="l"/>
+                <a:tab algn="l" pos="408240"/>
               </a:tabLst>
             </a:pPr>
-            <a:endParaRPr lang="en-US" sz="2200" b="0" strike="noStrike" spc="-1" dirty="0">
+            <a:endParaRPr b="0" lang="en-US" sz="2200" spc="-1" strike="noStrike">
               <a:latin typeface="Arial"/>
             </a:endParaRPr>
           </a:p>
@@ -9785,14 +8775,19 @@
       </p:sp>
     </p:spTree>
   </p:cSld>
-  <p:clrMapOvr>
-    <a:masterClrMapping/>
-  </p:clrMapOvr>
+  <mc:AlternateContent>
+    <mc:Choice Requires="p14">
+      <p:transition spd="slow" p14:dur="2000"/>
+    </mc:Choice>
+    <mc:Fallback>
+      <p:transition spd="slow"/>
+    </mc:Fallback>
+  </mc:AlternateContent>
 </p:sld>
 </file>
 
 <file path=ppt/slides/slide4.xml><?xml version="1.0" encoding="utf-8"?>
-<p:sld xmlns:a="http://schemas.openxmlformats.org/drawingml/2006/main" xmlns:r="http://schemas.openxmlformats.org/officeDocument/2006/relationships" xmlns:p="http://schemas.openxmlformats.org/presentationml/2006/main">
+<p:sld xmlns:a="http://schemas.openxmlformats.org/drawingml/2006/main" xmlns:p="http://schemas.openxmlformats.org/presentationml/2006/main" xmlns:r="http://schemas.openxmlformats.org/officeDocument/2006/relationships" xmlns:p14="http://schemas.microsoft.com/office/powerpoint/2010/main" xmlns:p15="http://schemas.microsoft.com/office/powerpoint/2012/main" xmlns:mc="http://schemas.openxmlformats.org/markup-compatibility/2006">
   <p:cSld>
     <p:spTree>
       <p:nvGrpSpPr>
@@ -9817,7 +8812,7 @@
         <p:spPr>
           <a:xfrm>
             <a:off x="990720" y="1558080"/>
-            <a:ext cx="10707840" cy="5128920"/>
+            <a:ext cx="10707480" cy="5128560"/>
           </a:xfrm>
           <a:prstGeom prst="rect">
             <a:avLst/>
@@ -9828,24 +8823,17 @@
           </a:ln>
         </p:spPr>
         <p:style>
-          <a:lnRef idx="0">
-            <a:scrgbClr r="0" g="0" b="0"/>
-          </a:lnRef>
-          <a:fillRef idx="0">
-            <a:scrgbClr r="0" g="0" b="0"/>
-          </a:fillRef>
-          <a:effectRef idx="0">
-            <a:scrgbClr r="0" g="0" b="0"/>
-          </a:effectRef>
+          <a:lnRef idx="0"/>
+          <a:fillRef idx="0"/>
+          <a:effectRef idx="0"/>
           <a:fontRef idx="minor"/>
         </p:style>
         <p:txBody>
-          <a:bodyPr lIns="90000" tIns="45000" rIns="90000" bIns="45000">
+          <a:bodyPr lIns="90000" rIns="90000" tIns="45000" bIns="45000">
             <a:noAutofit/>
           </a:bodyPr>
-          <a:lstStyle/>
-          <a:p>
-            <a:pPr marL="228600" indent="-226800">
+          <a:p>
+            <a:pPr marL="228600" indent="-226440">
               <a:lnSpc>
                 <a:spcPct val="100000"/>
               </a:lnSpc>
@@ -9859,7 +8847,7 @@
               <a:buChar char="•"/>
             </a:pPr>
             <a:r>
-              <a:rPr lang="en-US" sz="2400" b="0" strike="noStrike" spc="-1">
+              <a:rPr b="0" lang="en-US" sz="2400" spc="-1" strike="noStrike">
                 <a:solidFill>
                   <a:srgbClr val="000000"/>
                 </a:solidFill>
@@ -9869,7 +8857,7 @@
               <a:t>Possibly add detail on applying EST with </a:t>
             </a:r>
             <a:r>
-              <a:rPr lang="en-US" sz="2400" b="0" strike="noStrike" spc="-1">
+              <a:rPr b="0" lang="en-US" sz="2400" spc="-1" strike="noStrike">
                 <a:solidFill>
                   <a:srgbClr val="000000"/>
                 </a:solidFill>
@@ -9879,21 +8867,21 @@
               <a:t>/fullCMC</a:t>
             </a:r>
             <a:r>
-              <a:rPr lang="en-US" sz="2400" b="0" strike="noStrike" spc="-1">
+              <a:rPr b="0" lang="en-US" sz="2400" spc="-1" strike="noStrike">
                 <a:solidFill>
                   <a:srgbClr val="000000"/>
                 </a:solidFill>
                 <a:latin typeface="Calibri"/>
                 <a:ea typeface="DejaVu Sans"/>
               </a:rPr>
-              <a:t> (→ Eliot Lear)</a:t>
-            </a:r>
-            <a:endParaRPr lang="en-US" sz="2400" b="0" strike="noStrike" spc="-1">
-              <a:latin typeface="Arial"/>
-            </a:endParaRPr>
-          </a:p>
-          <a:p>
-            <a:pPr marL="228600" indent="-226800">
+              <a:t> (→ Eliot Lear) ?</a:t>
+            </a:r>
+            <a:endParaRPr b="0" lang="en-US" sz="2400" spc="-1" strike="noStrike">
+              <a:latin typeface="Arial"/>
+            </a:endParaRPr>
+          </a:p>
+          <a:p>
+            <a:pPr marL="228600" indent="-226440">
               <a:lnSpc>
                 <a:spcPct val="100000"/>
               </a:lnSpc>
@@ -9907,21 +8895,21 @@
               <a:buChar char="•"/>
             </a:pPr>
             <a:r>
-              <a:rPr lang="en-US" sz="2400" b="0" strike="noStrike" spc="-1">
+              <a:rPr b="0" lang="en-US" sz="2400" spc="-1" strike="noStrike">
                 <a:solidFill>
                   <a:srgbClr val="000000"/>
                 </a:solidFill>
                 <a:latin typeface="Calibri"/>
                 <a:ea typeface="DejaVu Sans"/>
               </a:rPr>
-              <a:t>Document shepherd review (→ Toerless Eckert)</a:t>
-            </a:r>
-            <a:endParaRPr lang="en-US" sz="2400" b="0" strike="noStrike" spc="-1">
-              <a:latin typeface="Arial"/>
-            </a:endParaRPr>
-          </a:p>
-          <a:p>
-            <a:pPr marL="228600" indent="-226800">
+              <a:t>Document shepherd review (→ Toerless Eckert) ?</a:t>
+            </a:r>
+            <a:endParaRPr b="0" lang="en-US" sz="2400" spc="-1" strike="noStrike">
+              <a:latin typeface="Arial"/>
+            </a:endParaRPr>
+          </a:p>
+          <a:p>
+            <a:pPr marL="228600" indent="-226440">
               <a:lnSpc>
                 <a:spcPct val="100000"/>
               </a:lnSpc>
@@ -9934,25 +8922,25 @@
               <a:buFont typeface="Arial"/>
               <a:buChar char="•"/>
               <a:tabLst>
-                <a:tab pos="408240" algn="l"/>
+                <a:tab algn="l" pos="408240"/>
               </a:tabLst>
             </a:pPr>
             <a:r>
-              <a:rPr lang="en-US" sz="2400" b="0" strike="noStrike" spc="-1">
+              <a:rPr b="0" lang="en-US" sz="2400" spc="-1" strike="noStrike">
                 <a:solidFill>
                   <a:srgbClr val="000000"/>
                 </a:solidFill>
                 <a:latin typeface="Calibri"/>
                 <a:ea typeface="DejaVu Sans"/>
               </a:rPr>
-              <a:t>WG review appreciated</a:t>
-            </a:r>
-            <a:endParaRPr lang="en-US" sz="2400" b="0" strike="noStrike" spc="-1">
-              <a:latin typeface="Arial"/>
-            </a:endParaRPr>
-          </a:p>
-          <a:p>
-            <a:pPr marL="228600" indent="-226800">
+              <a:t>WG review?</a:t>
+            </a:r>
+            <a:endParaRPr b="0" lang="en-US" sz="2400" spc="-1" strike="noStrike">
+              <a:latin typeface="Arial"/>
+            </a:endParaRPr>
+          </a:p>
+          <a:p>
+            <a:pPr marL="228600" indent="-226440">
               <a:lnSpc>
                 <a:spcPct val="100000"/>
               </a:lnSpc>
@@ -9965,11 +8953,11 @@
               <a:buFont typeface="Arial"/>
               <a:buChar char="•"/>
               <a:tabLst>
-                <a:tab pos="408240" algn="l"/>
+                <a:tab algn="l" pos="408240"/>
               </a:tabLst>
             </a:pPr>
             <a:r>
-              <a:rPr lang="en-US" sz="2400" b="0" strike="noStrike" spc="-1">
+              <a:rPr b="0" lang="en-US" sz="2400" spc="-1" strike="noStrike">
                 <a:solidFill>
                   <a:srgbClr val="000000"/>
                 </a:solidFill>
@@ -9978,7 +8966,7 @@
               </a:rPr>
               <a:t>Ready for WGLC?</a:t>
             </a:r>
-            <a:endParaRPr lang="en-US" sz="2400" b="0" strike="noStrike" spc="-1">
+            <a:endParaRPr b="0" lang="en-US" sz="2400" spc="-1" strike="noStrike">
               <a:latin typeface="Arial"/>
             </a:endParaRPr>
           </a:p>
@@ -9991,10 +8979,10 @@
                 <a:spcPts val="601"/>
               </a:spcBef>
               <a:tabLst>
-                <a:tab pos="0" algn="l"/>
+                <a:tab algn="l" pos="0"/>
               </a:tabLst>
             </a:pPr>
-            <a:endParaRPr lang="en-US" sz="2400" b="0" strike="noStrike" spc="-1">
+            <a:endParaRPr b="0" lang="en-US" sz="2400" spc="-1" strike="noStrike">
               <a:latin typeface="Arial"/>
             </a:endParaRPr>
           </a:p>
@@ -10007,10 +8995,10 @@
                 <a:spcPts val="1001"/>
               </a:spcBef>
               <a:tabLst>
-                <a:tab pos="0" algn="l"/>
+                <a:tab algn="l" pos="0"/>
               </a:tabLst>
             </a:pPr>
-            <a:endParaRPr lang="en-US" sz="2400" b="0" strike="noStrike" spc="-1">
+            <a:endParaRPr b="0" lang="en-US" sz="2400" spc="-1" strike="noStrike">
               <a:latin typeface="Arial"/>
             </a:endParaRPr>
           </a:p>
@@ -10025,7 +9013,7 @@
         <p:spPr>
           <a:xfrm>
             <a:off x="838080" y="365040"/>
-            <a:ext cx="10513800" cy="1323720"/>
+            <a:ext cx="10513440" cy="1323360"/>
           </a:xfrm>
           <a:prstGeom prst="rect">
             <a:avLst/>
@@ -10036,22 +9024,15 @@
           </a:ln>
         </p:spPr>
         <p:style>
-          <a:lnRef idx="0">
-            <a:scrgbClr r="0" g="0" b="0"/>
-          </a:lnRef>
-          <a:fillRef idx="0">
-            <a:scrgbClr r="0" g="0" b="0"/>
-          </a:fillRef>
-          <a:effectRef idx="0">
-            <a:scrgbClr r="0" g="0" b="0"/>
-          </a:effectRef>
+          <a:lnRef idx="0"/>
+          <a:fillRef idx="0"/>
+          <a:effectRef idx="0"/>
           <a:fontRef idx="minor"/>
         </p:style>
         <p:txBody>
-          <a:bodyPr lIns="90000" tIns="45000" rIns="90000" bIns="45000" anchor="ctr">
+          <a:bodyPr lIns="90000" rIns="90000" tIns="45000" bIns="45000" anchor="ctr">
             <a:normAutofit/>
           </a:bodyPr>
-          <a:lstStyle/>
           <a:p>
             <a:pPr>
               <a:lnSpc>
@@ -10059,7 +9040,7 @@
               </a:lnSpc>
             </a:pPr>
             <a:r>
-              <a:rPr lang="en-US" sz="3600" b="0" strike="noStrike" spc="-1">
+              <a:rPr b="0" lang="en-US" sz="3600" spc="-1" strike="noStrike">
                 <a:solidFill>
                   <a:srgbClr val="000000"/>
                 </a:solidFill>
@@ -10068,7 +9049,7 @@
               </a:rPr>
               <a:t>BRSKI-AE status: open points</a:t>
             </a:r>
-            <a:endParaRPr lang="en-US" sz="3600" b="0" strike="noStrike" spc="-1">
+            <a:endParaRPr b="0" lang="en-US" sz="3600" spc="-1" strike="noStrike">
               <a:latin typeface="Arial"/>
             </a:endParaRPr>
           </a:p>
@@ -10076,9 +9057,14 @@
       </p:sp>
     </p:spTree>
   </p:cSld>
-  <p:clrMapOvr>
-    <a:masterClrMapping/>
-  </p:clrMapOvr>
+  <mc:AlternateContent>
+    <mc:Choice Requires="p14">
+      <p:transition spd="slow" p14:dur="2000"/>
+    </mc:Choice>
+    <mc:Fallback>
+      <p:transition spd="slow"/>
+    </mc:Fallback>
+  </mc:AlternateContent>
 </p:sld>
 </file>
 
@@ -10093,34 +9079,34 @@
         <a:sysClr val="window" lastClr="FFFFFF"/>
       </a:lt1>
       <a:dk2>
-        <a:srgbClr val="44546A"/>
+        <a:srgbClr val="44546a"/>
       </a:dk2>
       <a:lt2>
-        <a:srgbClr val="E7E6E6"/>
+        <a:srgbClr val="e7e6e6"/>
       </a:lt2>
       <a:accent1>
-        <a:srgbClr val="4472C4"/>
+        <a:srgbClr val="4472c4"/>
       </a:accent1>
       <a:accent2>
-        <a:srgbClr val="ED7D31"/>
+        <a:srgbClr val="ed7d31"/>
       </a:accent2>
       <a:accent3>
-        <a:srgbClr val="A5A5A5"/>
+        <a:srgbClr val="a5a5a5"/>
       </a:accent3>
       <a:accent4>
-        <a:srgbClr val="FFC000"/>
+        <a:srgbClr val="ffc000"/>
       </a:accent4>
       <a:accent5>
-        <a:srgbClr val="5B9BD5"/>
+        <a:srgbClr val="5b9bd5"/>
       </a:accent5>
       <a:accent6>
-        <a:srgbClr val="70AD47"/>
+        <a:srgbClr val="70ad47"/>
       </a:accent6>
       <a:hlink>
-        <a:srgbClr val="0563C1"/>
+        <a:srgbClr val="0563c1"/>
       </a:hlink>
       <a:folHlink>
-        <a:srgbClr val="954F72"/>
+        <a:srgbClr val="954f72"/>
       </a:folHlink>
     </a:clrScheme>
     <a:fontScheme name="Office">
@@ -10305,8 +9291,6 @@
       </a:bgFillStyleLst>
     </a:fmtScheme>
   </a:themeElements>
-  <a:objectDefaults/>
-  <a:extraClrSchemeLst/>
 </a:theme>
 </file>
 
@@ -10321,34 +9305,34 @@
         <a:sysClr val="window" lastClr="FFFFFF"/>
       </a:lt1>
       <a:dk2>
-        <a:srgbClr val="44546A"/>
+        <a:srgbClr val="44546a"/>
       </a:dk2>
       <a:lt2>
-        <a:srgbClr val="E7E6E6"/>
+        <a:srgbClr val="e7e6e6"/>
       </a:lt2>
       <a:accent1>
-        <a:srgbClr val="4472C4"/>
+        <a:srgbClr val="4472c4"/>
       </a:accent1>
       <a:accent2>
-        <a:srgbClr val="ED7D31"/>
+        <a:srgbClr val="ed7d31"/>
       </a:accent2>
       <a:accent3>
-        <a:srgbClr val="A5A5A5"/>
+        <a:srgbClr val="a5a5a5"/>
       </a:accent3>
       <a:accent4>
-        <a:srgbClr val="FFC000"/>
+        <a:srgbClr val="ffc000"/>
       </a:accent4>
       <a:accent5>
-        <a:srgbClr val="5B9BD5"/>
+        <a:srgbClr val="5b9bd5"/>
       </a:accent5>
       <a:accent6>
-        <a:srgbClr val="70AD47"/>
+        <a:srgbClr val="70ad47"/>
       </a:accent6>
       <a:hlink>
-        <a:srgbClr val="0563C1"/>
+        <a:srgbClr val="0563c1"/>
       </a:hlink>
       <a:folHlink>
-        <a:srgbClr val="954F72"/>
+        <a:srgbClr val="954f72"/>
       </a:folHlink>
     </a:clrScheme>
     <a:fontScheme name="Office">
@@ -10533,8 +9517,6 @@
       </a:bgFillStyleLst>
     </a:fmtScheme>
   </a:themeElements>
-  <a:objectDefaults/>
-  <a:extraClrSchemeLst/>
 </a:theme>
 </file>
 
@@ -10549,34 +9531,34 @@
         <a:sysClr val="window" lastClr="FFFFFF"/>
       </a:lt1>
       <a:dk2>
-        <a:srgbClr val="44546A"/>
+        <a:srgbClr val="44546a"/>
       </a:dk2>
       <a:lt2>
-        <a:srgbClr val="E7E6E6"/>
+        <a:srgbClr val="e7e6e6"/>
       </a:lt2>
       <a:accent1>
-        <a:srgbClr val="4472C4"/>
+        <a:srgbClr val="4472c4"/>
       </a:accent1>
       <a:accent2>
-        <a:srgbClr val="ED7D31"/>
+        <a:srgbClr val="ed7d31"/>
       </a:accent2>
       <a:accent3>
-        <a:srgbClr val="A5A5A5"/>
+        <a:srgbClr val="a5a5a5"/>
       </a:accent3>
       <a:accent4>
-        <a:srgbClr val="FFC000"/>
+        <a:srgbClr val="ffc000"/>
       </a:accent4>
       <a:accent5>
-        <a:srgbClr val="5B9BD5"/>
+        <a:srgbClr val="5b9bd5"/>
       </a:accent5>
       <a:accent6>
-        <a:srgbClr val="70AD47"/>
+        <a:srgbClr val="70ad47"/>
       </a:accent6>
       <a:hlink>
-        <a:srgbClr val="0563C1"/>
+        <a:srgbClr val="0563c1"/>
       </a:hlink>
       <a:folHlink>
-        <a:srgbClr val="954F72"/>
+        <a:srgbClr val="954f72"/>
       </a:folHlink>
     </a:clrScheme>
     <a:fontScheme name="Office">
@@ -10761,7 +9743,5 @@
       </a:bgFillStyleLst>
     </a:fmtScheme>
   </a:themeElements>
-  <a:objectDefaults/>
-  <a:extraClrSchemeLst/>
 </a:theme>
 </file>